--- a/Abschlusspräsentation_LIKE.pptx
+++ b/Abschlusspräsentation_LIKE.pptx
@@ -7,6 +7,9 @@
   <p:notesMasterIdLst>
     <p:notesMasterId r:id="rId37"/>
   </p:notesMasterIdLst>
+  <p:handoutMasterIdLst>
+    <p:handoutMasterId r:id="rId38"/>
+  </p:handoutMasterIdLst>
   <p:sldIdLst>
     <p:sldId id="256" r:id="rId2"/>
     <p:sldId id="257" r:id="rId3"/>
@@ -45,7 +48,7 @@
     <p:sldId id="291" r:id="rId36"/>
   </p:sldIdLst>
   <p:sldSz cx="9144000" cy="6858000" type="screen4x3"/>
-  <p:notesSz cx="6858000" cy="9144000"/>
+  <p:notesSz cx="6884988" cy="10018713"/>
   <p:defaultTextStyle>
     <a:defPPr>
       <a:defRPr lang="de-DE"/>
@@ -200,6 +203,171 @@
 </p:presentation>
 </file>
 
+<file path=ppt/handoutMasters/handoutMaster1.xml><?xml version="1.0" encoding="utf-8"?>
+<p:handoutMaster xmlns:a="http://schemas.openxmlformats.org/drawingml/2006/main" xmlns:r="http://schemas.openxmlformats.org/officeDocument/2006/relationships" xmlns:p="http://schemas.openxmlformats.org/presentationml/2006/main">
+  <p:cSld>
+    <p:bg>
+      <p:bgRef idx="1001">
+        <a:schemeClr val="bg1"/>
+      </p:bgRef>
+    </p:bg>
+    <p:spTree>
+      <p:nvGrpSpPr>
+        <p:cNvPr id="1" name=""/>
+        <p:cNvGrpSpPr/>
+        <p:nvPr/>
+      </p:nvGrpSpPr>
+      <p:grpSpPr>
+        <a:xfrm>
+          <a:off x="0" y="0"/>
+          <a:ext cx="0" cy="0"/>
+          <a:chOff x="0" y="0"/>
+          <a:chExt cx="0" cy="0"/>
+        </a:xfrm>
+      </p:grpSpPr>
+      <p:sp>
+        <p:nvSpPr>
+          <p:cNvPr id="2" name="Kopfzeilenplatzhalter 1"/>
+          <p:cNvSpPr>
+            <a:spLocks noGrp="1"/>
+          </p:cNvSpPr>
+          <p:nvPr>
+            <p:ph type="hdr" sz="quarter"/>
+          </p:nvPr>
+        </p:nvSpPr>
+        <p:spPr>
+          <a:xfrm>
+            <a:off x="0" y="0"/>
+            <a:ext cx="2983495" cy="502676"/>
+          </a:xfrm>
+          <a:prstGeom prst="rect">
+            <a:avLst/>
+          </a:prstGeom>
+        </p:spPr>
+        <p:txBody>
+          <a:bodyPr vert="horz" lIns="96588" tIns="48294" rIns="96588" bIns="48294" rtlCol="0"/>
+          <a:lstStyle>
+            <a:lvl1pPr algn="l">
+              <a:defRPr sz="1300"/>
+            </a:lvl1pPr>
+          </a:lstStyle>
+          <a:p>
+            <a:endParaRPr lang="de-DE"/>
+          </a:p>
+        </p:txBody>
+      </p:sp>
+      <p:sp>
+        <p:nvSpPr>
+          <p:cNvPr id="3" name="Datumsplatzhalter 2"/>
+          <p:cNvSpPr>
+            <a:spLocks noGrp="1"/>
+          </p:cNvSpPr>
+          <p:nvPr>
+            <p:ph type="dt" sz="quarter" idx="1"/>
+          </p:nvPr>
+        </p:nvSpPr>
+        <p:spPr>
+          <a:xfrm>
+            <a:off x="3899900" y="0"/>
+            <a:ext cx="2983495" cy="502676"/>
+          </a:xfrm>
+          <a:prstGeom prst="rect">
+            <a:avLst/>
+          </a:prstGeom>
+        </p:spPr>
+        <p:txBody>
+          <a:bodyPr vert="horz" lIns="96588" tIns="48294" rIns="96588" bIns="48294" rtlCol="0"/>
+          <a:lstStyle>
+            <a:lvl1pPr algn="r">
+              <a:defRPr sz="1300"/>
+            </a:lvl1pPr>
+          </a:lstStyle>
+          <a:p>
+            <a:fld id="{ED8573FC-B1B7-449E-94FD-2BED2B511D1C}" type="datetimeFigureOut">
+              <a:rPr lang="de-DE" smtClean="0"/>
+              <a:t>16.02.2015</a:t>
+            </a:fld>
+            <a:endParaRPr lang="de-DE"/>
+          </a:p>
+        </p:txBody>
+      </p:sp>
+      <p:sp>
+        <p:nvSpPr>
+          <p:cNvPr id="4" name="Fußzeilenplatzhalter 3"/>
+          <p:cNvSpPr>
+            <a:spLocks noGrp="1"/>
+          </p:cNvSpPr>
+          <p:nvPr>
+            <p:ph type="ftr" sz="quarter" idx="2"/>
+          </p:nvPr>
+        </p:nvSpPr>
+        <p:spPr>
+          <a:xfrm>
+            <a:off x="0" y="9516039"/>
+            <a:ext cx="2983495" cy="502674"/>
+          </a:xfrm>
+          <a:prstGeom prst="rect">
+            <a:avLst/>
+          </a:prstGeom>
+        </p:spPr>
+        <p:txBody>
+          <a:bodyPr vert="horz" lIns="96588" tIns="48294" rIns="96588" bIns="48294" rtlCol="0" anchor="b"/>
+          <a:lstStyle>
+            <a:lvl1pPr algn="l">
+              <a:defRPr sz="1300"/>
+            </a:lvl1pPr>
+          </a:lstStyle>
+          <a:p>
+            <a:endParaRPr lang="de-DE"/>
+          </a:p>
+        </p:txBody>
+      </p:sp>
+      <p:sp>
+        <p:nvSpPr>
+          <p:cNvPr id="5" name="Foliennummernplatzhalter 4"/>
+          <p:cNvSpPr>
+            <a:spLocks noGrp="1"/>
+          </p:cNvSpPr>
+          <p:nvPr>
+            <p:ph type="sldNum" sz="quarter" idx="3"/>
+          </p:nvPr>
+        </p:nvSpPr>
+        <p:spPr>
+          <a:xfrm>
+            <a:off x="3899900" y="9516039"/>
+            <a:ext cx="2983495" cy="502674"/>
+          </a:xfrm>
+          <a:prstGeom prst="rect">
+            <a:avLst/>
+          </a:prstGeom>
+        </p:spPr>
+        <p:txBody>
+          <a:bodyPr vert="horz" lIns="96588" tIns="48294" rIns="96588" bIns="48294" rtlCol="0" anchor="b"/>
+          <a:lstStyle>
+            <a:lvl1pPr algn="r">
+              <a:defRPr sz="1300"/>
+            </a:lvl1pPr>
+          </a:lstStyle>
+          <a:p>
+            <a:fld id="{7F80B5FC-91DC-4074-8AAB-60AB67F0215C}" type="slidenum">
+              <a:rPr lang="de-DE" smtClean="0"/>
+              <a:t>‹Nr.›</a:t>
+            </a:fld>
+            <a:endParaRPr lang="de-DE"/>
+          </a:p>
+        </p:txBody>
+      </p:sp>
+    </p:spTree>
+    <p:extLst>
+      <p:ext uri="{BB962C8B-B14F-4D97-AF65-F5344CB8AC3E}">
+        <p14:creationId xmlns:p14="http://schemas.microsoft.com/office/powerpoint/2010/main" val="4116696300"/>
+      </p:ext>
+    </p:extLst>
+  </p:cSld>
+  <p:clrMap bg1="lt1" tx1="dk1" bg2="lt2" tx2="dk2" accent1="accent1" accent2="accent2" accent3="accent3" accent4="accent4" accent5="accent5" accent6="accent6" hlink="hlink" folHlink="folHlink"/>
+</p:handoutMaster>
+</file>
+
 <file path=ppt/notesMasters/notesMaster1.xml><?xml version="1.0" encoding="utf-8"?>
 <p:notesMaster xmlns:a="http://schemas.openxmlformats.org/drawingml/2006/main" xmlns:r="http://schemas.openxmlformats.org/officeDocument/2006/relationships" xmlns:p="http://schemas.openxmlformats.org/presentationml/2006/main">
   <p:cSld>
@@ -235,17 +403,17 @@
         <p:spPr>
           <a:xfrm>
             <a:off x="0" y="0"/>
-            <a:ext cx="2971800" cy="457200"/>
+            <a:ext cx="2983495" cy="500936"/>
           </a:xfrm>
           <a:prstGeom prst="rect">
             <a:avLst/>
           </a:prstGeom>
         </p:spPr>
         <p:txBody>
-          <a:bodyPr vert="horz" lIns="91440" tIns="45720" rIns="91440" bIns="45720" rtlCol="0"/>
+          <a:bodyPr vert="horz" lIns="96588" tIns="48294" rIns="96588" bIns="48294" rtlCol="0"/>
           <a:lstStyle>
             <a:lvl1pPr algn="l">
-              <a:defRPr sz="1200"/>
+              <a:defRPr sz="1300"/>
             </a:lvl1pPr>
           </a:lstStyle>
           <a:p>
@@ -265,18 +433,18 @@
         </p:nvSpPr>
         <p:spPr>
           <a:xfrm>
-            <a:off x="3884613" y="0"/>
-            <a:ext cx="2971800" cy="457200"/>
+            <a:off x="3899900" y="0"/>
+            <a:ext cx="2983495" cy="500936"/>
           </a:xfrm>
           <a:prstGeom prst="rect">
             <a:avLst/>
           </a:prstGeom>
         </p:spPr>
         <p:txBody>
-          <a:bodyPr vert="horz" lIns="91440" tIns="45720" rIns="91440" bIns="45720" rtlCol="0"/>
+          <a:bodyPr vert="horz" lIns="96588" tIns="48294" rIns="96588" bIns="48294" rtlCol="0"/>
           <a:lstStyle>
             <a:lvl1pPr algn="r">
-              <a:defRPr sz="1200"/>
+              <a:defRPr sz="1300"/>
             </a:lvl1pPr>
           </a:lstStyle>
           <a:p>
@@ -301,8 +469,8 @@
         </p:nvSpPr>
         <p:spPr>
           <a:xfrm>
-            <a:off x="1143000" y="685800"/>
-            <a:ext cx="4572000" cy="3429000"/>
+            <a:off x="938213" y="750888"/>
+            <a:ext cx="5008562" cy="3757612"/>
           </a:xfrm>
           <a:prstGeom prst="rect">
             <a:avLst/>
@@ -315,7 +483,7 @@
           </a:ln>
         </p:spPr>
         <p:txBody>
-          <a:bodyPr vert="horz" lIns="91440" tIns="45720" rIns="91440" bIns="45720" rtlCol="0" anchor="ctr"/>
+          <a:bodyPr vert="horz" lIns="96588" tIns="48294" rIns="96588" bIns="48294" rtlCol="0" anchor="ctr"/>
           <a:lstStyle/>
           <a:p>
             <a:endParaRPr lang="de-DE"/>
@@ -334,15 +502,15 @@
         </p:nvSpPr>
         <p:spPr>
           <a:xfrm>
-            <a:off x="685800" y="4343400"/>
-            <a:ext cx="5486400" cy="4114800"/>
+            <a:off x="688499" y="4758889"/>
+            <a:ext cx="5507990" cy="4508421"/>
           </a:xfrm>
           <a:prstGeom prst="rect">
             <a:avLst/>
           </a:prstGeom>
         </p:spPr>
         <p:txBody>
-          <a:bodyPr vert="horz" lIns="91440" tIns="45720" rIns="91440" bIns="45720" rtlCol="0">
+          <a:bodyPr vert="horz" lIns="96588" tIns="48294" rIns="96588" bIns="48294" rtlCol="0">
             <a:normAutofit/>
           </a:bodyPr>
           <a:lstStyle/>
@@ -396,18 +564,18 @@
         </p:nvSpPr>
         <p:spPr>
           <a:xfrm>
-            <a:off x="0" y="8685213"/>
-            <a:ext cx="2971800" cy="457200"/>
+            <a:off x="0" y="9516038"/>
+            <a:ext cx="2983495" cy="500936"/>
           </a:xfrm>
           <a:prstGeom prst="rect">
             <a:avLst/>
           </a:prstGeom>
         </p:spPr>
         <p:txBody>
-          <a:bodyPr vert="horz" lIns="91440" tIns="45720" rIns="91440" bIns="45720" rtlCol="0" anchor="b"/>
+          <a:bodyPr vert="horz" lIns="96588" tIns="48294" rIns="96588" bIns="48294" rtlCol="0" anchor="b"/>
           <a:lstStyle>
             <a:lvl1pPr algn="l">
-              <a:defRPr sz="1200"/>
+              <a:defRPr sz="1300"/>
             </a:lvl1pPr>
           </a:lstStyle>
           <a:p>
@@ -427,18 +595,18 @@
         </p:nvSpPr>
         <p:spPr>
           <a:xfrm>
-            <a:off x="3884613" y="8685213"/>
-            <a:ext cx="2971800" cy="457200"/>
+            <a:off x="3899900" y="9516038"/>
+            <a:ext cx="2983495" cy="500936"/>
           </a:xfrm>
           <a:prstGeom prst="rect">
             <a:avLst/>
           </a:prstGeom>
         </p:spPr>
         <p:txBody>
-          <a:bodyPr vert="horz" lIns="91440" tIns="45720" rIns="91440" bIns="45720" rtlCol="0" anchor="b"/>
+          <a:bodyPr vert="horz" lIns="96588" tIns="48294" rIns="96588" bIns="48294" rtlCol="0" anchor="b"/>
           <a:lstStyle>
             <a:lvl1pPr algn="r">
-              <a:defRPr sz="1200"/>
+              <a:defRPr sz="1300"/>
             </a:lvl1pPr>
           </a:lstStyle>
           <a:p>
@@ -552,6 +720,2981 @@
     </a:lvl9pPr>
   </p:notesStyle>
 </p:notesMaster>
+</file>
+
+<file path=ppt/notesSlides/notesSlide1.xml><?xml version="1.0" encoding="utf-8"?>
+<p:notes xmlns:a="http://schemas.openxmlformats.org/drawingml/2006/main" xmlns:r="http://schemas.openxmlformats.org/officeDocument/2006/relationships" xmlns:p="http://schemas.openxmlformats.org/presentationml/2006/main">
+  <p:cSld>
+    <p:spTree>
+      <p:nvGrpSpPr>
+        <p:cNvPr id="1" name=""/>
+        <p:cNvGrpSpPr/>
+        <p:nvPr/>
+      </p:nvGrpSpPr>
+      <p:grpSpPr>
+        <a:xfrm>
+          <a:off x="0" y="0"/>
+          <a:ext cx="0" cy="0"/>
+          <a:chOff x="0" y="0"/>
+          <a:chExt cx="0" cy="0"/>
+        </a:xfrm>
+      </p:grpSpPr>
+      <p:sp>
+        <p:nvSpPr>
+          <p:cNvPr id="2" name="Folienbildplatzhalter 1"/>
+          <p:cNvSpPr>
+            <a:spLocks noGrp="1" noRot="1" noChangeAspect="1"/>
+          </p:cNvSpPr>
+          <p:nvPr>
+            <p:ph type="sldImg"/>
+          </p:nvPr>
+        </p:nvSpPr>
+        <p:spPr/>
+      </p:sp>
+      <p:sp>
+        <p:nvSpPr>
+          <p:cNvPr id="3" name="Notizenplatzhalter 2"/>
+          <p:cNvSpPr>
+            <a:spLocks noGrp="1"/>
+          </p:cNvSpPr>
+          <p:nvPr>
+            <p:ph type="body" idx="1"/>
+          </p:nvPr>
+        </p:nvSpPr>
+        <p:spPr/>
+        <p:txBody>
+          <a:bodyPr/>
+          <a:lstStyle/>
+          <a:p>
+            <a:endParaRPr lang="de-DE"/>
+          </a:p>
+        </p:txBody>
+      </p:sp>
+      <p:sp>
+        <p:nvSpPr>
+          <p:cNvPr id="4" name="Foliennummernplatzhalter 3"/>
+          <p:cNvSpPr>
+            <a:spLocks noGrp="1"/>
+          </p:cNvSpPr>
+          <p:nvPr>
+            <p:ph type="sldNum" sz="quarter" idx="10"/>
+          </p:nvPr>
+        </p:nvSpPr>
+        <p:spPr/>
+        <p:txBody>
+          <a:bodyPr/>
+          <a:lstStyle/>
+          <a:p>
+            <a:fld id="{6501CEFE-DE82-244F-A447-0C560DC9C582}" type="slidenum">
+              <a:rPr lang="de-DE" smtClean="0"/>
+              <a:pPr/>
+              <a:t>1</a:t>
+            </a:fld>
+            <a:endParaRPr lang="de-DE"/>
+          </a:p>
+        </p:txBody>
+      </p:sp>
+    </p:spTree>
+    <p:extLst>
+      <p:ext uri="{BB962C8B-B14F-4D97-AF65-F5344CB8AC3E}">
+        <p14:creationId xmlns:p14="http://schemas.microsoft.com/office/powerpoint/2010/main" val="3337670115"/>
+      </p:ext>
+    </p:extLst>
+  </p:cSld>
+  <p:clrMapOvr>
+    <a:masterClrMapping/>
+  </p:clrMapOvr>
+</p:notes>
+</file>
+
+<file path=ppt/notesSlides/notesSlide10.xml><?xml version="1.0" encoding="utf-8"?>
+<p:notes xmlns:a="http://schemas.openxmlformats.org/drawingml/2006/main" xmlns:r="http://schemas.openxmlformats.org/officeDocument/2006/relationships" xmlns:p="http://schemas.openxmlformats.org/presentationml/2006/main">
+  <p:cSld>
+    <p:spTree>
+      <p:nvGrpSpPr>
+        <p:cNvPr id="1" name=""/>
+        <p:cNvGrpSpPr/>
+        <p:nvPr/>
+      </p:nvGrpSpPr>
+      <p:grpSpPr>
+        <a:xfrm>
+          <a:off x="0" y="0"/>
+          <a:ext cx="0" cy="0"/>
+          <a:chOff x="0" y="0"/>
+          <a:chExt cx="0" cy="0"/>
+        </a:xfrm>
+      </p:grpSpPr>
+      <p:sp>
+        <p:nvSpPr>
+          <p:cNvPr id="2" name="Folienbildplatzhalter 1"/>
+          <p:cNvSpPr>
+            <a:spLocks noGrp="1" noRot="1" noChangeAspect="1"/>
+          </p:cNvSpPr>
+          <p:nvPr>
+            <p:ph type="sldImg"/>
+          </p:nvPr>
+        </p:nvSpPr>
+        <p:spPr/>
+      </p:sp>
+      <p:sp>
+        <p:nvSpPr>
+          <p:cNvPr id="3" name="Notizenplatzhalter 2"/>
+          <p:cNvSpPr>
+            <a:spLocks noGrp="1"/>
+          </p:cNvSpPr>
+          <p:nvPr>
+            <p:ph type="body" idx="1"/>
+          </p:nvPr>
+        </p:nvSpPr>
+        <p:spPr/>
+        <p:txBody>
+          <a:bodyPr/>
+          <a:lstStyle/>
+          <a:p>
+            <a:endParaRPr lang="de-DE"/>
+          </a:p>
+        </p:txBody>
+      </p:sp>
+      <p:sp>
+        <p:nvSpPr>
+          <p:cNvPr id="4" name="Foliennummernplatzhalter 3"/>
+          <p:cNvSpPr>
+            <a:spLocks noGrp="1"/>
+          </p:cNvSpPr>
+          <p:nvPr>
+            <p:ph type="sldNum" sz="quarter" idx="10"/>
+          </p:nvPr>
+        </p:nvSpPr>
+        <p:spPr/>
+        <p:txBody>
+          <a:bodyPr/>
+          <a:lstStyle/>
+          <a:p>
+            <a:fld id="{6501CEFE-DE82-244F-A447-0C560DC9C582}" type="slidenum">
+              <a:rPr lang="de-DE" smtClean="0"/>
+              <a:pPr/>
+              <a:t>10</a:t>
+            </a:fld>
+            <a:endParaRPr lang="de-DE"/>
+          </a:p>
+        </p:txBody>
+      </p:sp>
+    </p:spTree>
+    <p:extLst>
+      <p:ext uri="{BB962C8B-B14F-4D97-AF65-F5344CB8AC3E}">
+        <p14:creationId xmlns:p14="http://schemas.microsoft.com/office/powerpoint/2010/main" val="2874652362"/>
+      </p:ext>
+    </p:extLst>
+  </p:cSld>
+  <p:clrMapOvr>
+    <a:masterClrMapping/>
+  </p:clrMapOvr>
+</p:notes>
+</file>
+
+<file path=ppt/notesSlides/notesSlide11.xml><?xml version="1.0" encoding="utf-8"?>
+<p:notes xmlns:a="http://schemas.openxmlformats.org/drawingml/2006/main" xmlns:r="http://schemas.openxmlformats.org/officeDocument/2006/relationships" xmlns:p="http://schemas.openxmlformats.org/presentationml/2006/main">
+  <p:cSld>
+    <p:spTree>
+      <p:nvGrpSpPr>
+        <p:cNvPr id="1" name=""/>
+        <p:cNvGrpSpPr/>
+        <p:nvPr/>
+      </p:nvGrpSpPr>
+      <p:grpSpPr>
+        <a:xfrm>
+          <a:off x="0" y="0"/>
+          <a:ext cx="0" cy="0"/>
+          <a:chOff x="0" y="0"/>
+          <a:chExt cx="0" cy="0"/>
+        </a:xfrm>
+      </p:grpSpPr>
+      <p:sp>
+        <p:nvSpPr>
+          <p:cNvPr id="2" name="Folienbildplatzhalter 1"/>
+          <p:cNvSpPr>
+            <a:spLocks noGrp="1" noRot="1" noChangeAspect="1"/>
+          </p:cNvSpPr>
+          <p:nvPr>
+            <p:ph type="sldImg"/>
+          </p:nvPr>
+        </p:nvSpPr>
+        <p:spPr/>
+      </p:sp>
+      <p:sp>
+        <p:nvSpPr>
+          <p:cNvPr id="3" name="Notizenplatzhalter 2"/>
+          <p:cNvSpPr>
+            <a:spLocks noGrp="1"/>
+          </p:cNvSpPr>
+          <p:nvPr>
+            <p:ph type="body" idx="1"/>
+          </p:nvPr>
+        </p:nvSpPr>
+        <p:spPr/>
+        <p:txBody>
+          <a:bodyPr/>
+          <a:lstStyle/>
+          <a:p>
+            <a:endParaRPr lang="de-DE"/>
+          </a:p>
+        </p:txBody>
+      </p:sp>
+      <p:sp>
+        <p:nvSpPr>
+          <p:cNvPr id="4" name="Foliennummernplatzhalter 3"/>
+          <p:cNvSpPr>
+            <a:spLocks noGrp="1"/>
+          </p:cNvSpPr>
+          <p:nvPr>
+            <p:ph type="sldNum" sz="quarter" idx="10"/>
+          </p:nvPr>
+        </p:nvSpPr>
+        <p:spPr/>
+        <p:txBody>
+          <a:bodyPr/>
+          <a:lstStyle/>
+          <a:p>
+            <a:fld id="{6501CEFE-DE82-244F-A447-0C560DC9C582}" type="slidenum">
+              <a:rPr lang="de-DE" smtClean="0"/>
+              <a:pPr/>
+              <a:t>11</a:t>
+            </a:fld>
+            <a:endParaRPr lang="de-DE"/>
+          </a:p>
+        </p:txBody>
+      </p:sp>
+    </p:spTree>
+    <p:extLst>
+      <p:ext uri="{BB962C8B-B14F-4D97-AF65-F5344CB8AC3E}">
+        <p14:creationId xmlns:p14="http://schemas.microsoft.com/office/powerpoint/2010/main" val="3112342709"/>
+      </p:ext>
+    </p:extLst>
+  </p:cSld>
+  <p:clrMapOvr>
+    <a:masterClrMapping/>
+  </p:clrMapOvr>
+</p:notes>
+</file>
+
+<file path=ppt/notesSlides/notesSlide12.xml><?xml version="1.0" encoding="utf-8"?>
+<p:notes xmlns:a="http://schemas.openxmlformats.org/drawingml/2006/main" xmlns:r="http://schemas.openxmlformats.org/officeDocument/2006/relationships" xmlns:p="http://schemas.openxmlformats.org/presentationml/2006/main">
+  <p:cSld>
+    <p:spTree>
+      <p:nvGrpSpPr>
+        <p:cNvPr id="1" name=""/>
+        <p:cNvGrpSpPr/>
+        <p:nvPr/>
+      </p:nvGrpSpPr>
+      <p:grpSpPr>
+        <a:xfrm>
+          <a:off x="0" y="0"/>
+          <a:ext cx="0" cy="0"/>
+          <a:chOff x="0" y="0"/>
+          <a:chExt cx="0" cy="0"/>
+        </a:xfrm>
+      </p:grpSpPr>
+      <p:sp>
+        <p:nvSpPr>
+          <p:cNvPr id="2" name="Folienbildplatzhalter 1"/>
+          <p:cNvSpPr>
+            <a:spLocks noGrp="1" noRot="1" noChangeAspect="1"/>
+          </p:cNvSpPr>
+          <p:nvPr>
+            <p:ph type="sldImg"/>
+          </p:nvPr>
+        </p:nvSpPr>
+        <p:spPr/>
+      </p:sp>
+      <p:sp>
+        <p:nvSpPr>
+          <p:cNvPr id="3" name="Notizenplatzhalter 2"/>
+          <p:cNvSpPr>
+            <a:spLocks noGrp="1"/>
+          </p:cNvSpPr>
+          <p:nvPr>
+            <p:ph type="body" idx="1"/>
+          </p:nvPr>
+        </p:nvSpPr>
+        <p:spPr/>
+        <p:txBody>
+          <a:bodyPr/>
+          <a:lstStyle/>
+          <a:p>
+            <a:endParaRPr lang="de-DE"/>
+          </a:p>
+        </p:txBody>
+      </p:sp>
+      <p:sp>
+        <p:nvSpPr>
+          <p:cNvPr id="4" name="Foliennummernplatzhalter 3"/>
+          <p:cNvSpPr>
+            <a:spLocks noGrp="1"/>
+          </p:cNvSpPr>
+          <p:nvPr>
+            <p:ph type="sldNum" sz="quarter" idx="10"/>
+          </p:nvPr>
+        </p:nvSpPr>
+        <p:spPr/>
+        <p:txBody>
+          <a:bodyPr/>
+          <a:lstStyle/>
+          <a:p>
+            <a:fld id="{6501CEFE-DE82-244F-A447-0C560DC9C582}" type="slidenum">
+              <a:rPr lang="de-DE" smtClean="0"/>
+              <a:pPr/>
+              <a:t>12</a:t>
+            </a:fld>
+            <a:endParaRPr lang="de-DE"/>
+          </a:p>
+        </p:txBody>
+      </p:sp>
+    </p:spTree>
+    <p:extLst>
+      <p:ext uri="{BB962C8B-B14F-4D97-AF65-F5344CB8AC3E}">
+        <p14:creationId xmlns:p14="http://schemas.microsoft.com/office/powerpoint/2010/main" val="568477813"/>
+      </p:ext>
+    </p:extLst>
+  </p:cSld>
+  <p:clrMapOvr>
+    <a:masterClrMapping/>
+  </p:clrMapOvr>
+</p:notes>
+</file>
+
+<file path=ppt/notesSlides/notesSlide13.xml><?xml version="1.0" encoding="utf-8"?>
+<p:notes xmlns:a="http://schemas.openxmlformats.org/drawingml/2006/main" xmlns:r="http://schemas.openxmlformats.org/officeDocument/2006/relationships" xmlns:p="http://schemas.openxmlformats.org/presentationml/2006/main">
+  <p:cSld>
+    <p:spTree>
+      <p:nvGrpSpPr>
+        <p:cNvPr id="1" name=""/>
+        <p:cNvGrpSpPr/>
+        <p:nvPr/>
+      </p:nvGrpSpPr>
+      <p:grpSpPr>
+        <a:xfrm>
+          <a:off x="0" y="0"/>
+          <a:ext cx="0" cy="0"/>
+          <a:chOff x="0" y="0"/>
+          <a:chExt cx="0" cy="0"/>
+        </a:xfrm>
+      </p:grpSpPr>
+      <p:sp>
+        <p:nvSpPr>
+          <p:cNvPr id="2" name="Folienbildplatzhalter 1"/>
+          <p:cNvSpPr>
+            <a:spLocks noGrp="1" noRot="1" noChangeAspect="1"/>
+          </p:cNvSpPr>
+          <p:nvPr>
+            <p:ph type="sldImg"/>
+          </p:nvPr>
+        </p:nvSpPr>
+        <p:spPr/>
+      </p:sp>
+      <p:sp>
+        <p:nvSpPr>
+          <p:cNvPr id="3" name="Notizenplatzhalter 2"/>
+          <p:cNvSpPr>
+            <a:spLocks noGrp="1"/>
+          </p:cNvSpPr>
+          <p:nvPr>
+            <p:ph type="body" idx="1"/>
+          </p:nvPr>
+        </p:nvSpPr>
+        <p:spPr/>
+        <p:txBody>
+          <a:bodyPr/>
+          <a:lstStyle/>
+          <a:p>
+            <a:endParaRPr lang="de-DE"/>
+          </a:p>
+        </p:txBody>
+      </p:sp>
+      <p:sp>
+        <p:nvSpPr>
+          <p:cNvPr id="4" name="Foliennummernplatzhalter 3"/>
+          <p:cNvSpPr>
+            <a:spLocks noGrp="1"/>
+          </p:cNvSpPr>
+          <p:nvPr>
+            <p:ph type="sldNum" sz="quarter" idx="10"/>
+          </p:nvPr>
+        </p:nvSpPr>
+        <p:spPr/>
+        <p:txBody>
+          <a:bodyPr/>
+          <a:lstStyle/>
+          <a:p>
+            <a:fld id="{6501CEFE-DE82-244F-A447-0C560DC9C582}" type="slidenum">
+              <a:rPr lang="de-DE" smtClean="0"/>
+              <a:pPr/>
+              <a:t>13</a:t>
+            </a:fld>
+            <a:endParaRPr lang="de-DE"/>
+          </a:p>
+        </p:txBody>
+      </p:sp>
+    </p:spTree>
+    <p:extLst>
+      <p:ext uri="{BB962C8B-B14F-4D97-AF65-F5344CB8AC3E}">
+        <p14:creationId xmlns:p14="http://schemas.microsoft.com/office/powerpoint/2010/main" val="2876645499"/>
+      </p:ext>
+    </p:extLst>
+  </p:cSld>
+  <p:clrMapOvr>
+    <a:masterClrMapping/>
+  </p:clrMapOvr>
+</p:notes>
+</file>
+
+<file path=ppt/notesSlides/notesSlide14.xml><?xml version="1.0" encoding="utf-8"?>
+<p:notes xmlns:a="http://schemas.openxmlformats.org/drawingml/2006/main" xmlns:r="http://schemas.openxmlformats.org/officeDocument/2006/relationships" xmlns:p="http://schemas.openxmlformats.org/presentationml/2006/main">
+  <p:cSld>
+    <p:spTree>
+      <p:nvGrpSpPr>
+        <p:cNvPr id="1" name=""/>
+        <p:cNvGrpSpPr/>
+        <p:nvPr/>
+      </p:nvGrpSpPr>
+      <p:grpSpPr>
+        <a:xfrm>
+          <a:off x="0" y="0"/>
+          <a:ext cx="0" cy="0"/>
+          <a:chOff x="0" y="0"/>
+          <a:chExt cx="0" cy="0"/>
+        </a:xfrm>
+      </p:grpSpPr>
+      <p:sp>
+        <p:nvSpPr>
+          <p:cNvPr id="2" name="Folienbildplatzhalter 1"/>
+          <p:cNvSpPr>
+            <a:spLocks noGrp="1" noRot="1" noChangeAspect="1"/>
+          </p:cNvSpPr>
+          <p:nvPr>
+            <p:ph type="sldImg"/>
+          </p:nvPr>
+        </p:nvSpPr>
+        <p:spPr/>
+      </p:sp>
+      <p:sp>
+        <p:nvSpPr>
+          <p:cNvPr id="3" name="Notizenplatzhalter 2"/>
+          <p:cNvSpPr>
+            <a:spLocks noGrp="1"/>
+          </p:cNvSpPr>
+          <p:nvPr>
+            <p:ph type="body" idx="1"/>
+          </p:nvPr>
+        </p:nvSpPr>
+        <p:spPr/>
+        <p:txBody>
+          <a:bodyPr/>
+          <a:lstStyle/>
+          <a:p>
+            <a:endParaRPr lang="de-DE"/>
+          </a:p>
+        </p:txBody>
+      </p:sp>
+      <p:sp>
+        <p:nvSpPr>
+          <p:cNvPr id="4" name="Foliennummernplatzhalter 3"/>
+          <p:cNvSpPr>
+            <a:spLocks noGrp="1"/>
+          </p:cNvSpPr>
+          <p:nvPr>
+            <p:ph type="sldNum" sz="quarter" idx="10"/>
+          </p:nvPr>
+        </p:nvSpPr>
+        <p:spPr/>
+        <p:txBody>
+          <a:bodyPr/>
+          <a:lstStyle/>
+          <a:p>
+            <a:fld id="{6501CEFE-DE82-244F-A447-0C560DC9C582}" type="slidenum">
+              <a:rPr lang="de-DE" smtClean="0"/>
+              <a:pPr/>
+              <a:t>14</a:t>
+            </a:fld>
+            <a:endParaRPr lang="de-DE"/>
+          </a:p>
+        </p:txBody>
+      </p:sp>
+    </p:spTree>
+    <p:extLst>
+      <p:ext uri="{BB962C8B-B14F-4D97-AF65-F5344CB8AC3E}">
+        <p14:creationId xmlns:p14="http://schemas.microsoft.com/office/powerpoint/2010/main" val="1661647642"/>
+      </p:ext>
+    </p:extLst>
+  </p:cSld>
+  <p:clrMapOvr>
+    <a:masterClrMapping/>
+  </p:clrMapOvr>
+</p:notes>
+</file>
+
+<file path=ppt/notesSlides/notesSlide15.xml><?xml version="1.0" encoding="utf-8"?>
+<p:notes xmlns:a="http://schemas.openxmlformats.org/drawingml/2006/main" xmlns:r="http://schemas.openxmlformats.org/officeDocument/2006/relationships" xmlns:p="http://schemas.openxmlformats.org/presentationml/2006/main">
+  <p:cSld>
+    <p:spTree>
+      <p:nvGrpSpPr>
+        <p:cNvPr id="1" name=""/>
+        <p:cNvGrpSpPr/>
+        <p:nvPr/>
+      </p:nvGrpSpPr>
+      <p:grpSpPr>
+        <a:xfrm>
+          <a:off x="0" y="0"/>
+          <a:ext cx="0" cy="0"/>
+          <a:chOff x="0" y="0"/>
+          <a:chExt cx="0" cy="0"/>
+        </a:xfrm>
+      </p:grpSpPr>
+      <p:sp>
+        <p:nvSpPr>
+          <p:cNvPr id="2" name="Folienbildplatzhalter 1"/>
+          <p:cNvSpPr>
+            <a:spLocks noGrp="1" noRot="1" noChangeAspect="1"/>
+          </p:cNvSpPr>
+          <p:nvPr>
+            <p:ph type="sldImg"/>
+          </p:nvPr>
+        </p:nvSpPr>
+        <p:spPr/>
+      </p:sp>
+      <p:sp>
+        <p:nvSpPr>
+          <p:cNvPr id="3" name="Notizenplatzhalter 2"/>
+          <p:cNvSpPr>
+            <a:spLocks noGrp="1"/>
+          </p:cNvSpPr>
+          <p:nvPr>
+            <p:ph type="body" idx="1"/>
+          </p:nvPr>
+        </p:nvSpPr>
+        <p:spPr/>
+        <p:txBody>
+          <a:bodyPr/>
+          <a:lstStyle/>
+          <a:p>
+            <a:endParaRPr lang="de-DE"/>
+          </a:p>
+        </p:txBody>
+      </p:sp>
+      <p:sp>
+        <p:nvSpPr>
+          <p:cNvPr id="4" name="Foliennummernplatzhalter 3"/>
+          <p:cNvSpPr>
+            <a:spLocks noGrp="1"/>
+          </p:cNvSpPr>
+          <p:nvPr>
+            <p:ph type="sldNum" sz="quarter" idx="10"/>
+          </p:nvPr>
+        </p:nvSpPr>
+        <p:spPr/>
+        <p:txBody>
+          <a:bodyPr/>
+          <a:lstStyle/>
+          <a:p>
+            <a:fld id="{6501CEFE-DE82-244F-A447-0C560DC9C582}" type="slidenum">
+              <a:rPr lang="de-DE" smtClean="0"/>
+              <a:pPr/>
+              <a:t>15</a:t>
+            </a:fld>
+            <a:endParaRPr lang="de-DE"/>
+          </a:p>
+        </p:txBody>
+      </p:sp>
+    </p:spTree>
+    <p:extLst>
+      <p:ext uri="{BB962C8B-B14F-4D97-AF65-F5344CB8AC3E}">
+        <p14:creationId xmlns:p14="http://schemas.microsoft.com/office/powerpoint/2010/main" val="3503958221"/>
+      </p:ext>
+    </p:extLst>
+  </p:cSld>
+  <p:clrMapOvr>
+    <a:masterClrMapping/>
+  </p:clrMapOvr>
+</p:notes>
+</file>
+
+<file path=ppt/notesSlides/notesSlide16.xml><?xml version="1.0" encoding="utf-8"?>
+<p:notes xmlns:a="http://schemas.openxmlformats.org/drawingml/2006/main" xmlns:r="http://schemas.openxmlformats.org/officeDocument/2006/relationships" xmlns:p="http://schemas.openxmlformats.org/presentationml/2006/main">
+  <p:cSld>
+    <p:spTree>
+      <p:nvGrpSpPr>
+        <p:cNvPr id="1" name=""/>
+        <p:cNvGrpSpPr/>
+        <p:nvPr/>
+      </p:nvGrpSpPr>
+      <p:grpSpPr>
+        <a:xfrm>
+          <a:off x="0" y="0"/>
+          <a:ext cx="0" cy="0"/>
+          <a:chOff x="0" y="0"/>
+          <a:chExt cx="0" cy="0"/>
+        </a:xfrm>
+      </p:grpSpPr>
+      <p:sp>
+        <p:nvSpPr>
+          <p:cNvPr id="2" name="Folienbildplatzhalter 1"/>
+          <p:cNvSpPr>
+            <a:spLocks noGrp="1" noRot="1" noChangeAspect="1"/>
+          </p:cNvSpPr>
+          <p:nvPr>
+            <p:ph type="sldImg"/>
+          </p:nvPr>
+        </p:nvSpPr>
+        <p:spPr/>
+      </p:sp>
+      <p:sp>
+        <p:nvSpPr>
+          <p:cNvPr id="3" name="Notizenplatzhalter 2"/>
+          <p:cNvSpPr>
+            <a:spLocks noGrp="1"/>
+          </p:cNvSpPr>
+          <p:nvPr>
+            <p:ph type="body" idx="1"/>
+          </p:nvPr>
+        </p:nvSpPr>
+        <p:spPr/>
+        <p:txBody>
+          <a:bodyPr/>
+          <a:lstStyle/>
+          <a:p>
+            <a:endParaRPr lang="de-DE"/>
+          </a:p>
+        </p:txBody>
+      </p:sp>
+      <p:sp>
+        <p:nvSpPr>
+          <p:cNvPr id="4" name="Foliennummernplatzhalter 3"/>
+          <p:cNvSpPr>
+            <a:spLocks noGrp="1"/>
+          </p:cNvSpPr>
+          <p:nvPr>
+            <p:ph type="sldNum" sz="quarter" idx="10"/>
+          </p:nvPr>
+        </p:nvSpPr>
+        <p:spPr/>
+        <p:txBody>
+          <a:bodyPr/>
+          <a:lstStyle/>
+          <a:p>
+            <a:fld id="{6501CEFE-DE82-244F-A447-0C560DC9C582}" type="slidenum">
+              <a:rPr lang="de-DE" smtClean="0"/>
+              <a:pPr/>
+              <a:t>16</a:t>
+            </a:fld>
+            <a:endParaRPr lang="de-DE"/>
+          </a:p>
+        </p:txBody>
+      </p:sp>
+    </p:spTree>
+    <p:extLst>
+      <p:ext uri="{BB962C8B-B14F-4D97-AF65-F5344CB8AC3E}">
+        <p14:creationId xmlns:p14="http://schemas.microsoft.com/office/powerpoint/2010/main" val="3530385149"/>
+      </p:ext>
+    </p:extLst>
+  </p:cSld>
+  <p:clrMapOvr>
+    <a:masterClrMapping/>
+  </p:clrMapOvr>
+</p:notes>
+</file>
+
+<file path=ppt/notesSlides/notesSlide17.xml><?xml version="1.0" encoding="utf-8"?>
+<p:notes xmlns:a="http://schemas.openxmlformats.org/drawingml/2006/main" xmlns:r="http://schemas.openxmlformats.org/officeDocument/2006/relationships" xmlns:p="http://schemas.openxmlformats.org/presentationml/2006/main">
+  <p:cSld>
+    <p:spTree>
+      <p:nvGrpSpPr>
+        <p:cNvPr id="1" name=""/>
+        <p:cNvGrpSpPr/>
+        <p:nvPr/>
+      </p:nvGrpSpPr>
+      <p:grpSpPr>
+        <a:xfrm>
+          <a:off x="0" y="0"/>
+          <a:ext cx="0" cy="0"/>
+          <a:chOff x="0" y="0"/>
+          <a:chExt cx="0" cy="0"/>
+        </a:xfrm>
+      </p:grpSpPr>
+      <p:sp>
+        <p:nvSpPr>
+          <p:cNvPr id="2" name="Folienbildplatzhalter 1"/>
+          <p:cNvSpPr>
+            <a:spLocks noGrp="1" noRot="1" noChangeAspect="1"/>
+          </p:cNvSpPr>
+          <p:nvPr>
+            <p:ph type="sldImg"/>
+          </p:nvPr>
+        </p:nvSpPr>
+        <p:spPr/>
+      </p:sp>
+      <p:sp>
+        <p:nvSpPr>
+          <p:cNvPr id="3" name="Notizenplatzhalter 2"/>
+          <p:cNvSpPr>
+            <a:spLocks noGrp="1"/>
+          </p:cNvSpPr>
+          <p:nvPr>
+            <p:ph type="body" idx="1"/>
+          </p:nvPr>
+        </p:nvSpPr>
+        <p:spPr/>
+        <p:txBody>
+          <a:bodyPr/>
+          <a:lstStyle/>
+          <a:p>
+            <a:endParaRPr lang="de-DE"/>
+          </a:p>
+        </p:txBody>
+      </p:sp>
+      <p:sp>
+        <p:nvSpPr>
+          <p:cNvPr id="4" name="Foliennummernplatzhalter 3"/>
+          <p:cNvSpPr>
+            <a:spLocks noGrp="1"/>
+          </p:cNvSpPr>
+          <p:nvPr>
+            <p:ph type="sldNum" sz="quarter" idx="10"/>
+          </p:nvPr>
+        </p:nvSpPr>
+        <p:spPr/>
+        <p:txBody>
+          <a:bodyPr/>
+          <a:lstStyle/>
+          <a:p>
+            <a:fld id="{6501CEFE-DE82-244F-A447-0C560DC9C582}" type="slidenum">
+              <a:rPr lang="de-DE" smtClean="0"/>
+              <a:pPr/>
+              <a:t>17</a:t>
+            </a:fld>
+            <a:endParaRPr lang="de-DE"/>
+          </a:p>
+        </p:txBody>
+      </p:sp>
+    </p:spTree>
+    <p:extLst>
+      <p:ext uri="{BB962C8B-B14F-4D97-AF65-F5344CB8AC3E}">
+        <p14:creationId xmlns:p14="http://schemas.microsoft.com/office/powerpoint/2010/main" val="3680937682"/>
+      </p:ext>
+    </p:extLst>
+  </p:cSld>
+  <p:clrMapOvr>
+    <a:masterClrMapping/>
+  </p:clrMapOvr>
+</p:notes>
+</file>
+
+<file path=ppt/notesSlides/notesSlide18.xml><?xml version="1.0" encoding="utf-8"?>
+<p:notes xmlns:a="http://schemas.openxmlformats.org/drawingml/2006/main" xmlns:r="http://schemas.openxmlformats.org/officeDocument/2006/relationships" xmlns:p="http://schemas.openxmlformats.org/presentationml/2006/main">
+  <p:cSld>
+    <p:spTree>
+      <p:nvGrpSpPr>
+        <p:cNvPr id="1" name=""/>
+        <p:cNvGrpSpPr/>
+        <p:nvPr/>
+      </p:nvGrpSpPr>
+      <p:grpSpPr>
+        <a:xfrm>
+          <a:off x="0" y="0"/>
+          <a:ext cx="0" cy="0"/>
+          <a:chOff x="0" y="0"/>
+          <a:chExt cx="0" cy="0"/>
+        </a:xfrm>
+      </p:grpSpPr>
+      <p:sp>
+        <p:nvSpPr>
+          <p:cNvPr id="2" name="Folienbildplatzhalter 1"/>
+          <p:cNvSpPr>
+            <a:spLocks noGrp="1" noRot="1" noChangeAspect="1"/>
+          </p:cNvSpPr>
+          <p:nvPr>
+            <p:ph type="sldImg"/>
+          </p:nvPr>
+        </p:nvSpPr>
+        <p:spPr/>
+      </p:sp>
+      <p:sp>
+        <p:nvSpPr>
+          <p:cNvPr id="3" name="Notizenplatzhalter 2"/>
+          <p:cNvSpPr>
+            <a:spLocks noGrp="1"/>
+          </p:cNvSpPr>
+          <p:nvPr>
+            <p:ph type="body" idx="1"/>
+          </p:nvPr>
+        </p:nvSpPr>
+        <p:spPr/>
+        <p:txBody>
+          <a:bodyPr/>
+          <a:lstStyle/>
+          <a:p>
+            <a:endParaRPr lang="de-DE"/>
+          </a:p>
+        </p:txBody>
+      </p:sp>
+      <p:sp>
+        <p:nvSpPr>
+          <p:cNvPr id="4" name="Foliennummernplatzhalter 3"/>
+          <p:cNvSpPr>
+            <a:spLocks noGrp="1"/>
+          </p:cNvSpPr>
+          <p:nvPr>
+            <p:ph type="sldNum" sz="quarter" idx="10"/>
+          </p:nvPr>
+        </p:nvSpPr>
+        <p:spPr/>
+        <p:txBody>
+          <a:bodyPr/>
+          <a:lstStyle/>
+          <a:p>
+            <a:fld id="{6501CEFE-DE82-244F-A447-0C560DC9C582}" type="slidenum">
+              <a:rPr lang="de-DE" smtClean="0"/>
+              <a:pPr/>
+              <a:t>18</a:t>
+            </a:fld>
+            <a:endParaRPr lang="de-DE"/>
+          </a:p>
+        </p:txBody>
+      </p:sp>
+    </p:spTree>
+    <p:extLst>
+      <p:ext uri="{BB962C8B-B14F-4D97-AF65-F5344CB8AC3E}">
+        <p14:creationId xmlns:p14="http://schemas.microsoft.com/office/powerpoint/2010/main" val="527100898"/>
+      </p:ext>
+    </p:extLst>
+  </p:cSld>
+  <p:clrMapOvr>
+    <a:masterClrMapping/>
+  </p:clrMapOvr>
+</p:notes>
+</file>
+
+<file path=ppt/notesSlides/notesSlide19.xml><?xml version="1.0" encoding="utf-8"?>
+<p:notes xmlns:a="http://schemas.openxmlformats.org/drawingml/2006/main" xmlns:r="http://schemas.openxmlformats.org/officeDocument/2006/relationships" xmlns:p="http://schemas.openxmlformats.org/presentationml/2006/main">
+  <p:cSld>
+    <p:spTree>
+      <p:nvGrpSpPr>
+        <p:cNvPr id="1" name=""/>
+        <p:cNvGrpSpPr/>
+        <p:nvPr/>
+      </p:nvGrpSpPr>
+      <p:grpSpPr>
+        <a:xfrm>
+          <a:off x="0" y="0"/>
+          <a:ext cx="0" cy="0"/>
+          <a:chOff x="0" y="0"/>
+          <a:chExt cx="0" cy="0"/>
+        </a:xfrm>
+      </p:grpSpPr>
+      <p:sp>
+        <p:nvSpPr>
+          <p:cNvPr id="2" name="Folienbildplatzhalter 1"/>
+          <p:cNvSpPr>
+            <a:spLocks noGrp="1" noRot="1" noChangeAspect="1"/>
+          </p:cNvSpPr>
+          <p:nvPr>
+            <p:ph type="sldImg"/>
+          </p:nvPr>
+        </p:nvSpPr>
+        <p:spPr/>
+      </p:sp>
+      <p:sp>
+        <p:nvSpPr>
+          <p:cNvPr id="3" name="Notizenplatzhalter 2"/>
+          <p:cNvSpPr>
+            <a:spLocks noGrp="1"/>
+          </p:cNvSpPr>
+          <p:nvPr>
+            <p:ph type="body" idx="1"/>
+          </p:nvPr>
+        </p:nvSpPr>
+        <p:spPr/>
+        <p:txBody>
+          <a:bodyPr/>
+          <a:lstStyle/>
+          <a:p>
+            <a:endParaRPr lang="de-DE"/>
+          </a:p>
+        </p:txBody>
+      </p:sp>
+      <p:sp>
+        <p:nvSpPr>
+          <p:cNvPr id="4" name="Foliennummernplatzhalter 3"/>
+          <p:cNvSpPr>
+            <a:spLocks noGrp="1"/>
+          </p:cNvSpPr>
+          <p:nvPr>
+            <p:ph type="sldNum" sz="quarter" idx="10"/>
+          </p:nvPr>
+        </p:nvSpPr>
+        <p:spPr/>
+        <p:txBody>
+          <a:bodyPr/>
+          <a:lstStyle/>
+          <a:p>
+            <a:fld id="{6501CEFE-DE82-244F-A447-0C560DC9C582}" type="slidenum">
+              <a:rPr lang="de-DE" smtClean="0"/>
+              <a:pPr/>
+              <a:t>19</a:t>
+            </a:fld>
+            <a:endParaRPr lang="de-DE"/>
+          </a:p>
+        </p:txBody>
+      </p:sp>
+    </p:spTree>
+    <p:extLst>
+      <p:ext uri="{BB962C8B-B14F-4D97-AF65-F5344CB8AC3E}">
+        <p14:creationId xmlns:p14="http://schemas.microsoft.com/office/powerpoint/2010/main" val="4024587124"/>
+      </p:ext>
+    </p:extLst>
+  </p:cSld>
+  <p:clrMapOvr>
+    <a:masterClrMapping/>
+  </p:clrMapOvr>
+</p:notes>
+</file>
+
+<file path=ppt/notesSlides/notesSlide2.xml><?xml version="1.0" encoding="utf-8"?>
+<p:notes xmlns:a="http://schemas.openxmlformats.org/drawingml/2006/main" xmlns:r="http://schemas.openxmlformats.org/officeDocument/2006/relationships" xmlns:p="http://schemas.openxmlformats.org/presentationml/2006/main">
+  <p:cSld>
+    <p:spTree>
+      <p:nvGrpSpPr>
+        <p:cNvPr id="1" name=""/>
+        <p:cNvGrpSpPr/>
+        <p:nvPr/>
+      </p:nvGrpSpPr>
+      <p:grpSpPr>
+        <a:xfrm>
+          <a:off x="0" y="0"/>
+          <a:ext cx="0" cy="0"/>
+          <a:chOff x="0" y="0"/>
+          <a:chExt cx="0" cy="0"/>
+        </a:xfrm>
+      </p:grpSpPr>
+      <p:sp>
+        <p:nvSpPr>
+          <p:cNvPr id="2" name="Folienbildplatzhalter 1"/>
+          <p:cNvSpPr>
+            <a:spLocks noGrp="1" noRot="1" noChangeAspect="1"/>
+          </p:cNvSpPr>
+          <p:nvPr>
+            <p:ph type="sldImg"/>
+          </p:nvPr>
+        </p:nvSpPr>
+        <p:spPr/>
+      </p:sp>
+      <p:sp>
+        <p:nvSpPr>
+          <p:cNvPr id="3" name="Notizenplatzhalter 2"/>
+          <p:cNvSpPr>
+            <a:spLocks noGrp="1"/>
+          </p:cNvSpPr>
+          <p:nvPr>
+            <p:ph type="body" idx="1"/>
+          </p:nvPr>
+        </p:nvSpPr>
+        <p:spPr/>
+        <p:txBody>
+          <a:bodyPr/>
+          <a:lstStyle/>
+          <a:p>
+            <a:endParaRPr lang="de-DE"/>
+          </a:p>
+        </p:txBody>
+      </p:sp>
+      <p:sp>
+        <p:nvSpPr>
+          <p:cNvPr id="4" name="Foliennummernplatzhalter 3"/>
+          <p:cNvSpPr>
+            <a:spLocks noGrp="1"/>
+          </p:cNvSpPr>
+          <p:nvPr>
+            <p:ph type="sldNum" sz="quarter" idx="10"/>
+          </p:nvPr>
+        </p:nvSpPr>
+        <p:spPr/>
+        <p:txBody>
+          <a:bodyPr/>
+          <a:lstStyle/>
+          <a:p>
+            <a:fld id="{6501CEFE-DE82-244F-A447-0C560DC9C582}" type="slidenum">
+              <a:rPr lang="de-DE" smtClean="0"/>
+              <a:pPr/>
+              <a:t>2</a:t>
+            </a:fld>
+            <a:endParaRPr lang="de-DE"/>
+          </a:p>
+        </p:txBody>
+      </p:sp>
+    </p:spTree>
+    <p:extLst>
+      <p:ext uri="{BB962C8B-B14F-4D97-AF65-F5344CB8AC3E}">
+        <p14:creationId xmlns:p14="http://schemas.microsoft.com/office/powerpoint/2010/main" val="1094108973"/>
+      </p:ext>
+    </p:extLst>
+  </p:cSld>
+  <p:clrMapOvr>
+    <a:masterClrMapping/>
+  </p:clrMapOvr>
+</p:notes>
+</file>
+
+<file path=ppt/notesSlides/notesSlide20.xml><?xml version="1.0" encoding="utf-8"?>
+<p:notes xmlns:a="http://schemas.openxmlformats.org/drawingml/2006/main" xmlns:r="http://schemas.openxmlformats.org/officeDocument/2006/relationships" xmlns:p="http://schemas.openxmlformats.org/presentationml/2006/main">
+  <p:cSld>
+    <p:spTree>
+      <p:nvGrpSpPr>
+        <p:cNvPr id="1" name=""/>
+        <p:cNvGrpSpPr/>
+        <p:nvPr/>
+      </p:nvGrpSpPr>
+      <p:grpSpPr>
+        <a:xfrm>
+          <a:off x="0" y="0"/>
+          <a:ext cx="0" cy="0"/>
+          <a:chOff x="0" y="0"/>
+          <a:chExt cx="0" cy="0"/>
+        </a:xfrm>
+      </p:grpSpPr>
+      <p:sp>
+        <p:nvSpPr>
+          <p:cNvPr id="2" name="Folienbildplatzhalter 1"/>
+          <p:cNvSpPr>
+            <a:spLocks noGrp="1" noRot="1" noChangeAspect="1"/>
+          </p:cNvSpPr>
+          <p:nvPr>
+            <p:ph type="sldImg"/>
+          </p:nvPr>
+        </p:nvSpPr>
+        <p:spPr/>
+      </p:sp>
+      <p:sp>
+        <p:nvSpPr>
+          <p:cNvPr id="3" name="Notizenplatzhalter 2"/>
+          <p:cNvSpPr>
+            <a:spLocks noGrp="1"/>
+          </p:cNvSpPr>
+          <p:nvPr>
+            <p:ph type="body" idx="1"/>
+          </p:nvPr>
+        </p:nvSpPr>
+        <p:spPr/>
+        <p:txBody>
+          <a:bodyPr/>
+          <a:lstStyle/>
+          <a:p>
+            <a:endParaRPr lang="de-DE"/>
+          </a:p>
+        </p:txBody>
+      </p:sp>
+      <p:sp>
+        <p:nvSpPr>
+          <p:cNvPr id="4" name="Foliennummernplatzhalter 3"/>
+          <p:cNvSpPr>
+            <a:spLocks noGrp="1"/>
+          </p:cNvSpPr>
+          <p:nvPr>
+            <p:ph type="sldNum" sz="quarter" idx="10"/>
+          </p:nvPr>
+        </p:nvSpPr>
+        <p:spPr/>
+        <p:txBody>
+          <a:bodyPr/>
+          <a:lstStyle/>
+          <a:p>
+            <a:fld id="{6501CEFE-DE82-244F-A447-0C560DC9C582}" type="slidenum">
+              <a:rPr lang="de-DE" smtClean="0"/>
+              <a:pPr/>
+              <a:t>20</a:t>
+            </a:fld>
+            <a:endParaRPr lang="de-DE"/>
+          </a:p>
+        </p:txBody>
+      </p:sp>
+    </p:spTree>
+    <p:extLst>
+      <p:ext uri="{BB962C8B-B14F-4D97-AF65-F5344CB8AC3E}">
+        <p14:creationId xmlns:p14="http://schemas.microsoft.com/office/powerpoint/2010/main" val="2573068149"/>
+      </p:ext>
+    </p:extLst>
+  </p:cSld>
+  <p:clrMapOvr>
+    <a:masterClrMapping/>
+  </p:clrMapOvr>
+</p:notes>
+</file>
+
+<file path=ppt/notesSlides/notesSlide21.xml><?xml version="1.0" encoding="utf-8"?>
+<p:notes xmlns:a="http://schemas.openxmlformats.org/drawingml/2006/main" xmlns:r="http://schemas.openxmlformats.org/officeDocument/2006/relationships" xmlns:p="http://schemas.openxmlformats.org/presentationml/2006/main">
+  <p:cSld>
+    <p:spTree>
+      <p:nvGrpSpPr>
+        <p:cNvPr id="1" name=""/>
+        <p:cNvGrpSpPr/>
+        <p:nvPr/>
+      </p:nvGrpSpPr>
+      <p:grpSpPr>
+        <a:xfrm>
+          <a:off x="0" y="0"/>
+          <a:ext cx="0" cy="0"/>
+          <a:chOff x="0" y="0"/>
+          <a:chExt cx="0" cy="0"/>
+        </a:xfrm>
+      </p:grpSpPr>
+      <p:sp>
+        <p:nvSpPr>
+          <p:cNvPr id="2" name="Folienbildplatzhalter 1"/>
+          <p:cNvSpPr>
+            <a:spLocks noGrp="1" noRot="1" noChangeAspect="1"/>
+          </p:cNvSpPr>
+          <p:nvPr>
+            <p:ph type="sldImg"/>
+          </p:nvPr>
+        </p:nvSpPr>
+        <p:spPr/>
+      </p:sp>
+      <p:sp>
+        <p:nvSpPr>
+          <p:cNvPr id="3" name="Notizenplatzhalter 2"/>
+          <p:cNvSpPr>
+            <a:spLocks noGrp="1"/>
+          </p:cNvSpPr>
+          <p:nvPr>
+            <p:ph type="body" idx="1"/>
+          </p:nvPr>
+        </p:nvSpPr>
+        <p:spPr/>
+        <p:txBody>
+          <a:bodyPr/>
+          <a:lstStyle/>
+          <a:p>
+            <a:endParaRPr lang="de-DE"/>
+          </a:p>
+        </p:txBody>
+      </p:sp>
+      <p:sp>
+        <p:nvSpPr>
+          <p:cNvPr id="4" name="Foliennummernplatzhalter 3"/>
+          <p:cNvSpPr>
+            <a:spLocks noGrp="1"/>
+          </p:cNvSpPr>
+          <p:nvPr>
+            <p:ph type="sldNum" sz="quarter" idx="10"/>
+          </p:nvPr>
+        </p:nvSpPr>
+        <p:spPr/>
+        <p:txBody>
+          <a:bodyPr/>
+          <a:lstStyle/>
+          <a:p>
+            <a:fld id="{6501CEFE-DE82-244F-A447-0C560DC9C582}" type="slidenum">
+              <a:rPr lang="de-DE" smtClean="0"/>
+              <a:pPr/>
+              <a:t>21</a:t>
+            </a:fld>
+            <a:endParaRPr lang="de-DE"/>
+          </a:p>
+        </p:txBody>
+      </p:sp>
+    </p:spTree>
+    <p:extLst>
+      <p:ext uri="{BB962C8B-B14F-4D97-AF65-F5344CB8AC3E}">
+        <p14:creationId xmlns:p14="http://schemas.microsoft.com/office/powerpoint/2010/main" val="4080665251"/>
+      </p:ext>
+    </p:extLst>
+  </p:cSld>
+  <p:clrMapOvr>
+    <a:masterClrMapping/>
+  </p:clrMapOvr>
+</p:notes>
+</file>
+
+<file path=ppt/notesSlides/notesSlide22.xml><?xml version="1.0" encoding="utf-8"?>
+<p:notes xmlns:a="http://schemas.openxmlformats.org/drawingml/2006/main" xmlns:r="http://schemas.openxmlformats.org/officeDocument/2006/relationships" xmlns:p="http://schemas.openxmlformats.org/presentationml/2006/main">
+  <p:cSld>
+    <p:spTree>
+      <p:nvGrpSpPr>
+        <p:cNvPr id="1" name=""/>
+        <p:cNvGrpSpPr/>
+        <p:nvPr/>
+      </p:nvGrpSpPr>
+      <p:grpSpPr>
+        <a:xfrm>
+          <a:off x="0" y="0"/>
+          <a:ext cx="0" cy="0"/>
+          <a:chOff x="0" y="0"/>
+          <a:chExt cx="0" cy="0"/>
+        </a:xfrm>
+      </p:grpSpPr>
+      <p:sp>
+        <p:nvSpPr>
+          <p:cNvPr id="2" name="Folienbildplatzhalter 1"/>
+          <p:cNvSpPr>
+            <a:spLocks noGrp="1" noRot="1" noChangeAspect="1"/>
+          </p:cNvSpPr>
+          <p:nvPr>
+            <p:ph type="sldImg"/>
+          </p:nvPr>
+        </p:nvSpPr>
+        <p:spPr/>
+      </p:sp>
+      <p:sp>
+        <p:nvSpPr>
+          <p:cNvPr id="3" name="Notizenplatzhalter 2"/>
+          <p:cNvSpPr>
+            <a:spLocks noGrp="1"/>
+          </p:cNvSpPr>
+          <p:nvPr>
+            <p:ph type="body" idx="1"/>
+          </p:nvPr>
+        </p:nvSpPr>
+        <p:spPr/>
+        <p:txBody>
+          <a:bodyPr/>
+          <a:lstStyle/>
+          <a:p>
+            <a:endParaRPr lang="de-DE"/>
+          </a:p>
+        </p:txBody>
+      </p:sp>
+      <p:sp>
+        <p:nvSpPr>
+          <p:cNvPr id="4" name="Foliennummernplatzhalter 3"/>
+          <p:cNvSpPr>
+            <a:spLocks noGrp="1"/>
+          </p:cNvSpPr>
+          <p:nvPr>
+            <p:ph type="sldNum" sz="quarter" idx="10"/>
+          </p:nvPr>
+        </p:nvSpPr>
+        <p:spPr/>
+        <p:txBody>
+          <a:bodyPr/>
+          <a:lstStyle/>
+          <a:p>
+            <a:fld id="{6501CEFE-DE82-244F-A447-0C560DC9C582}" type="slidenum">
+              <a:rPr lang="de-DE" smtClean="0"/>
+              <a:pPr/>
+              <a:t>22</a:t>
+            </a:fld>
+            <a:endParaRPr lang="de-DE"/>
+          </a:p>
+        </p:txBody>
+      </p:sp>
+    </p:spTree>
+    <p:extLst>
+      <p:ext uri="{BB962C8B-B14F-4D97-AF65-F5344CB8AC3E}">
+        <p14:creationId xmlns:p14="http://schemas.microsoft.com/office/powerpoint/2010/main" val="3599328497"/>
+      </p:ext>
+    </p:extLst>
+  </p:cSld>
+  <p:clrMapOvr>
+    <a:masterClrMapping/>
+  </p:clrMapOvr>
+</p:notes>
+</file>
+
+<file path=ppt/notesSlides/notesSlide23.xml><?xml version="1.0" encoding="utf-8"?>
+<p:notes xmlns:a="http://schemas.openxmlformats.org/drawingml/2006/main" xmlns:r="http://schemas.openxmlformats.org/officeDocument/2006/relationships" xmlns:p="http://schemas.openxmlformats.org/presentationml/2006/main">
+  <p:cSld>
+    <p:spTree>
+      <p:nvGrpSpPr>
+        <p:cNvPr id="1" name=""/>
+        <p:cNvGrpSpPr/>
+        <p:nvPr/>
+      </p:nvGrpSpPr>
+      <p:grpSpPr>
+        <a:xfrm>
+          <a:off x="0" y="0"/>
+          <a:ext cx="0" cy="0"/>
+          <a:chOff x="0" y="0"/>
+          <a:chExt cx="0" cy="0"/>
+        </a:xfrm>
+      </p:grpSpPr>
+      <p:sp>
+        <p:nvSpPr>
+          <p:cNvPr id="2" name="Folienbildplatzhalter 1"/>
+          <p:cNvSpPr>
+            <a:spLocks noGrp="1" noRot="1" noChangeAspect="1"/>
+          </p:cNvSpPr>
+          <p:nvPr>
+            <p:ph type="sldImg"/>
+          </p:nvPr>
+        </p:nvSpPr>
+        <p:spPr/>
+      </p:sp>
+      <p:sp>
+        <p:nvSpPr>
+          <p:cNvPr id="3" name="Notizenplatzhalter 2"/>
+          <p:cNvSpPr>
+            <a:spLocks noGrp="1"/>
+          </p:cNvSpPr>
+          <p:nvPr>
+            <p:ph type="body" idx="1"/>
+          </p:nvPr>
+        </p:nvSpPr>
+        <p:spPr/>
+        <p:txBody>
+          <a:bodyPr/>
+          <a:lstStyle/>
+          <a:p>
+            <a:endParaRPr lang="de-DE"/>
+          </a:p>
+        </p:txBody>
+      </p:sp>
+      <p:sp>
+        <p:nvSpPr>
+          <p:cNvPr id="4" name="Foliennummernplatzhalter 3"/>
+          <p:cNvSpPr>
+            <a:spLocks noGrp="1"/>
+          </p:cNvSpPr>
+          <p:nvPr>
+            <p:ph type="sldNum" sz="quarter" idx="10"/>
+          </p:nvPr>
+        </p:nvSpPr>
+        <p:spPr/>
+        <p:txBody>
+          <a:bodyPr/>
+          <a:lstStyle/>
+          <a:p>
+            <a:fld id="{6501CEFE-DE82-244F-A447-0C560DC9C582}" type="slidenum">
+              <a:rPr lang="de-DE" smtClean="0"/>
+              <a:pPr/>
+              <a:t>23</a:t>
+            </a:fld>
+            <a:endParaRPr lang="de-DE"/>
+          </a:p>
+        </p:txBody>
+      </p:sp>
+    </p:spTree>
+    <p:extLst>
+      <p:ext uri="{BB962C8B-B14F-4D97-AF65-F5344CB8AC3E}">
+        <p14:creationId xmlns:p14="http://schemas.microsoft.com/office/powerpoint/2010/main" val="65146701"/>
+      </p:ext>
+    </p:extLst>
+  </p:cSld>
+  <p:clrMapOvr>
+    <a:masterClrMapping/>
+  </p:clrMapOvr>
+</p:notes>
+</file>
+
+<file path=ppt/notesSlides/notesSlide24.xml><?xml version="1.0" encoding="utf-8"?>
+<p:notes xmlns:a="http://schemas.openxmlformats.org/drawingml/2006/main" xmlns:r="http://schemas.openxmlformats.org/officeDocument/2006/relationships" xmlns:p="http://schemas.openxmlformats.org/presentationml/2006/main">
+  <p:cSld>
+    <p:spTree>
+      <p:nvGrpSpPr>
+        <p:cNvPr id="1" name=""/>
+        <p:cNvGrpSpPr/>
+        <p:nvPr/>
+      </p:nvGrpSpPr>
+      <p:grpSpPr>
+        <a:xfrm>
+          <a:off x="0" y="0"/>
+          <a:ext cx="0" cy="0"/>
+          <a:chOff x="0" y="0"/>
+          <a:chExt cx="0" cy="0"/>
+        </a:xfrm>
+      </p:grpSpPr>
+      <p:sp>
+        <p:nvSpPr>
+          <p:cNvPr id="2" name="Folienbildplatzhalter 1"/>
+          <p:cNvSpPr>
+            <a:spLocks noGrp="1" noRot="1" noChangeAspect="1"/>
+          </p:cNvSpPr>
+          <p:nvPr>
+            <p:ph type="sldImg"/>
+          </p:nvPr>
+        </p:nvSpPr>
+        <p:spPr/>
+      </p:sp>
+      <p:sp>
+        <p:nvSpPr>
+          <p:cNvPr id="3" name="Notizenplatzhalter 2"/>
+          <p:cNvSpPr>
+            <a:spLocks noGrp="1"/>
+          </p:cNvSpPr>
+          <p:nvPr>
+            <p:ph type="body" idx="1"/>
+          </p:nvPr>
+        </p:nvSpPr>
+        <p:spPr/>
+        <p:txBody>
+          <a:bodyPr/>
+          <a:lstStyle/>
+          <a:p>
+            <a:endParaRPr lang="de-DE"/>
+          </a:p>
+        </p:txBody>
+      </p:sp>
+      <p:sp>
+        <p:nvSpPr>
+          <p:cNvPr id="4" name="Foliennummernplatzhalter 3"/>
+          <p:cNvSpPr>
+            <a:spLocks noGrp="1"/>
+          </p:cNvSpPr>
+          <p:nvPr>
+            <p:ph type="sldNum" sz="quarter" idx="10"/>
+          </p:nvPr>
+        </p:nvSpPr>
+        <p:spPr/>
+        <p:txBody>
+          <a:bodyPr/>
+          <a:lstStyle/>
+          <a:p>
+            <a:fld id="{6501CEFE-DE82-244F-A447-0C560DC9C582}" type="slidenum">
+              <a:rPr lang="de-DE" smtClean="0"/>
+              <a:pPr/>
+              <a:t>24</a:t>
+            </a:fld>
+            <a:endParaRPr lang="de-DE"/>
+          </a:p>
+        </p:txBody>
+      </p:sp>
+    </p:spTree>
+    <p:extLst>
+      <p:ext uri="{BB962C8B-B14F-4D97-AF65-F5344CB8AC3E}">
+        <p14:creationId xmlns:p14="http://schemas.microsoft.com/office/powerpoint/2010/main" val="1126506755"/>
+      </p:ext>
+    </p:extLst>
+  </p:cSld>
+  <p:clrMapOvr>
+    <a:masterClrMapping/>
+  </p:clrMapOvr>
+</p:notes>
+</file>
+
+<file path=ppt/notesSlides/notesSlide25.xml><?xml version="1.0" encoding="utf-8"?>
+<p:notes xmlns:a="http://schemas.openxmlformats.org/drawingml/2006/main" xmlns:r="http://schemas.openxmlformats.org/officeDocument/2006/relationships" xmlns:p="http://schemas.openxmlformats.org/presentationml/2006/main">
+  <p:cSld>
+    <p:spTree>
+      <p:nvGrpSpPr>
+        <p:cNvPr id="1" name=""/>
+        <p:cNvGrpSpPr/>
+        <p:nvPr/>
+      </p:nvGrpSpPr>
+      <p:grpSpPr>
+        <a:xfrm>
+          <a:off x="0" y="0"/>
+          <a:ext cx="0" cy="0"/>
+          <a:chOff x="0" y="0"/>
+          <a:chExt cx="0" cy="0"/>
+        </a:xfrm>
+      </p:grpSpPr>
+      <p:sp>
+        <p:nvSpPr>
+          <p:cNvPr id="2" name="Folienbildplatzhalter 1"/>
+          <p:cNvSpPr>
+            <a:spLocks noGrp="1" noRot="1" noChangeAspect="1"/>
+          </p:cNvSpPr>
+          <p:nvPr>
+            <p:ph type="sldImg"/>
+          </p:nvPr>
+        </p:nvSpPr>
+        <p:spPr/>
+      </p:sp>
+      <p:sp>
+        <p:nvSpPr>
+          <p:cNvPr id="3" name="Notizenplatzhalter 2"/>
+          <p:cNvSpPr>
+            <a:spLocks noGrp="1"/>
+          </p:cNvSpPr>
+          <p:nvPr>
+            <p:ph type="body" idx="1"/>
+          </p:nvPr>
+        </p:nvSpPr>
+        <p:spPr/>
+        <p:txBody>
+          <a:bodyPr/>
+          <a:lstStyle/>
+          <a:p>
+            <a:endParaRPr lang="de-DE"/>
+          </a:p>
+        </p:txBody>
+      </p:sp>
+      <p:sp>
+        <p:nvSpPr>
+          <p:cNvPr id="4" name="Foliennummernplatzhalter 3"/>
+          <p:cNvSpPr>
+            <a:spLocks noGrp="1"/>
+          </p:cNvSpPr>
+          <p:nvPr>
+            <p:ph type="sldNum" sz="quarter" idx="10"/>
+          </p:nvPr>
+        </p:nvSpPr>
+        <p:spPr/>
+        <p:txBody>
+          <a:bodyPr/>
+          <a:lstStyle/>
+          <a:p>
+            <a:fld id="{6501CEFE-DE82-244F-A447-0C560DC9C582}" type="slidenum">
+              <a:rPr lang="de-DE" smtClean="0"/>
+              <a:pPr/>
+              <a:t>25</a:t>
+            </a:fld>
+            <a:endParaRPr lang="de-DE"/>
+          </a:p>
+        </p:txBody>
+      </p:sp>
+    </p:spTree>
+    <p:extLst>
+      <p:ext uri="{BB962C8B-B14F-4D97-AF65-F5344CB8AC3E}">
+        <p14:creationId xmlns:p14="http://schemas.microsoft.com/office/powerpoint/2010/main" val="1120571626"/>
+      </p:ext>
+    </p:extLst>
+  </p:cSld>
+  <p:clrMapOvr>
+    <a:masterClrMapping/>
+  </p:clrMapOvr>
+</p:notes>
+</file>
+
+<file path=ppt/notesSlides/notesSlide26.xml><?xml version="1.0" encoding="utf-8"?>
+<p:notes xmlns:a="http://schemas.openxmlformats.org/drawingml/2006/main" xmlns:r="http://schemas.openxmlformats.org/officeDocument/2006/relationships" xmlns:p="http://schemas.openxmlformats.org/presentationml/2006/main">
+  <p:cSld>
+    <p:spTree>
+      <p:nvGrpSpPr>
+        <p:cNvPr id="1" name=""/>
+        <p:cNvGrpSpPr/>
+        <p:nvPr/>
+      </p:nvGrpSpPr>
+      <p:grpSpPr>
+        <a:xfrm>
+          <a:off x="0" y="0"/>
+          <a:ext cx="0" cy="0"/>
+          <a:chOff x="0" y="0"/>
+          <a:chExt cx="0" cy="0"/>
+        </a:xfrm>
+      </p:grpSpPr>
+      <p:sp>
+        <p:nvSpPr>
+          <p:cNvPr id="2" name="Folienbildplatzhalter 1"/>
+          <p:cNvSpPr>
+            <a:spLocks noGrp="1" noRot="1" noChangeAspect="1"/>
+          </p:cNvSpPr>
+          <p:nvPr>
+            <p:ph type="sldImg"/>
+          </p:nvPr>
+        </p:nvSpPr>
+        <p:spPr/>
+      </p:sp>
+      <p:sp>
+        <p:nvSpPr>
+          <p:cNvPr id="3" name="Notizenplatzhalter 2"/>
+          <p:cNvSpPr>
+            <a:spLocks noGrp="1"/>
+          </p:cNvSpPr>
+          <p:nvPr>
+            <p:ph type="body" idx="1"/>
+          </p:nvPr>
+        </p:nvSpPr>
+        <p:spPr/>
+        <p:txBody>
+          <a:bodyPr/>
+          <a:lstStyle/>
+          <a:p>
+            <a:endParaRPr lang="de-DE"/>
+          </a:p>
+        </p:txBody>
+      </p:sp>
+      <p:sp>
+        <p:nvSpPr>
+          <p:cNvPr id="4" name="Foliennummernplatzhalter 3"/>
+          <p:cNvSpPr>
+            <a:spLocks noGrp="1"/>
+          </p:cNvSpPr>
+          <p:nvPr>
+            <p:ph type="sldNum" sz="quarter" idx="10"/>
+          </p:nvPr>
+        </p:nvSpPr>
+        <p:spPr/>
+        <p:txBody>
+          <a:bodyPr/>
+          <a:lstStyle/>
+          <a:p>
+            <a:fld id="{6501CEFE-DE82-244F-A447-0C560DC9C582}" type="slidenum">
+              <a:rPr lang="de-DE" smtClean="0"/>
+              <a:pPr/>
+              <a:t>26</a:t>
+            </a:fld>
+            <a:endParaRPr lang="de-DE"/>
+          </a:p>
+        </p:txBody>
+      </p:sp>
+    </p:spTree>
+    <p:extLst>
+      <p:ext uri="{BB962C8B-B14F-4D97-AF65-F5344CB8AC3E}">
+        <p14:creationId xmlns:p14="http://schemas.microsoft.com/office/powerpoint/2010/main" val="3697472233"/>
+      </p:ext>
+    </p:extLst>
+  </p:cSld>
+  <p:clrMapOvr>
+    <a:masterClrMapping/>
+  </p:clrMapOvr>
+</p:notes>
+</file>
+
+<file path=ppt/notesSlides/notesSlide27.xml><?xml version="1.0" encoding="utf-8"?>
+<p:notes xmlns:a="http://schemas.openxmlformats.org/drawingml/2006/main" xmlns:r="http://schemas.openxmlformats.org/officeDocument/2006/relationships" xmlns:p="http://schemas.openxmlformats.org/presentationml/2006/main">
+  <p:cSld>
+    <p:spTree>
+      <p:nvGrpSpPr>
+        <p:cNvPr id="1" name=""/>
+        <p:cNvGrpSpPr/>
+        <p:nvPr/>
+      </p:nvGrpSpPr>
+      <p:grpSpPr>
+        <a:xfrm>
+          <a:off x="0" y="0"/>
+          <a:ext cx="0" cy="0"/>
+          <a:chOff x="0" y="0"/>
+          <a:chExt cx="0" cy="0"/>
+        </a:xfrm>
+      </p:grpSpPr>
+      <p:sp>
+        <p:nvSpPr>
+          <p:cNvPr id="2" name="Folienbildplatzhalter 1"/>
+          <p:cNvSpPr>
+            <a:spLocks noGrp="1" noRot="1" noChangeAspect="1"/>
+          </p:cNvSpPr>
+          <p:nvPr>
+            <p:ph type="sldImg"/>
+          </p:nvPr>
+        </p:nvSpPr>
+        <p:spPr/>
+      </p:sp>
+      <p:sp>
+        <p:nvSpPr>
+          <p:cNvPr id="3" name="Notizenplatzhalter 2"/>
+          <p:cNvSpPr>
+            <a:spLocks noGrp="1"/>
+          </p:cNvSpPr>
+          <p:nvPr>
+            <p:ph type="body" idx="1"/>
+          </p:nvPr>
+        </p:nvSpPr>
+        <p:spPr/>
+        <p:txBody>
+          <a:bodyPr/>
+          <a:lstStyle/>
+          <a:p>
+            <a:endParaRPr lang="de-DE"/>
+          </a:p>
+        </p:txBody>
+      </p:sp>
+      <p:sp>
+        <p:nvSpPr>
+          <p:cNvPr id="4" name="Foliennummernplatzhalter 3"/>
+          <p:cNvSpPr>
+            <a:spLocks noGrp="1"/>
+          </p:cNvSpPr>
+          <p:nvPr>
+            <p:ph type="sldNum" sz="quarter" idx="10"/>
+          </p:nvPr>
+        </p:nvSpPr>
+        <p:spPr/>
+        <p:txBody>
+          <a:bodyPr/>
+          <a:lstStyle/>
+          <a:p>
+            <a:fld id="{6501CEFE-DE82-244F-A447-0C560DC9C582}" type="slidenum">
+              <a:rPr lang="de-DE" smtClean="0"/>
+              <a:pPr/>
+              <a:t>27</a:t>
+            </a:fld>
+            <a:endParaRPr lang="de-DE"/>
+          </a:p>
+        </p:txBody>
+      </p:sp>
+    </p:spTree>
+    <p:extLst>
+      <p:ext uri="{BB962C8B-B14F-4D97-AF65-F5344CB8AC3E}">
+        <p14:creationId xmlns:p14="http://schemas.microsoft.com/office/powerpoint/2010/main" val="3753999871"/>
+      </p:ext>
+    </p:extLst>
+  </p:cSld>
+  <p:clrMapOvr>
+    <a:masterClrMapping/>
+  </p:clrMapOvr>
+</p:notes>
+</file>
+
+<file path=ppt/notesSlides/notesSlide28.xml><?xml version="1.0" encoding="utf-8"?>
+<p:notes xmlns:a="http://schemas.openxmlformats.org/drawingml/2006/main" xmlns:r="http://schemas.openxmlformats.org/officeDocument/2006/relationships" xmlns:p="http://schemas.openxmlformats.org/presentationml/2006/main">
+  <p:cSld>
+    <p:spTree>
+      <p:nvGrpSpPr>
+        <p:cNvPr id="1" name=""/>
+        <p:cNvGrpSpPr/>
+        <p:nvPr/>
+      </p:nvGrpSpPr>
+      <p:grpSpPr>
+        <a:xfrm>
+          <a:off x="0" y="0"/>
+          <a:ext cx="0" cy="0"/>
+          <a:chOff x="0" y="0"/>
+          <a:chExt cx="0" cy="0"/>
+        </a:xfrm>
+      </p:grpSpPr>
+      <p:sp>
+        <p:nvSpPr>
+          <p:cNvPr id="2" name="Folienbildplatzhalter 1"/>
+          <p:cNvSpPr>
+            <a:spLocks noGrp="1" noRot="1" noChangeAspect="1"/>
+          </p:cNvSpPr>
+          <p:nvPr>
+            <p:ph type="sldImg"/>
+          </p:nvPr>
+        </p:nvSpPr>
+        <p:spPr/>
+      </p:sp>
+      <p:sp>
+        <p:nvSpPr>
+          <p:cNvPr id="3" name="Notizenplatzhalter 2"/>
+          <p:cNvSpPr>
+            <a:spLocks noGrp="1"/>
+          </p:cNvSpPr>
+          <p:nvPr>
+            <p:ph type="body" idx="1"/>
+          </p:nvPr>
+        </p:nvSpPr>
+        <p:spPr/>
+        <p:txBody>
+          <a:bodyPr/>
+          <a:lstStyle/>
+          <a:p>
+            <a:endParaRPr lang="de-DE"/>
+          </a:p>
+        </p:txBody>
+      </p:sp>
+      <p:sp>
+        <p:nvSpPr>
+          <p:cNvPr id="4" name="Foliennummernplatzhalter 3"/>
+          <p:cNvSpPr>
+            <a:spLocks noGrp="1"/>
+          </p:cNvSpPr>
+          <p:nvPr>
+            <p:ph type="sldNum" sz="quarter" idx="10"/>
+          </p:nvPr>
+        </p:nvSpPr>
+        <p:spPr/>
+        <p:txBody>
+          <a:bodyPr/>
+          <a:lstStyle/>
+          <a:p>
+            <a:fld id="{6501CEFE-DE82-244F-A447-0C560DC9C582}" type="slidenum">
+              <a:rPr lang="de-DE" smtClean="0"/>
+              <a:pPr/>
+              <a:t>28</a:t>
+            </a:fld>
+            <a:endParaRPr lang="de-DE"/>
+          </a:p>
+        </p:txBody>
+      </p:sp>
+    </p:spTree>
+    <p:extLst>
+      <p:ext uri="{BB962C8B-B14F-4D97-AF65-F5344CB8AC3E}">
+        <p14:creationId xmlns:p14="http://schemas.microsoft.com/office/powerpoint/2010/main" val="1016284025"/>
+      </p:ext>
+    </p:extLst>
+  </p:cSld>
+  <p:clrMapOvr>
+    <a:masterClrMapping/>
+  </p:clrMapOvr>
+</p:notes>
+</file>
+
+<file path=ppt/notesSlides/notesSlide29.xml><?xml version="1.0" encoding="utf-8"?>
+<p:notes xmlns:a="http://schemas.openxmlformats.org/drawingml/2006/main" xmlns:r="http://schemas.openxmlformats.org/officeDocument/2006/relationships" xmlns:p="http://schemas.openxmlformats.org/presentationml/2006/main">
+  <p:cSld>
+    <p:spTree>
+      <p:nvGrpSpPr>
+        <p:cNvPr id="1" name=""/>
+        <p:cNvGrpSpPr/>
+        <p:nvPr/>
+      </p:nvGrpSpPr>
+      <p:grpSpPr>
+        <a:xfrm>
+          <a:off x="0" y="0"/>
+          <a:ext cx="0" cy="0"/>
+          <a:chOff x="0" y="0"/>
+          <a:chExt cx="0" cy="0"/>
+        </a:xfrm>
+      </p:grpSpPr>
+      <p:sp>
+        <p:nvSpPr>
+          <p:cNvPr id="2" name="Folienbildplatzhalter 1"/>
+          <p:cNvSpPr>
+            <a:spLocks noGrp="1" noRot="1" noChangeAspect="1"/>
+          </p:cNvSpPr>
+          <p:nvPr>
+            <p:ph type="sldImg"/>
+          </p:nvPr>
+        </p:nvSpPr>
+        <p:spPr/>
+      </p:sp>
+      <p:sp>
+        <p:nvSpPr>
+          <p:cNvPr id="3" name="Notizenplatzhalter 2"/>
+          <p:cNvSpPr>
+            <a:spLocks noGrp="1"/>
+          </p:cNvSpPr>
+          <p:nvPr>
+            <p:ph type="body" idx="1"/>
+          </p:nvPr>
+        </p:nvSpPr>
+        <p:spPr/>
+        <p:txBody>
+          <a:bodyPr/>
+          <a:lstStyle/>
+          <a:p>
+            <a:endParaRPr lang="de-DE"/>
+          </a:p>
+        </p:txBody>
+      </p:sp>
+      <p:sp>
+        <p:nvSpPr>
+          <p:cNvPr id="4" name="Foliennummernplatzhalter 3"/>
+          <p:cNvSpPr>
+            <a:spLocks noGrp="1"/>
+          </p:cNvSpPr>
+          <p:nvPr>
+            <p:ph type="sldNum" sz="quarter" idx="10"/>
+          </p:nvPr>
+        </p:nvSpPr>
+        <p:spPr/>
+        <p:txBody>
+          <a:bodyPr/>
+          <a:lstStyle/>
+          <a:p>
+            <a:fld id="{6501CEFE-DE82-244F-A447-0C560DC9C582}" type="slidenum">
+              <a:rPr lang="de-DE" smtClean="0"/>
+              <a:pPr/>
+              <a:t>29</a:t>
+            </a:fld>
+            <a:endParaRPr lang="de-DE"/>
+          </a:p>
+        </p:txBody>
+      </p:sp>
+    </p:spTree>
+    <p:extLst>
+      <p:ext uri="{BB962C8B-B14F-4D97-AF65-F5344CB8AC3E}">
+        <p14:creationId xmlns:p14="http://schemas.microsoft.com/office/powerpoint/2010/main" val="394482481"/>
+      </p:ext>
+    </p:extLst>
+  </p:cSld>
+  <p:clrMapOvr>
+    <a:masterClrMapping/>
+  </p:clrMapOvr>
+</p:notes>
+</file>
+
+<file path=ppt/notesSlides/notesSlide3.xml><?xml version="1.0" encoding="utf-8"?>
+<p:notes xmlns:a="http://schemas.openxmlformats.org/drawingml/2006/main" xmlns:r="http://schemas.openxmlformats.org/officeDocument/2006/relationships" xmlns:p="http://schemas.openxmlformats.org/presentationml/2006/main">
+  <p:cSld>
+    <p:spTree>
+      <p:nvGrpSpPr>
+        <p:cNvPr id="1" name=""/>
+        <p:cNvGrpSpPr/>
+        <p:nvPr/>
+      </p:nvGrpSpPr>
+      <p:grpSpPr>
+        <a:xfrm>
+          <a:off x="0" y="0"/>
+          <a:ext cx="0" cy="0"/>
+          <a:chOff x="0" y="0"/>
+          <a:chExt cx="0" cy="0"/>
+        </a:xfrm>
+      </p:grpSpPr>
+      <p:sp>
+        <p:nvSpPr>
+          <p:cNvPr id="2" name="Folienbildplatzhalter 1"/>
+          <p:cNvSpPr>
+            <a:spLocks noGrp="1" noRot="1" noChangeAspect="1"/>
+          </p:cNvSpPr>
+          <p:nvPr>
+            <p:ph type="sldImg"/>
+          </p:nvPr>
+        </p:nvSpPr>
+        <p:spPr/>
+      </p:sp>
+      <p:sp>
+        <p:nvSpPr>
+          <p:cNvPr id="3" name="Notizenplatzhalter 2"/>
+          <p:cNvSpPr>
+            <a:spLocks noGrp="1"/>
+          </p:cNvSpPr>
+          <p:nvPr>
+            <p:ph type="body" idx="1"/>
+          </p:nvPr>
+        </p:nvSpPr>
+        <p:spPr/>
+        <p:txBody>
+          <a:bodyPr/>
+          <a:lstStyle/>
+          <a:p>
+            <a:endParaRPr lang="de-DE"/>
+          </a:p>
+        </p:txBody>
+      </p:sp>
+      <p:sp>
+        <p:nvSpPr>
+          <p:cNvPr id="4" name="Foliennummernplatzhalter 3"/>
+          <p:cNvSpPr>
+            <a:spLocks noGrp="1"/>
+          </p:cNvSpPr>
+          <p:nvPr>
+            <p:ph type="sldNum" sz="quarter" idx="10"/>
+          </p:nvPr>
+        </p:nvSpPr>
+        <p:spPr/>
+        <p:txBody>
+          <a:bodyPr/>
+          <a:lstStyle/>
+          <a:p>
+            <a:fld id="{6501CEFE-DE82-244F-A447-0C560DC9C582}" type="slidenum">
+              <a:rPr lang="de-DE" smtClean="0"/>
+              <a:pPr/>
+              <a:t>3</a:t>
+            </a:fld>
+            <a:endParaRPr lang="de-DE"/>
+          </a:p>
+        </p:txBody>
+      </p:sp>
+    </p:spTree>
+    <p:extLst>
+      <p:ext uri="{BB962C8B-B14F-4D97-AF65-F5344CB8AC3E}">
+        <p14:creationId xmlns:p14="http://schemas.microsoft.com/office/powerpoint/2010/main" val="3872714649"/>
+      </p:ext>
+    </p:extLst>
+  </p:cSld>
+  <p:clrMapOvr>
+    <a:masterClrMapping/>
+  </p:clrMapOvr>
+</p:notes>
+</file>
+
+<file path=ppt/notesSlides/notesSlide30.xml><?xml version="1.0" encoding="utf-8"?>
+<p:notes xmlns:a="http://schemas.openxmlformats.org/drawingml/2006/main" xmlns:r="http://schemas.openxmlformats.org/officeDocument/2006/relationships" xmlns:p="http://schemas.openxmlformats.org/presentationml/2006/main">
+  <p:cSld>
+    <p:spTree>
+      <p:nvGrpSpPr>
+        <p:cNvPr id="1" name=""/>
+        <p:cNvGrpSpPr/>
+        <p:nvPr/>
+      </p:nvGrpSpPr>
+      <p:grpSpPr>
+        <a:xfrm>
+          <a:off x="0" y="0"/>
+          <a:ext cx="0" cy="0"/>
+          <a:chOff x="0" y="0"/>
+          <a:chExt cx="0" cy="0"/>
+        </a:xfrm>
+      </p:grpSpPr>
+      <p:sp>
+        <p:nvSpPr>
+          <p:cNvPr id="2" name="Folienbildplatzhalter 1"/>
+          <p:cNvSpPr>
+            <a:spLocks noGrp="1" noRot="1" noChangeAspect="1"/>
+          </p:cNvSpPr>
+          <p:nvPr>
+            <p:ph type="sldImg"/>
+          </p:nvPr>
+        </p:nvSpPr>
+        <p:spPr/>
+      </p:sp>
+      <p:sp>
+        <p:nvSpPr>
+          <p:cNvPr id="3" name="Notizenplatzhalter 2"/>
+          <p:cNvSpPr>
+            <a:spLocks noGrp="1"/>
+          </p:cNvSpPr>
+          <p:nvPr>
+            <p:ph type="body" idx="1"/>
+          </p:nvPr>
+        </p:nvSpPr>
+        <p:spPr/>
+        <p:txBody>
+          <a:bodyPr/>
+          <a:lstStyle/>
+          <a:p>
+            <a:endParaRPr lang="de-DE"/>
+          </a:p>
+        </p:txBody>
+      </p:sp>
+      <p:sp>
+        <p:nvSpPr>
+          <p:cNvPr id="4" name="Foliennummernplatzhalter 3"/>
+          <p:cNvSpPr>
+            <a:spLocks noGrp="1"/>
+          </p:cNvSpPr>
+          <p:nvPr>
+            <p:ph type="sldNum" sz="quarter" idx="10"/>
+          </p:nvPr>
+        </p:nvSpPr>
+        <p:spPr/>
+        <p:txBody>
+          <a:bodyPr/>
+          <a:lstStyle/>
+          <a:p>
+            <a:fld id="{6501CEFE-DE82-244F-A447-0C560DC9C582}" type="slidenum">
+              <a:rPr lang="de-DE" smtClean="0"/>
+              <a:pPr/>
+              <a:t>30</a:t>
+            </a:fld>
+            <a:endParaRPr lang="de-DE"/>
+          </a:p>
+        </p:txBody>
+      </p:sp>
+    </p:spTree>
+    <p:extLst>
+      <p:ext uri="{BB962C8B-B14F-4D97-AF65-F5344CB8AC3E}">
+        <p14:creationId xmlns:p14="http://schemas.microsoft.com/office/powerpoint/2010/main" val="1523931324"/>
+      </p:ext>
+    </p:extLst>
+  </p:cSld>
+  <p:clrMapOvr>
+    <a:masterClrMapping/>
+  </p:clrMapOvr>
+</p:notes>
+</file>
+
+<file path=ppt/notesSlides/notesSlide31.xml><?xml version="1.0" encoding="utf-8"?>
+<p:notes xmlns:a="http://schemas.openxmlformats.org/drawingml/2006/main" xmlns:r="http://schemas.openxmlformats.org/officeDocument/2006/relationships" xmlns:p="http://schemas.openxmlformats.org/presentationml/2006/main">
+  <p:cSld>
+    <p:spTree>
+      <p:nvGrpSpPr>
+        <p:cNvPr id="1" name=""/>
+        <p:cNvGrpSpPr/>
+        <p:nvPr/>
+      </p:nvGrpSpPr>
+      <p:grpSpPr>
+        <a:xfrm>
+          <a:off x="0" y="0"/>
+          <a:ext cx="0" cy="0"/>
+          <a:chOff x="0" y="0"/>
+          <a:chExt cx="0" cy="0"/>
+        </a:xfrm>
+      </p:grpSpPr>
+      <p:sp>
+        <p:nvSpPr>
+          <p:cNvPr id="2" name="Folienbildplatzhalter 1"/>
+          <p:cNvSpPr>
+            <a:spLocks noGrp="1" noRot="1" noChangeAspect="1"/>
+          </p:cNvSpPr>
+          <p:nvPr>
+            <p:ph type="sldImg"/>
+          </p:nvPr>
+        </p:nvSpPr>
+        <p:spPr/>
+      </p:sp>
+      <p:sp>
+        <p:nvSpPr>
+          <p:cNvPr id="3" name="Notizenplatzhalter 2"/>
+          <p:cNvSpPr>
+            <a:spLocks noGrp="1"/>
+          </p:cNvSpPr>
+          <p:nvPr>
+            <p:ph type="body" idx="1"/>
+          </p:nvPr>
+        </p:nvSpPr>
+        <p:spPr/>
+        <p:txBody>
+          <a:bodyPr/>
+          <a:lstStyle/>
+          <a:p>
+            <a:endParaRPr lang="de-DE"/>
+          </a:p>
+        </p:txBody>
+      </p:sp>
+      <p:sp>
+        <p:nvSpPr>
+          <p:cNvPr id="4" name="Foliennummernplatzhalter 3"/>
+          <p:cNvSpPr>
+            <a:spLocks noGrp="1"/>
+          </p:cNvSpPr>
+          <p:nvPr>
+            <p:ph type="sldNum" sz="quarter" idx="10"/>
+          </p:nvPr>
+        </p:nvSpPr>
+        <p:spPr/>
+        <p:txBody>
+          <a:bodyPr/>
+          <a:lstStyle/>
+          <a:p>
+            <a:fld id="{6501CEFE-DE82-244F-A447-0C560DC9C582}" type="slidenum">
+              <a:rPr lang="de-DE" smtClean="0"/>
+              <a:pPr/>
+              <a:t>31</a:t>
+            </a:fld>
+            <a:endParaRPr lang="de-DE"/>
+          </a:p>
+        </p:txBody>
+      </p:sp>
+    </p:spTree>
+    <p:extLst>
+      <p:ext uri="{BB962C8B-B14F-4D97-AF65-F5344CB8AC3E}">
+        <p14:creationId xmlns:p14="http://schemas.microsoft.com/office/powerpoint/2010/main" val="1462617556"/>
+      </p:ext>
+    </p:extLst>
+  </p:cSld>
+  <p:clrMapOvr>
+    <a:masterClrMapping/>
+  </p:clrMapOvr>
+</p:notes>
+</file>
+
+<file path=ppt/notesSlides/notesSlide32.xml><?xml version="1.0" encoding="utf-8"?>
+<p:notes xmlns:a="http://schemas.openxmlformats.org/drawingml/2006/main" xmlns:r="http://schemas.openxmlformats.org/officeDocument/2006/relationships" xmlns:p="http://schemas.openxmlformats.org/presentationml/2006/main">
+  <p:cSld>
+    <p:spTree>
+      <p:nvGrpSpPr>
+        <p:cNvPr id="1" name=""/>
+        <p:cNvGrpSpPr/>
+        <p:nvPr/>
+      </p:nvGrpSpPr>
+      <p:grpSpPr>
+        <a:xfrm>
+          <a:off x="0" y="0"/>
+          <a:ext cx="0" cy="0"/>
+          <a:chOff x="0" y="0"/>
+          <a:chExt cx="0" cy="0"/>
+        </a:xfrm>
+      </p:grpSpPr>
+      <p:sp>
+        <p:nvSpPr>
+          <p:cNvPr id="2" name="Folienbildplatzhalter 1"/>
+          <p:cNvSpPr>
+            <a:spLocks noGrp="1" noRot="1" noChangeAspect="1"/>
+          </p:cNvSpPr>
+          <p:nvPr>
+            <p:ph type="sldImg"/>
+          </p:nvPr>
+        </p:nvSpPr>
+        <p:spPr/>
+      </p:sp>
+      <p:sp>
+        <p:nvSpPr>
+          <p:cNvPr id="3" name="Notizenplatzhalter 2"/>
+          <p:cNvSpPr>
+            <a:spLocks noGrp="1"/>
+          </p:cNvSpPr>
+          <p:nvPr>
+            <p:ph type="body" idx="1"/>
+          </p:nvPr>
+        </p:nvSpPr>
+        <p:spPr/>
+        <p:txBody>
+          <a:bodyPr/>
+          <a:lstStyle/>
+          <a:p>
+            <a:endParaRPr lang="de-DE"/>
+          </a:p>
+        </p:txBody>
+      </p:sp>
+      <p:sp>
+        <p:nvSpPr>
+          <p:cNvPr id="4" name="Foliennummernplatzhalter 3"/>
+          <p:cNvSpPr>
+            <a:spLocks noGrp="1"/>
+          </p:cNvSpPr>
+          <p:nvPr>
+            <p:ph type="sldNum" sz="quarter" idx="10"/>
+          </p:nvPr>
+        </p:nvSpPr>
+        <p:spPr/>
+        <p:txBody>
+          <a:bodyPr/>
+          <a:lstStyle/>
+          <a:p>
+            <a:fld id="{6501CEFE-DE82-244F-A447-0C560DC9C582}" type="slidenum">
+              <a:rPr lang="de-DE" smtClean="0"/>
+              <a:pPr/>
+              <a:t>32</a:t>
+            </a:fld>
+            <a:endParaRPr lang="de-DE"/>
+          </a:p>
+        </p:txBody>
+      </p:sp>
+    </p:spTree>
+    <p:extLst>
+      <p:ext uri="{BB962C8B-B14F-4D97-AF65-F5344CB8AC3E}">
+        <p14:creationId xmlns:p14="http://schemas.microsoft.com/office/powerpoint/2010/main" val="2629123661"/>
+      </p:ext>
+    </p:extLst>
+  </p:cSld>
+  <p:clrMapOvr>
+    <a:masterClrMapping/>
+  </p:clrMapOvr>
+</p:notes>
+</file>
+
+<file path=ppt/notesSlides/notesSlide33.xml><?xml version="1.0" encoding="utf-8"?>
+<p:notes xmlns:a="http://schemas.openxmlformats.org/drawingml/2006/main" xmlns:r="http://schemas.openxmlformats.org/officeDocument/2006/relationships" xmlns:p="http://schemas.openxmlformats.org/presentationml/2006/main">
+  <p:cSld>
+    <p:spTree>
+      <p:nvGrpSpPr>
+        <p:cNvPr id="1" name=""/>
+        <p:cNvGrpSpPr/>
+        <p:nvPr/>
+      </p:nvGrpSpPr>
+      <p:grpSpPr>
+        <a:xfrm>
+          <a:off x="0" y="0"/>
+          <a:ext cx="0" cy="0"/>
+          <a:chOff x="0" y="0"/>
+          <a:chExt cx="0" cy="0"/>
+        </a:xfrm>
+      </p:grpSpPr>
+      <p:sp>
+        <p:nvSpPr>
+          <p:cNvPr id="2" name="Folienbildplatzhalter 1"/>
+          <p:cNvSpPr>
+            <a:spLocks noGrp="1" noRot="1" noChangeAspect="1"/>
+          </p:cNvSpPr>
+          <p:nvPr>
+            <p:ph type="sldImg"/>
+          </p:nvPr>
+        </p:nvSpPr>
+        <p:spPr/>
+      </p:sp>
+      <p:sp>
+        <p:nvSpPr>
+          <p:cNvPr id="3" name="Notizenplatzhalter 2"/>
+          <p:cNvSpPr>
+            <a:spLocks noGrp="1"/>
+          </p:cNvSpPr>
+          <p:nvPr>
+            <p:ph type="body" idx="1"/>
+          </p:nvPr>
+        </p:nvSpPr>
+        <p:spPr/>
+        <p:txBody>
+          <a:bodyPr/>
+          <a:lstStyle/>
+          <a:p>
+            <a:endParaRPr lang="de-DE"/>
+          </a:p>
+        </p:txBody>
+      </p:sp>
+      <p:sp>
+        <p:nvSpPr>
+          <p:cNvPr id="4" name="Foliennummernplatzhalter 3"/>
+          <p:cNvSpPr>
+            <a:spLocks noGrp="1"/>
+          </p:cNvSpPr>
+          <p:nvPr>
+            <p:ph type="sldNum" sz="quarter" idx="10"/>
+          </p:nvPr>
+        </p:nvSpPr>
+        <p:spPr/>
+        <p:txBody>
+          <a:bodyPr/>
+          <a:lstStyle/>
+          <a:p>
+            <a:fld id="{6501CEFE-DE82-244F-A447-0C560DC9C582}" type="slidenum">
+              <a:rPr lang="de-DE" smtClean="0"/>
+              <a:pPr/>
+              <a:t>33</a:t>
+            </a:fld>
+            <a:endParaRPr lang="de-DE"/>
+          </a:p>
+        </p:txBody>
+      </p:sp>
+    </p:spTree>
+    <p:extLst>
+      <p:ext uri="{BB962C8B-B14F-4D97-AF65-F5344CB8AC3E}">
+        <p14:creationId xmlns:p14="http://schemas.microsoft.com/office/powerpoint/2010/main" val="4136429346"/>
+      </p:ext>
+    </p:extLst>
+  </p:cSld>
+  <p:clrMapOvr>
+    <a:masterClrMapping/>
+  </p:clrMapOvr>
+</p:notes>
+</file>
+
+<file path=ppt/notesSlides/notesSlide34.xml><?xml version="1.0" encoding="utf-8"?>
+<p:notes xmlns:a="http://schemas.openxmlformats.org/drawingml/2006/main" xmlns:r="http://schemas.openxmlformats.org/officeDocument/2006/relationships" xmlns:p="http://schemas.openxmlformats.org/presentationml/2006/main">
+  <p:cSld>
+    <p:spTree>
+      <p:nvGrpSpPr>
+        <p:cNvPr id="1" name=""/>
+        <p:cNvGrpSpPr/>
+        <p:nvPr/>
+      </p:nvGrpSpPr>
+      <p:grpSpPr>
+        <a:xfrm>
+          <a:off x="0" y="0"/>
+          <a:ext cx="0" cy="0"/>
+          <a:chOff x="0" y="0"/>
+          <a:chExt cx="0" cy="0"/>
+        </a:xfrm>
+      </p:grpSpPr>
+      <p:sp>
+        <p:nvSpPr>
+          <p:cNvPr id="2" name="Folienbildplatzhalter 1"/>
+          <p:cNvSpPr>
+            <a:spLocks noGrp="1" noRot="1" noChangeAspect="1"/>
+          </p:cNvSpPr>
+          <p:nvPr>
+            <p:ph type="sldImg"/>
+          </p:nvPr>
+        </p:nvSpPr>
+        <p:spPr/>
+      </p:sp>
+      <p:sp>
+        <p:nvSpPr>
+          <p:cNvPr id="3" name="Notizenplatzhalter 2"/>
+          <p:cNvSpPr>
+            <a:spLocks noGrp="1"/>
+          </p:cNvSpPr>
+          <p:nvPr>
+            <p:ph type="body" idx="1"/>
+          </p:nvPr>
+        </p:nvSpPr>
+        <p:spPr/>
+        <p:txBody>
+          <a:bodyPr/>
+          <a:lstStyle/>
+          <a:p>
+            <a:endParaRPr lang="de-DE"/>
+          </a:p>
+        </p:txBody>
+      </p:sp>
+      <p:sp>
+        <p:nvSpPr>
+          <p:cNvPr id="4" name="Foliennummernplatzhalter 3"/>
+          <p:cNvSpPr>
+            <a:spLocks noGrp="1"/>
+          </p:cNvSpPr>
+          <p:nvPr>
+            <p:ph type="sldNum" sz="quarter" idx="10"/>
+          </p:nvPr>
+        </p:nvSpPr>
+        <p:spPr/>
+        <p:txBody>
+          <a:bodyPr/>
+          <a:lstStyle/>
+          <a:p>
+            <a:fld id="{6501CEFE-DE82-244F-A447-0C560DC9C582}" type="slidenum">
+              <a:rPr lang="de-DE" smtClean="0"/>
+              <a:pPr/>
+              <a:t>34</a:t>
+            </a:fld>
+            <a:endParaRPr lang="de-DE"/>
+          </a:p>
+        </p:txBody>
+      </p:sp>
+    </p:spTree>
+    <p:extLst>
+      <p:ext uri="{BB962C8B-B14F-4D97-AF65-F5344CB8AC3E}">
+        <p14:creationId xmlns:p14="http://schemas.microsoft.com/office/powerpoint/2010/main" val="3196627036"/>
+      </p:ext>
+    </p:extLst>
+  </p:cSld>
+  <p:clrMapOvr>
+    <a:masterClrMapping/>
+  </p:clrMapOvr>
+</p:notes>
+</file>
+
+<file path=ppt/notesSlides/notesSlide35.xml><?xml version="1.0" encoding="utf-8"?>
+<p:notes xmlns:a="http://schemas.openxmlformats.org/drawingml/2006/main" xmlns:r="http://schemas.openxmlformats.org/officeDocument/2006/relationships" xmlns:p="http://schemas.openxmlformats.org/presentationml/2006/main">
+  <p:cSld>
+    <p:spTree>
+      <p:nvGrpSpPr>
+        <p:cNvPr id="1" name=""/>
+        <p:cNvGrpSpPr/>
+        <p:nvPr/>
+      </p:nvGrpSpPr>
+      <p:grpSpPr>
+        <a:xfrm>
+          <a:off x="0" y="0"/>
+          <a:ext cx="0" cy="0"/>
+          <a:chOff x="0" y="0"/>
+          <a:chExt cx="0" cy="0"/>
+        </a:xfrm>
+      </p:grpSpPr>
+      <p:sp>
+        <p:nvSpPr>
+          <p:cNvPr id="2" name="Folienbildplatzhalter 1"/>
+          <p:cNvSpPr>
+            <a:spLocks noGrp="1" noRot="1" noChangeAspect="1"/>
+          </p:cNvSpPr>
+          <p:nvPr>
+            <p:ph type="sldImg"/>
+          </p:nvPr>
+        </p:nvSpPr>
+        <p:spPr/>
+      </p:sp>
+      <p:sp>
+        <p:nvSpPr>
+          <p:cNvPr id="3" name="Notizenplatzhalter 2"/>
+          <p:cNvSpPr>
+            <a:spLocks noGrp="1"/>
+          </p:cNvSpPr>
+          <p:nvPr>
+            <p:ph type="body" idx="1"/>
+          </p:nvPr>
+        </p:nvSpPr>
+        <p:spPr/>
+        <p:txBody>
+          <a:bodyPr/>
+          <a:lstStyle/>
+          <a:p>
+            <a:endParaRPr lang="de-DE"/>
+          </a:p>
+        </p:txBody>
+      </p:sp>
+      <p:sp>
+        <p:nvSpPr>
+          <p:cNvPr id="4" name="Foliennummernplatzhalter 3"/>
+          <p:cNvSpPr>
+            <a:spLocks noGrp="1"/>
+          </p:cNvSpPr>
+          <p:nvPr>
+            <p:ph type="sldNum" sz="quarter" idx="10"/>
+          </p:nvPr>
+        </p:nvSpPr>
+        <p:spPr/>
+        <p:txBody>
+          <a:bodyPr/>
+          <a:lstStyle/>
+          <a:p>
+            <a:fld id="{6501CEFE-DE82-244F-A447-0C560DC9C582}" type="slidenum">
+              <a:rPr lang="de-DE" smtClean="0"/>
+              <a:pPr/>
+              <a:t>35</a:t>
+            </a:fld>
+            <a:endParaRPr lang="de-DE"/>
+          </a:p>
+        </p:txBody>
+      </p:sp>
+    </p:spTree>
+    <p:extLst>
+      <p:ext uri="{BB962C8B-B14F-4D97-AF65-F5344CB8AC3E}">
+        <p14:creationId xmlns:p14="http://schemas.microsoft.com/office/powerpoint/2010/main" val="2476523557"/>
+      </p:ext>
+    </p:extLst>
+  </p:cSld>
+  <p:clrMapOvr>
+    <a:masterClrMapping/>
+  </p:clrMapOvr>
+</p:notes>
+</file>
+
+<file path=ppt/notesSlides/notesSlide4.xml><?xml version="1.0" encoding="utf-8"?>
+<p:notes xmlns:a="http://schemas.openxmlformats.org/drawingml/2006/main" xmlns:r="http://schemas.openxmlformats.org/officeDocument/2006/relationships" xmlns:p="http://schemas.openxmlformats.org/presentationml/2006/main">
+  <p:cSld>
+    <p:spTree>
+      <p:nvGrpSpPr>
+        <p:cNvPr id="1" name=""/>
+        <p:cNvGrpSpPr/>
+        <p:nvPr/>
+      </p:nvGrpSpPr>
+      <p:grpSpPr>
+        <a:xfrm>
+          <a:off x="0" y="0"/>
+          <a:ext cx="0" cy="0"/>
+          <a:chOff x="0" y="0"/>
+          <a:chExt cx="0" cy="0"/>
+        </a:xfrm>
+      </p:grpSpPr>
+      <p:sp>
+        <p:nvSpPr>
+          <p:cNvPr id="2" name="Folienbildplatzhalter 1"/>
+          <p:cNvSpPr>
+            <a:spLocks noGrp="1" noRot="1" noChangeAspect="1"/>
+          </p:cNvSpPr>
+          <p:nvPr>
+            <p:ph type="sldImg"/>
+          </p:nvPr>
+        </p:nvSpPr>
+        <p:spPr/>
+      </p:sp>
+      <p:sp>
+        <p:nvSpPr>
+          <p:cNvPr id="3" name="Notizenplatzhalter 2"/>
+          <p:cNvSpPr>
+            <a:spLocks noGrp="1"/>
+          </p:cNvSpPr>
+          <p:nvPr>
+            <p:ph type="body" idx="1"/>
+          </p:nvPr>
+        </p:nvSpPr>
+        <p:spPr/>
+        <p:txBody>
+          <a:bodyPr/>
+          <a:lstStyle/>
+          <a:p>
+            <a:endParaRPr lang="de-DE"/>
+          </a:p>
+        </p:txBody>
+      </p:sp>
+      <p:sp>
+        <p:nvSpPr>
+          <p:cNvPr id="4" name="Foliennummernplatzhalter 3"/>
+          <p:cNvSpPr>
+            <a:spLocks noGrp="1"/>
+          </p:cNvSpPr>
+          <p:nvPr>
+            <p:ph type="sldNum" sz="quarter" idx="10"/>
+          </p:nvPr>
+        </p:nvSpPr>
+        <p:spPr/>
+        <p:txBody>
+          <a:bodyPr/>
+          <a:lstStyle/>
+          <a:p>
+            <a:fld id="{6501CEFE-DE82-244F-A447-0C560DC9C582}" type="slidenum">
+              <a:rPr lang="de-DE" smtClean="0"/>
+              <a:pPr/>
+              <a:t>4</a:t>
+            </a:fld>
+            <a:endParaRPr lang="de-DE"/>
+          </a:p>
+        </p:txBody>
+      </p:sp>
+    </p:spTree>
+    <p:extLst>
+      <p:ext uri="{BB962C8B-B14F-4D97-AF65-F5344CB8AC3E}">
+        <p14:creationId xmlns:p14="http://schemas.microsoft.com/office/powerpoint/2010/main" val="1802359327"/>
+      </p:ext>
+    </p:extLst>
+  </p:cSld>
+  <p:clrMapOvr>
+    <a:masterClrMapping/>
+  </p:clrMapOvr>
+</p:notes>
+</file>
+
+<file path=ppt/notesSlides/notesSlide5.xml><?xml version="1.0" encoding="utf-8"?>
+<p:notes xmlns:a="http://schemas.openxmlformats.org/drawingml/2006/main" xmlns:r="http://schemas.openxmlformats.org/officeDocument/2006/relationships" xmlns:p="http://schemas.openxmlformats.org/presentationml/2006/main">
+  <p:cSld>
+    <p:spTree>
+      <p:nvGrpSpPr>
+        <p:cNvPr id="1" name=""/>
+        <p:cNvGrpSpPr/>
+        <p:nvPr/>
+      </p:nvGrpSpPr>
+      <p:grpSpPr>
+        <a:xfrm>
+          <a:off x="0" y="0"/>
+          <a:ext cx="0" cy="0"/>
+          <a:chOff x="0" y="0"/>
+          <a:chExt cx="0" cy="0"/>
+        </a:xfrm>
+      </p:grpSpPr>
+      <p:sp>
+        <p:nvSpPr>
+          <p:cNvPr id="2" name="Folienbildplatzhalter 1"/>
+          <p:cNvSpPr>
+            <a:spLocks noGrp="1" noRot="1" noChangeAspect="1"/>
+          </p:cNvSpPr>
+          <p:nvPr>
+            <p:ph type="sldImg"/>
+          </p:nvPr>
+        </p:nvSpPr>
+        <p:spPr/>
+      </p:sp>
+      <p:sp>
+        <p:nvSpPr>
+          <p:cNvPr id="3" name="Notizenplatzhalter 2"/>
+          <p:cNvSpPr>
+            <a:spLocks noGrp="1"/>
+          </p:cNvSpPr>
+          <p:nvPr>
+            <p:ph type="body" idx="1"/>
+          </p:nvPr>
+        </p:nvSpPr>
+        <p:spPr/>
+        <p:txBody>
+          <a:bodyPr/>
+          <a:lstStyle/>
+          <a:p>
+            <a:endParaRPr lang="de-DE"/>
+          </a:p>
+        </p:txBody>
+      </p:sp>
+      <p:sp>
+        <p:nvSpPr>
+          <p:cNvPr id="4" name="Foliennummernplatzhalter 3"/>
+          <p:cNvSpPr>
+            <a:spLocks noGrp="1"/>
+          </p:cNvSpPr>
+          <p:nvPr>
+            <p:ph type="sldNum" sz="quarter" idx="10"/>
+          </p:nvPr>
+        </p:nvSpPr>
+        <p:spPr/>
+        <p:txBody>
+          <a:bodyPr/>
+          <a:lstStyle/>
+          <a:p>
+            <a:fld id="{6501CEFE-DE82-244F-A447-0C560DC9C582}" type="slidenum">
+              <a:rPr lang="de-DE" smtClean="0"/>
+              <a:pPr/>
+              <a:t>5</a:t>
+            </a:fld>
+            <a:endParaRPr lang="de-DE"/>
+          </a:p>
+        </p:txBody>
+      </p:sp>
+    </p:spTree>
+    <p:extLst>
+      <p:ext uri="{BB962C8B-B14F-4D97-AF65-F5344CB8AC3E}">
+        <p14:creationId xmlns:p14="http://schemas.microsoft.com/office/powerpoint/2010/main" val="9216888"/>
+      </p:ext>
+    </p:extLst>
+  </p:cSld>
+  <p:clrMapOvr>
+    <a:masterClrMapping/>
+  </p:clrMapOvr>
+</p:notes>
+</file>
+
+<file path=ppt/notesSlides/notesSlide6.xml><?xml version="1.0" encoding="utf-8"?>
+<p:notes xmlns:a="http://schemas.openxmlformats.org/drawingml/2006/main" xmlns:r="http://schemas.openxmlformats.org/officeDocument/2006/relationships" xmlns:p="http://schemas.openxmlformats.org/presentationml/2006/main">
+  <p:cSld>
+    <p:spTree>
+      <p:nvGrpSpPr>
+        <p:cNvPr id="1" name=""/>
+        <p:cNvGrpSpPr/>
+        <p:nvPr/>
+      </p:nvGrpSpPr>
+      <p:grpSpPr>
+        <a:xfrm>
+          <a:off x="0" y="0"/>
+          <a:ext cx="0" cy="0"/>
+          <a:chOff x="0" y="0"/>
+          <a:chExt cx="0" cy="0"/>
+        </a:xfrm>
+      </p:grpSpPr>
+      <p:sp>
+        <p:nvSpPr>
+          <p:cNvPr id="2" name="Folienbildplatzhalter 1"/>
+          <p:cNvSpPr>
+            <a:spLocks noGrp="1" noRot="1" noChangeAspect="1"/>
+          </p:cNvSpPr>
+          <p:nvPr>
+            <p:ph type="sldImg"/>
+          </p:nvPr>
+        </p:nvSpPr>
+        <p:spPr/>
+      </p:sp>
+      <p:sp>
+        <p:nvSpPr>
+          <p:cNvPr id="3" name="Notizenplatzhalter 2"/>
+          <p:cNvSpPr>
+            <a:spLocks noGrp="1"/>
+          </p:cNvSpPr>
+          <p:nvPr>
+            <p:ph type="body" idx="1"/>
+          </p:nvPr>
+        </p:nvSpPr>
+        <p:spPr/>
+        <p:txBody>
+          <a:bodyPr/>
+          <a:lstStyle/>
+          <a:p>
+            <a:endParaRPr lang="de-DE"/>
+          </a:p>
+        </p:txBody>
+      </p:sp>
+      <p:sp>
+        <p:nvSpPr>
+          <p:cNvPr id="4" name="Foliennummernplatzhalter 3"/>
+          <p:cNvSpPr>
+            <a:spLocks noGrp="1"/>
+          </p:cNvSpPr>
+          <p:nvPr>
+            <p:ph type="sldNum" sz="quarter" idx="10"/>
+          </p:nvPr>
+        </p:nvSpPr>
+        <p:spPr/>
+        <p:txBody>
+          <a:bodyPr/>
+          <a:lstStyle/>
+          <a:p>
+            <a:fld id="{6501CEFE-DE82-244F-A447-0C560DC9C582}" type="slidenum">
+              <a:rPr lang="de-DE" smtClean="0"/>
+              <a:pPr/>
+              <a:t>6</a:t>
+            </a:fld>
+            <a:endParaRPr lang="de-DE"/>
+          </a:p>
+        </p:txBody>
+      </p:sp>
+    </p:spTree>
+    <p:extLst>
+      <p:ext uri="{BB962C8B-B14F-4D97-AF65-F5344CB8AC3E}">
+        <p14:creationId xmlns:p14="http://schemas.microsoft.com/office/powerpoint/2010/main" val="2892929920"/>
+      </p:ext>
+    </p:extLst>
+  </p:cSld>
+  <p:clrMapOvr>
+    <a:masterClrMapping/>
+  </p:clrMapOvr>
+</p:notes>
+</file>
+
+<file path=ppt/notesSlides/notesSlide7.xml><?xml version="1.0" encoding="utf-8"?>
+<p:notes xmlns:a="http://schemas.openxmlformats.org/drawingml/2006/main" xmlns:r="http://schemas.openxmlformats.org/officeDocument/2006/relationships" xmlns:p="http://schemas.openxmlformats.org/presentationml/2006/main">
+  <p:cSld>
+    <p:spTree>
+      <p:nvGrpSpPr>
+        <p:cNvPr id="1" name=""/>
+        <p:cNvGrpSpPr/>
+        <p:nvPr/>
+      </p:nvGrpSpPr>
+      <p:grpSpPr>
+        <a:xfrm>
+          <a:off x="0" y="0"/>
+          <a:ext cx="0" cy="0"/>
+          <a:chOff x="0" y="0"/>
+          <a:chExt cx="0" cy="0"/>
+        </a:xfrm>
+      </p:grpSpPr>
+      <p:sp>
+        <p:nvSpPr>
+          <p:cNvPr id="2" name="Folienbildplatzhalter 1"/>
+          <p:cNvSpPr>
+            <a:spLocks noGrp="1" noRot="1" noChangeAspect="1"/>
+          </p:cNvSpPr>
+          <p:nvPr>
+            <p:ph type="sldImg"/>
+          </p:nvPr>
+        </p:nvSpPr>
+        <p:spPr/>
+      </p:sp>
+      <p:sp>
+        <p:nvSpPr>
+          <p:cNvPr id="3" name="Notizenplatzhalter 2"/>
+          <p:cNvSpPr>
+            <a:spLocks noGrp="1"/>
+          </p:cNvSpPr>
+          <p:nvPr>
+            <p:ph type="body" idx="1"/>
+          </p:nvPr>
+        </p:nvSpPr>
+        <p:spPr/>
+        <p:txBody>
+          <a:bodyPr/>
+          <a:lstStyle/>
+          <a:p>
+            <a:endParaRPr lang="de-DE"/>
+          </a:p>
+        </p:txBody>
+      </p:sp>
+      <p:sp>
+        <p:nvSpPr>
+          <p:cNvPr id="4" name="Foliennummernplatzhalter 3"/>
+          <p:cNvSpPr>
+            <a:spLocks noGrp="1"/>
+          </p:cNvSpPr>
+          <p:nvPr>
+            <p:ph type="sldNum" sz="quarter" idx="10"/>
+          </p:nvPr>
+        </p:nvSpPr>
+        <p:spPr/>
+        <p:txBody>
+          <a:bodyPr/>
+          <a:lstStyle/>
+          <a:p>
+            <a:fld id="{6501CEFE-DE82-244F-A447-0C560DC9C582}" type="slidenum">
+              <a:rPr lang="de-DE" smtClean="0"/>
+              <a:pPr/>
+              <a:t>7</a:t>
+            </a:fld>
+            <a:endParaRPr lang="de-DE"/>
+          </a:p>
+        </p:txBody>
+      </p:sp>
+    </p:spTree>
+    <p:extLst>
+      <p:ext uri="{BB962C8B-B14F-4D97-AF65-F5344CB8AC3E}">
+        <p14:creationId xmlns:p14="http://schemas.microsoft.com/office/powerpoint/2010/main" val="3816106494"/>
+      </p:ext>
+    </p:extLst>
+  </p:cSld>
+  <p:clrMapOvr>
+    <a:masterClrMapping/>
+  </p:clrMapOvr>
+</p:notes>
+</file>
+
+<file path=ppt/notesSlides/notesSlide8.xml><?xml version="1.0" encoding="utf-8"?>
+<p:notes xmlns:a="http://schemas.openxmlformats.org/drawingml/2006/main" xmlns:r="http://schemas.openxmlformats.org/officeDocument/2006/relationships" xmlns:p="http://schemas.openxmlformats.org/presentationml/2006/main">
+  <p:cSld>
+    <p:spTree>
+      <p:nvGrpSpPr>
+        <p:cNvPr id="1" name=""/>
+        <p:cNvGrpSpPr/>
+        <p:nvPr/>
+      </p:nvGrpSpPr>
+      <p:grpSpPr>
+        <a:xfrm>
+          <a:off x="0" y="0"/>
+          <a:ext cx="0" cy="0"/>
+          <a:chOff x="0" y="0"/>
+          <a:chExt cx="0" cy="0"/>
+        </a:xfrm>
+      </p:grpSpPr>
+      <p:sp>
+        <p:nvSpPr>
+          <p:cNvPr id="2" name="Folienbildplatzhalter 1"/>
+          <p:cNvSpPr>
+            <a:spLocks noGrp="1" noRot="1" noChangeAspect="1"/>
+          </p:cNvSpPr>
+          <p:nvPr>
+            <p:ph type="sldImg"/>
+          </p:nvPr>
+        </p:nvSpPr>
+        <p:spPr/>
+      </p:sp>
+      <p:sp>
+        <p:nvSpPr>
+          <p:cNvPr id="3" name="Notizenplatzhalter 2"/>
+          <p:cNvSpPr>
+            <a:spLocks noGrp="1"/>
+          </p:cNvSpPr>
+          <p:nvPr>
+            <p:ph type="body" idx="1"/>
+          </p:nvPr>
+        </p:nvSpPr>
+        <p:spPr/>
+        <p:txBody>
+          <a:bodyPr/>
+          <a:lstStyle/>
+          <a:p>
+            <a:endParaRPr lang="de-DE"/>
+          </a:p>
+        </p:txBody>
+      </p:sp>
+      <p:sp>
+        <p:nvSpPr>
+          <p:cNvPr id="4" name="Foliennummernplatzhalter 3"/>
+          <p:cNvSpPr>
+            <a:spLocks noGrp="1"/>
+          </p:cNvSpPr>
+          <p:nvPr>
+            <p:ph type="sldNum" sz="quarter" idx="10"/>
+          </p:nvPr>
+        </p:nvSpPr>
+        <p:spPr/>
+        <p:txBody>
+          <a:bodyPr/>
+          <a:lstStyle/>
+          <a:p>
+            <a:fld id="{6501CEFE-DE82-244F-A447-0C560DC9C582}" type="slidenum">
+              <a:rPr lang="de-DE" smtClean="0"/>
+              <a:pPr/>
+              <a:t>8</a:t>
+            </a:fld>
+            <a:endParaRPr lang="de-DE"/>
+          </a:p>
+        </p:txBody>
+      </p:sp>
+    </p:spTree>
+    <p:extLst>
+      <p:ext uri="{BB962C8B-B14F-4D97-AF65-F5344CB8AC3E}">
+        <p14:creationId xmlns:p14="http://schemas.microsoft.com/office/powerpoint/2010/main" val="4048185767"/>
+      </p:ext>
+    </p:extLst>
+  </p:cSld>
+  <p:clrMapOvr>
+    <a:masterClrMapping/>
+  </p:clrMapOvr>
+</p:notes>
+</file>
+
+<file path=ppt/notesSlides/notesSlide9.xml><?xml version="1.0" encoding="utf-8"?>
+<p:notes xmlns:a="http://schemas.openxmlformats.org/drawingml/2006/main" xmlns:r="http://schemas.openxmlformats.org/officeDocument/2006/relationships" xmlns:p="http://schemas.openxmlformats.org/presentationml/2006/main">
+  <p:cSld>
+    <p:spTree>
+      <p:nvGrpSpPr>
+        <p:cNvPr id="1" name=""/>
+        <p:cNvGrpSpPr/>
+        <p:nvPr/>
+      </p:nvGrpSpPr>
+      <p:grpSpPr>
+        <a:xfrm>
+          <a:off x="0" y="0"/>
+          <a:ext cx="0" cy="0"/>
+          <a:chOff x="0" y="0"/>
+          <a:chExt cx="0" cy="0"/>
+        </a:xfrm>
+      </p:grpSpPr>
+      <p:sp>
+        <p:nvSpPr>
+          <p:cNvPr id="2" name="Folienbildplatzhalter 1"/>
+          <p:cNvSpPr>
+            <a:spLocks noGrp="1" noRot="1" noChangeAspect="1"/>
+          </p:cNvSpPr>
+          <p:nvPr>
+            <p:ph type="sldImg"/>
+          </p:nvPr>
+        </p:nvSpPr>
+        <p:spPr/>
+      </p:sp>
+      <p:sp>
+        <p:nvSpPr>
+          <p:cNvPr id="3" name="Notizenplatzhalter 2"/>
+          <p:cNvSpPr>
+            <a:spLocks noGrp="1"/>
+          </p:cNvSpPr>
+          <p:nvPr>
+            <p:ph type="body" idx="1"/>
+          </p:nvPr>
+        </p:nvSpPr>
+        <p:spPr/>
+        <p:txBody>
+          <a:bodyPr/>
+          <a:lstStyle/>
+          <a:p>
+            <a:endParaRPr lang="de-DE"/>
+          </a:p>
+        </p:txBody>
+      </p:sp>
+      <p:sp>
+        <p:nvSpPr>
+          <p:cNvPr id="4" name="Foliennummernplatzhalter 3"/>
+          <p:cNvSpPr>
+            <a:spLocks noGrp="1"/>
+          </p:cNvSpPr>
+          <p:nvPr>
+            <p:ph type="sldNum" sz="quarter" idx="10"/>
+          </p:nvPr>
+        </p:nvSpPr>
+        <p:spPr/>
+        <p:txBody>
+          <a:bodyPr/>
+          <a:lstStyle/>
+          <a:p>
+            <a:fld id="{6501CEFE-DE82-244F-A447-0C560DC9C582}" type="slidenum">
+              <a:rPr lang="de-DE" smtClean="0"/>
+              <a:pPr/>
+              <a:t>9</a:t>
+            </a:fld>
+            <a:endParaRPr lang="de-DE"/>
+          </a:p>
+        </p:txBody>
+      </p:sp>
+    </p:spTree>
+    <p:extLst>
+      <p:ext uri="{BB962C8B-B14F-4D97-AF65-F5344CB8AC3E}">
+        <p14:creationId xmlns:p14="http://schemas.microsoft.com/office/powerpoint/2010/main" val="2402833956"/>
+      </p:ext>
+    </p:extLst>
+  </p:cSld>
+  <p:clrMapOvr>
+    <a:masterClrMapping/>
+  </p:clrMapOvr>
+</p:notes>
 </file>
 
 <file path=ppt/slideLayouts/slideLayout1.xml><?xml version="1.0" encoding="utf-8"?>
@@ -5290,7 +8433,7 @@
           </p:nvPr>
         </p:nvPicPr>
         <p:blipFill>
-          <a:blip r:embed="rId2"/>
+          <a:blip r:embed="rId3"/>
           <a:stretch>
             <a:fillRect/>
           </a:stretch>
@@ -6171,7 +9314,7 @@
                 <a:ext cx="3312368" cy="3312368"/>
               </a:xfrm>
               <a:blipFill rotWithShape="0">
-                <a:blip r:embed="rId3"/>
+                <a:blip r:embed="rId4"/>
                 <a:stretch>
                   <a:fillRect/>
                 </a:stretch>
@@ -6641,7 +9784,7 @@
           </p:nvPr>
         </p:nvPicPr>
         <p:blipFill>
-          <a:blip r:embed="rId2"/>
+          <a:blip r:embed="rId3"/>
           <a:stretch>
             <a:fillRect/>
           </a:stretch>
@@ -6987,7 +10130,7 @@
                 <a:avLst/>
               </a:prstGeom>
               <a:blipFill rotWithShape="0">
-                <a:blip r:embed="rId3"/>
+                <a:blip r:embed="rId4"/>
                 <a:stretch>
                   <a:fillRect/>
                 </a:stretch>
@@ -7208,7 +10351,7 @@
                 <a:avLst/>
               </a:prstGeom>
               <a:blipFill rotWithShape="0">
-                <a:blip r:embed="rId4"/>
+                <a:blip r:embed="rId5"/>
                 <a:stretch>
                   <a:fillRect/>
                 </a:stretch>
@@ -7459,7 +10602,7 @@
                 <a:avLst/>
               </a:prstGeom>
               <a:blipFill rotWithShape="0">
-                <a:blip r:embed="rId5"/>
+                <a:blip r:embed="rId6"/>
                 <a:stretch>
                   <a:fillRect/>
                 </a:stretch>
@@ -7947,7 +11090,7 @@
           <p:nvPr/>
         </p:nvPicPr>
         <p:blipFill>
-          <a:blip r:embed="rId2" cstate="print">
+          <a:blip r:embed="rId3" cstate="print">
             <a:extLst>
               <a:ext uri="{28A0092B-C50C-407E-A947-70E740481C1C}">
                 <a14:useLocalDpi xmlns:a14="http://schemas.microsoft.com/office/drawing/2010/main" val="0"/>
@@ -7977,7 +11120,7 @@
           <p:nvPr/>
         </p:nvPicPr>
         <p:blipFill>
-          <a:blip r:embed="rId3" cstate="print">
+          <a:blip r:embed="rId4" cstate="print">
             <a:extLst>
               <a:ext uri="{28A0092B-C50C-407E-A947-70E740481C1C}">
                 <a14:useLocalDpi xmlns:a14="http://schemas.microsoft.com/office/drawing/2010/main" val="0"/>
@@ -8007,7 +11150,7 @@
           <p:nvPr/>
         </p:nvPicPr>
         <p:blipFill>
-          <a:blip r:embed="rId4" cstate="print">
+          <a:blip r:embed="rId5" cstate="print">
             <a:extLst>
               <a:ext uri="{28A0092B-C50C-407E-A947-70E740481C1C}">
                 <a14:useLocalDpi xmlns:a14="http://schemas.microsoft.com/office/drawing/2010/main" val="0"/>
@@ -8037,7 +11180,7 @@
           <p:nvPr/>
         </p:nvPicPr>
         <p:blipFill>
-          <a:blip r:embed="rId5" cstate="print">
+          <a:blip r:embed="rId6" cstate="print">
             <a:extLst>
               <a:ext uri="{28A0092B-C50C-407E-A947-70E740481C1C}">
                 <a14:useLocalDpi xmlns:a14="http://schemas.microsoft.com/office/drawing/2010/main" val="0"/>
@@ -8067,7 +11210,7 @@
           <p:nvPr/>
         </p:nvPicPr>
         <p:blipFill>
-          <a:blip r:embed="rId6" cstate="print">
+          <a:blip r:embed="rId7" cstate="print">
             <a:extLst>
               <a:ext uri="{28A0092B-C50C-407E-A947-70E740481C1C}">
                 <a14:useLocalDpi xmlns:a14="http://schemas.microsoft.com/office/drawing/2010/main" val="0"/>
@@ -8244,7 +11387,7 @@
           <p:nvPr/>
         </p:nvPicPr>
         <p:blipFill>
-          <a:blip r:embed="rId2">
+          <a:blip r:embed="rId3">
             <a:extLst>
               <a:ext uri="{28A0092B-C50C-407E-A947-70E740481C1C}">
                 <a14:useLocalDpi xmlns:a14="http://schemas.microsoft.com/office/drawing/2010/main" val="0"/>
@@ -8274,7 +11417,7 @@
           <p:nvPr/>
         </p:nvPicPr>
         <p:blipFill>
-          <a:blip r:embed="rId3">
+          <a:blip r:embed="rId4">
             <a:extLst>
               <a:ext uri="{28A0092B-C50C-407E-A947-70E740481C1C}">
                 <a14:useLocalDpi xmlns:a14="http://schemas.microsoft.com/office/drawing/2010/main" val="0"/>
@@ -8374,7 +11517,7 @@
           </p:nvPr>
         </p:nvPicPr>
         <p:blipFill>
-          <a:blip r:embed="rId2"/>
+          <a:blip r:embed="rId3"/>
           <a:stretch>
             <a:fillRect/>
           </a:stretch>
@@ -8498,7 +11641,7 @@
           </p:nvPr>
         </p:nvPicPr>
         <p:blipFill>
-          <a:blip r:embed="rId2">
+          <a:blip r:embed="rId3">
             <a:extLst>
               <a:ext uri="{28A0092B-C50C-407E-A947-70E740481C1C}">
                 <a14:useLocalDpi xmlns:a14="http://schemas.microsoft.com/office/drawing/2010/main" val="0"/>
@@ -8759,7 +11902,7 @@
           </p:nvPr>
         </p:nvPicPr>
         <p:blipFill>
-          <a:blip r:embed="rId2"/>
+          <a:blip r:embed="rId3"/>
           <a:stretch>
             <a:fillRect/>
           </a:stretch>
@@ -8785,7 +11928,7 @@
           </p:nvPr>
         </p:nvPicPr>
         <p:blipFill>
-          <a:blip r:embed="rId3"/>
+          <a:blip r:embed="rId4"/>
           <a:stretch>
             <a:fillRect/>
           </a:stretch>
@@ -9322,7 +12465,7 @@
                 <a:avLst/>
               </a:prstGeom>
               <a:blipFill rotWithShape="0">
-                <a:blip r:embed="rId4"/>
+                <a:blip r:embed="rId5"/>
                 <a:stretch>
                   <a:fillRect/>
                 </a:stretch>
@@ -9433,7 +12576,7 @@
           </p:nvPr>
         </p:nvPicPr>
         <p:blipFill>
-          <a:blip r:embed="rId2">
+          <a:blip r:embed="rId3">
             <a:extLst>
               <a:ext uri="{28A0092B-C50C-407E-A947-70E740481C1C}">
                 <a14:useLocalDpi xmlns:a14="http://schemas.microsoft.com/office/drawing/2010/main" val="0"/>
@@ -9780,7 +12923,7 @@
           <p:nvPr/>
         </p:nvPicPr>
         <p:blipFill>
-          <a:blip r:embed="rId2" cstate="print">
+          <a:blip r:embed="rId3" cstate="print">
             <a:extLst>
               <a:ext uri="{28A0092B-C50C-407E-A947-70E740481C1C}">
                 <a14:useLocalDpi xmlns:a14="http://schemas.microsoft.com/office/drawing/2010/main" val="0"/>
@@ -9810,7 +12953,7 @@
           <p:nvPr/>
         </p:nvPicPr>
         <p:blipFill>
-          <a:blip r:embed="rId3" cstate="print">
+          <a:blip r:embed="rId4" cstate="print">
             <a:extLst>
               <a:ext uri="{28A0092B-C50C-407E-A947-70E740481C1C}">
                 <a14:useLocalDpi xmlns:a14="http://schemas.microsoft.com/office/drawing/2010/main" val="0"/>
@@ -10639,7 +13782,7 @@
                 <a:ext cx="3456384" cy="4032448"/>
               </a:xfrm>
               <a:blipFill rotWithShape="0">
-                <a:blip r:embed="rId2"/>
+                <a:blip r:embed="rId3"/>
                 <a:stretch>
                   <a:fillRect/>
                 </a:stretch>
@@ -10690,7 +13833,7 @@
           </p:nvPr>
         </p:nvPicPr>
         <p:blipFill>
-          <a:blip r:embed="rId3"/>
+          <a:blip r:embed="rId4"/>
           <a:stretch>
             <a:fillRect/>
           </a:stretch>
@@ -11300,7 +14443,7 @@
                 <a:avLst/>
               </a:prstGeom>
               <a:blipFill rotWithShape="0">
-                <a:blip r:embed="rId4"/>
+                <a:blip r:embed="rId5"/>
                 <a:stretch>
                   <a:fillRect/>
                 </a:stretch>
@@ -11996,7 +15139,7 @@
           <p:nvPr/>
         </p:nvPicPr>
         <p:blipFill>
-          <a:blip r:embed="rId2">
+          <a:blip r:embed="rId3">
             <a:extLst>
               <a:ext uri="{28A0092B-C50C-407E-A947-70E740481C1C}">
                 <a14:useLocalDpi xmlns:a14="http://schemas.microsoft.com/office/drawing/2010/main" val="0"/>
@@ -12026,7 +15169,7 @@
           <p:nvPr/>
         </p:nvPicPr>
         <p:blipFill>
-          <a:blip r:embed="rId3">
+          <a:blip r:embed="rId4">
             <a:extLst>
               <a:ext uri="{28A0092B-C50C-407E-A947-70E740481C1C}">
                 <a14:useLocalDpi xmlns:a14="http://schemas.microsoft.com/office/drawing/2010/main" val="0"/>
@@ -12137,7 +15280,7 @@
           </p:nvPr>
         </p:nvPicPr>
         <p:blipFill>
-          <a:blip r:embed="rId2">
+          <a:blip r:embed="rId3">
             <a:extLst>
               <a:ext uri="{28A0092B-C50C-407E-A947-70E740481C1C}">
                 <a14:useLocalDpi xmlns:a14="http://schemas.microsoft.com/office/drawing/2010/main" val="0"/>
@@ -12398,7 +15541,7 @@
           </p:nvPr>
         </p:nvPicPr>
         <p:blipFill>
-          <a:blip r:embed="rId2"/>
+          <a:blip r:embed="rId3"/>
           <a:stretch>
             <a:fillRect/>
           </a:stretch>
@@ -12443,7 +15586,7 @@
           </p:nvPr>
         </p:nvPicPr>
         <p:blipFill>
-          <a:blip r:embed="rId3"/>
+          <a:blip r:embed="rId4"/>
           <a:stretch>
             <a:fillRect/>
           </a:stretch>
@@ -12916,7 +16059,7 @@
           </p:nvPr>
         </p:nvPicPr>
         <p:blipFill>
-          <a:blip r:embed="rId2"/>
+          <a:blip r:embed="rId3"/>
           <a:stretch>
             <a:fillRect/>
           </a:stretch>
@@ -13038,7 +16181,7 @@
           <p:nvPr/>
         </p:nvPicPr>
         <p:blipFill>
-          <a:blip r:embed="rId2"/>
+          <a:blip r:embed="rId3"/>
           <a:stretch>
             <a:fillRect/>
           </a:stretch>
@@ -13062,7 +16205,7 @@
           <p:nvPr/>
         </p:nvPicPr>
         <p:blipFill>
-          <a:blip r:embed="rId3"/>
+          <a:blip r:embed="rId4"/>
           <a:stretch>
             <a:fillRect/>
           </a:stretch>
@@ -13086,7 +16229,7 @@
           <p:nvPr/>
         </p:nvPicPr>
         <p:blipFill>
-          <a:blip r:embed="rId4"/>
+          <a:blip r:embed="rId5"/>
           <a:stretch>
             <a:fillRect/>
           </a:stretch>
@@ -13172,7 +16315,7 @@
           </p:nvPr>
         </p:nvPicPr>
         <p:blipFill>
-          <a:blip r:embed="rId2"/>
+          <a:blip r:embed="rId3"/>
           <a:stretch>
             <a:fillRect/>
           </a:stretch>
@@ -13324,7 +16467,7 @@
           <p:nvPr/>
         </p:nvPicPr>
         <p:blipFill>
-          <a:blip r:embed="rId2" cstate="print">
+          <a:blip r:embed="rId3" cstate="print">
             <a:extLst>
               <a:ext uri="{28A0092B-C50C-407E-A947-70E740481C1C}">
                 <a14:useLocalDpi xmlns:a14="http://schemas.microsoft.com/office/drawing/2010/main" val="0"/>
@@ -13354,7 +16497,7 @@
           <p:nvPr/>
         </p:nvPicPr>
         <p:blipFill>
-          <a:blip r:embed="rId3" cstate="print">
+          <a:blip r:embed="rId4" cstate="print">
             <a:extLst>
               <a:ext uri="{28A0092B-C50C-407E-A947-70E740481C1C}">
                 <a14:useLocalDpi xmlns:a14="http://schemas.microsoft.com/office/drawing/2010/main" val="0"/>
@@ -13384,7 +16527,7 @@
           <p:nvPr/>
         </p:nvPicPr>
         <p:blipFill>
-          <a:blip r:embed="rId4" cstate="print">
+          <a:blip r:embed="rId5" cstate="print">
             <a:extLst>
               <a:ext uri="{28A0092B-C50C-407E-A947-70E740481C1C}">
                 <a14:useLocalDpi xmlns:a14="http://schemas.microsoft.com/office/drawing/2010/main" val="0"/>
@@ -13414,7 +16557,7 @@
           <p:nvPr/>
         </p:nvPicPr>
         <p:blipFill>
-          <a:blip r:embed="rId5" cstate="print">
+          <a:blip r:embed="rId6" cstate="print">
             <a:extLst>
               <a:ext uri="{28A0092B-C50C-407E-A947-70E740481C1C}">
                 <a14:useLocalDpi xmlns:a14="http://schemas.microsoft.com/office/drawing/2010/main" val="0"/>
@@ -13444,7 +16587,7 @@
           <p:nvPr/>
         </p:nvPicPr>
         <p:blipFill>
-          <a:blip r:embed="rId6" cstate="print">
+          <a:blip r:embed="rId7" cstate="print">
             <a:extLst>
               <a:ext uri="{28A0092B-C50C-407E-A947-70E740481C1C}">
                 <a14:useLocalDpi xmlns:a14="http://schemas.microsoft.com/office/drawing/2010/main" val="0"/>
@@ -13474,7 +16617,7 @@
           <p:nvPr/>
         </p:nvPicPr>
         <p:blipFill>
-          <a:blip r:embed="rId7" cstate="print">
+          <a:blip r:embed="rId8" cstate="print">
             <a:extLst>
               <a:ext uri="{28A0092B-C50C-407E-A947-70E740481C1C}">
                 <a14:useLocalDpi xmlns:a14="http://schemas.microsoft.com/office/drawing/2010/main" val="0"/>
@@ -13792,8 +16935,12 @@
           <a:p>
             <a:pPr lvl="1"/>
             <a:r>
+              <a:rPr lang="de-DE" smtClean="0"/>
+              <a:t>Integration </a:t>
+            </a:r>
+            <a:r>
               <a:rPr lang="de-DE" dirty="0"/>
-              <a:t>Implementierung der Höhenschätzung</a:t>
+              <a:t>der Höhenschätzung</a:t>
             </a:r>
           </a:p>
           <a:p>
@@ -13952,7 +17099,7 @@
           <p:nvPr/>
         </p:nvPicPr>
         <p:blipFill>
-          <a:blip r:embed="rId2"/>
+          <a:blip r:embed="rId3"/>
           <a:stretch>
             <a:fillRect/>
           </a:stretch>
@@ -15301,7 +18448,7 @@
                 <a:avLst/>
               </a:prstGeom>
               <a:blipFill rotWithShape="0">
-                <a:blip r:embed="rId3"/>
+                <a:blip r:embed="rId4"/>
                 <a:stretch>
                   <a:fillRect l="-1230" t="-882" r="-14344"/>
                 </a:stretch>
@@ -15430,7 +18577,7 @@
           </p:nvPr>
         </p:nvPicPr>
         <p:blipFill>
-          <a:blip r:embed="rId2" cstate="print">
+          <a:blip r:embed="rId3" cstate="print">
             <a:extLst>
               <a:ext uri="{28A0092B-C50C-407E-A947-70E740481C1C}">
                 <a14:useLocalDpi xmlns:a14="http://schemas.microsoft.com/office/drawing/2010/main" val="0"/>
@@ -15674,7 +18821,7 @@
           <p:nvPr/>
         </p:nvPicPr>
         <p:blipFill>
-          <a:blip r:embed="rId2"/>
+          <a:blip r:embed="rId3"/>
           <a:stretch>
             <a:fillRect/>
           </a:stretch>
@@ -15698,7 +18845,7 @@
           <p:nvPr/>
         </p:nvPicPr>
         <p:blipFill>
-          <a:blip r:embed="rId3"/>
+          <a:blip r:embed="rId4"/>
           <a:stretch>
             <a:fillRect/>
           </a:stretch>
@@ -15722,7 +18869,7 @@
           <p:nvPr/>
         </p:nvPicPr>
         <p:blipFill>
-          <a:blip r:embed="rId4"/>
+          <a:blip r:embed="rId5"/>
           <a:stretch>
             <a:fillRect/>
           </a:stretch>
@@ -15746,7 +18893,7 @@
           <p:nvPr/>
         </p:nvPicPr>
         <p:blipFill>
-          <a:blip r:embed="rId5"/>
+          <a:blip r:embed="rId6"/>
           <a:stretch>
             <a:fillRect/>
           </a:stretch>
@@ -15770,7 +18917,7 @@
           <p:nvPr/>
         </p:nvPicPr>
         <p:blipFill>
-          <a:blip r:embed="rId6"/>
+          <a:blip r:embed="rId7"/>
           <a:stretch>
             <a:fillRect/>
           </a:stretch>
@@ -15873,7 +19020,7 @@
           <p:nvPr/>
         </p:nvPicPr>
         <p:blipFill>
-          <a:blip r:embed="rId2"/>
+          <a:blip r:embed="rId3"/>
           <a:stretch>
             <a:fillRect/>
           </a:stretch>
@@ -15897,7 +19044,7 @@
           <p:nvPr/>
         </p:nvPicPr>
         <p:blipFill>
-          <a:blip r:embed="rId3"/>
+          <a:blip r:embed="rId4"/>
           <a:stretch>
             <a:fillRect/>
           </a:stretch>
@@ -15921,7 +19068,7 @@
           <p:nvPr/>
         </p:nvPicPr>
         <p:blipFill>
-          <a:blip r:embed="rId4"/>
+          <a:blip r:embed="rId5"/>
           <a:stretch>
             <a:fillRect/>
           </a:stretch>
@@ -15945,7 +19092,7 @@
           <p:nvPr/>
         </p:nvPicPr>
         <p:blipFill>
-          <a:blip r:embed="rId5"/>
+          <a:blip r:embed="rId6"/>
           <a:stretch>
             <a:fillRect/>
           </a:stretch>
@@ -15969,7 +19116,7 @@
           <p:nvPr/>
         </p:nvPicPr>
         <p:blipFill>
-          <a:blip r:embed="rId6"/>
+          <a:blip r:embed="rId7"/>
           <a:stretch>
             <a:fillRect/>
           </a:stretch>
@@ -15993,7 +19140,7 @@
           <p:nvPr/>
         </p:nvPicPr>
         <p:blipFill>
-          <a:blip r:embed="rId7"/>
+          <a:blip r:embed="rId8"/>
           <a:stretch>
             <a:fillRect/>
           </a:stretch>
@@ -16252,7 +19399,7 @@
           <p:nvPr/>
         </p:nvPicPr>
         <p:blipFill>
-          <a:blip r:embed="rId2"/>
+          <a:blip r:embed="rId3"/>
           <a:stretch>
             <a:fillRect/>
           </a:stretch>
@@ -16800,7 +19947,7 @@
                 <a:avLst/>
               </a:prstGeom>
               <a:blipFill rotWithShape="0">
-                <a:blip r:embed="rId3"/>
+                <a:blip r:embed="rId4"/>
                 <a:stretch>
                   <a:fillRect t="-127143" b="-184286"/>
                 </a:stretch>
@@ -17937,7 +21084,7 @@
                 <a:avLst/>
               </a:prstGeom>
               <a:blipFill rotWithShape="0">
-                <a:blip r:embed="rId2"/>
+                <a:blip r:embed="rId3"/>
                 <a:stretch>
                   <a:fillRect l="-1337" t="-861"/>
                 </a:stretch>
@@ -18617,7 +21764,7 @@
                 <a:avLst/>
               </a:prstGeom>
               <a:blipFill rotWithShape="0">
-                <a:blip r:embed="rId3"/>
+                <a:blip r:embed="rId4"/>
                 <a:stretch>
                   <a:fillRect l="-3577" t="-1865" r="-1043"/>
                 </a:stretch>
@@ -18940,7 +22087,7 @@
                 <a:avLst/>
               </a:prstGeom>
               <a:blipFill rotWithShape="0">
-                <a:blip r:embed="rId4"/>
+                <a:blip r:embed="rId5"/>
                 <a:stretch>
                   <a:fillRect l="-1168" t="-3158"/>
                 </a:stretch>
@@ -19096,7 +22243,7 @@
           </p:nvPr>
         </p:nvPicPr>
         <p:blipFill>
-          <a:blip r:embed="rId2"/>
+          <a:blip r:embed="rId3"/>
           <a:stretch>
             <a:fillRect/>
           </a:stretch>
@@ -19932,7 +23079,7 @@
                 <a:avLst/>
               </a:prstGeom>
               <a:blipFill rotWithShape="0">
-                <a:blip r:embed="rId2"/>
+                <a:blip r:embed="rId3"/>
                 <a:stretch>
                   <a:fillRect l="-1411" t="-861"/>
                 </a:stretch>
@@ -20983,7 +24130,7 @@
                 <a:avLst/>
               </a:prstGeom>
               <a:blipFill rotWithShape="0">
-                <a:blip r:embed="rId3"/>
+                <a:blip r:embed="rId4"/>
                 <a:stretch>
                   <a:fillRect l="-3007" t="-1964"/>
                 </a:stretch>
@@ -21251,7 +24398,7 @@
                 <a:avLst/>
               </a:prstGeom>
               <a:blipFill rotWithShape="0">
-                <a:blip r:embed="rId4"/>
+                <a:blip r:embed="rId5"/>
                 <a:stretch>
                   <a:fillRect l="-1156" t="-3185"/>
                 </a:stretch>
@@ -21359,7 +24506,7 @@
           <p:nvPr/>
         </p:nvPicPr>
         <p:blipFill rotWithShape="1">
-          <a:blip r:embed="rId2">
+          <a:blip r:embed="rId3">
             <a:extLst>
               <a:ext uri="{28A0092B-C50C-407E-A947-70E740481C1C}">
                 <a14:useLocalDpi xmlns:a14="http://schemas.microsoft.com/office/drawing/2010/main" val="0"/>
@@ -21494,7 +24641,7 @@
           </p:nvPr>
         </p:nvPicPr>
         <p:blipFill>
-          <a:blip r:embed="rId2">
+          <a:blip r:embed="rId3">
             <a:extLst>
               <a:ext uri="{28A0092B-C50C-407E-A947-70E740481C1C}">
                 <a14:useLocalDpi xmlns:a14="http://schemas.microsoft.com/office/drawing/2010/main" val="0"/>
@@ -21709,7 +24856,7 @@
           <p:nvPr/>
         </p:nvPicPr>
         <p:blipFill>
-          <a:blip r:embed="rId2">
+          <a:blip r:embed="rId3">
             <a:extLst>
               <a:ext uri="{28A0092B-C50C-407E-A947-70E740481C1C}">
                 <a14:useLocalDpi xmlns:a14="http://schemas.microsoft.com/office/drawing/2010/main" val="0"/>
@@ -21763,7 +24910,7 @@
           <p:nvPr/>
         </p:nvPicPr>
         <p:blipFill>
-          <a:blip r:embed="rId3">
+          <a:blip r:embed="rId4">
             <a:extLst>
               <a:ext uri="{28A0092B-C50C-407E-A947-70E740481C1C}">
                 <a14:useLocalDpi xmlns:a14="http://schemas.microsoft.com/office/drawing/2010/main" val="0"/>
@@ -22258,7 +25405,7 @@
                 <a:avLst/>
               </a:prstGeom>
               <a:blipFill rotWithShape="0">
-                <a:blip r:embed="rId2"/>
+                <a:blip r:embed="rId3"/>
                 <a:stretch>
                   <a:fillRect/>
                 </a:stretch>
@@ -22288,7 +25435,7 @@
           <p:nvPr/>
         </p:nvPicPr>
         <p:blipFill rotWithShape="1">
-          <a:blip r:embed="rId3"/>
+          <a:blip r:embed="rId4"/>
           <a:srcRect l="41696"/>
           <a:stretch/>
         </p:blipFill>
@@ -22311,7 +25458,7 @@
           <p:nvPr/>
         </p:nvPicPr>
         <p:blipFill rotWithShape="1">
-          <a:blip r:embed="rId4"/>
+          <a:blip r:embed="rId5"/>
           <a:srcRect l="40560" t="20947"/>
           <a:stretch/>
         </p:blipFill>
@@ -22434,7 +25581,7 @@
           </p:nvPr>
         </p:nvPicPr>
         <p:blipFill>
-          <a:blip r:embed="rId2">
+          <a:blip r:embed="rId3">
             <a:extLst>
               <a:ext uri="{28A0092B-C50C-407E-A947-70E740481C1C}">
                 <a14:useLocalDpi xmlns:a14="http://schemas.microsoft.com/office/drawing/2010/main" val="0"/>
@@ -22569,7 +25716,7 @@
           </p:nvPr>
         </p:nvPicPr>
         <p:blipFill>
-          <a:blip r:embed="rId2">
+          <a:blip r:embed="rId3">
             <a:extLst>
               <a:ext uri="{28A0092B-C50C-407E-A947-70E740481C1C}">
                 <a14:useLocalDpi xmlns:a14="http://schemas.microsoft.com/office/drawing/2010/main" val="0"/>
@@ -24006,4 +27153,265 @@
   </a:objectDefaults>
   <a:extraClrSchemeLst/>
 </a:theme>
+</file>
+
+<file path=ppt/theme/theme3.xml><?xml version="1.0" encoding="utf-8"?>
+<a:theme xmlns:a="http://schemas.openxmlformats.org/drawingml/2006/main" name="Office Theme">
+  <a:themeElements>
+    <a:clrScheme name="Office">
+      <a:dk1>
+        <a:sysClr val="windowText" lastClr="000000"/>
+      </a:dk1>
+      <a:lt1>
+        <a:sysClr val="window" lastClr="FFFFFF"/>
+      </a:lt1>
+      <a:dk2>
+        <a:srgbClr val="44546A"/>
+      </a:dk2>
+      <a:lt2>
+        <a:srgbClr val="E7E6E6"/>
+      </a:lt2>
+      <a:accent1>
+        <a:srgbClr val="5B9BD5"/>
+      </a:accent1>
+      <a:accent2>
+        <a:srgbClr val="ED7D31"/>
+      </a:accent2>
+      <a:accent3>
+        <a:srgbClr val="A5A5A5"/>
+      </a:accent3>
+      <a:accent4>
+        <a:srgbClr val="FFC000"/>
+      </a:accent4>
+      <a:accent5>
+        <a:srgbClr val="4472C4"/>
+      </a:accent5>
+      <a:accent6>
+        <a:srgbClr val="70AD47"/>
+      </a:accent6>
+      <a:hlink>
+        <a:srgbClr val="0563C1"/>
+      </a:hlink>
+      <a:folHlink>
+        <a:srgbClr val="954F72"/>
+      </a:folHlink>
+    </a:clrScheme>
+    <a:fontScheme name="Office">
+      <a:majorFont>
+        <a:latin typeface="Calibri Light" panose="020F0302020204030204"/>
+        <a:ea typeface=""/>
+        <a:cs typeface=""/>
+        <a:font script="Jpan" typeface="ＭＳ Ｐゴシック"/>
+        <a:font script="Hang" typeface="맑은 고딕"/>
+        <a:font script="Hans" typeface="宋体"/>
+        <a:font script="Hant" typeface="新細明體"/>
+        <a:font script="Arab" typeface="Times New Roman"/>
+        <a:font script="Hebr" typeface="Times New Roman"/>
+        <a:font script="Thai" typeface="Angsana New"/>
+        <a:font script="Ethi" typeface="Nyala"/>
+        <a:font script="Beng" typeface="Vrinda"/>
+        <a:font script="Gujr" typeface="Shruti"/>
+        <a:font script="Khmr" typeface="MoolBoran"/>
+        <a:font script="Knda" typeface="Tunga"/>
+        <a:font script="Guru" typeface="Raavi"/>
+        <a:font script="Cans" typeface="Euphemia"/>
+        <a:font script="Cher" typeface="Plantagenet Cherokee"/>
+        <a:font script="Yiii" typeface="Microsoft Yi Baiti"/>
+        <a:font script="Tibt" typeface="Microsoft Himalaya"/>
+        <a:font script="Thaa" typeface="MV Boli"/>
+        <a:font script="Deva" typeface="Mangal"/>
+        <a:font script="Telu" typeface="Gautami"/>
+        <a:font script="Taml" typeface="Latha"/>
+        <a:font script="Syrc" typeface="Estrangelo Edessa"/>
+        <a:font script="Orya" typeface="Kalinga"/>
+        <a:font script="Mlym" typeface="Kartika"/>
+        <a:font script="Laoo" typeface="DokChampa"/>
+        <a:font script="Sinh" typeface="Iskoola Pota"/>
+        <a:font script="Mong" typeface="Mongolian Baiti"/>
+        <a:font script="Viet" typeface="Times New Roman"/>
+        <a:font script="Uigh" typeface="Microsoft Uighur"/>
+        <a:font script="Geor" typeface="Sylfaen"/>
+      </a:majorFont>
+      <a:minorFont>
+        <a:latin typeface="Calibri" panose="020F0502020204030204"/>
+        <a:ea typeface=""/>
+        <a:cs typeface=""/>
+        <a:font script="Jpan" typeface="ＭＳ Ｐゴシック"/>
+        <a:font script="Hang" typeface="맑은 고딕"/>
+        <a:font script="Hans" typeface="宋体"/>
+        <a:font script="Hant" typeface="新細明體"/>
+        <a:font script="Arab" typeface="Arial"/>
+        <a:font script="Hebr" typeface="Arial"/>
+        <a:font script="Thai" typeface="Cordia New"/>
+        <a:font script="Ethi" typeface="Nyala"/>
+        <a:font script="Beng" typeface="Vrinda"/>
+        <a:font script="Gujr" typeface="Shruti"/>
+        <a:font script="Khmr" typeface="DaunPenh"/>
+        <a:font script="Knda" typeface="Tunga"/>
+        <a:font script="Guru" typeface="Raavi"/>
+        <a:font script="Cans" typeface="Euphemia"/>
+        <a:font script="Cher" typeface="Plantagenet Cherokee"/>
+        <a:font script="Yiii" typeface="Microsoft Yi Baiti"/>
+        <a:font script="Tibt" typeface="Microsoft Himalaya"/>
+        <a:font script="Thaa" typeface="MV Boli"/>
+        <a:font script="Deva" typeface="Mangal"/>
+        <a:font script="Telu" typeface="Gautami"/>
+        <a:font script="Taml" typeface="Latha"/>
+        <a:font script="Syrc" typeface="Estrangelo Edessa"/>
+        <a:font script="Orya" typeface="Kalinga"/>
+        <a:font script="Mlym" typeface="Kartika"/>
+        <a:font script="Laoo" typeface="DokChampa"/>
+        <a:font script="Sinh" typeface="Iskoola Pota"/>
+        <a:font script="Mong" typeface="Mongolian Baiti"/>
+        <a:font script="Viet" typeface="Arial"/>
+        <a:font script="Uigh" typeface="Microsoft Uighur"/>
+        <a:font script="Geor" typeface="Sylfaen"/>
+      </a:minorFont>
+    </a:fontScheme>
+    <a:fmtScheme name="Office">
+      <a:fillStyleLst>
+        <a:solidFill>
+          <a:schemeClr val="phClr"/>
+        </a:solidFill>
+        <a:gradFill rotWithShape="1">
+          <a:gsLst>
+            <a:gs pos="0">
+              <a:schemeClr val="phClr">
+                <a:lumMod val="110000"/>
+                <a:satMod val="105000"/>
+                <a:tint val="67000"/>
+              </a:schemeClr>
+            </a:gs>
+            <a:gs pos="50000">
+              <a:schemeClr val="phClr">
+                <a:lumMod val="105000"/>
+                <a:satMod val="103000"/>
+                <a:tint val="73000"/>
+              </a:schemeClr>
+            </a:gs>
+            <a:gs pos="100000">
+              <a:schemeClr val="phClr">
+                <a:lumMod val="105000"/>
+                <a:satMod val="109000"/>
+                <a:tint val="81000"/>
+              </a:schemeClr>
+            </a:gs>
+          </a:gsLst>
+          <a:lin ang="5400000" scaled="0"/>
+        </a:gradFill>
+        <a:gradFill rotWithShape="1">
+          <a:gsLst>
+            <a:gs pos="0">
+              <a:schemeClr val="phClr">
+                <a:satMod val="103000"/>
+                <a:lumMod val="102000"/>
+                <a:tint val="94000"/>
+              </a:schemeClr>
+            </a:gs>
+            <a:gs pos="50000">
+              <a:schemeClr val="phClr">
+                <a:satMod val="110000"/>
+                <a:lumMod val="100000"/>
+                <a:shade val="100000"/>
+              </a:schemeClr>
+            </a:gs>
+            <a:gs pos="100000">
+              <a:schemeClr val="phClr">
+                <a:lumMod val="99000"/>
+                <a:satMod val="120000"/>
+                <a:shade val="78000"/>
+              </a:schemeClr>
+            </a:gs>
+          </a:gsLst>
+          <a:lin ang="5400000" scaled="0"/>
+        </a:gradFill>
+      </a:fillStyleLst>
+      <a:lnStyleLst>
+        <a:ln w="6350" cap="flat" cmpd="sng" algn="ctr">
+          <a:solidFill>
+            <a:schemeClr val="phClr"/>
+          </a:solidFill>
+          <a:prstDash val="solid"/>
+          <a:miter lim="800000"/>
+        </a:ln>
+        <a:ln w="12700" cap="flat" cmpd="sng" algn="ctr">
+          <a:solidFill>
+            <a:schemeClr val="phClr"/>
+          </a:solidFill>
+          <a:prstDash val="solid"/>
+          <a:miter lim="800000"/>
+        </a:ln>
+        <a:ln w="19050" cap="flat" cmpd="sng" algn="ctr">
+          <a:solidFill>
+            <a:schemeClr val="phClr"/>
+          </a:solidFill>
+          <a:prstDash val="solid"/>
+          <a:miter lim="800000"/>
+        </a:ln>
+      </a:lnStyleLst>
+      <a:effectStyleLst>
+        <a:effectStyle>
+          <a:effectLst/>
+        </a:effectStyle>
+        <a:effectStyle>
+          <a:effectLst/>
+        </a:effectStyle>
+        <a:effectStyle>
+          <a:effectLst>
+            <a:outerShdw blurRad="57150" dist="19050" dir="5400000" algn="ctr" rotWithShape="0">
+              <a:srgbClr val="000000">
+                <a:alpha val="63000"/>
+              </a:srgbClr>
+            </a:outerShdw>
+          </a:effectLst>
+        </a:effectStyle>
+      </a:effectStyleLst>
+      <a:bgFillStyleLst>
+        <a:solidFill>
+          <a:schemeClr val="phClr"/>
+        </a:solidFill>
+        <a:solidFill>
+          <a:schemeClr val="phClr">
+            <a:tint val="95000"/>
+            <a:satMod val="170000"/>
+          </a:schemeClr>
+        </a:solidFill>
+        <a:gradFill rotWithShape="1">
+          <a:gsLst>
+            <a:gs pos="0">
+              <a:schemeClr val="phClr">
+                <a:tint val="93000"/>
+                <a:satMod val="150000"/>
+                <a:shade val="98000"/>
+                <a:lumMod val="102000"/>
+              </a:schemeClr>
+            </a:gs>
+            <a:gs pos="50000">
+              <a:schemeClr val="phClr">
+                <a:tint val="98000"/>
+                <a:satMod val="130000"/>
+                <a:shade val="90000"/>
+                <a:lumMod val="103000"/>
+              </a:schemeClr>
+            </a:gs>
+            <a:gs pos="100000">
+              <a:schemeClr val="phClr">
+                <a:shade val="63000"/>
+                <a:satMod val="120000"/>
+              </a:schemeClr>
+            </a:gs>
+          </a:gsLst>
+          <a:lin ang="5400000" scaled="0"/>
+        </a:gradFill>
+      </a:bgFillStyleLst>
+    </a:fmtScheme>
+  </a:themeElements>
+  <a:objectDefaults/>
+  <a:extraClrSchemeLst/>
+  <a:extLst>
+    <a:ext uri="{05A4C25C-085E-4340-85A3-A5531E510DB2}">
+      <thm15:themeFamily xmlns:thm15="http://schemas.microsoft.com/office/thememl/2012/main" name="Office Theme" id="{62F939B6-93AF-4DB8-9C6B-D6C7DFDC589F}" vid="{4A3C46E8-61CC-4603-A589-7422A47A8E4A}"/>
+    </a:ext>
+  </a:extLst>
+</a:theme>
 </file>
--- a/Abschlusspräsentation_LIKE.pptx
+++ b/Abschlusspräsentation_LIKE.pptx
@@ -176,7 +176,7 @@
   </p:defaultTextStyle>
   <p:extLst>
     <p:ext uri="{EFAFB233-063F-42B5-8137-9DF3F51BA10A}">
-      <p15:sldGuideLst xmlns:p15="http://schemas.microsoft.com/office/powerpoint/2012/main">
+      <p15:sldGuideLst xmlns:p15="http://schemas.microsoft.com/office/powerpoint/2012/main" xmlns="">
         <p15:guide id="1" orient="horz" pos="3294">
           <p15:clr>
             <a:srgbClr val="A4A3A4"/>
@@ -285,7 +285,7 @@
           <a:p>
             <a:fld id="{ED8573FC-B1B7-449E-94FD-2BED2B511D1C}" type="datetimeFigureOut">
               <a:rPr lang="de-DE" smtClean="0"/>
-              <a:t>16.02.2015</a:t>
+              <a:t>17.02.2015</a:t>
             </a:fld>
             <a:endParaRPr lang="de-DE"/>
           </a:p>
@@ -451,7 +451,7 @@
             <a:fld id="{868BD5B1-5FCB-DE41-8FF4-A2661529DEA6}" type="datetimeFigureOut">
               <a:rPr lang="de-DE" smtClean="0"/>
               <a:pPr/>
-              <a:t>16.02.2015</a:t>
+              <a:t>17.02.2015</a:t>
             </a:fld>
             <a:endParaRPr lang="de-DE"/>
           </a:p>
@@ -8372,6 +8372,13 @@
   <p:clrMapOvr>
     <a:masterClrMapping/>
   </p:clrMapOvr>
+  <p:timing>
+    <p:tnLst>
+      <p:par>
+        <p:cTn id="1" dur="indefinite" restart="never" nodeType="tmRoot"/>
+      </p:par>
+    </p:tnLst>
+  </p:timing>
 </p:sld>
 </file>
 
@@ -8448,8 +8455,8 @@
           </a:prstGeom>
         </p:spPr>
       </p:pic>
-      <mc:AlternateContent xmlns:mc="http://schemas.openxmlformats.org/markup-compatibility/2006">
-        <mc:Choice xmlns:a14="http://schemas.microsoft.com/office/drawing/2010/main" Requires="a14">
+      <mc:AlternateContent xmlns:mc="http://schemas.openxmlformats.org/markup-compatibility/2006" xmlns:a14="http://schemas.microsoft.com/office/drawing/2010/main">
+        <mc:Choice Requires="a14">
           <p:sp>
             <p:nvSpPr>
               <p:cNvPr id="4" name="Inhaltsplatzhalter 3"/>
@@ -8483,7 +8490,7 @@
                         <m:sSubPr>
                           <m:ctrlPr>
                             <a:rPr lang="de-DE" i="1">
-                              <a:latin typeface="Cambria Math" panose="02040503050406030204" pitchFamily="18" charset="0"/>
+                              <a:latin typeface="Cambria Math"/>
                             </a:rPr>
                           </m:ctrlPr>
                         </m:sSubPr>
@@ -8493,7 +8500,7 @@
                               <m:chr m:val="̇"/>
                               <m:ctrlPr>
                                 <a:rPr lang="de-DE" i="1">
-                                  <a:latin typeface="Cambria Math" panose="02040503050406030204" pitchFamily="18" charset="0"/>
+                                  <a:latin typeface="Cambria Math"/>
                                 </a:rPr>
                               </m:ctrlPr>
                             </m:accPr>
@@ -8526,7 +8533,7 @@
                         <m:fPr>
                           <m:ctrlPr>
                             <a:rPr lang="de-DE" i="1">
-                              <a:latin typeface="Cambria Math" panose="02040503050406030204" pitchFamily="18" charset="0"/>
+                              <a:latin typeface="Cambria Math"/>
                             </a:rPr>
                           </m:ctrlPr>
                         </m:fPr>
@@ -8676,7 +8683,7 @@
                         <m:sSubPr>
                           <m:ctrlPr>
                             <a:rPr lang="de-DE" i="1">
-                              <a:latin typeface="Cambria Math" panose="02040503050406030204" pitchFamily="18" charset="0"/>
+                              <a:latin typeface="Cambria Math"/>
                             </a:rPr>
                           </m:ctrlPr>
                         </m:sSubPr>
@@ -8686,7 +8693,7 @@
                               <m:chr m:val="̇"/>
                               <m:ctrlPr>
                                 <a:rPr lang="de-DE" i="1">
-                                  <a:latin typeface="Cambria Math" panose="02040503050406030204" pitchFamily="18" charset="0"/>
+                                  <a:latin typeface="Cambria Math"/>
                                 </a:rPr>
                               </m:ctrlPr>
                             </m:accPr>
@@ -8719,7 +8726,7 @@
                         <m:fPr>
                           <m:ctrlPr>
                             <a:rPr lang="de-DE" i="1">
-                              <a:latin typeface="Cambria Math" panose="02040503050406030204" pitchFamily="18" charset="0"/>
+                              <a:latin typeface="Cambria Math"/>
                             </a:rPr>
                           </m:ctrlPr>
                         </m:fPr>
@@ -8744,7 +8751,7 @@
                         <m:dPr>
                           <m:ctrlPr>
                             <a:rPr lang="de-DE" i="1">
-                              <a:latin typeface="Cambria Math" panose="02040503050406030204" pitchFamily="18" charset="0"/>
+                              <a:latin typeface="Cambria Math"/>
                             </a:rPr>
                           </m:ctrlPr>
                         </m:dPr>
@@ -8803,15 +8810,7 @@
                               <a:ea typeface="Cambria Math" panose="02040503050406030204" pitchFamily="18" charset="0"/>
                               <a:sym typeface="Symbol" panose="05050102010706020507" pitchFamily="18" charset="2"/>
                             </a:rPr>
-                            <m:t></m:t>
-                          </m:r>
-                          <m:r>
-                            <a:rPr lang="de-DE" i="1">
-                              <a:latin typeface="Cambria Math" panose="02040503050406030204" pitchFamily="18" charset="0"/>
-                              <a:ea typeface="Cambria Math" panose="02040503050406030204" pitchFamily="18" charset="0"/>
-                              <a:sym typeface="Symbol" panose="05050102010706020507" pitchFamily="18" charset="2"/>
-                            </a:rPr>
-                            <m:t>−</m:t>
+                            <m:t>−</m:t>
                           </m:r>
                           <m:r>
                             <a:rPr lang="de-DE" i="1">
@@ -8893,7 +8892,7 @@
                         <m:sSubPr>
                           <m:ctrlPr>
                             <a:rPr lang="de-DE" i="1">
-                              <a:latin typeface="Cambria Math" panose="02040503050406030204" pitchFamily="18" charset="0"/>
+                              <a:latin typeface="Cambria Math"/>
                             </a:rPr>
                           </m:ctrlPr>
                         </m:sSubPr>
@@ -8903,7 +8902,7 @@
                               <m:chr m:val="̇"/>
                               <m:ctrlPr>
                                 <a:rPr lang="de-DE" i="1">
-                                  <a:latin typeface="Cambria Math" panose="02040503050406030204" pitchFamily="18" charset="0"/>
+                                  <a:latin typeface="Cambria Math"/>
                                 </a:rPr>
                               </m:ctrlPr>
                             </m:accPr>
@@ -8936,7 +8935,7 @@
                         <m:fPr>
                           <m:ctrlPr>
                             <a:rPr lang="de-DE" i="1">
-                              <a:latin typeface="Cambria Math" panose="02040503050406030204" pitchFamily="18" charset="0"/>
+                              <a:latin typeface="Cambria Math"/>
                             </a:rPr>
                           </m:ctrlPr>
                         </m:fPr>
@@ -8961,7 +8960,7 @@
                         <m:dPr>
                           <m:ctrlPr>
                             <a:rPr lang="de-DE" i="1">
-                              <a:latin typeface="Cambria Math" panose="02040503050406030204" pitchFamily="18" charset="0"/>
+                              <a:latin typeface="Cambria Math"/>
                             </a:rPr>
                           </m:ctrlPr>
                         </m:dPr>
@@ -9056,7 +9055,7 @@
                         <m:sSubPr>
                           <m:ctrlPr>
                             <a:rPr lang="de-DE" i="1">
-                              <a:latin typeface="Cambria Math" panose="02040503050406030204" pitchFamily="18" charset="0"/>
+                              <a:latin typeface="Cambria Math"/>
                             </a:rPr>
                           </m:ctrlPr>
                         </m:sSubPr>
@@ -9066,7 +9065,7 @@
                               <m:chr m:val="̇"/>
                               <m:ctrlPr>
                                 <a:rPr lang="de-DE" i="1">
-                                  <a:latin typeface="Cambria Math" panose="02040503050406030204" pitchFamily="18" charset="0"/>
+                                  <a:latin typeface="Cambria Math"/>
                                 </a:rPr>
                               </m:ctrlPr>
                             </m:accPr>
@@ -9099,7 +9098,7 @@
                         <m:sSubPr>
                           <m:ctrlPr>
                             <a:rPr lang="de-DE" i="1">
-                              <a:latin typeface="Cambria Math" panose="02040503050406030204" pitchFamily="18" charset="0"/>
+                              <a:latin typeface="Cambria Math"/>
                             </a:rPr>
                           </m:ctrlPr>
                         </m:sSubPr>
@@ -9139,7 +9138,7 @@
                         <m:sSubPr>
                           <m:ctrlPr>
                             <a:rPr lang="de-DE" i="1">
-                              <a:latin typeface="Cambria Math" panose="02040503050406030204" pitchFamily="18" charset="0"/>
+                              <a:latin typeface="Cambria Math"/>
                             </a:rPr>
                           </m:ctrlPr>
                         </m:sSubPr>
@@ -9149,7 +9148,7 @@
                               <m:chr m:val="̇"/>
                               <m:ctrlPr>
                                 <a:rPr lang="de-DE" i="1">
-                                  <a:latin typeface="Cambria Math" panose="02040503050406030204" pitchFamily="18" charset="0"/>
+                                  <a:latin typeface="Cambria Math"/>
                                 </a:rPr>
                               </m:ctrlPr>
                             </m:accPr>
@@ -9182,7 +9181,7 @@
                         <m:sSubPr>
                           <m:ctrlPr>
                             <a:rPr lang="de-DE" i="1">
-                              <a:latin typeface="Cambria Math" panose="02040503050406030204" pitchFamily="18" charset="0"/>
+                              <a:latin typeface="Cambria Math"/>
                             </a:rPr>
                           </m:ctrlPr>
                         </m:sSubPr>
@@ -9222,7 +9221,7 @@
                         <m:sSubPr>
                           <m:ctrlPr>
                             <a:rPr lang="de-DE" i="1">
-                              <a:latin typeface="Cambria Math" panose="02040503050406030204" pitchFamily="18" charset="0"/>
+                              <a:latin typeface="Cambria Math"/>
                             </a:rPr>
                           </m:ctrlPr>
                         </m:sSubPr>
@@ -9232,7 +9231,7 @@
                               <m:chr m:val="̇"/>
                               <m:ctrlPr>
                                 <a:rPr lang="de-DE" i="1">
-                                  <a:latin typeface="Cambria Math" panose="02040503050406030204" pitchFamily="18" charset="0"/>
+                                  <a:latin typeface="Cambria Math"/>
                                 </a:rPr>
                               </m:ctrlPr>
                             </m:accPr>
@@ -9265,7 +9264,7 @@
                         <m:sSubPr>
                           <m:ctrlPr>
                             <a:rPr lang="de-DE" i="1">
-                              <a:latin typeface="Cambria Math" panose="02040503050406030204" pitchFamily="18" charset="0"/>
+                              <a:latin typeface="Cambria Math"/>
                             </a:rPr>
                           </m:ctrlPr>
                         </m:sSubPr>
@@ -9297,7 +9296,7 @@
             </p:txBody>
           </p:sp>
         </mc:Choice>
-        <mc:Fallback>
+        <mc:Fallback xmlns="">
           <p:sp>
             <p:nvSpPr>
               <p:cNvPr id="4" name="Inhaltsplatzhalter 3"/>
@@ -9724,6 +9723,13 @@
   <p:clrMapOvr>
     <a:masterClrMapping/>
   </p:clrMapOvr>
+  <p:timing>
+    <p:tnLst>
+      <p:par>
+        <p:cTn id="1" dur="indefinite" restart="never" nodeType="tmRoot"/>
+      </p:par>
+    </p:tnLst>
+  </p:timing>
 </p:sld>
 </file>
 
@@ -9818,8 +9824,8 @@
           </a:p>
         </p:txBody>
       </p:sp>
-      <mc:AlternateContent xmlns:mc="http://schemas.openxmlformats.org/markup-compatibility/2006">
-        <mc:Choice xmlns:a14="http://schemas.microsoft.com/office/drawing/2010/main" Requires="a14">
+      <mc:AlternateContent xmlns:mc="http://schemas.openxmlformats.org/markup-compatibility/2006" xmlns:a14="http://schemas.microsoft.com/office/drawing/2010/main">
+        <mc:Choice Requires="a14">
           <p:sp>
             <p:nvSpPr>
               <p:cNvPr id="6" name="Textfeld 5"/>
@@ -9879,7 +9885,7 @@
                           <m:degHide m:val="on"/>
                           <m:ctrlPr>
                             <a:rPr lang="de-DE" b="0" i="1" smtClean="0">
-                              <a:latin typeface="Cambria Math" panose="02040503050406030204" pitchFamily="18" charset="0"/>
+                              <a:latin typeface="Cambria Math"/>
                               <a:ea typeface="Cambria Math" panose="02040503050406030204" pitchFamily="18" charset="0"/>
                             </a:rPr>
                           </m:ctrlPr>
@@ -9890,7 +9896,7 @@
                             <m:sSupPr>
                               <m:ctrlPr>
                                 <a:rPr lang="de-DE" b="0" i="1" smtClean="0">
-                                  <a:latin typeface="Cambria Math" panose="02040503050406030204" pitchFamily="18" charset="0"/>
+                                  <a:latin typeface="Cambria Math"/>
                                   <a:ea typeface="Cambria Math" panose="02040503050406030204" pitchFamily="18" charset="0"/>
                                 </a:rPr>
                               </m:ctrlPr>
@@ -9900,7 +9906,7 @@
                                 <m:sSubSupPr>
                                   <m:ctrlPr>
                                     <a:rPr lang="de-DE" b="0" i="1" smtClean="0">
-                                      <a:latin typeface="Cambria Math" panose="02040503050406030204" pitchFamily="18" charset="0"/>
+                                      <a:latin typeface="Cambria Math"/>
                                       <a:ea typeface="Cambria Math" panose="02040503050406030204" pitchFamily="18" charset="0"/>
                                     </a:rPr>
                                   </m:ctrlPr>
@@ -9955,7 +9961,7 @@
                             <m:sSupPr>
                               <m:ctrlPr>
                                 <a:rPr lang="de-DE" i="1">
-                                  <a:latin typeface="Cambria Math" panose="02040503050406030204" pitchFamily="18" charset="0"/>
+                                  <a:latin typeface="Cambria Math"/>
                                   <a:ea typeface="Cambria Math" panose="02040503050406030204" pitchFamily="18" charset="0"/>
                                 </a:rPr>
                               </m:ctrlPr>
@@ -9965,7 +9971,7 @@
                                 <m:sSubSupPr>
                                   <m:ctrlPr>
                                     <a:rPr lang="de-DE" i="1">
-                                      <a:latin typeface="Cambria Math" panose="02040503050406030204" pitchFamily="18" charset="0"/>
+                                      <a:latin typeface="Cambria Math"/>
                                       <a:ea typeface="Cambria Math" panose="02040503050406030204" pitchFamily="18" charset="0"/>
                                     </a:rPr>
                                   </m:ctrlPr>
@@ -10020,7 +10026,7 @@
                             <m:sSupPr>
                               <m:ctrlPr>
                                 <a:rPr lang="de-DE" b="0" i="1" smtClean="0">
-                                  <a:latin typeface="Cambria Math" panose="02040503050406030204" pitchFamily="18" charset="0"/>
+                                  <a:latin typeface="Cambria Math"/>
                                   <a:ea typeface="Cambria Math" panose="02040503050406030204" pitchFamily="18" charset="0"/>
                                 </a:rPr>
                               </m:ctrlPr>
@@ -10037,7 +10043,7 @@
                                 <m:sSubSupPr>
                                   <m:ctrlPr>
                                     <a:rPr lang="de-DE" b="0" i="1" smtClean="0">
-                                      <a:latin typeface="Cambria Math" panose="02040503050406030204" pitchFamily="18" charset="0"/>
+                                      <a:latin typeface="Cambria Math"/>
                                       <a:ea typeface="Cambria Math" panose="02040503050406030204" pitchFamily="18" charset="0"/>
                                     </a:rPr>
                                   </m:ctrlPr>
@@ -10112,7 +10118,7 @@
             </p:txBody>
           </p:sp>
         </mc:Choice>
-        <mc:Fallback>
+        <mc:Fallback xmlns="">
           <p:sp>
             <p:nvSpPr>
               <p:cNvPr id="6" name="Textfeld 5"/>
@@ -10151,8 +10157,8 @@
           </p:sp>
         </mc:Fallback>
       </mc:AlternateContent>
-      <mc:AlternateContent xmlns:mc="http://schemas.openxmlformats.org/markup-compatibility/2006">
-        <mc:Choice xmlns:a14="http://schemas.microsoft.com/office/drawing/2010/main" Requires="a14">
+      <mc:AlternateContent xmlns:mc="http://schemas.openxmlformats.org/markup-compatibility/2006" xmlns:a14="http://schemas.microsoft.com/office/drawing/2010/main">
+        <mc:Choice Requires="a14">
           <p:sp>
             <p:nvSpPr>
               <p:cNvPr id="7" name="Textfeld 6"/>
@@ -10200,7 +10206,7 @@
                         <m:funcPr>
                           <m:ctrlPr>
                             <a:rPr lang="de-DE" b="0" i="1" smtClean="0">
-                              <a:latin typeface="Cambria Math" panose="02040503050406030204" pitchFamily="18" charset="0"/>
+                              <a:latin typeface="Cambria Math"/>
                               <a:ea typeface="Cambria Math" panose="02040503050406030204" pitchFamily="18" charset="0"/>
                             </a:rPr>
                           </m:ctrlPr>
@@ -10210,7 +10216,7 @@
                             <m:sSupPr>
                               <m:ctrlPr>
                                 <a:rPr lang="de-DE" b="0" i="1" smtClean="0">
-                                  <a:latin typeface="Cambria Math" panose="02040503050406030204" pitchFamily="18" charset="0"/>
+                                  <a:latin typeface="Cambria Math"/>
                                   <a:ea typeface="Cambria Math" panose="02040503050406030204" pitchFamily="18" charset="0"/>
                                 </a:rPr>
                               </m:ctrlPr>
@@ -10243,7 +10249,7 @@
                             <m:dPr>
                               <m:ctrlPr>
                                 <a:rPr lang="de-DE" b="0" i="1" smtClean="0">
-                                  <a:latin typeface="Cambria Math" panose="02040503050406030204" pitchFamily="18" charset="0"/>
+                                  <a:latin typeface="Cambria Math"/>
                                   <a:ea typeface="Cambria Math" panose="02040503050406030204" pitchFamily="18" charset="0"/>
                                 </a:rPr>
                               </m:ctrlPr>
@@ -10253,7 +10259,7 @@
                                 <m:fPr>
                                   <m:ctrlPr>
                                     <a:rPr lang="de-DE" i="1">
-                                      <a:latin typeface="Cambria Math" panose="02040503050406030204" pitchFamily="18" charset="0"/>
+                                      <a:latin typeface="Cambria Math"/>
                                       <a:ea typeface="Cambria Math" panose="02040503050406030204" pitchFamily="18" charset="0"/>
                                     </a:rPr>
                                   </m:ctrlPr>
@@ -10263,7 +10269,7 @@
                                     <m:sSubSupPr>
                                       <m:ctrlPr>
                                         <a:rPr lang="de-DE" i="1">
-                                          <a:latin typeface="Cambria Math" panose="02040503050406030204" pitchFamily="18" charset="0"/>
+                                          <a:latin typeface="Cambria Math"/>
                                           <a:ea typeface="Cambria Math" panose="02040503050406030204" pitchFamily="18" charset="0"/>
                                         </a:rPr>
                                       </m:ctrlPr>
@@ -10333,7 +10339,7 @@
             </p:txBody>
           </p:sp>
         </mc:Choice>
-        <mc:Fallback>
+        <mc:Fallback xmlns="">
           <p:sp>
             <p:nvSpPr>
               <p:cNvPr id="7" name="Textfeld 6"/>
@@ -10372,8 +10378,8 @@
           </p:sp>
         </mc:Fallback>
       </mc:AlternateContent>
-      <mc:AlternateContent xmlns:mc="http://schemas.openxmlformats.org/markup-compatibility/2006">
-        <mc:Choice xmlns:a14="http://schemas.microsoft.com/office/drawing/2010/main" Requires="a14">
+      <mc:AlternateContent xmlns:mc="http://schemas.openxmlformats.org/markup-compatibility/2006" xmlns:a14="http://schemas.microsoft.com/office/drawing/2010/main">
+        <mc:Choice Requires="a14">
           <p:sp>
             <p:nvSpPr>
               <p:cNvPr id="8" name="Textfeld 7"/>
@@ -10421,7 +10427,7 @@
                         <m:funcPr>
                           <m:ctrlPr>
                             <a:rPr lang="de-DE" i="1">
-                              <a:latin typeface="Cambria Math" panose="02040503050406030204" pitchFamily="18" charset="0"/>
+                              <a:latin typeface="Cambria Math"/>
                               <a:ea typeface="Cambria Math" panose="02040503050406030204" pitchFamily="18" charset="0"/>
                             </a:rPr>
                           </m:ctrlPr>
@@ -10431,7 +10437,7 @@
                             <m:sSupPr>
                               <m:ctrlPr>
                                 <a:rPr lang="de-DE" i="1">
-                                  <a:latin typeface="Cambria Math" panose="02040503050406030204" pitchFamily="18" charset="0"/>
+                                  <a:latin typeface="Cambria Math"/>
                                   <a:ea typeface="Cambria Math" panose="02040503050406030204" pitchFamily="18" charset="0"/>
                                 </a:rPr>
                               </m:ctrlPr>
@@ -10464,7 +10470,7 @@
                             <m:dPr>
                               <m:ctrlPr>
                                 <a:rPr lang="de-DE" i="1">
-                                  <a:latin typeface="Cambria Math" panose="02040503050406030204" pitchFamily="18" charset="0"/>
+                                  <a:latin typeface="Cambria Math"/>
                                   <a:ea typeface="Cambria Math" panose="02040503050406030204" pitchFamily="18" charset="0"/>
                                 </a:rPr>
                               </m:ctrlPr>
@@ -10474,7 +10480,7 @@
                                 <m:fPr>
                                   <m:ctrlPr>
                                     <a:rPr lang="de-DE" i="1">
-                                      <a:latin typeface="Cambria Math" panose="02040503050406030204" pitchFamily="18" charset="0"/>
+                                      <a:latin typeface="Cambria Math"/>
                                       <a:ea typeface="Cambria Math" panose="02040503050406030204" pitchFamily="18" charset="0"/>
                                     </a:rPr>
                                   </m:ctrlPr>
@@ -10484,7 +10490,7 @@
                                     <m:sSubSupPr>
                                       <m:ctrlPr>
                                         <a:rPr lang="de-DE" i="1">
-                                          <a:latin typeface="Cambria Math" panose="02040503050406030204" pitchFamily="18" charset="0"/>
+                                          <a:latin typeface="Cambria Math"/>
                                           <a:ea typeface="Cambria Math" panose="02040503050406030204" pitchFamily="18" charset="0"/>
                                         </a:rPr>
                                       </m:ctrlPr>
@@ -10523,7 +10529,7 @@
                                     <m:sSubSupPr>
                                       <m:ctrlPr>
                                         <a:rPr lang="de-DE" i="1">
-                                          <a:latin typeface="Cambria Math" panose="02040503050406030204" pitchFamily="18" charset="0"/>
+                                          <a:latin typeface="Cambria Math"/>
                                           <a:ea typeface="Cambria Math" panose="02040503050406030204" pitchFamily="18" charset="0"/>
                                         </a:rPr>
                                       </m:ctrlPr>
@@ -10584,7 +10590,7 @@
             </p:txBody>
           </p:sp>
         </mc:Choice>
-        <mc:Fallback>
+        <mc:Fallback xmlns="">
           <p:sp>
             <p:nvSpPr>
               <p:cNvPr id="8" name="Textfeld 7"/>
@@ -10983,6 +10989,86 @@
           </a:p>
         </p:txBody>
       </p:sp>
+      <p:sp>
+        <p:nvSpPr>
+          <p:cNvPr id="11" name="Rechteck 10"/>
+          <p:cNvSpPr/>
+          <p:nvPr/>
+        </p:nvSpPr>
+        <p:spPr>
+          <a:xfrm>
+            <a:off x="1037711" y="3933056"/>
+            <a:ext cx="6905507" cy="2088232"/>
+          </a:xfrm>
+          <a:prstGeom prst="rect">
+            <a:avLst/>
+          </a:prstGeom>
+          <a:noFill/>
+          <a:ln>
+            <a:solidFill>
+              <a:srgbClr val="FF0000"/>
+            </a:solidFill>
+          </a:ln>
+        </p:spPr>
+        <p:style>
+          <a:lnRef idx="2">
+            <a:schemeClr val="accent1">
+              <a:shade val="50000"/>
+            </a:schemeClr>
+          </a:lnRef>
+          <a:fillRef idx="1">
+            <a:schemeClr val="accent1"/>
+          </a:fillRef>
+          <a:effectRef idx="0">
+            <a:schemeClr val="accent1"/>
+          </a:effectRef>
+          <a:fontRef idx="minor">
+            <a:schemeClr val="lt1"/>
+          </a:fontRef>
+        </p:style>
+        <p:txBody>
+          <a:bodyPr rtlCol="0" anchor="ctr"/>
+          <a:lstStyle/>
+          <a:p>
+            <a:pPr algn="ctr"/>
+            <a:endParaRPr lang="de-DE"/>
+          </a:p>
+        </p:txBody>
+      </p:sp>
+      <p:sp>
+        <p:nvSpPr>
+          <p:cNvPr id="12" name="Textfeld 11"/>
+          <p:cNvSpPr txBox="1"/>
+          <p:nvPr/>
+        </p:nvSpPr>
+        <p:spPr>
+          <a:xfrm>
+            <a:off x="7579964" y="5498068"/>
+            <a:ext cx="363254" cy="523220"/>
+          </a:xfrm>
+          <a:prstGeom prst="rect">
+            <a:avLst/>
+          </a:prstGeom>
+          <a:noFill/>
+        </p:spPr>
+        <p:txBody>
+          <a:bodyPr wrap="square" rtlCol="0">
+            <a:spAutoFit/>
+          </a:bodyPr>
+          <a:lstStyle/>
+          <a:p>
+            <a:pPr algn="r"/>
+            <a:r>
+              <a:rPr lang="de-DE" sz="2800" dirty="0">
+                <a:solidFill>
+                  <a:srgbClr val="FF0000"/>
+                </a:solidFill>
+              </a:rPr>
+              <a:t>1</a:t>
+            </a:r>
+          </a:p>
+        </p:txBody>
+      </p:sp>
     </p:spTree>
     <p:extLst>
       <p:ext uri="{BB962C8B-B14F-4D97-AF65-F5344CB8AC3E}">
@@ -10993,6 +11079,13 @@
   <p:clrMapOvr>
     <a:masterClrMapping/>
   </p:clrMapOvr>
+  <p:timing>
+    <p:tnLst>
+      <p:par>
+        <p:cTn id="1" dur="indefinite" restart="never" nodeType="tmRoot"/>
+      </p:par>
+    </p:tnLst>
+  </p:timing>
 </p:sld>
 </file>
 
@@ -11241,6 +11334,13 @@
   <p:clrMapOvr>
     <a:masterClrMapping/>
   </p:clrMapOvr>
+  <p:timing>
+    <p:tnLst>
+      <p:par>
+        <p:cTn id="1" dur="indefinite" restart="never" nodeType="tmRoot"/>
+      </p:par>
+    </p:tnLst>
+  </p:timing>
 </p:sld>
 </file>
 
@@ -11276,7 +11376,18 @@
           <a:bodyPr/>
           <a:lstStyle/>
           <a:p>
-            <a:endParaRPr lang="de-DE"/>
+            <a:r>
+              <a:rPr lang="de-DE" dirty="0" smtClean="0"/>
+              <a:t>Positionsregelung</a:t>
+            </a:r>
+            <a:br>
+              <a:rPr lang="de-DE" dirty="0" smtClean="0"/>
+            </a:br>
+            <a:r>
+              <a:rPr lang="de-DE" dirty="0" smtClean="0"/>
+              <a:t>Inversion: Simulationsergebnis</a:t>
+            </a:r>
+            <a:endParaRPr lang="de-DE" dirty="0"/>
           </a:p>
         </p:txBody>
       </p:sp>
@@ -11448,6 +11559,13 @@
   <p:clrMapOvr>
     <a:masterClrMapping/>
   </p:clrMapOvr>
+  <p:timing>
+    <p:tnLst>
+      <p:par>
+        <p:cTn id="1" dur="indefinite" restart="never" nodeType="tmRoot"/>
+      </p:par>
+    </p:tnLst>
+  </p:timing>
 </p:sld>
 </file>
 
@@ -11561,6 +11679,13 @@
   <p:clrMapOvr>
     <a:masterClrMapping/>
   </p:clrMapOvr>
+  <p:timing>
+    <p:tnLst>
+      <p:par>
+        <p:cTn id="1" dur="indefinite" restart="never" nodeType="tmRoot"/>
+      </p:par>
+    </p:tnLst>
+  </p:timing>
 </p:sld>
 </file>
 
@@ -11841,6 +11966,13 @@
   <p:clrMapOvr>
     <a:masterClrMapping/>
   </p:clrMapOvr>
+  <p:timing>
+    <p:tnLst>
+      <p:par>
+        <p:cTn id="1" dur="indefinite" restart="never" nodeType="tmRoot"/>
+      </p:par>
+    </p:tnLst>
+  </p:timing>
 </p:sld>
 </file>
 
@@ -11962,8 +12094,8 @@
           </a:p>
         </p:txBody>
       </p:sp>
-      <mc:AlternateContent xmlns:mc="http://schemas.openxmlformats.org/markup-compatibility/2006">
-        <mc:Choice xmlns:a14="http://schemas.microsoft.com/office/drawing/2010/main" Requires="a14">
+      <mc:AlternateContent xmlns:mc="http://schemas.openxmlformats.org/markup-compatibility/2006" xmlns:a14="http://schemas.microsoft.com/office/drawing/2010/main">
+        <mc:Choice Requires="a14">
           <p:sp>
             <p:nvSpPr>
               <p:cNvPr id="8" name="Inhaltsplatzhalter 2"/>
@@ -12149,7 +12281,7 @@
                         <m:sSubPr>
                           <m:ctrlPr>
                             <a:rPr lang="de-DE" i="1">
-                              <a:latin typeface="Cambria Math" panose="02040503050406030204" pitchFamily="18" charset="0"/>
+                              <a:latin typeface="Cambria Math"/>
                             </a:rPr>
                           </m:ctrlPr>
                         </m:sSubPr>
@@ -12166,7 +12298,7 @@
                             <m:sSubPr>
                               <m:ctrlPr>
                                 <a:rPr lang="de-DE" i="1">
-                                  <a:latin typeface="Cambria Math" panose="02040503050406030204" pitchFamily="18" charset="0"/>
+                                  <a:latin typeface="Cambria Math"/>
                                 </a:rPr>
                               </m:ctrlPr>
                             </m:sSubPr>
@@ -12199,7 +12331,7 @@
                         <m:sSupPr>
                           <m:ctrlPr>
                             <a:rPr lang="de-DE" i="1">
-                              <a:latin typeface="Cambria Math" panose="02040503050406030204" pitchFamily="18" charset="0"/>
+                              <a:latin typeface="Cambria Math"/>
                             </a:rPr>
                           </m:ctrlPr>
                         </m:sSupPr>
@@ -12208,7 +12340,7 @@
                             <m:sSubPr>
                               <m:ctrlPr>
                                 <a:rPr lang="de-DE" i="1">
-                                  <a:latin typeface="Cambria Math" panose="02040503050406030204" pitchFamily="18" charset="0"/>
+                                  <a:latin typeface="Cambria Math"/>
                                 </a:rPr>
                               </m:ctrlPr>
                             </m:sSubPr>
@@ -12251,7 +12383,7 @@
                         <m:dPr>
                           <m:ctrlPr>
                             <a:rPr lang="de-DE" i="1">
-                              <a:latin typeface="Cambria Math" panose="02040503050406030204" pitchFamily="18" charset="0"/>
+                              <a:latin typeface="Cambria Math"/>
                               <a:ea typeface="Cambria Math" panose="02040503050406030204" pitchFamily="18" charset="0"/>
                             </a:rPr>
                           </m:ctrlPr>
@@ -12261,7 +12393,7 @@
                             <m:sSubSupPr>
                               <m:ctrlPr>
                                 <a:rPr lang="de-DE" i="1">
-                                  <a:latin typeface="Cambria Math" panose="02040503050406030204" pitchFamily="18" charset="0"/>
+                                  <a:latin typeface="Cambria Math"/>
                                   <a:ea typeface="Cambria Math" panose="02040503050406030204" pitchFamily="18" charset="0"/>
                                 </a:rPr>
                               </m:ctrlPr>
@@ -12305,7 +12437,7 @@
                             <m:sSubSupPr>
                               <m:ctrlPr>
                                 <a:rPr lang="de-DE" i="1">
-                                  <a:latin typeface="Cambria Math" panose="02040503050406030204" pitchFamily="18" charset="0"/>
+                                  <a:latin typeface="Cambria Math"/>
                                   <a:ea typeface="Cambria Math" panose="02040503050406030204" pitchFamily="18" charset="0"/>
                                 </a:rPr>
                               </m:ctrlPr>
@@ -12358,7 +12490,7 @@
                         <m:sSubPr>
                           <m:ctrlPr>
                             <a:rPr lang="de-DE" i="1">
-                              <a:latin typeface="Cambria Math" panose="02040503050406030204" pitchFamily="18" charset="0"/>
+                              <a:latin typeface="Cambria Math"/>
                               <a:ea typeface="Cambria Math" panose="02040503050406030204" pitchFamily="18" charset="0"/>
                             </a:rPr>
                           </m:ctrlPr>
@@ -12393,7 +12525,7 @@
                         <m:sSubSupPr>
                           <m:ctrlPr>
                             <a:rPr lang="de-DE" i="1">
-                              <a:latin typeface="Cambria Math" panose="02040503050406030204" pitchFamily="18" charset="0"/>
+                              <a:latin typeface="Cambria Math"/>
                               <a:ea typeface="Cambria Math" panose="02040503050406030204" pitchFamily="18" charset="0"/>
                             </a:rPr>
                           </m:ctrlPr>
@@ -12404,7 +12536,7 @@
                               <m:chr m:val="̇"/>
                               <m:ctrlPr>
                                 <a:rPr lang="de-DE" i="1">
-                                  <a:latin typeface="Cambria Math" panose="02040503050406030204" pitchFamily="18" charset="0"/>
+                                  <a:latin typeface="Cambria Math"/>
                                   <a:ea typeface="Cambria Math" panose="02040503050406030204" pitchFamily="18" charset="0"/>
                                 </a:rPr>
                               </m:ctrlPr>
@@ -12447,7 +12579,7 @@
             </p:txBody>
           </p:sp>
         </mc:Choice>
-        <mc:Fallback>
+        <mc:Fallback xmlns="">
           <p:sp>
             <p:nvSpPr>
               <p:cNvPr id="8" name="Inhaltsplatzhalter 2"/>
@@ -12486,6 +12618,106 @@
           </p:sp>
         </mc:Fallback>
       </mc:AlternateContent>
+      <p:grpSp>
+        <p:nvGrpSpPr>
+          <p:cNvPr id="3" name="Gruppieren 2"/>
+          <p:cNvGrpSpPr/>
+          <p:nvPr/>
+        </p:nvGrpSpPr>
+        <p:grpSpPr>
+          <a:xfrm>
+            <a:off x="2195736" y="5085184"/>
+            <a:ext cx="4873951" cy="872932"/>
+            <a:chOff x="2195736" y="5085184"/>
+            <a:chExt cx="5258568" cy="872932"/>
+          </a:xfrm>
+        </p:grpSpPr>
+        <p:sp>
+          <p:nvSpPr>
+            <p:cNvPr id="10" name="Rechteck 9"/>
+            <p:cNvSpPr/>
+            <p:nvPr/>
+          </p:nvSpPr>
+          <p:spPr>
+            <a:xfrm>
+              <a:off x="2195736" y="5085184"/>
+              <a:ext cx="5256584" cy="864096"/>
+            </a:xfrm>
+            <a:prstGeom prst="rect">
+              <a:avLst/>
+            </a:prstGeom>
+            <a:noFill/>
+            <a:ln>
+              <a:solidFill>
+                <a:srgbClr val="FF0000"/>
+              </a:solidFill>
+            </a:ln>
+          </p:spPr>
+          <p:style>
+            <a:lnRef idx="2">
+              <a:schemeClr val="accent1">
+                <a:shade val="50000"/>
+              </a:schemeClr>
+            </a:lnRef>
+            <a:fillRef idx="1">
+              <a:schemeClr val="accent1"/>
+            </a:fillRef>
+            <a:effectRef idx="0">
+              <a:schemeClr val="accent1"/>
+            </a:effectRef>
+            <a:fontRef idx="minor">
+              <a:schemeClr val="lt1"/>
+            </a:fontRef>
+          </p:style>
+          <p:txBody>
+            <a:bodyPr rtlCol="0" anchor="ctr"/>
+            <a:lstStyle/>
+            <a:p>
+              <a:pPr algn="ctr"/>
+              <a:endParaRPr lang="de-DE"/>
+            </a:p>
+          </p:txBody>
+        </p:sp>
+        <p:sp>
+          <p:nvSpPr>
+            <p:cNvPr id="11" name="Textfeld 10"/>
+            <p:cNvSpPr txBox="1"/>
+            <p:nvPr/>
+          </p:nvSpPr>
+          <p:spPr>
+            <a:xfrm>
+              <a:off x="7062385" y="5434896"/>
+              <a:ext cx="391919" cy="523220"/>
+            </a:xfrm>
+            <a:prstGeom prst="rect">
+              <a:avLst/>
+            </a:prstGeom>
+            <a:noFill/>
+          </p:spPr>
+          <p:txBody>
+            <a:bodyPr wrap="square" rtlCol="0">
+              <a:spAutoFit/>
+            </a:bodyPr>
+            <a:lstStyle/>
+            <a:p>
+              <a:pPr algn="r"/>
+              <a:r>
+                <a:rPr lang="de-DE" sz="2800" dirty="0">
+                  <a:solidFill>
+                    <a:srgbClr val="FF0000"/>
+                  </a:solidFill>
+                </a:rPr>
+                <a:t>2</a:t>
+              </a:r>
+              <a:endParaRPr lang="de-DE" sz="2800" dirty="0">
+                <a:solidFill>
+                  <a:srgbClr val="FF0000"/>
+                </a:solidFill>
+              </a:endParaRPr>
+            </a:p>
+          </p:txBody>
+        </p:sp>
+      </p:grpSp>
     </p:spTree>
     <p:extLst>
       <p:ext uri="{BB962C8B-B14F-4D97-AF65-F5344CB8AC3E}">
@@ -12496,6 +12728,13 @@
   <p:clrMapOvr>
     <a:masterClrMapping/>
   </p:clrMapOvr>
+  <p:timing>
+    <p:tnLst>
+      <p:par>
+        <p:cTn id="1" dur="indefinite" restart="never" nodeType="tmRoot"/>
+      </p:par>
+    </p:tnLst>
+  </p:timing>
 </p:sld>
 </file>
 
@@ -12631,141 +12870,121 @@
           </a:extLst>
         </p:spPr>
       </p:pic>
-      <p:grpSp>
-        <p:nvGrpSpPr>
-          <p:cNvPr id="6" name="Gruppieren 5"/>
-          <p:cNvGrpSpPr/>
+      <p:sp>
+        <p:nvSpPr>
+          <p:cNvPr id="9" name="Rechteck 8"/>
+          <p:cNvSpPr/>
           <p:nvPr/>
-        </p:nvGrpSpPr>
-        <p:grpSpPr>
+        </p:nvSpPr>
+        <p:spPr bwMode="auto">
           <a:xfrm>
-            <a:off x="3491880" y="1941390"/>
-            <a:ext cx="1512168" cy="1191756"/>
-            <a:chOff x="6876256" y="703388"/>
-            <a:chExt cx="1440160" cy="4032026"/>
+            <a:off x="3491880" y="2309252"/>
+            <a:ext cx="1512168" cy="1047740"/>
           </a:xfrm>
-        </p:grpSpPr>
-        <p:sp>
-          <p:nvSpPr>
-            <p:cNvPr id="7" name="Rechteck 6"/>
-            <p:cNvSpPr/>
-            <p:nvPr/>
-          </p:nvSpPr>
-          <p:spPr bwMode="auto">
-            <a:xfrm>
-              <a:off x="6876256" y="703388"/>
-              <a:ext cx="1440160" cy="4032026"/>
-            </a:xfrm>
-            <a:prstGeom prst="rect">
+          <a:prstGeom prst="rect">
+            <a:avLst/>
+          </a:prstGeom>
+          <a:noFill/>
+          <a:ln w="38100" cap="flat" cmpd="sng" algn="ctr">
+            <a:solidFill>
+              <a:srgbClr val="FF0000"/>
+            </a:solidFill>
+            <a:prstDash val="solid"/>
+            <a:round/>
+            <a:headEnd type="none" w="med" len="med"/>
+            <a:tailEnd type="none" w="med" len="med"/>
+          </a:ln>
+          <a:effectLst/>
+          <a:extLst>
+            <a:ext uri="{909E8E84-426E-40DD-AFC4-6F175D3DCCD1}">
+              <a14:hiddenFill xmlns:a14="http://schemas.microsoft.com/office/drawing/2010/main">
+                <a:solidFill>
+                  <a:schemeClr val="accent1"/>
+                </a:solidFill>
+              </a14:hiddenFill>
+            </a:ext>
+            <a:ext uri="{AF507438-7753-43E0-B8FC-AC1667EBCBE1}">
+              <a14:hiddenEffects xmlns:a14="http://schemas.microsoft.com/office/drawing/2010/main">
+                <a:effectLst>
+                  <a:outerShdw dist="35921" dir="2700000" algn="ctr" rotWithShape="0">
+                    <a:schemeClr val="bg2"/>
+                  </a:outerShdw>
+                </a:effectLst>
+              </a14:hiddenEffects>
+            </a:ext>
+          </a:extLst>
+        </p:spPr>
+        <p:txBody>
+          <a:bodyPr vert="horz" wrap="square" lIns="0" tIns="0" rIns="0" bIns="0" numCol="1" rtlCol="0" anchor="t" anchorCtr="0" compatLnSpc="1">
+            <a:prstTxWarp prst="textNoShape">
               <a:avLst/>
-            </a:prstGeom>
-            <a:noFill/>
-            <a:ln w="38100" cap="flat" cmpd="sng" algn="ctr">
+            </a:prstTxWarp>
+          </a:bodyPr>
+          <a:lstStyle/>
+          <a:p>
+            <a:pPr marL="0" marR="0" indent="0" algn="l" defTabSz="914400" rtl="0" eaLnBrk="1" fontAlgn="base" latinLnBrk="0" hangingPunct="1">
+              <a:lnSpc>
+                <a:spcPct val="100000"/>
+              </a:lnSpc>
+              <a:spcBef>
+                <a:spcPct val="0"/>
+              </a:spcBef>
+              <a:spcAft>
+                <a:spcPct val="40000"/>
+              </a:spcAft>
+              <a:buClrTx/>
+              <a:buSzTx/>
+              <a:buFont typeface="Wingdings" pitchFamily="2" charset="2"/>
+              <a:buNone/>
+              <a:tabLst/>
+            </a:pPr>
+            <a:endParaRPr kumimoji="0" lang="de-DE" sz="1800" b="0" i="0" u="none" strike="noStrike" cap="none" normalizeH="0" baseline="0" smtClean="0">
+              <a:ln>
+                <a:noFill/>
+              </a:ln>
               <a:solidFill>
-                <a:srgbClr val="FF0000"/>
+                <a:schemeClr val="tx1"/>
               </a:solidFill>
-              <a:prstDash val="solid"/>
-              <a:round/>
-              <a:headEnd type="none" w="med" len="med"/>
-              <a:tailEnd type="none" w="med" len="med"/>
-            </a:ln>
-            <a:effectLst/>
-            <a:extLst>
-              <a:ext uri="{909E8E84-426E-40DD-AFC4-6F175D3DCCD1}">
-                <a14:hiddenFill xmlns:a14="http://schemas.microsoft.com/office/drawing/2010/main">
-                  <a:solidFill>
-                    <a:schemeClr val="accent1"/>
-                  </a:solidFill>
-                </a14:hiddenFill>
-              </a:ext>
-              <a:ext uri="{AF507438-7753-43E0-B8FC-AC1667EBCBE1}">
-                <a14:hiddenEffects xmlns:a14="http://schemas.microsoft.com/office/drawing/2010/main">
-                  <a:effectLst>
-                    <a:outerShdw dist="35921" dir="2700000" algn="ctr" rotWithShape="0">
-                      <a:schemeClr val="bg2"/>
-                    </a:outerShdw>
-                  </a:effectLst>
-                </a14:hiddenEffects>
-              </a:ext>
-            </a:extLst>
-          </p:spPr>
-          <p:txBody>
-            <a:bodyPr vert="horz" wrap="square" lIns="0" tIns="0" rIns="0" bIns="0" numCol="1" rtlCol="0" anchor="t" anchorCtr="0" compatLnSpc="1">
-              <a:prstTxWarp prst="textNoShape">
-                <a:avLst/>
-              </a:prstTxWarp>
-            </a:bodyPr>
-            <a:lstStyle/>
-            <a:p>
-              <a:pPr marL="0" marR="0" indent="0" algn="l" defTabSz="914400" rtl="0" eaLnBrk="1" fontAlgn="base" latinLnBrk="0" hangingPunct="1">
-                <a:lnSpc>
-                  <a:spcPct val="100000"/>
-                </a:lnSpc>
-                <a:spcBef>
-                  <a:spcPct val="0"/>
-                </a:spcBef>
-                <a:spcAft>
-                  <a:spcPct val="40000"/>
-                </a:spcAft>
-                <a:buClrTx/>
-                <a:buSzTx/>
-                <a:buFont typeface="Wingdings" pitchFamily="2" charset="2"/>
-                <a:buNone/>
-                <a:tabLst/>
-              </a:pPr>
-              <a:endParaRPr kumimoji="0" lang="de-DE" sz="1800" b="0" i="0" u="none" strike="noStrike" cap="none" normalizeH="0" baseline="0" smtClean="0">
-                <a:ln>
-                  <a:noFill/>
-                </a:ln>
-                <a:solidFill>
-                  <a:schemeClr val="tx1"/>
-                </a:solidFill>
-                <a:effectLst/>
-                <a:latin typeface="Frutiger LT Com 55 Roman" pitchFamily="34" charset="0"/>
-              </a:endParaRPr>
-            </a:p>
-          </p:txBody>
-        </p:sp>
-        <p:sp>
-          <p:nvSpPr>
-            <p:cNvPr id="8" name="Textfeld 7"/>
-            <p:cNvSpPr txBox="1"/>
-            <p:nvPr/>
-          </p:nvSpPr>
-          <p:spPr>
-            <a:xfrm>
-              <a:off x="7940952" y="724053"/>
-              <a:ext cx="373256" cy="1770192"/>
-            </a:xfrm>
-            <a:prstGeom prst="rect">
-              <a:avLst/>
-            </a:prstGeom>
-            <a:noFill/>
-          </p:spPr>
-          <p:txBody>
-            <a:bodyPr wrap="square" rtlCol="0">
-              <a:spAutoFit/>
-            </a:bodyPr>
-            <a:lstStyle/>
-            <a:p>
-              <a:pPr algn="r"/>
-              <a:r>
-                <a:rPr lang="de-DE" sz="2800" dirty="0">
-                  <a:solidFill>
-                    <a:srgbClr val="FF0000"/>
-                  </a:solidFill>
-                </a:rPr>
-                <a:t>3</a:t>
-              </a:r>
-              <a:endParaRPr lang="de-DE" sz="2800" dirty="0">
+              <a:effectLst/>
+              <a:latin typeface="Frutiger LT Com 55 Roman" pitchFamily="34" charset="0"/>
+            </a:endParaRPr>
+          </a:p>
+        </p:txBody>
+      </p:sp>
+      <p:sp>
+        <p:nvSpPr>
+          <p:cNvPr id="10" name="Textfeld 9"/>
+          <p:cNvSpPr txBox="1"/>
+          <p:nvPr/>
+        </p:nvSpPr>
+        <p:spPr>
+          <a:xfrm>
+            <a:off x="4609810" y="2852936"/>
+            <a:ext cx="391919" cy="523220"/>
+          </a:xfrm>
+          <a:prstGeom prst="rect">
+            <a:avLst/>
+          </a:prstGeom>
+          <a:noFill/>
+        </p:spPr>
+        <p:txBody>
+          <a:bodyPr wrap="square" rtlCol="0">
+            <a:spAutoFit/>
+          </a:bodyPr>
+          <a:lstStyle/>
+          <a:p>
+            <a:pPr algn="r"/>
+            <a:r>
+              <a:rPr lang="de-DE" sz="2800" dirty="0">
                 <a:solidFill>
                   <a:srgbClr val="FF0000"/>
                 </a:solidFill>
-              </a:endParaRPr>
-            </a:p>
-          </p:txBody>
-        </p:sp>
-      </p:grpSp>
+              </a:rPr>
+              <a:t>3</a:t>
+            </a:r>
+          </a:p>
+        </p:txBody>
+      </p:sp>
     </p:spTree>
     <p:extLst>
       <p:ext uri="{BB962C8B-B14F-4D97-AF65-F5344CB8AC3E}">
@@ -12776,6 +12995,13 @@
   <p:clrMapOvr>
     <a:masterClrMapping/>
   </p:clrMapOvr>
+  <p:timing>
+    <p:tnLst>
+      <p:par>
+        <p:cTn id="1" dur="indefinite" restart="never" nodeType="tmRoot"/>
+      </p:par>
+    </p:tnLst>
+  </p:timing>
 </p:sld>
 </file>
 
@@ -12984,6 +13210,13 @@
   <p:clrMapOvr>
     <a:masterClrMapping/>
   </p:clrMapOvr>
+  <p:timing>
+    <p:tnLst>
+      <p:par>
+        <p:cTn id="1" dur="indefinite" restart="never" nodeType="tmRoot"/>
+      </p:par>
+    </p:tnLst>
+  </p:timing>
 </p:sld>
 </file>
 
@@ -13232,8 +13465,8 @@
           </a:p>
         </p:txBody>
       </p:sp>
-      <mc:AlternateContent xmlns:mc="http://schemas.openxmlformats.org/markup-compatibility/2006">
-        <mc:Choice xmlns:a14="http://schemas.microsoft.com/office/drawing/2010/main" Requires="a14">
+      <mc:AlternateContent xmlns:mc="http://schemas.openxmlformats.org/markup-compatibility/2006" xmlns:a14="http://schemas.microsoft.com/office/drawing/2010/main">
+        <mc:Choice Requires="a14">
           <p:sp>
             <p:nvSpPr>
               <p:cNvPr id="4" name="Inhaltsplatzhalter 3"/>
@@ -13271,7 +13504,7 @@
                           <m:chr m:val="̈"/>
                           <m:ctrlPr>
                             <a:rPr lang="de-DE" i="1" smtClean="0">
-                              <a:latin typeface="Cambria Math" panose="02040503050406030204" pitchFamily="18" charset="0"/>
+                              <a:latin typeface="Cambria Math"/>
                             </a:rPr>
                           </m:ctrlPr>
                         </m:accPr>
@@ -13294,7 +13527,7 @@
                         <m:sSubPr>
                           <m:ctrlPr>
                             <a:rPr lang="de-DE" i="1">
-                              <a:latin typeface="Cambria Math" panose="02040503050406030204" pitchFamily="18" charset="0"/>
+                              <a:latin typeface="Cambria Math"/>
                             </a:rPr>
                           </m:ctrlPr>
                         </m:sSubPr>
@@ -13304,7 +13537,7 @@
                               <m:chr m:val="̃"/>
                               <m:ctrlPr>
                                 <a:rPr lang="de-DE" i="1">
-                                  <a:latin typeface="Cambria Math" panose="02040503050406030204" pitchFamily="18" charset="0"/>
+                                  <a:latin typeface="Cambria Math"/>
                                 </a:rPr>
                               </m:ctrlPr>
                             </m:accPr>
@@ -13339,7 +13572,7 @@
                           <m:chr m:val="̇"/>
                           <m:ctrlPr>
                             <a:rPr lang="de-DE" i="1">
-                              <a:latin typeface="Cambria Math" panose="02040503050406030204" pitchFamily="18" charset="0"/>
+                              <a:latin typeface="Cambria Math"/>
                               <a:ea typeface="Cambria Math" panose="02040503050406030204" pitchFamily="18" charset="0"/>
                             </a:rPr>
                           </m:ctrlPr>
@@ -13364,7 +13597,7 @@
                         <m:sSubPr>
                           <m:ctrlPr>
                             <a:rPr lang="de-DE" i="1">
-                              <a:latin typeface="Cambria Math" panose="02040503050406030204" pitchFamily="18" charset="0"/>
+                              <a:latin typeface="Cambria Math"/>
                             </a:rPr>
                           </m:ctrlPr>
                         </m:sSubPr>
@@ -13374,7 +13607,7 @@
                               <m:chr m:val="̃"/>
                               <m:ctrlPr>
                                 <a:rPr lang="de-DE" i="1">
-                                  <a:latin typeface="Cambria Math" panose="02040503050406030204" pitchFamily="18" charset="0"/>
+                                  <a:latin typeface="Cambria Math"/>
                                 </a:rPr>
                               </m:ctrlPr>
                             </m:accPr>
@@ -13445,7 +13678,7 @@
                         <m:sSubSupPr>
                           <m:ctrlPr>
                             <a:rPr lang="de-DE" i="1" dirty="0">
-                              <a:latin typeface="Cambria Math" panose="02040503050406030204" pitchFamily="18" charset="0"/>
+                              <a:latin typeface="Cambria Math"/>
                             </a:rPr>
                           </m:ctrlPr>
                         </m:sSubSupPr>
@@ -13484,7 +13717,7 @@
                         <m:sSupPr>
                           <m:ctrlPr>
                             <a:rPr lang="de-DE" i="1">
-                              <a:latin typeface="Cambria Math" panose="02040503050406030204" pitchFamily="18" charset="0"/>
+                              <a:latin typeface="Cambria Math"/>
                             </a:rPr>
                           </m:ctrlPr>
                         </m:sSupPr>
@@ -13512,7 +13745,7 @@
                           <m:chr m:val="̇"/>
                           <m:ctrlPr>
                             <a:rPr lang="de-DE" i="1">
-                              <a:latin typeface="Cambria Math" panose="02040503050406030204" pitchFamily="18" charset="0"/>
+                              <a:latin typeface="Cambria Math"/>
                             </a:rPr>
                           </m:ctrlPr>
                         </m:accPr>
@@ -13542,7 +13775,7 @@
                         <m:sSubSupPr>
                           <m:ctrlPr>
                             <a:rPr lang="de-DE" i="1" dirty="0">
-                              <a:latin typeface="Cambria Math" panose="02040503050406030204" pitchFamily="18" charset="0"/>
+                              <a:latin typeface="Cambria Math"/>
                             </a:rPr>
                           </m:ctrlPr>
                         </m:sSubSupPr>
@@ -13552,7 +13785,7 @@
                               <m:chr m:val="̇"/>
                               <m:ctrlPr>
                                 <a:rPr lang="de-DE" i="1" dirty="0">
-                                  <a:latin typeface="Cambria Math" panose="02040503050406030204" pitchFamily="18" charset="0"/>
+                                  <a:latin typeface="Cambria Math"/>
                                 </a:rPr>
                               </m:ctrlPr>
                             </m:accPr>
@@ -13593,7 +13826,7 @@
                         <m:sSupPr>
                           <m:ctrlPr>
                             <a:rPr lang="de-DE" i="1">
-                              <a:latin typeface="Cambria Math" panose="02040503050406030204" pitchFamily="18" charset="0"/>
+                              <a:latin typeface="Cambria Math"/>
                             </a:rPr>
                           </m:ctrlPr>
                         </m:sSupPr>
@@ -13603,7 +13836,7 @@
                               <m:chr m:val="̇"/>
                               <m:ctrlPr>
                                 <a:rPr lang="de-DE" i="1" dirty="0">
-                                  <a:latin typeface="Cambria Math" panose="02040503050406030204" pitchFamily="18" charset="0"/>
+                                  <a:latin typeface="Cambria Math"/>
                                 </a:rPr>
                               </m:ctrlPr>
                             </m:accPr>
@@ -13633,7 +13866,7 @@
                           <m:chr m:val="̈"/>
                           <m:ctrlPr>
                             <a:rPr lang="de-DE" i="1">
-                              <a:latin typeface="Cambria Math" panose="02040503050406030204" pitchFamily="18" charset="0"/>
+                              <a:latin typeface="Cambria Math"/>
                             </a:rPr>
                           </m:ctrlPr>
                         </m:accPr>
@@ -13656,7 +13889,7 @@
                         <m:sSubSupPr>
                           <m:ctrlPr>
                             <a:rPr lang="de-DE" i="1" dirty="0">
-                              <a:latin typeface="Cambria Math" panose="02040503050406030204" pitchFamily="18" charset="0"/>
+                              <a:latin typeface="Cambria Math"/>
                             </a:rPr>
                           </m:ctrlPr>
                         </m:sSubSupPr>
@@ -13666,7 +13899,7 @@
                               <m:chr m:val="̈"/>
                               <m:ctrlPr>
                                 <a:rPr lang="de-DE" i="1" dirty="0">
-                                  <a:latin typeface="Cambria Math" panose="02040503050406030204" pitchFamily="18" charset="0"/>
+                                  <a:latin typeface="Cambria Math"/>
                                 </a:rPr>
                               </m:ctrlPr>
                             </m:accPr>
@@ -13707,7 +13940,7 @@
                         <m:sSupPr>
                           <m:ctrlPr>
                             <a:rPr lang="de-DE" i="1">
-                              <a:latin typeface="Cambria Math" panose="02040503050406030204" pitchFamily="18" charset="0"/>
+                              <a:latin typeface="Cambria Math"/>
                             </a:rPr>
                           </m:ctrlPr>
                         </m:sSupPr>
@@ -13717,7 +13950,7 @@
                               <m:chr m:val="̈"/>
                               <m:ctrlPr>
                                 <a:rPr lang="de-DE" i="1">
-                                  <a:latin typeface="Cambria Math" panose="02040503050406030204" pitchFamily="18" charset="0"/>
+                                  <a:latin typeface="Cambria Math"/>
                                 </a:rPr>
                               </m:ctrlPr>
                             </m:accPr>
@@ -13765,7 +13998,7 @@
             </p:txBody>
           </p:sp>
         </mc:Choice>
-        <mc:Fallback>
+        <mc:Fallback xmlns="">
           <p:sp>
             <p:nvSpPr>
               <p:cNvPr id="4" name="Inhaltsplatzhalter 3"/>
@@ -13848,8 +14081,8 @@
           </a:prstGeom>
         </p:spPr>
       </p:pic>
-      <mc:AlternateContent xmlns:mc="http://schemas.openxmlformats.org/markup-compatibility/2006">
-        <mc:Choice xmlns:a14="http://schemas.microsoft.com/office/drawing/2010/main" Requires="a14">
+      <mc:AlternateContent xmlns:mc="http://schemas.openxmlformats.org/markup-compatibility/2006" xmlns:a14="http://schemas.microsoft.com/office/drawing/2010/main">
+        <mc:Choice Requires="a14">
           <p:sp>
             <p:nvSpPr>
               <p:cNvPr id="7" name="Inhaltsplatzhalter 2"/>
@@ -14036,7 +14269,7 @@
                         <m:sSubPr>
                           <m:ctrlPr>
                             <a:rPr lang="de-DE" i="1" kern="0" smtClean="0">
-                              <a:latin typeface="Cambria Math" panose="02040503050406030204" pitchFamily="18" charset="0"/>
+                              <a:latin typeface="Cambria Math"/>
                             </a:rPr>
                           </m:ctrlPr>
                         </m:sSubPr>
@@ -14067,7 +14300,7 @@
                         <m:sSubPr>
                           <m:ctrlPr>
                             <a:rPr lang="de-DE" i="1" kern="0">
-                              <a:latin typeface="Cambria Math" panose="02040503050406030204" pitchFamily="18" charset="0"/>
+                              <a:latin typeface="Cambria Math"/>
                             </a:rPr>
                           </m:ctrlPr>
                         </m:sSubPr>
@@ -14090,7 +14323,7 @@
                             <m:sSubPr>
                               <m:ctrlPr>
                                 <a:rPr lang="de-DE" i="1" kern="0">
-                                  <a:latin typeface="Cambria Math" panose="02040503050406030204" pitchFamily="18" charset="0"/>
+                                  <a:latin typeface="Cambria Math"/>
                                 </a:rPr>
                               </m:ctrlPr>
                             </m:sSubPr>
@@ -14130,7 +14363,7 @@
                         <m:sSubPr>
                           <m:ctrlPr>
                             <a:rPr lang="de-DE" i="1" kern="0">
-                              <a:latin typeface="Cambria Math" panose="02040503050406030204" pitchFamily="18" charset="0"/>
+                              <a:latin typeface="Cambria Math"/>
                             </a:rPr>
                           </m:ctrlPr>
                         </m:sSubPr>
@@ -14140,7 +14373,7 @@
                               <m:chr m:val="̃"/>
                               <m:ctrlPr>
                                 <a:rPr lang="de-DE" i="1" kern="0">
-                                  <a:latin typeface="Cambria Math" panose="02040503050406030204" pitchFamily="18" charset="0"/>
+                                  <a:latin typeface="Cambria Math"/>
                                 </a:rPr>
                               </m:ctrlPr>
                             </m:accPr>
@@ -14174,7 +14407,7 @@
                         <m:dPr>
                           <m:ctrlPr>
                             <a:rPr lang="de-DE" i="1" kern="0">
-                              <a:latin typeface="Cambria Math" panose="02040503050406030204" pitchFamily="18" charset="0"/>
+                              <a:latin typeface="Cambria Math"/>
                               <a:ea typeface="Cambria Math" panose="02040503050406030204" pitchFamily="18" charset="0"/>
                             </a:rPr>
                           </m:ctrlPr>
@@ -14184,7 +14417,7 @@
                             <m:sSubSupPr>
                               <m:ctrlPr>
                                 <a:rPr lang="de-DE" i="1" kern="0">
-                                  <a:latin typeface="Cambria Math" panose="02040503050406030204" pitchFamily="18" charset="0"/>
+                                  <a:latin typeface="Cambria Math"/>
                                   <a:ea typeface="Cambria Math" panose="02040503050406030204" pitchFamily="18" charset="0"/>
                                 </a:rPr>
                               </m:ctrlPr>
@@ -14195,7 +14428,7 @@
                                   <m:chr m:val="̇"/>
                                   <m:ctrlPr>
                                     <a:rPr lang="de-DE" i="1" kern="0" dirty="0">
-                                      <a:latin typeface="Cambria Math" panose="02040503050406030204" pitchFamily="18" charset="0"/>
+                                      <a:latin typeface="Cambria Math"/>
                                       <a:ea typeface="Cambria Math" panose="02040503050406030204" pitchFamily="18" charset="0"/>
                                     </a:rPr>
                                   </m:ctrlPr>
@@ -14241,7 +14474,7 @@
                             <m:sSupPr>
                               <m:ctrlPr>
                                 <a:rPr lang="de-DE" i="1" kern="0">
-                                  <a:latin typeface="Cambria Math" panose="02040503050406030204" pitchFamily="18" charset="0"/>
+                                  <a:latin typeface="Cambria Math"/>
                                   <a:ea typeface="Cambria Math" panose="02040503050406030204" pitchFamily="18" charset="0"/>
                                 </a:rPr>
                               </m:ctrlPr>
@@ -14252,7 +14485,7 @@
                                   <m:chr m:val="̇"/>
                                   <m:ctrlPr>
                                     <a:rPr lang="de-DE" i="1" kern="0" dirty="0">
-                                      <a:latin typeface="Cambria Math" panose="02040503050406030204" pitchFamily="18" charset="0"/>
+                                      <a:latin typeface="Cambria Math"/>
                                       <a:ea typeface="Cambria Math" panose="02040503050406030204" pitchFamily="18" charset="0"/>
                                     </a:rPr>
                                   </m:ctrlPr>
@@ -14291,7 +14524,7 @@
                         <m:sSubPr>
                           <m:ctrlPr>
                             <a:rPr lang="de-DE" i="1" kern="0">
-                              <a:latin typeface="Cambria Math" panose="02040503050406030204" pitchFamily="18" charset="0"/>
+                              <a:latin typeface="Cambria Math"/>
                             </a:rPr>
                           </m:ctrlPr>
                         </m:sSubPr>
@@ -14301,7 +14534,7 @@
                               <m:chr m:val="̃"/>
                               <m:ctrlPr>
                                 <a:rPr lang="de-DE" i="1" kern="0">
-                                  <a:latin typeface="Cambria Math" panose="02040503050406030204" pitchFamily="18" charset="0"/>
+                                  <a:latin typeface="Cambria Math"/>
                                 </a:rPr>
                               </m:ctrlPr>
                             </m:accPr>
@@ -14335,7 +14568,7 @@
                         <m:sSubSupPr>
                           <m:ctrlPr>
                             <a:rPr lang="de-DE" i="1" kern="0">
-                              <a:latin typeface="Cambria Math" panose="02040503050406030204" pitchFamily="18" charset="0"/>
+                              <a:latin typeface="Cambria Math"/>
                               <a:ea typeface="Cambria Math" panose="02040503050406030204" pitchFamily="18" charset="0"/>
                             </a:rPr>
                           </m:ctrlPr>
@@ -14379,7 +14612,7 @@
                         <m:sSupPr>
                           <m:ctrlPr>
                             <a:rPr lang="de-DE" i="1" kern="0">
-                              <a:latin typeface="Cambria Math" panose="02040503050406030204" pitchFamily="18" charset="0"/>
+                              <a:latin typeface="Cambria Math"/>
                               <a:ea typeface="Cambria Math" panose="02040503050406030204" pitchFamily="18" charset="0"/>
                             </a:rPr>
                           </m:ctrlPr>
@@ -14425,7 +14658,7 @@
             </p:txBody>
           </p:sp>
         </mc:Choice>
-        <mc:Fallback>
+        <mc:Fallback xmlns="">
           <p:sp>
             <p:nvSpPr>
               <p:cNvPr id="7" name="Inhaltsplatzhalter 2"/>
@@ -14994,6 +15227,101 @@
           </a:p>
         </p:txBody>
       </p:sp>
+      <p:grpSp>
+        <p:nvGrpSpPr>
+          <p:cNvPr id="14" name="Gruppieren 13"/>
+          <p:cNvGrpSpPr/>
+          <p:nvPr/>
+        </p:nvGrpSpPr>
+        <p:grpSpPr>
+          <a:xfrm>
+            <a:off x="1473659" y="4869160"/>
+            <a:ext cx="6641780" cy="1224136"/>
+            <a:chOff x="1473659" y="4869160"/>
+            <a:chExt cx="6641780" cy="1224136"/>
+          </a:xfrm>
+        </p:grpSpPr>
+        <p:sp>
+          <p:nvSpPr>
+            <p:cNvPr id="3" name="Rechteck 2"/>
+            <p:cNvSpPr/>
+            <p:nvPr/>
+          </p:nvSpPr>
+          <p:spPr>
+            <a:xfrm>
+              <a:off x="1473659" y="4869160"/>
+              <a:ext cx="6626733" cy="1224136"/>
+            </a:xfrm>
+            <a:prstGeom prst="rect">
+              <a:avLst/>
+            </a:prstGeom>
+            <a:noFill/>
+            <a:ln>
+              <a:solidFill>
+                <a:srgbClr val="FF0000"/>
+              </a:solidFill>
+            </a:ln>
+          </p:spPr>
+          <p:style>
+            <a:lnRef idx="2">
+              <a:schemeClr val="accent1">
+                <a:shade val="50000"/>
+              </a:schemeClr>
+            </a:lnRef>
+            <a:fillRef idx="1">
+              <a:schemeClr val="accent1"/>
+            </a:fillRef>
+            <a:effectRef idx="0">
+              <a:schemeClr val="accent1"/>
+            </a:effectRef>
+            <a:fontRef idx="minor">
+              <a:schemeClr val="lt1"/>
+            </a:fontRef>
+          </p:style>
+          <p:txBody>
+            <a:bodyPr rtlCol="0" anchor="ctr"/>
+            <a:lstStyle/>
+            <a:p>
+              <a:pPr algn="ctr"/>
+              <a:endParaRPr lang="de-DE"/>
+            </a:p>
+          </p:txBody>
+        </p:sp>
+        <p:sp>
+          <p:nvSpPr>
+            <p:cNvPr id="13" name="Textfeld 12"/>
+            <p:cNvSpPr txBox="1"/>
+            <p:nvPr/>
+          </p:nvSpPr>
+          <p:spPr>
+            <a:xfrm>
+              <a:off x="7723520" y="5558736"/>
+              <a:ext cx="391919" cy="523220"/>
+            </a:xfrm>
+            <a:prstGeom prst="rect">
+              <a:avLst/>
+            </a:prstGeom>
+            <a:noFill/>
+          </p:spPr>
+          <p:txBody>
+            <a:bodyPr wrap="square" rtlCol="0">
+              <a:spAutoFit/>
+            </a:bodyPr>
+            <a:lstStyle/>
+            <a:p>
+              <a:pPr algn="r"/>
+              <a:r>
+                <a:rPr lang="de-DE" sz="2800" dirty="0">
+                  <a:solidFill>
+                    <a:srgbClr val="FF0000"/>
+                  </a:solidFill>
+                </a:rPr>
+                <a:t>3</a:t>
+              </a:r>
+            </a:p>
+          </p:txBody>
+        </p:sp>
+      </p:grpSp>
     </p:spTree>
     <p:extLst>
       <p:ext uri="{BB962C8B-B14F-4D97-AF65-F5344CB8AC3E}">
@@ -15004,6 +15332,13 @@
   <p:clrMapOvr>
     <a:masterClrMapping/>
   </p:clrMapOvr>
+  <p:timing>
+    <p:tnLst>
+      <p:par>
+        <p:cTn id="1" dur="indefinite" restart="never" nodeType="tmRoot"/>
+      </p:par>
+    </p:tnLst>
+  </p:timing>
 </p:sld>
 </file>
 
@@ -15200,6 +15535,13 @@
   <p:clrMapOvr>
     <a:masterClrMapping/>
   </p:clrMapOvr>
+  <p:timing>
+    <p:tnLst>
+      <p:par>
+        <p:cTn id="1" dur="indefinite" restart="never" nodeType="tmRoot"/>
+      </p:par>
+    </p:tnLst>
+  </p:timing>
 </p:sld>
 </file>
 
@@ -15480,6 +15822,13 @@
   <p:clrMapOvr>
     <a:masterClrMapping/>
   </p:clrMapOvr>
+  <p:timing>
+    <p:tnLst>
+      <p:par>
+        <p:cTn id="1" dur="indefinite" restart="never" nodeType="tmRoot"/>
+      </p:par>
+    </p:tnLst>
+  </p:timing>
 </p:sld>
 </file>
 
@@ -15971,6 +16320,13 @@
   <p:clrMapOvr>
     <a:masterClrMapping/>
   </p:clrMapOvr>
+  <p:timing>
+    <p:tnLst>
+      <p:par>
+        <p:cTn id="1" dur="indefinite" restart="never" nodeType="tmRoot"/>
+      </p:par>
+    </p:tnLst>
+  </p:timing>
 </p:sld>
 </file>
 
@@ -16066,14 +16422,974 @@
         </p:blipFill>
         <p:spPr>
           <a:xfrm>
-            <a:off x="574675" y="1192389"/>
-            <a:ext cx="8245475" cy="4727221"/>
+            <a:off x="-9128" y="1014236"/>
+            <a:ext cx="5105790" cy="2927205"/>
           </a:xfrm>
           <a:prstGeom prst="rect">
             <a:avLst/>
           </a:prstGeom>
         </p:spPr>
       </p:pic>
+      <mc:AlternateContent xmlns:mc="http://schemas.openxmlformats.org/markup-compatibility/2006">
+        <mc:Choice xmlns:a14="http://schemas.microsoft.com/office/drawing/2010/main" Requires="a14">
+          <p:sp>
+            <p:nvSpPr>
+              <p:cNvPr id="3" name="Rechteck 2"/>
+              <p:cNvSpPr/>
+              <p:nvPr/>
+            </p:nvSpPr>
+            <p:spPr>
+              <a:xfrm>
+                <a:off x="4528567" y="4005064"/>
+                <a:ext cx="4572000" cy="2092689"/>
+              </a:xfrm>
+              <a:prstGeom prst="rect">
+                <a:avLst/>
+              </a:prstGeom>
+            </p:spPr>
+            <p:txBody>
+              <a:bodyPr>
+                <a:spAutoFit/>
+              </a:bodyPr>
+              <a:lstStyle/>
+              <a:p>
+                <a:pPr/>
+                <a14:m>
+                  <m:oMathPara xmlns:m="http://schemas.openxmlformats.org/officeDocument/2006/math">
+                    <m:oMathParaPr>
+                      <m:jc m:val="centerGroup"/>
+                    </m:oMathParaPr>
+                    <m:oMath xmlns:m="http://schemas.openxmlformats.org/officeDocument/2006/math">
+                      <m:acc>
+                        <m:accPr>
+                          <m:chr m:val="̇"/>
+                          <m:ctrlPr>
+                            <a:rPr lang="de-DE" i="1" smtClean="0">
+                              <a:latin typeface="Cambria Math"/>
+                            </a:rPr>
+                          </m:ctrlPr>
+                        </m:accPr>
+                        <m:e>
+                          <m:acc>
+                            <m:accPr>
+                              <m:chr m:val="̂"/>
+                              <m:ctrlPr>
+                                <a:rPr lang="de-DE" i="1">
+                                  <a:latin typeface="Cambria Math"/>
+                                </a:rPr>
+                              </m:ctrlPr>
+                            </m:accPr>
+                            <m:e>
+                              <m:r>
+                                <a:rPr lang="de-DE" i="1">
+                                  <a:latin typeface="Cambria Math" panose="02040503050406030204" pitchFamily="18" charset="0"/>
+                                </a:rPr>
+                                <m:t>𝑥</m:t>
+                              </m:r>
+                            </m:e>
+                          </m:acc>
+                        </m:e>
+                      </m:acc>
+                      <m:r>
+                        <a:rPr lang="de-DE" i="1">
+                          <a:latin typeface="Cambria Math" panose="02040503050406030204" pitchFamily="18" charset="0"/>
+                        </a:rPr>
+                        <m:t>= </m:t>
+                      </m:r>
+                      <m:d>
+                        <m:dPr>
+                          <m:begChr m:val="["/>
+                          <m:endChr m:val="]"/>
+                          <m:ctrlPr>
+                            <a:rPr lang="de-DE" i="1">
+                              <a:latin typeface="Cambria Math"/>
+                            </a:rPr>
+                          </m:ctrlPr>
+                        </m:dPr>
+                        <m:e>
+                          <m:m>
+                            <m:mPr>
+                              <m:mcs>
+                                <m:mc>
+                                  <m:mcPr>
+                                    <m:count m:val="3"/>
+                                    <m:mcJc m:val="center"/>
+                                  </m:mcPr>
+                                </m:mc>
+                              </m:mcs>
+                              <m:ctrlPr>
+                                <a:rPr lang="de-DE" i="1">
+                                  <a:latin typeface="Cambria Math"/>
+                                </a:rPr>
+                              </m:ctrlPr>
+                            </m:mPr>
+                            <m:mr>
+                              <m:e>
+                                <m:r>
+                                  <m:rPr>
+                                    <m:brk m:alnAt="7"/>
+                                  </m:rPr>
+                                  <a:rPr lang="de-DE" i="1">
+                                    <a:latin typeface="Cambria Math" panose="02040503050406030204" pitchFamily="18" charset="0"/>
+                                  </a:rPr>
+                                  <m:t>0</m:t>
+                                </m:r>
+                              </m:e>
+                              <m:e>
+                                <m:r>
+                                  <a:rPr lang="de-DE" i="1">
+                                    <a:latin typeface="Cambria Math" panose="02040503050406030204" pitchFamily="18" charset="0"/>
+                                  </a:rPr>
+                                  <m:t>1</m:t>
+                                </m:r>
+                              </m:e>
+                              <m:e>
+                                <m:r>
+                                  <a:rPr lang="de-DE" i="1">
+                                    <a:latin typeface="Cambria Math" panose="02040503050406030204" pitchFamily="18" charset="0"/>
+                                  </a:rPr>
+                                  <m:t>0</m:t>
+                                </m:r>
+                              </m:e>
+                            </m:mr>
+                            <m:mr>
+                              <m:e>
+                                <m:r>
+                                  <a:rPr lang="de-DE" i="1">
+                                    <a:latin typeface="Cambria Math" panose="02040503050406030204" pitchFamily="18" charset="0"/>
+                                  </a:rPr>
+                                  <m:t>0</m:t>
+                                </m:r>
+                              </m:e>
+                              <m:e>
+                                <m:r>
+                                  <a:rPr lang="de-DE" i="1">
+                                    <a:latin typeface="Cambria Math" panose="02040503050406030204" pitchFamily="18" charset="0"/>
+                                  </a:rPr>
+                                  <m:t>0</m:t>
+                                </m:r>
+                              </m:e>
+                              <m:e>
+                                <m:r>
+                                  <a:rPr lang="de-DE" i="1">
+                                    <a:latin typeface="Cambria Math" panose="02040503050406030204" pitchFamily="18" charset="0"/>
+                                  </a:rPr>
+                                  <m:t>1</m:t>
+                                </m:r>
+                              </m:e>
+                            </m:mr>
+                            <m:mr>
+                              <m:e>
+                                <m:r>
+                                  <a:rPr lang="de-DE" i="1">
+                                    <a:latin typeface="Cambria Math" panose="02040503050406030204" pitchFamily="18" charset="0"/>
+                                  </a:rPr>
+                                  <m:t>0</m:t>
+                                </m:r>
+                              </m:e>
+                              <m:e>
+                                <m:r>
+                                  <a:rPr lang="de-DE" i="1">
+                                    <a:latin typeface="Cambria Math" panose="02040503050406030204" pitchFamily="18" charset="0"/>
+                                  </a:rPr>
+                                  <m:t>0</m:t>
+                                </m:r>
+                              </m:e>
+                              <m:e>
+                                <m:r>
+                                  <a:rPr lang="de-DE" i="1">
+                                    <a:latin typeface="Cambria Math" panose="02040503050406030204" pitchFamily="18" charset="0"/>
+                                  </a:rPr>
+                                  <m:t>0</m:t>
+                                </m:r>
+                              </m:e>
+                            </m:mr>
+                          </m:m>
+                        </m:e>
+                      </m:d>
+                      <m:r>
+                        <a:rPr lang="de-DE" i="1">
+                          <a:latin typeface="Cambria Math" panose="02040503050406030204" pitchFamily="18" charset="0"/>
+                          <a:ea typeface="Cambria Math" panose="02040503050406030204" pitchFamily="18" charset="0"/>
+                        </a:rPr>
+                        <m:t>∙</m:t>
+                      </m:r>
+                      <m:acc>
+                        <m:accPr>
+                          <m:chr m:val="̂"/>
+                          <m:ctrlPr>
+                            <a:rPr lang="de-DE" i="1">
+                              <a:latin typeface="Cambria Math"/>
+                            </a:rPr>
+                          </m:ctrlPr>
+                        </m:accPr>
+                        <m:e>
+                          <m:r>
+                            <a:rPr lang="de-DE" i="1">
+                              <a:latin typeface="Cambria Math" panose="02040503050406030204" pitchFamily="18" charset="0"/>
+                            </a:rPr>
+                            <m:t>𝑥</m:t>
+                          </m:r>
+                        </m:e>
+                      </m:acc>
+                      <m:r>
+                        <a:rPr lang="de-DE" i="1">
+                          <a:latin typeface="Cambria Math" panose="02040503050406030204" pitchFamily="18" charset="0"/>
+                        </a:rPr>
+                        <m:t>+</m:t>
+                      </m:r>
+                      <m:d>
+                        <m:dPr>
+                          <m:begChr m:val="["/>
+                          <m:endChr m:val="]"/>
+                          <m:ctrlPr>
+                            <a:rPr lang="de-DE" i="1">
+                              <a:latin typeface="Cambria Math"/>
+                            </a:rPr>
+                          </m:ctrlPr>
+                        </m:dPr>
+                        <m:e>
+                          <m:m>
+                            <m:mPr>
+                              <m:mcs>
+                                <m:mc>
+                                  <m:mcPr>
+                                    <m:count m:val="1"/>
+                                    <m:mcJc m:val="center"/>
+                                  </m:mcPr>
+                                </m:mc>
+                              </m:mcs>
+                              <m:ctrlPr>
+                                <a:rPr lang="de-DE" i="1">
+                                  <a:latin typeface="Cambria Math"/>
+                                </a:rPr>
+                              </m:ctrlPr>
+                            </m:mPr>
+                            <m:mr>
+                              <m:e>
+                                <m:sSub>
+                                  <m:sSubPr>
+                                    <m:ctrlPr>
+                                      <a:rPr lang="de-DE" i="1">
+                                        <a:latin typeface="Cambria Math"/>
+                                      </a:rPr>
+                                    </m:ctrlPr>
+                                  </m:sSubPr>
+                                  <m:e>
+                                    <m:r>
+                                      <m:rPr>
+                                        <m:brk m:alnAt="7"/>
+                                      </m:rPr>
+                                      <a:rPr lang="de-DE" i="1">
+                                        <a:latin typeface="Cambria Math" panose="02040503050406030204" pitchFamily="18" charset="0"/>
+                                      </a:rPr>
+                                      <m:t>𝑙</m:t>
+                                    </m:r>
+                                  </m:e>
+                                  <m:sub>
+                                    <m:r>
+                                      <m:rPr>
+                                        <m:brk m:alnAt="7"/>
+                                      </m:rPr>
+                                      <a:rPr lang="de-DE" i="1">
+                                        <a:latin typeface="Cambria Math" panose="02040503050406030204" pitchFamily="18" charset="0"/>
+                                      </a:rPr>
+                                      <m:t>1</m:t>
+                                    </m:r>
+                                  </m:sub>
+                                </m:sSub>
+                              </m:e>
+                            </m:mr>
+                            <m:mr>
+                              <m:e>
+                                <m:sSub>
+                                  <m:sSubPr>
+                                    <m:ctrlPr>
+                                      <a:rPr lang="de-DE" i="1">
+                                        <a:latin typeface="Cambria Math"/>
+                                      </a:rPr>
+                                    </m:ctrlPr>
+                                  </m:sSubPr>
+                                  <m:e>
+                                    <m:r>
+                                      <a:rPr lang="de-DE" i="1">
+                                        <a:latin typeface="Cambria Math" panose="02040503050406030204" pitchFamily="18" charset="0"/>
+                                      </a:rPr>
+                                      <m:t>𝑙</m:t>
+                                    </m:r>
+                                  </m:e>
+                                  <m:sub>
+                                    <m:r>
+                                      <a:rPr lang="de-DE" i="1">
+                                        <a:latin typeface="Cambria Math" panose="02040503050406030204" pitchFamily="18" charset="0"/>
+                                      </a:rPr>
+                                      <m:t>2</m:t>
+                                    </m:r>
+                                  </m:sub>
+                                </m:sSub>
+                              </m:e>
+                            </m:mr>
+                            <m:mr>
+                              <m:e>
+                                <m:sSub>
+                                  <m:sSubPr>
+                                    <m:ctrlPr>
+                                      <a:rPr lang="de-DE" i="1">
+                                        <a:latin typeface="Cambria Math"/>
+                                      </a:rPr>
+                                    </m:ctrlPr>
+                                  </m:sSubPr>
+                                  <m:e>
+                                    <m:r>
+                                      <a:rPr lang="de-DE" i="1">
+                                        <a:latin typeface="Cambria Math" panose="02040503050406030204" pitchFamily="18" charset="0"/>
+                                      </a:rPr>
+                                      <m:t>𝑙</m:t>
+                                    </m:r>
+                                  </m:e>
+                                  <m:sub>
+                                    <m:r>
+                                      <a:rPr lang="de-DE" i="1">
+                                        <a:latin typeface="Cambria Math" panose="02040503050406030204" pitchFamily="18" charset="0"/>
+                                      </a:rPr>
+                                      <m:t>3</m:t>
+                                    </m:r>
+                                  </m:sub>
+                                </m:sSub>
+                              </m:e>
+                            </m:mr>
+                          </m:m>
+                        </m:e>
+                      </m:d>
+                      <m:r>
+                        <a:rPr lang="de-DE" i="1">
+                          <a:latin typeface="Cambria Math" panose="02040503050406030204" pitchFamily="18" charset="0"/>
+                          <a:ea typeface="Cambria Math" panose="02040503050406030204" pitchFamily="18" charset="0"/>
+                        </a:rPr>
+                        <m:t>∙</m:t>
+                      </m:r>
+                      <m:r>
+                        <a:rPr lang="de-DE" i="1">
+                          <a:latin typeface="Cambria Math" panose="02040503050406030204" pitchFamily="18" charset="0"/>
+                        </a:rPr>
+                        <m:t>(</m:t>
+                      </m:r>
+                      <m:sSup>
+                        <m:sSupPr>
+                          <m:ctrlPr>
+                            <a:rPr lang="de-DE" b="0" i="1" smtClean="0">
+                              <a:latin typeface="Cambria Math"/>
+                            </a:rPr>
+                          </m:ctrlPr>
+                        </m:sSupPr>
+                        <m:e>
+                          <m:r>
+                            <a:rPr lang="de-DE" b="0" i="1" smtClean="0">
+                              <a:latin typeface="Cambria Math"/>
+                            </a:rPr>
+                            <m:t>𝑝</m:t>
+                          </m:r>
+                        </m:e>
+                        <m:sup>
+                          <m:r>
+                            <a:rPr lang="de-DE" b="0" i="1" smtClean="0">
+                              <a:latin typeface="Cambria Math"/>
+                            </a:rPr>
+                            <m:t>𝑛</m:t>
+                          </m:r>
+                        </m:sup>
+                      </m:sSup>
+                      <m:r>
+                        <a:rPr lang="de-DE" i="1">
+                          <a:latin typeface="Cambria Math" panose="02040503050406030204" pitchFamily="18" charset="0"/>
+                        </a:rPr>
+                        <m:t>−</m:t>
+                      </m:r>
+                      <m:acc>
+                        <m:accPr>
+                          <m:chr m:val="̂"/>
+                          <m:ctrlPr>
+                            <a:rPr lang="de-DE" i="1">
+                              <a:latin typeface="Cambria Math"/>
+                            </a:rPr>
+                          </m:ctrlPr>
+                        </m:accPr>
+                        <m:e>
+                          <m:r>
+                            <a:rPr lang="de-DE" b="0" i="1" smtClean="0">
+                              <a:latin typeface="Cambria Math"/>
+                            </a:rPr>
+                            <m:t>𝑝</m:t>
+                          </m:r>
+                        </m:e>
+                      </m:acc>
+                      <m:r>
+                        <a:rPr lang="de-DE" i="1">
+                          <a:latin typeface="Cambria Math" panose="02040503050406030204" pitchFamily="18" charset="0"/>
+                        </a:rPr>
+                        <m:t>)</m:t>
+                      </m:r>
+                      <m:r>
+                        <a:rPr lang="de-DE" i="1">
+                          <a:latin typeface="Cambria Math" panose="02040503050406030204" pitchFamily="18" charset="0"/>
+                          <a:ea typeface="Cambria Math" panose="02040503050406030204" pitchFamily="18" charset="0"/>
+                        </a:rPr>
+                        <m:t>+</m:t>
+                      </m:r>
+                      <m:d>
+                        <m:dPr>
+                          <m:begChr m:val="["/>
+                          <m:endChr m:val="]"/>
+                          <m:ctrlPr>
+                            <a:rPr lang="de-DE" i="1">
+                              <a:latin typeface="Cambria Math"/>
+                              <a:ea typeface="Cambria Math" panose="02040503050406030204" pitchFamily="18" charset="0"/>
+                            </a:rPr>
+                          </m:ctrlPr>
+                        </m:dPr>
+                        <m:e>
+                          <m:m>
+                            <m:mPr>
+                              <m:mcs>
+                                <m:mc>
+                                  <m:mcPr>
+                                    <m:count m:val="1"/>
+                                    <m:mcJc m:val="center"/>
+                                  </m:mcPr>
+                                </m:mc>
+                              </m:mcs>
+                              <m:ctrlPr>
+                                <a:rPr lang="de-DE" i="1">
+                                  <a:latin typeface="Cambria Math"/>
+                                  <a:ea typeface="Cambria Math" panose="02040503050406030204" pitchFamily="18" charset="0"/>
+                                </a:rPr>
+                              </m:ctrlPr>
+                            </m:mPr>
+                            <m:mr>
+                              <m:e>
+                                <m:r>
+                                  <m:rPr>
+                                    <m:brk m:alnAt="7"/>
+                                  </m:rPr>
+                                  <a:rPr lang="de-DE" i="1">
+                                    <a:latin typeface="Cambria Math" panose="02040503050406030204" pitchFamily="18" charset="0"/>
+                                    <a:ea typeface="Cambria Math" panose="02040503050406030204" pitchFamily="18" charset="0"/>
+                                  </a:rPr>
+                                  <m:t>0</m:t>
+                                </m:r>
+                              </m:e>
+                            </m:mr>
+                            <m:mr>
+                              <m:e>
+                                <m:r>
+                                  <a:rPr lang="de-DE" i="1">
+                                    <a:latin typeface="Cambria Math" panose="02040503050406030204" pitchFamily="18" charset="0"/>
+                                    <a:ea typeface="Cambria Math" panose="02040503050406030204" pitchFamily="18" charset="0"/>
+                                  </a:rPr>
+                                  <m:t>1</m:t>
+                                </m:r>
+                              </m:e>
+                            </m:mr>
+                            <m:mr>
+                              <m:e>
+                                <m:r>
+                                  <a:rPr lang="de-DE" i="1">
+                                    <a:latin typeface="Cambria Math" panose="02040503050406030204" pitchFamily="18" charset="0"/>
+                                    <a:ea typeface="Cambria Math" panose="02040503050406030204" pitchFamily="18" charset="0"/>
+                                  </a:rPr>
+                                  <m:t>0</m:t>
+                                </m:r>
+                              </m:e>
+                            </m:mr>
+                          </m:m>
+                        </m:e>
+                      </m:d>
+                      <m:r>
+                        <a:rPr lang="de-DE" i="1">
+                          <a:latin typeface="Cambria Math" panose="02040503050406030204" pitchFamily="18" charset="0"/>
+                          <a:ea typeface="Cambria Math" panose="02040503050406030204" pitchFamily="18" charset="0"/>
+                        </a:rPr>
+                        <m:t>∙</m:t>
+                      </m:r>
+                      <m:r>
+                        <a:rPr lang="de-DE" i="1">
+                          <a:latin typeface="Cambria Math" panose="02040503050406030204" pitchFamily="18" charset="0"/>
+                          <a:ea typeface="Cambria Math" panose="02040503050406030204" pitchFamily="18" charset="0"/>
+                        </a:rPr>
+                        <m:t>𝑢</m:t>
+                      </m:r>
+                    </m:oMath>
+                    <m:oMath xmlns:m="http://schemas.openxmlformats.org/officeDocument/2006/math">
+                      <m:acc>
+                        <m:accPr>
+                          <m:chr m:val="̂"/>
+                          <m:ctrlPr>
+                            <a:rPr lang="de-DE" i="1">
+                              <a:latin typeface="Cambria Math"/>
+                              <a:ea typeface="Cambria Math" panose="02040503050406030204" pitchFamily="18" charset="0"/>
+                            </a:rPr>
+                          </m:ctrlPr>
+                        </m:accPr>
+                        <m:e>
+                          <m:r>
+                            <a:rPr lang="de-DE" i="1">
+                              <a:latin typeface="Cambria Math" panose="02040503050406030204" pitchFamily="18" charset="0"/>
+                              <a:ea typeface="Cambria Math" panose="02040503050406030204" pitchFamily="18" charset="0"/>
+                            </a:rPr>
+                            <m:t>𝑦</m:t>
+                          </m:r>
+                        </m:e>
+                      </m:acc>
+                      <m:r>
+                        <a:rPr lang="de-DE" i="1">
+                          <a:latin typeface="Cambria Math" panose="02040503050406030204" pitchFamily="18" charset="0"/>
+                          <a:ea typeface="Cambria Math" panose="02040503050406030204" pitchFamily="18" charset="0"/>
+                        </a:rPr>
+                        <m:t>= </m:t>
+                      </m:r>
+                      <m:d>
+                        <m:dPr>
+                          <m:begChr m:val="["/>
+                          <m:endChr m:val="]"/>
+                          <m:ctrlPr>
+                            <a:rPr lang="de-DE" i="1">
+                              <a:latin typeface="Cambria Math"/>
+                              <a:ea typeface="Cambria Math" panose="02040503050406030204" pitchFamily="18" charset="0"/>
+                            </a:rPr>
+                          </m:ctrlPr>
+                        </m:dPr>
+                        <m:e>
+                          <m:m>
+                            <m:mPr>
+                              <m:mcs>
+                                <m:mc>
+                                  <m:mcPr>
+                                    <m:count m:val="3"/>
+                                    <m:mcJc m:val="center"/>
+                                  </m:mcPr>
+                                </m:mc>
+                              </m:mcs>
+                              <m:ctrlPr>
+                                <a:rPr lang="de-DE" i="1">
+                                  <a:latin typeface="Cambria Math"/>
+                                  <a:ea typeface="Cambria Math" panose="02040503050406030204" pitchFamily="18" charset="0"/>
+                                </a:rPr>
+                              </m:ctrlPr>
+                            </m:mPr>
+                            <m:mr>
+                              <m:e>
+                                <m:r>
+                                  <m:rPr>
+                                    <m:brk m:alnAt="7"/>
+                                  </m:rPr>
+                                  <a:rPr lang="de-DE" i="1">
+                                    <a:latin typeface="Cambria Math" panose="02040503050406030204" pitchFamily="18" charset="0"/>
+                                    <a:ea typeface="Cambria Math" panose="02040503050406030204" pitchFamily="18" charset="0"/>
+                                  </a:rPr>
+                                  <m:t>1</m:t>
+                                </m:r>
+                              </m:e>
+                              <m:e>
+                                <m:r>
+                                  <a:rPr lang="de-DE" i="1">
+                                    <a:latin typeface="Cambria Math" panose="02040503050406030204" pitchFamily="18" charset="0"/>
+                                    <a:ea typeface="Cambria Math" panose="02040503050406030204" pitchFamily="18" charset="0"/>
+                                  </a:rPr>
+                                  <m:t>0</m:t>
+                                </m:r>
+                              </m:e>
+                              <m:e>
+                                <m:r>
+                                  <a:rPr lang="de-DE" i="1">
+                                    <a:latin typeface="Cambria Math" panose="02040503050406030204" pitchFamily="18" charset="0"/>
+                                    <a:ea typeface="Cambria Math" panose="02040503050406030204" pitchFamily="18" charset="0"/>
+                                  </a:rPr>
+                                  <m:t>0</m:t>
+                                </m:r>
+                              </m:e>
+                            </m:mr>
+                          </m:m>
+                        </m:e>
+                      </m:d>
+                      <m:r>
+                        <a:rPr lang="de-DE" i="1">
+                          <a:latin typeface="Cambria Math" panose="02040503050406030204" pitchFamily="18" charset="0"/>
+                          <a:ea typeface="Cambria Math" panose="02040503050406030204" pitchFamily="18" charset="0"/>
+                        </a:rPr>
+                        <m:t>∙</m:t>
+                      </m:r>
+                      <m:acc>
+                        <m:accPr>
+                          <m:chr m:val="̂"/>
+                          <m:ctrlPr>
+                            <a:rPr lang="de-DE" i="1">
+                              <a:latin typeface="Cambria Math"/>
+                            </a:rPr>
+                          </m:ctrlPr>
+                        </m:accPr>
+                        <m:e>
+                          <m:r>
+                            <a:rPr lang="de-DE" i="1">
+                              <a:latin typeface="Cambria Math" panose="02040503050406030204" pitchFamily="18" charset="0"/>
+                            </a:rPr>
+                            <m:t>𝑥</m:t>
+                          </m:r>
+                        </m:e>
+                      </m:acc>
+                    </m:oMath>
+                    <m:oMath xmlns:m="http://schemas.openxmlformats.org/officeDocument/2006/math">
+                      <m:r>
+                        <a:rPr lang="de-DE" i="1">
+                          <a:latin typeface="Cambria Math" panose="02040503050406030204" pitchFamily="18" charset="0"/>
+                          <a:ea typeface="Cambria Math" panose="02040503050406030204" pitchFamily="18" charset="0"/>
+                        </a:rPr>
+                        <m:t>𝑚𝑖𝑡</m:t>
+                      </m:r>
+                    </m:oMath>
+                    <m:oMath xmlns:m="http://schemas.openxmlformats.org/officeDocument/2006/math">
+                      <m:acc>
+                        <m:accPr>
+                          <m:chr m:val="̂"/>
+                          <m:ctrlPr>
+                            <a:rPr lang="de-DE" i="1">
+                              <a:latin typeface="Cambria Math"/>
+                              <a:ea typeface="Cambria Math" panose="02040503050406030204" pitchFamily="18" charset="0"/>
+                            </a:rPr>
+                          </m:ctrlPr>
+                        </m:accPr>
+                        <m:e>
+                          <m:r>
+                            <a:rPr lang="de-DE" i="1">
+                              <a:latin typeface="Cambria Math" panose="02040503050406030204" pitchFamily="18" charset="0"/>
+                              <a:ea typeface="Cambria Math" panose="02040503050406030204" pitchFamily="18" charset="0"/>
+                            </a:rPr>
+                            <m:t>𝑥</m:t>
+                          </m:r>
+                        </m:e>
+                      </m:acc>
+                      <m:r>
+                        <a:rPr lang="de-DE" i="1">
+                          <a:latin typeface="Cambria Math" panose="02040503050406030204" pitchFamily="18" charset="0"/>
+                          <a:ea typeface="Cambria Math" panose="02040503050406030204" pitchFamily="18" charset="0"/>
+                        </a:rPr>
+                        <m:t>=</m:t>
+                      </m:r>
+                      <m:sSup>
+                        <m:sSupPr>
+                          <m:ctrlPr>
+                            <a:rPr lang="de-DE" i="1">
+                              <a:latin typeface="Cambria Math"/>
+                              <a:ea typeface="Cambria Math" panose="02040503050406030204" pitchFamily="18" charset="0"/>
+                            </a:rPr>
+                          </m:ctrlPr>
+                        </m:sSupPr>
+                        <m:e>
+                          <m:d>
+                            <m:dPr>
+                              <m:begChr m:val="["/>
+                              <m:endChr m:val="]"/>
+                              <m:ctrlPr>
+                                <a:rPr lang="de-DE" i="1">
+                                  <a:latin typeface="Cambria Math"/>
+                                  <a:ea typeface="Cambria Math" panose="02040503050406030204" pitchFamily="18" charset="0"/>
+                                </a:rPr>
+                              </m:ctrlPr>
+                            </m:dPr>
+                            <m:e>
+                              <m:m>
+                                <m:mPr>
+                                  <m:mcs>
+                                    <m:mc>
+                                      <m:mcPr>
+                                        <m:count m:val="3"/>
+                                        <m:mcJc m:val="center"/>
+                                      </m:mcPr>
+                                    </m:mc>
+                                  </m:mcs>
+                                  <m:ctrlPr>
+                                    <a:rPr lang="de-DE" i="1">
+                                      <a:latin typeface="Cambria Math"/>
+                                      <a:ea typeface="Cambria Math" panose="02040503050406030204" pitchFamily="18" charset="0"/>
+                                    </a:rPr>
+                                  </m:ctrlPr>
+                                </m:mPr>
+                                <m:mr>
+                                  <m:e>
+                                    <m:sSup>
+                                      <m:sSupPr>
+                                        <m:ctrlPr>
+                                          <a:rPr lang="de-DE" i="1">
+                                            <a:latin typeface="Cambria Math"/>
+                                            <a:ea typeface="Cambria Math" panose="02040503050406030204" pitchFamily="18" charset="0"/>
+                                          </a:rPr>
+                                        </m:ctrlPr>
+                                      </m:sSupPr>
+                                      <m:e>
+                                        <m:acc>
+                                          <m:accPr>
+                                            <m:chr m:val="̂"/>
+                                            <m:ctrlPr>
+                                              <a:rPr lang="de-DE" i="1">
+                                                <a:latin typeface="Cambria Math"/>
+                                                <a:ea typeface="Cambria Math" panose="02040503050406030204" pitchFamily="18" charset="0"/>
+                                              </a:rPr>
+                                            </m:ctrlPr>
+                                          </m:accPr>
+                                          <m:e>
+                                            <m:r>
+                                              <a:rPr lang="de-DE" i="1">
+                                                <a:latin typeface="Cambria Math" panose="02040503050406030204" pitchFamily="18" charset="0"/>
+                                                <a:ea typeface="Cambria Math" panose="02040503050406030204" pitchFamily="18" charset="0"/>
+                                              </a:rPr>
+                                              <m:t>𝑝</m:t>
+                                            </m:r>
+                                          </m:e>
+                                        </m:acc>
+                                      </m:e>
+                                      <m:sup>
+                                        <m:r>
+                                          <m:rPr>
+                                            <m:brk m:alnAt="7"/>
+                                          </m:rPr>
+                                          <a:rPr lang="de-DE" i="1">
+                                            <a:latin typeface="Cambria Math" panose="02040503050406030204" pitchFamily="18" charset="0"/>
+                                            <a:ea typeface="Cambria Math" panose="02040503050406030204" pitchFamily="18" charset="0"/>
+                                          </a:rPr>
+                                          <m:t>𝑛</m:t>
+                                        </m:r>
+                                      </m:sup>
+                                    </m:sSup>
+                                  </m:e>
+                                  <m:e>
+                                    <m:sSup>
+                                      <m:sSupPr>
+                                        <m:ctrlPr>
+                                          <a:rPr lang="de-DE" i="1">
+                                            <a:latin typeface="Cambria Math"/>
+                                            <a:ea typeface="Cambria Math" panose="02040503050406030204" pitchFamily="18" charset="0"/>
+                                          </a:rPr>
+                                        </m:ctrlPr>
+                                      </m:sSupPr>
+                                      <m:e>
+                                        <m:acc>
+                                          <m:accPr>
+                                            <m:chr m:val="̂"/>
+                                            <m:ctrlPr>
+                                              <a:rPr lang="de-DE" i="1">
+                                                <a:latin typeface="Cambria Math"/>
+                                                <a:ea typeface="Cambria Math" panose="02040503050406030204" pitchFamily="18" charset="0"/>
+                                              </a:rPr>
+                                            </m:ctrlPr>
+                                          </m:accPr>
+                                          <m:e>
+                                            <m:r>
+                                              <a:rPr lang="de-DE" i="1">
+                                                <a:latin typeface="Cambria Math" panose="02040503050406030204" pitchFamily="18" charset="0"/>
+                                                <a:ea typeface="Cambria Math" panose="02040503050406030204" pitchFamily="18" charset="0"/>
+                                              </a:rPr>
+                                              <m:t>𝑣</m:t>
+                                            </m:r>
+                                          </m:e>
+                                        </m:acc>
+                                      </m:e>
+                                      <m:sup>
+                                        <m:r>
+                                          <a:rPr lang="de-DE" i="1">
+                                            <a:latin typeface="Cambria Math" panose="02040503050406030204" pitchFamily="18" charset="0"/>
+                                            <a:ea typeface="Cambria Math" panose="02040503050406030204" pitchFamily="18" charset="0"/>
+                                          </a:rPr>
+                                          <m:t>𝑛</m:t>
+                                        </m:r>
+                                      </m:sup>
+                                    </m:sSup>
+                                  </m:e>
+                                  <m:e>
+                                    <m:acc>
+                                      <m:accPr>
+                                        <m:chr m:val="̂"/>
+                                        <m:ctrlPr>
+                                          <a:rPr lang="de-DE" i="1">
+                                            <a:latin typeface="Cambria Math"/>
+                                            <a:ea typeface="Cambria Math" panose="02040503050406030204" pitchFamily="18" charset="0"/>
+                                          </a:rPr>
+                                        </m:ctrlPr>
+                                      </m:accPr>
+                                      <m:e>
+                                        <m:r>
+                                          <a:rPr lang="de-DE" i="1">
+                                            <a:latin typeface="Cambria Math" panose="02040503050406030204" pitchFamily="18" charset="0"/>
+                                            <a:ea typeface="Cambria Math" panose="02040503050406030204" pitchFamily="18" charset="0"/>
+                                          </a:rPr>
+                                          <m:t>𝑏</m:t>
+                                        </m:r>
+                                      </m:e>
+                                    </m:acc>
+                                  </m:e>
+                                </m:mr>
+                              </m:m>
+                            </m:e>
+                          </m:d>
+                        </m:e>
+                        <m:sup>
+                          <m:r>
+                            <a:rPr lang="de-DE" i="1">
+                              <a:latin typeface="Cambria Math" panose="02040503050406030204" pitchFamily="18" charset="0"/>
+                              <a:ea typeface="Cambria Math" panose="02040503050406030204" pitchFamily="18" charset="0"/>
+                            </a:rPr>
+                            <m:t>𝑇</m:t>
+                          </m:r>
+                        </m:sup>
+                      </m:sSup>
+                    </m:oMath>
+                  </m:oMathPara>
+                </a14:m>
+                <a:endParaRPr lang="de-DE" dirty="0"/>
+              </a:p>
+              <a:p>
+                <a:endParaRPr lang="de-DE" kern="0" dirty="0"/>
+              </a:p>
+            </p:txBody>
+          </p:sp>
+        </mc:Choice>
+        <mc:Fallback>
+          <p:sp>
+            <p:nvSpPr>
+              <p:cNvPr id="3" name="Rechteck 2"/>
+              <p:cNvSpPr>
+                <a:spLocks noRot="1" noChangeAspect="1" noMove="1" noResize="1" noEditPoints="1" noAdjustHandles="1" noChangeArrowheads="1" noChangeShapeType="1" noTextEdit="1"/>
+              </p:cNvSpPr>
+              <p:nvPr/>
+            </p:nvSpPr>
+            <p:spPr>
+              <a:xfrm>
+                <a:off x="4528567" y="4005064"/>
+                <a:ext cx="4572000" cy="2092689"/>
+              </a:xfrm>
+              <a:prstGeom prst="rect">
+                <a:avLst/>
+              </a:prstGeom>
+              <a:blipFill rotWithShape="1">
+                <a:blip r:embed="rId4"/>
+                <a:stretch>
+                  <a:fillRect/>
+                </a:stretch>
+              </a:blipFill>
+            </p:spPr>
+            <p:txBody>
+              <a:bodyPr/>
+              <a:lstStyle/>
+              <a:p>
+                <a:r>
+                  <a:rPr lang="de-DE">
+                    <a:noFill/>
+                  </a:rPr>
+                  <a:t> </a:t>
+                </a:r>
+              </a:p>
+            </p:txBody>
+          </p:sp>
+        </mc:Fallback>
+      </mc:AlternateContent>
+      <p:grpSp>
+        <p:nvGrpSpPr>
+          <p:cNvPr id="7" name="Gruppieren 6"/>
+          <p:cNvGrpSpPr/>
+          <p:nvPr/>
+        </p:nvGrpSpPr>
+        <p:grpSpPr>
+          <a:xfrm>
+            <a:off x="4528567" y="3933057"/>
+            <a:ext cx="4457357" cy="2056798"/>
+            <a:chOff x="1473659" y="4869160"/>
+            <a:chExt cx="6626733" cy="1227200"/>
+          </a:xfrm>
+        </p:grpSpPr>
+        <p:sp>
+          <p:nvSpPr>
+            <p:cNvPr id="8" name="Rechteck 7"/>
+            <p:cNvSpPr/>
+            <p:nvPr/>
+          </p:nvSpPr>
+          <p:spPr>
+            <a:xfrm>
+              <a:off x="1473659" y="4869160"/>
+              <a:ext cx="6626733" cy="1224136"/>
+            </a:xfrm>
+            <a:prstGeom prst="rect">
+              <a:avLst/>
+            </a:prstGeom>
+            <a:noFill/>
+            <a:ln>
+              <a:solidFill>
+                <a:srgbClr val="FF0000"/>
+              </a:solidFill>
+            </a:ln>
+          </p:spPr>
+          <p:style>
+            <a:lnRef idx="2">
+              <a:schemeClr val="accent1">
+                <a:shade val="50000"/>
+              </a:schemeClr>
+            </a:lnRef>
+            <a:fillRef idx="1">
+              <a:schemeClr val="accent1"/>
+            </a:fillRef>
+            <a:effectRef idx="0">
+              <a:schemeClr val="accent1"/>
+            </a:effectRef>
+            <a:fontRef idx="minor">
+              <a:schemeClr val="lt1"/>
+            </a:fontRef>
+          </p:style>
+          <p:txBody>
+            <a:bodyPr rtlCol="0" anchor="ctr"/>
+            <a:lstStyle/>
+            <a:p>
+              <a:pPr algn="ctr"/>
+              <a:endParaRPr lang="de-DE"/>
+            </a:p>
+          </p:txBody>
+        </p:sp>
+        <p:sp>
+          <p:nvSpPr>
+            <p:cNvPr id="9" name="Textfeld 8"/>
+            <p:cNvSpPr txBox="1"/>
+            <p:nvPr/>
+          </p:nvSpPr>
+          <p:spPr>
+            <a:xfrm>
+              <a:off x="6917201" y="5754255"/>
+              <a:ext cx="1031696" cy="342105"/>
+            </a:xfrm>
+            <a:prstGeom prst="rect">
+              <a:avLst/>
+            </a:prstGeom>
+            <a:noFill/>
+          </p:spPr>
+          <p:txBody>
+            <a:bodyPr wrap="square" rtlCol="0">
+              <a:spAutoFit/>
+            </a:bodyPr>
+            <a:lstStyle/>
+            <a:p>
+              <a:pPr algn="r"/>
+              <a:r>
+                <a:rPr lang="de-DE" sz="2800" dirty="0">
+                  <a:solidFill>
+                    <a:srgbClr val="FF0000"/>
+                  </a:solidFill>
+                </a:rPr>
+                <a:t>4</a:t>
+              </a:r>
+              <a:endParaRPr lang="de-DE" sz="2800" dirty="0">
+                <a:solidFill>
+                  <a:srgbClr val="FF0000"/>
+                </a:solidFill>
+              </a:endParaRPr>
+            </a:p>
+          </p:txBody>
+        </p:sp>
+      </p:grpSp>
     </p:spTree>
     <p:extLst>
       <p:ext uri="{BB962C8B-B14F-4D97-AF65-F5344CB8AC3E}">
@@ -16084,6 +17400,13 @@
   <p:clrMapOvr>
     <a:masterClrMapping/>
   </p:clrMapOvr>
+  <p:timing>
+    <p:tnLst>
+      <p:par>
+        <p:cTn id="1" dur="indefinite" restart="never" nodeType="tmRoot"/>
+      </p:par>
+    </p:tnLst>
+  </p:timing>
 </p:sld>
 </file>
 
@@ -16254,6 +17577,13 @@
   <p:clrMapOvr>
     <a:masterClrMapping/>
   </p:clrMapOvr>
+  <p:timing>
+    <p:tnLst>
+      <p:par>
+        <p:cTn id="1" dur="indefinite" restart="never" nodeType="tmRoot"/>
+      </p:par>
+    </p:tnLst>
+  </p:timing>
 </p:sld>
 </file>
 
@@ -16359,6 +17689,13 @@
   <p:clrMapOvr>
     <a:masterClrMapping/>
   </p:clrMapOvr>
+  <p:timing>
+    <p:tnLst>
+      <p:par>
+        <p:cTn id="1" dur="indefinite" restart="never" nodeType="tmRoot"/>
+      </p:par>
+    </p:tnLst>
+  </p:timing>
 </p:sld>
 </file>
 
@@ -16831,6 +18168,13 @@
   <p:clrMapOvr>
     <a:masterClrMapping/>
   </p:clrMapOvr>
+  <p:timing>
+    <p:tnLst>
+      <p:par>
+        <p:cTn id="1" dur="indefinite" restart="never" nodeType="tmRoot"/>
+      </p:par>
+    </p:tnLst>
+  </p:timing>
 </p:sld>
 </file>
 
@@ -16999,6 +18343,13 @@
   <p:clrMapOvr>
     <a:masterClrMapping/>
   </p:clrMapOvr>
+  <p:timing>
+    <p:tnLst>
+      <p:par>
+        <p:cTn id="1" dur="indefinite" restart="never" nodeType="tmRoot"/>
+      </p:par>
+    </p:tnLst>
+  </p:timing>
 </p:sld>
 </file>
 
@@ -17163,8 +18514,8 @@
           </a:p>
         </p:txBody>
       </p:sp>
-      <mc:AlternateContent xmlns:mc="http://schemas.openxmlformats.org/markup-compatibility/2006">
-        <mc:Choice xmlns:a14="http://schemas.microsoft.com/office/drawing/2010/main" Requires="a14">
+      <mc:AlternateContent xmlns:mc="http://schemas.openxmlformats.org/markup-compatibility/2006" xmlns:a14="http://schemas.microsoft.com/office/drawing/2010/main">
+        <mc:Choice Requires="a14">
           <p:sp>
             <p:nvSpPr>
               <p:cNvPr id="7" name="Inhaltsplatzhalter 2"/>
@@ -17379,7 +18730,7 @@
                               <a:solidFill>
                                 <a:srgbClr val="002060"/>
                               </a:solidFill>
-                              <a:latin typeface="Cambria Math" panose="02040503050406030204" pitchFamily="18" charset="0"/>
+                              <a:latin typeface="Cambria Math"/>
                             </a:rPr>
                           </m:ctrlPr>
                         </m:sSubPr>
@@ -17423,7 +18774,7 @@
                               <a:solidFill>
                                 <a:srgbClr val="002060"/>
                               </a:solidFill>
-                              <a:latin typeface="Cambria Math" panose="02040503050406030204" pitchFamily="18" charset="0"/>
+                              <a:latin typeface="Cambria Math"/>
                               <a:ea typeface="Cambria Math" panose="02040503050406030204" pitchFamily="18" charset="0"/>
                             </a:rPr>
                           </m:ctrlPr>
@@ -17470,7 +18821,7 @@
                               <a:solidFill>
                                 <a:srgbClr val="002060"/>
                               </a:solidFill>
-                              <a:latin typeface="Cambria Math" panose="02040503050406030204" pitchFamily="18" charset="0"/>
+                              <a:latin typeface="Cambria Math"/>
                               <a:ea typeface="Cambria Math" panose="02040503050406030204" pitchFamily="18" charset="0"/>
                             </a:rPr>
                           </m:ctrlPr>
@@ -17531,7 +18882,7 @@
                               <a:solidFill>
                                 <a:srgbClr val="002060"/>
                               </a:solidFill>
-                              <a:latin typeface="Cambria Math" panose="02040503050406030204" pitchFamily="18" charset="0"/>
+                              <a:latin typeface="Cambria Math"/>
                               <a:ea typeface="Cambria Math" panose="02040503050406030204" pitchFamily="18" charset="0"/>
                             </a:rPr>
                           </m:ctrlPr>
@@ -17552,7 +18903,7 @@
                                   <a:solidFill>
                                     <a:srgbClr val="002060"/>
                                   </a:solidFill>
-                                  <a:latin typeface="Cambria Math" panose="02040503050406030204" pitchFamily="18" charset="0"/>
+                                  <a:latin typeface="Cambria Math"/>
                                   <a:ea typeface="Cambria Math" panose="02040503050406030204" pitchFamily="18" charset="0"/>
                                 </a:rPr>
                               </m:ctrlPr>
@@ -18430,7 +19781,7 @@
             </p:txBody>
           </p:sp>
         </mc:Choice>
-        <mc:Fallback>
+        <mc:Fallback xmlns="">
           <p:sp>
             <p:nvSpPr>
               <p:cNvPr id="7" name="Inhaltsplatzhalter 2"/>
@@ -18479,6 +19830,13 @@
   <p:clrMapOvr>
     <a:masterClrMapping/>
   </p:clrMapOvr>
+  <p:timing>
+    <p:tnLst>
+      <p:par>
+        <p:cTn id="1" dur="indefinite" restart="never" nodeType="tmRoot"/>
+      </p:par>
+    </p:tnLst>
+  </p:timing>
 </p:sld>
 </file>
 
@@ -18942,6 +20300,13 @@
   <p:clrMapOvr>
     <a:masterClrMapping/>
   </p:clrMapOvr>
+  <p:timing>
+    <p:tnLst>
+      <p:par>
+        <p:cTn id="1" dur="indefinite" restart="never" nodeType="tmRoot"/>
+      </p:par>
+    </p:tnLst>
+  </p:timing>
 </p:sld>
 </file>
 
@@ -19321,6 +20686,13 @@
   <p:clrMapOvr>
     <a:masterClrMapping/>
   </p:clrMapOvr>
+  <p:timing>
+    <p:tnLst>
+      <p:par>
+        <p:cTn id="1" dur="indefinite" restart="never" nodeType="tmRoot"/>
+      </p:par>
+    </p:tnLst>
+  </p:timing>
 </p:sld>
 </file>
 
@@ -19444,7 +20816,7 @@
                       <m:sSubPr>
                         <m:ctrlPr>
                           <a:rPr lang="de-DE" b="0" i="1" smtClean="0">
-                            <a:latin typeface="Cambria Math" panose="02040503050406030204" pitchFamily="18" charset="0"/>
+                            <a:latin typeface="Cambria Math"/>
                           </a:rPr>
                         </m:ctrlPr>
                       </m:sSubPr>
@@ -19475,7 +20847,7 @@
                       <m:sSubPr>
                         <m:ctrlPr>
                           <a:rPr lang="de-DE" b="0" i="1" smtClean="0">
-                            <a:latin typeface="Cambria Math" panose="02040503050406030204" pitchFamily="18" charset="0"/>
+                            <a:latin typeface="Cambria Math"/>
                           </a:rPr>
                         </m:ctrlPr>
                       </m:sSubPr>
@@ -19498,7 +20870,7 @@
                           <m:sSubPr>
                             <m:ctrlPr>
                               <a:rPr lang="de-DE" b="0" i="1" smtClean="0">
-                                <a:latin typeface="Cambria Math" panose="02040503050406030204" pitchFamily="18" charset="0"/>
+                                <a:latin typeface="Cambria Math"/>
                               </a:rPr>
                             </m:ctrlPr>
                           </m:sSubPr>
@@ -19539,7 +20911,7 @@
                       <m:sSubPr>
                         <m:ctrlPr>
                           <a:rPr lang="de-DE" i="1">
-                            <a:latin typeface="Cambria Math" panose="02040503050406030204" pitchFamily="18" charset="0"/>
+                            <a:latin typeface="Cambria Math"/>
                           </a:rPr>
                         </m:ctrlPr>
                       </m:sSubPr>
@@ -19549,7 +20921,7 @@
                             <m:chr m:val="̃"/>
                             <m:ctrlPr>
                               <a:rPr lang="de-DE" i="1">
-                                <a:latin typeface="Cambria Math" panose="02040503050406030204" pitchFamily="18" charset="0"/>
+                                <a:latin typeface="Cambria Math"/>
                               </a:rPr>
                             </m:ctrlPr>
                           </m:accPr>
@@ -19583,7 +20955,7 @@
                       <m:dPr>
                         <m:ctrlPr>
                           <a:rPr lang="de-DE" b="0" i="1" smtClean="0">
-                            <a:latin typeface="Cambria Math" panose="02040503050406030204" pitchFamily="18" charset="0"/>
+                            <a:latin typeface="Cambria Math"/>
                             <a:ea typeface="Cambria Math" panose="02040503050406030204" pitchFamily="18" charset="0"/>
                           </a:rPr>
                         </m:ctrlPr>
@@ -19593,7 +20965,7 @@
                           <m:sSubSupPr>
                             <m:ctrlPr>
                               <a:rPr lang="de-DE" b="0" i="1" smtClean="0">
-                                <a:latin typeface="Cambria Math" panose="02040503050406030204" pitchFamily="18" charset="0"/>
+                                <a:latin typeface="Cambria Math"/>
                                 <a:ea typeface="Cambria Math" panose="02040503050406030204" pitchFamily="18" charset="0"/>
                               </a:rPr>
                             </m:ctrlPr>
@@ -19604,7 +20976,7 @@
                                 <m:chr m:val="̇"/>
                                 <m:ctrlPr>
                                   <a:rPr lang="de-DE" b="0" i="1" dirty="0" smtClean="0">
-                                    <a:latin typeface="Cambria Math" panose="02040503050406030204" pitchFamily="18" charset="0"/>
+                                    <a:latin typeface="Cambria Math"/>
                                     <a:ea typeface="Cambria Math" panose="02040503050406030204" pitchFamily="18" charset="0"/>
                                   </a:rPr>
                                 </m:ctrlPr>
@@ -19650,7 +21022,7 @@
                           <m:sSupPr>
                             <m:ctrlPr>
                               <a:rPr lang="de-DE" b="0" i="1" smtClean="0">
-                                <a:latin typeface="Cambria Math" panose="02040503050406030204" pitchFamily="18" charset="0"/>
+                                <a:latin typeface="Cambria Math"/>
                                 <a:ea typeface="Cambria Math" panose="02040503050406030204" pitchFamily="18" charset="0"/>
                               </a:rPr>
                             </m:ctrlPr>
@@ -19661,7 +21033,7 @@
                                 <m:chr m:val="̇"/>
                                 <m:ctrlPr>
                                   <a:rPr lang="de-DE" b="0" i="1" dirty="0" smtClean="0">
-                                    <a:latin typeface="Cambria Math" panose="02040503050406030204" pitchFamily="18" charset="0"/>
+                                    <a:latin typeface="Cambria Math"/>
                                     <a:ea typeface="Cambria Math" panose="02040503050406030204" pitchFamily="18" charset="0"/>
                                   </a:rPr>
                                 </m:ctrlPr>
@@ -19700,7 +21072,7 @@
                       <m:sSubPr>
                         <m:ctrlPr>
                           <a:rPr lang="de-DE" i="1">
-                            <a:latin typeface="Cambria Math" panose="02040503050406030204" pitchFamily="18" charset="0"/>
+                            <a:latin typeface="Cambria Math"/>
                           </a:rPr>
                         </m:ctrlPr>
                       </m:sSubPr>
@@ -19710,7 +21082,7 @@
                             <m:chr m:val="̃"/>
                             <m:ctrlPr>
                               <a:rPr lang="de-DE" i="1">
-                                <a:latin typeface="Cambria Math" panose="02040503050406030204" pitchFamily="18" charset="0"/>
+                                <a:latin typeface="Cambria Math"/>
                               </a:rPr>
                             </m:ctrlPr>
                           </m:accPr>
@@ -19744,7 +21116,7 @@
                       <m:dPr>
                         <m:ctrlPr>
                           <a:rPr lang="de-DE" b="0" i="1" smtClean="0">
-                            <a:latin typeface="Cambria Math" panose="02040503050406030204" pitchFamily="18" charset="0"/>
+                            <a:latin typeface="Cambria Math"/>
                             <a:ea typeface="Cambria Math" panose="02040503050406030204" pitchFamily="18" charset="0"/>
                           </a:rPr>
                         </m:ctrlPr>
@@ -19754,7 +21126,7 @@
                           <m:sSubSupPr>
                             <m:ctrlPr>
                               <a:rPr lang="de-DE" b="0" i="1" smtClean="0">
-                                <a:latin typeface="Cambria Math" panose="02040503050406030204" pitchFamily="18" charset="0"/>
+                                <a:latin typeface="Cambria Math"/>
                                 <a:ea typeface="Cambria Math" panose="02040503050406030204" pitchFamily="18" charset="0"/>
                               </a:rPr>
                             </m:ctrlPr>
@@ -19798,7 +21170,7 @@
                           <m:sSupPr>
                             <m:ctrlPr>
                               <a:rPr lang="de-DE" b="0" i="1" smtClean="0">
-                                <a:latin typeface="Cambria Math" panose="02040503050406030204" pitchFamily="18" charset="0"/>
+                                <a:latin typeface="Cambria Math"/>
                                 <a:ea typeface="Cambria Math" panose="02040503050406030204" pitchFamily="18" charset="0"/>
                               </a:rPr>
                             </m:ctrlPr>
@@ -19835,7 +21207,7 @@
                       <m:sSubPr>
                         <m:ctrlPr>
                           <a:rPr lang="de-DE" i="1">
-                            <a:latin typeface="Cambria Math" panose="02040503050406030204" pitchFamily="18" charset="0"/>
+                            <a:latin typeface="Cambria Math"/>
                           </a:rPr>
                         </m:ctrlPr>
                       </m:sSubPr>
@@ -19845,7 +21217,7 @@
                             <m:chr m:val="̃"/>
                             <m:ctrlPr>
                               <a:rPr lang="de-DE" i="1">
-                                <a:latin typeface="Cambria Math" panose="02040503050406030204" pitchFamily="18" charset="0"/>
+                                <a:latin typeface="Cambria Math"/>
                               </a:rPr>
                             </m:ctrlPr>
                           </m:accPr>
@@ -19875,7 +21247,7 @@
                         <m:supHide m:val="on"/>
                         <m:ctrlPr>
                           <a:rPr lang="de-DE" i="1" smtClean="0">
-                            <a:latin typeface="Cambria Math" panose="02040503050406030204" pitchFamily="18" charset="0"/>
+                            <a:latin typeface="Cambria Math"/>
                           </a:rPr>
                         </m:ctrlPr>
                       </m:naryPr>
@@ -19892,7 +21264,7 @@
                           <m:dPr>
                             <m:ctrlPr>
                               <a:rPr lang="de-DE" b="0" i="1" smtClean="0">
-                                <a:latin typeface="Cambria Math" panose="02040503050406030204" pitchFamily="18" charset="0"/>
+                                <a:latin typeface="Cambria Math"/>
                               </a:rPr>
                             </m:ctrlPr>
                           </m:dPr>
@@ -20218,6 +21590,13 @@
   <p:clrMapOvr>
     <a:masterClrMapping/>
   </p:clrMapOvr>
+  <p:timing>
+    <p:tnLst>
+      <p:par>
+        <p:cTn id="1" dur="indefinite" restart="never" nodeType="tmRoot"/>
+      </p:par>
+    </p:tnLst>
+  </p:timing>
 </p:sld>
 </file>
 
@@ -20287,8 +21666,8 @@
           </a:p>
         </p:txBody>
       </p:sp>
-      <mc:AlternateContent xmlns:mc="http://schemas.openxmlformats.org/markup-compatibility/2006">
-        <mc:Choice xmlns:a14="http://schemas.microsoft.com/office/drawing/2010/main" Requires="a14">
+      <mc:AlternateContent xmlns:mc="http://schemas.openxmlformats.org/markup-compatibility/2006" xmlns:a14="http://schemas.microsoft.com/office/drawing/2010/main">
+        <mc:Choice Requires="a14">
           <p:sp>
             <p:nvSpPr>
               <p:cNvPr id="9" name="Inhaltsplatzhalter 2"/>
@@ -20494,7 +21873,7 @@
                         <m:dPr>
                           <m:ctrlPr>
                             <a:rPr lang="de-DE" sz="1800" i="1" kern="0" smtClean="0">
-                              <a:latin typeface="Cambria Math" panose="02040503050406030204" pitchFamily="18" charset="0"/>
+                              <a:latin typeface="Cambria Math"/>
                             </a:rPr>
                           </m:ctrlPr>
                         </m:dPr>
@@ -20517,7 +21896,7 @@
                         <m:fPr>
                           <m:ctrlPr>
                             <a:rPr lang="de-DE" sz="1800" i="1" kern="0" smtClean="0">
-                              <a:latin typeface="Cambria Math" panose="02040503050406030204" pitchFamily="18" charset="0"/>
+                              <a:latin typeface="Cambria Math"/>
                             </a:rPr>
                           </m:ctrlPr>
                         </m:fPr>
@@ -20584,7 +21963,7 @@
                         <m:fPr>
                           <m:ctrlPr>
                             <a:rPr lang="de-DE" sz="1800" i="1" kern="0" smtClean="0">
-                              <a:latin typeface="Cambria Math" panose="02040503050406030204" pitchFamily="18" charset="0"/>
+                              <a:latin typeface="Cambria Math"/>
                             </a:rPr>
                           </m:ctrlPr>
                         </m:fPr>
@@ -20593,7 +21972,7 @@
                             <m:sSubPr>
                               <m:ctrlPr>
                                 <a:rPr lang="de-DE" sz="1800" i="1" kern="0" smtClean="0">
-                                  <a:latin typeface="Cambria Math" panose="02040503050406030204" pitchFamily="18" charset="0"/>
+                                  <a:latin typeface="Cambria Math"/>
                                 </a:rPr>
                               </m:ctrlPr>
                             </m:sSubPr>
@@ -20618,7 +21997,7 @@
                             <m:sSupPr>
                               <m:ctrlPr>
                                 <a:rPr lang="de-DE" sz="1800" i="1" kern="0" smtClean="0">
-                                  <a:latin typeface="Cambria Math" panose="02040503050406030204" pitchFamily="18" charset="0"/>
+                                  <a:latin typeface="Cambria Math"/>
                                 </a:rPr>
                               </m:ctrlPr>
                             </m:sSupPr>
@@ -20656,7 +22035,7 @@
                             <m:sSubPr>
                               <m:ctrlPr>
                                 <a:rPr lang="de-DE" sz="1800" i="1" kern="0" smtClean="0">
-                                  <a:latin typeface="Cambria Math" panose="02040503050406030204" pitchFamily="18" charset="0"/>
+                                  <a:latin typeface="Cambria Math"/>
                                   <a:ea typeface="Cambria Math" panose="02040503050406030204" pitchFamily="18" charset="0"/>
                                 </a:rPr>
                               </m:ctrlPr>
@@ -20714,7 +22093,7 @@
                             <m:sSubPr>
                               <m:ctrlPr>
                                 <a:rPr lang="de-DE" sz="1800" i="1" kern="0" smtClean="0">
-                                  <a:latin typeface="Cambria Math" panose="02040503050406030204" pitchFamily="18" charset="0"/>
+                                  <a:latin typeface="Cambria Math"/>
                                 </a:rPr>
                               </m:ctrlPr>
                             </m:sSubPr>
@@ -20739,7 +22118,7 @@
                             <m:sSupPr>
                               <m:ctrlPr>
                                 <a:rPr lang="de-DE" sz="1800" i="1" kern="0" smtClean="0">
-                                  <a:latin typeface="Cambria Math" panose="02040503050406030204" pitchFamily="18" charset="0"/>
+                                  <a:latin typeface="Cambria Math"/>
                                 </a:rPr>
                               </m:ctrlPr>
                             </m:sSupPr>
@@ -20777,7 +22156,7 @@
                             <m:sSubPr>
                               <m:ctrlPr>
                                 <a:rPr lang="de-DE" sz="1800" i="1" kern="0" smtClean="0">
-                                  <a:latin typeface="Cambria Math" panose="02040503050406030204" pitchFamily="18" charset="0"/>
+                                  <a:latin typeface="Cambria Math"/>
                                   <a:ea typeface="Cambria Math" panose="02040503050406030204" pitchFamily="18" charset="0"/>
                                 </a:rPr>
                               </m:ctrlPr>
@@ -20881,7 +22260,7 @@
                         <m:dPr>
                           <m:ctrlPr>
                             <a:rPr lang="de-DE" sz="1800" i="1" kern="0" smtClean="0">
-                              <a:latin typeface="Cambria Math" panose="02040503050406030204" pitchFamily="18" charset="0"/>
+                              <a:latin typeface="Cambria Math"/>
                             </a:rPr>
                           </m:ctrlPr>
                         </m:dPr>
@@ -20904,7 +22283,7 @@
                         <m:sSubPr>
                           <m:ctrlPr>
                             <a:rPr lang="de-DE" sz="1800" i="1" kern="0">
-                              <a:latin typeface="Cambria Math" panose="02040503050406030204" pitchFamily="18" charset="0"/>
+                              <a:latin typeface="Cambria Math"/>
                             </a:rPr>
                           </m:ctrlPr>
                         </m:sSubPr>
@@ -20929,7 +22308,7 @@
                         <m:sSupPr>
                           <m:ctrlPr>
                             <a:rPr lang="de-DE" sz="1800" i="1" kern="0">
-                              <a:latin typeface="Cambria Math" panose="02040503050406030204" pitchFamily="18" charset="0"/>
+                              <a:latin typeface="Cambria Math"/>
                             </a:rPr>
                           </m:ctrlPr>
                         </m:sSupPr>
@@ -20967,7 +22346,7 @@
                         <m:sSubPr>
                           <m:ctrlPr>
                             <a:rPr lang="de-DE" sz="1800" i="1" kern="0">
-                              <a:latin typeface="Cambria Math" panose="02040503050406030204" pitchFamily="18" charset="0"/>
+                              <a:latin typeface="Cambria Math"/>
                               <a:ea typeface="Cambria Math" panose="02040503050406030204" pitchFamily="18" charset="0"/>
                             </a:rPr>
                           </m:ctrlPr>
@@ -21009,7 +22388,7 @@
                         <m:sSubPr>
                           <m:ctrlPr>
                             <a:rPr lang="de-DE" sz="1800" i="1" kern="0">
-                              <a:latin typeface="Cambria Math" panose="02040503050406030204" pitchFamily="18" charset="0"/>
+                              <a:latin typeface="Cambria Math"/>
                               <a:ea typeface="Cambria Math" panose="02040503050406030204" pitchFamily="18" charset="0"/>
                             </a:rPr>
                           </m:ctrlPr>
@@ -21066,7 +22445,7 @@
             </p:txBody>
           </p:sp>
         </mc:Choice>
-        <mc:Fallback>
+        <mc:Fallback xmlns="">
           <p:sp>
             <p:nvSpPr>
               <p:cNvPr id="9" name="Inhaltsplatzhalter 2"/>
@@ -21105,8 +22484,8 @@
           </p:sp>
         </mc:Fallback>
       </mc:AlternateContent>
-      <mc:AlternateContent xmlns:mc="http://schemas.openxmlformats.org/markup-compatibility/2006">
-        <mc:Choice xmlns:a14="http://schemas.microsoft.com/office/drawing/2010/main" Requires="a14">
+      <mc:AlternateContent xmlns:mc="http://schemas.openxmlformats.org/markup-compatibility/2006" xmlns:a14="http://schemas.microsoft.com/office/drawing/2010/main">
+        <mc:Choice Requires="a14">
           <p:sp>
             <p:nvSpPr>
               <p:cNvPr id="10" name="Inhaltsplatzhalter 2"/>
@@ -21326,6 +22705,7 @@
                 <a:endParaRPr lang="de-DE" kern="0" dirty="0"/>
               </a:p>
               <a:p>
+                <a:pPr/>
                 <a14:m>
                   <m:oMathPara xmlns:m="http://schemas.openxmlformats.org/officeDocument/2006/math">
                     <m:oMathParaPr>
@@ -21337,7 +22717,7 @@
                           <m:chr m:val="̇"/>
                           <m:ctrlPr>
                             <a:rPr lang="de-DE" i="1" kern="0" smtClean="0">
-                              <a:latin typeface="Cambria Math" panose="02040503050406030204" pitchFamily="18" charset="0"/>
+                              <a:latin typeface="Cambria Math"/>
                             </a:rPr>
                           </m:ctrlPr>
                         </m:accPr>
@@ -21509,6 +22889,7 @@
                 </a:endParaRPr>
               </a:p>
               <a:p>
+                <a:pPr/>
                 <a14:m>
                   <m:oMathPara xmlns:m="http://schemas.openxmlformats.org/officeDocument/2006/math">
                     <m:oMathParaPr>
@@ -21519,7 +22900,7 @@
                         <m:funcPr>
                           <m:ctrlPr>
                             <a:rPr lang="de-DE" b="0" i="1" smtClean="0">
-                              <a:latin typeface="Cambria Math" panose="02040503050406030204" pitchFamily="18" charset="0"/>
+                              <a:latin typeface="Cambria Math"/>
                             </a:rPr>
                           </m:ctrlPr>
                         </m:funcPr>
@@ -21539,7 +22920,7 @@
                             <m:dPr>
                               <m:ctrlPr>
                                 <a:rPr lang="de-DE" b="0" i="1" smtClean="0">
-                                  <a:latin typeface="Cambria Math" panose="02040503050406030204" pitchFamily="18" charset="0"/>
+                                  <a:latin typeface="Cambria Math"/>
                                 </a:rPr>
                               </m:ctrlPr>
                             </m:dPr>
@@ -21592,7 +22973,7 @@
                             <m:sSubPr>
                               <m:ctrlPr>
                                 <a:rPr lang="de-DE" i="1">
-                                  <a:latin typeface="Cambria Math" panose="02040503050406030204" pitchFamily="18" charset="0"/>
+                                  <a:latin typeface="Cambria Math"/>
                                 </a:rPr>
                               </m:ctrlPr>
                             </m:sSubPr>
@@ -21617,7 +22998,7 @@
                             <m:sSupPr>
                               <m:ctrlPr>
                                 <a:rPr lang="de-DE" i="1">
-                                  <a:latin typeface="Cambria Math" panose="02040503050406030204" pitchFamily="18" charset="0"/>
+                                  <a:latin typeface="Cambria Math"/>
                                 </a:rPr>
                               </m:ctrlPr>
                             </m:sSupPr>
@@ -21655,7 +23036,7 @@
                             <m:sSubPr>
                               <m:ctrlPr>
                                 <a:rPr lang="de-DE" i="1">
-                                  <a:latin typeface="Cambria Math" panose="02040503050406030204" pitchFamily="18" charset="0"/>
+                                  <a:latin typeface="Cambria Math"/>
                                   <a:ea typeface="Cambria Math" panose="02040503050406030204" pitchFamily="18" charset="0"/>
                                 </a:rPr>
                               </m:ctrlPr>
@@ -21697,7 +23078,7 @@
                             <m:sSubPr>
                               <m:ctrlPr>
                                 <a:rPr lang="de-DE" i="1">
-                                  <a:latin typeface="Cambria Math" panose="02040503050406030204" pitchFamily="18" charset="0"/>
+                                  <a:latin typeface="Cambria Math"/>
                                   <a:ea typeface="Cambria Math" panose="02040503050406030204" pitchFamily="18" charset="0"/>
                                 </a:rPr>
                               </m:ctrlPr>
@@ -21746,7 +23127,7 @@
             </p:txBody>
           </p:sp>
         </mc:Choice>
-        <mc:Fallback>
+        <mc:Fallback xmlns="">
           <p:sp>
             <p:nvSpPr>
               <p:cNvPr id="10" name="Inhaltsplatzhalter 2"/>
@@ -21791,8 +23172,8 @@
           </p:sp>
         </mc:Fallback>
       </mc:AlternateContent>
-      <mc:AlternateContent xmlns:mc="http://schemas.openxmlformats.org/markup-compatibility/2006">
-        <mc:Choice xmlns:a14="http://schemas.microsoft.com/office/drawing/2010/main" Requires="a14">
+      <mc:AlternateContent xmlns:mc="http://schemas.openxmlformats.org/markup-compatibility/2006" xmlns:a14="http://schemas.microsoft.com/office/drawing/2010/main">
+        <mc:Choice Requires="a14">
           <p:sp>
             <p:nvSpPr>
               <p:cNvPr id="11" name="Textfeld 10"/>
@@ -21836,7 +23217,7 @@
                         <m:sSubPr>
                           <m:ctrlPr>
                             <a:rPr lang="de-DE" i="1">
-                              <a:latin typeface="Cambria Math" panose="02040503050406030204" pitchFamily="18" charset="0"/>
+                              <a:latin typeface="Cambria Math"/>
                             </a:rPr>
                           </m:ctrlPr>
                         </m:sSubPr>
@@ -21861,7 +23242,7 @@
                         <m:sSupPr>
                           <m:ctrlPr>
                             <a:rPr lang="de-DE" i="1">
-                              <a:latin typeface="Cambria Math" panose="02040503050406030204" pitchFamily="18" charset="0"/>
+                              <a:latin typeface="Cambria Math"/>
                             </a:rPr>
                           </m:ctrlPr>
                         </m:sSupPr>
@@ -21899,7 +23280,7 @@
                         <m:sSubPr>
                           <m:ctrlPr>
                             <a:rPr lang="de-DE" i="1">
-                              <a:latin typeface="Cambria Math" panose="02040503050406030204" pitchFamily="18" charset="0"/>
+                              <a:latin typeface="Cambria Math"/>
                               <a:ea typeface="Cambria Math" panose="02040503050406030204" pitchFamily="18" charset="0"/>
                             </a:rPr>
                           </m:ctrlPr>
@@ -21941,7 +23322,7 @@
                         <m:sSubPr>
                           <m:ctrlPr>
                             <a:rPr lang="de-DE" i="1">
-                              <a:latin typeface="Cambria Math" panose="02040503050406030204" pitchFamily="18" charset="0"/>
+                              <a:latin typeface="Cambria Math"/>
                               <a:ea typeface="Cambria Math" panose="02040503050406030204" pitchFamily="18" charset="0"/>
                             </a:rPr>
                           </m:ctrlPr>
@@ -21976,7 +23357,7 @@
                           <m:chr m:val="∏"/>
                           <m:ctrlPr>
                             <a:rPr lang="de-DE" i="1">
-                              <a:latin typeface="Cambria Math" panose="02040503050406030204" pitchFamily="18" charset="0"/>
+                              <a:latin typeface="Cambria Math"/>
                             </a:rPr>
                           </m:ctrlPr>
                         </m:naryPr>
@@ -22028,7 +23409,7 @@
                             <m:sSubPr>
                               <m:ctrlPr>
                                 <a:rPr lang="de-DE" i="1">
-                                  <a:latin typeface="Cambria Math" panose="02040503050406030204" pitchFamily="18" charset="0"/>
+                                  <a:latin typeface="Cambria Math"/>
                                   <a:sym typeface="Symbol" panose="05050102010706020507" pitchFamily="18" charset="2"/>
                                 </a:rPr>
                               </m:ctrlPr>
@@ -22069,7 +23450,7 @@
             </p:txBody>
           </p:sp>
         </mc:Choice>
-        <mc:Fallback>
+        <mc:Fallback xmlns="">
           <p:sp>
             <p:nvSpPr>
               <p:cNvPr id="11" name="Textfeld 10"/>
@@ -22163,6 +23544,13 @@
   <p:clrMapOvr>
     <a:masterClrMapping/>
   </p:clrMapOvr>
+  <p:timing>
+    <p:tnLst>
+      <p:par>
+        <p:cTn id="1" dur="indefinite" restart="never" nodeType="tmRoot"/>
+      </p:par>
+    </p:tnLst>
+  </p:timing>
 </p:sld>
 </file>
 
@@ -22268,6 +23656,13 @@
   <p:clrMapOvr>
     <a:masterClrMapping/>
   </p:clrMapOvr>
+  <p:timing>
+    <p:tnLst>
+      <p:par>
+        <p:cTn id="1" dur="indefinite" restart="never" nodeType="tmRoot"/>
+      </p:par>
+    </p:tnLst>
+  </p:timing>
 </p:sld>
 </file>
 
@@ -22337,8 +23732,8 @@
           </a:p>
         </p:txBody>
       </p:sp>
-      <mc:AlternateContent xmlns:mc="http://schemas.openxmlformats.org/markup-compatibility/2006">
-        <mc:Choice xmlns:a14="http://schemas.microsoft.com/office/drawing/2010/main" Requires="a14">
+      <mc:AlternateContent xmlns:mc="http://schemas.openxmlformats.org/markup-compatibility/2006" xmlns:a14="http://schemas.microsoft.com/office/drawing/2010/main">
+        <mc:Choice Requires="a14">
           <p:sp>
             <p:nvSpPr>
               <p:cNvPr id="5" name="Inhaltsplatzhalter 2"/>
@@ -22531,15 +23926,7 @@
                       <a:srgbClr val="002060"/>
                     </a:solidFill>
                   </a:rPr>
-                  <a:t>rweitertes </a:t>
-                </a:r>
-                <a:r>
-                  <a:rPr lang="de-DE" sz="1800" kern="0" dirty="0" smtClean="0">
-                    <a:solidFill>
-                      <a:srgbClr val="002060"/>
-                    </a:solidFill>
-                  </a:rPr>
-                  <a:t>Modell</a:t>
+                  <a:t>rweitertes Modell</a:t>
                 </a:r>
               </a:p>
               <a:p>
@@ -22563,7 +23950,7 @@
                           <m:chr m:val="̇"/>
                           <m:ctrlPr>
                             <a:rPr lang="de-DE" sz="1800" i="1" kern="0" smtClean="0">
-                              <a:latin typeface="Cambria Math" panose="02040503050406030204" pitchFamily="18" charset="0"/>
+                              <a:latin typeface="Cambria Math"/>
                             </a:rPr>
                           </m:ctrlPr>
                         </m:accPr>
@@ -22588,7 +23975,7 @@
                           <m:endChr m:val="]"/>
                           <m:ctrlPr>
                             <a:rPr lang="de-DE" sz="1800" i="1" kern="0" smtClean="0">
-                              <a:latin typeface="Cambria Math" panose="02040503050406030204" pitchFamily="18" charset="0"/>
+                              <a:latin typeface="Cambria Math"/>
                             </a:rPr>
                           </m:ctrlPr>
                         </m:dPr>
@@ -22605,7 +23992,7 @@
                               </m:mcs>
                               <m:ctrlPr>
                                 <a:rPr lang="de-DE" sz="1800" i="1" kern="0" smtClean="0">
-                                  <a:latin typeface="Cambria Math" panose="02040503050406030204" pitchFamily="18" charset="0"/>
+                                  <a:latin typeface="Cambria Math"/>
                                 </a:rPr>
                               </m:ctrlPr>
                             </m:mPr>
@@ -22720,7 +24107,7 @@
                           <m:endChr m:val="]"/>
                           <m:ctrlPr>
                             <a:rPr lang="de-DE" sz="1800" i="1" kern="0" smtClean="0">
-                              <a:latin typeface="Cambria Math" panose="02040503050406030204" pitchFamily="18" charset="0"/>
+                              <a:latin typeface="Cambria Math"/>
                               <a:ea typeface="Cambria Math" panose="02040503050406030204" pitchFamily="18" charset="0"/>
                             </a:rPr>
                           </m:ctrlPr>
@@ -22738,7 +24125,7 @@
                               </m:mcs>
                               <m:ctrlPr>
                                 <a:rPr lang="de-DE" sz="1800" i="1" kern="0" smtClean="0">
-                                  <a:latin typeface="Cambria Math" panose="02040503050406030204" pitchFamily="18" charset="0"/>
+                                  <a:latin typeface="Cambria Math"/>
                                   <a:ea typeface="Cambria Math" panose="02040503050406030204" pitchFamily="18" charset="0"/>
                                 </a:rPr>
                               </m:ctrlPr>
@@ -22818,7 +24205,7 @@
                           <m:endChr m:val="]"/>
                           <m:ctrlPr>
                             <a:rPr lang="de-DE" sz="1800" i="1" kern="0" smtClean="0">
-                              <a:latin typeface="Cambria Math" panose="02040503050406030204" pitchFamily="18" charset="0"/>
+                              <a:latin typeface="Cambria Math"/>
                               <a:ea typeface="Cambria Math" panose="02040503050406030204" pitchFamily="18" charset="0"/>
                             </a:rPr>
                           </m:ctrlPr>
@@ -22836,7 +24223,7 @@
                               </m:mcs>
                               <m:ctrlPr>
                                 <a:rPr lang="de-DE" sz="1800" i="1" kern="0" smtClean="0">
-                                  <a:latin typeface="Cambria Math" panose="02040503050406030204" pitchFamily="18" charset="0"/>
+                                  <a:latin typeface="Cambria Math"/>
                                   <a:ea typeface="Cambria Math" panose="02040503050406030204" pitchFamily="18" charset="0"/>
                                 </a:rPr>
                               </m:ctrlPr>
@@ -22919,7 +24306,7 @@
                         <m:sSupPr>
                           <m:ctrlPr>
                             <a:rPr lang="de-DE" sz="1800" i="1" kern="0" smtClean="0">
-                              <a:latin typeface="Cambria Math" panose="02040503050406030204" pitchFamily="18" charset="0"/>
+                              <a:latin typeface="Cambria Math"/>
                               <a:ea typeface="Cambria Math" panose="02040503050406030204" pitchFamily="18" charset="0"/>
                             </a:rPr>
                           </m:ctrlPr>
@@ -22931,7 +24318,7 @@
                               <m:endChr m:val="]"/>
                               <m:ctrlPr>
                                 <a:rPr lang="de-DE" sz="1800" i="1" kern="0" smtClean="0">
-                                  <a:latin typeface="Cambria Math" panose="02040503050406030204" pitchFamily="18" charset="0"/>
+                                  <a:latin typeface="Cambria Math"/>
                                   <a:ea typeface="Cambria Math" panose="02040503050406030204" pitchFamily="18" charset="0"/>
                                 </a:rPr>
                               </m:ctrlPr>
@@ -22949,7 +24336,7 @@
                                   </m:mcs>
                                   <m:ctrlPr>
                                     <a:rPr lang="de-DE" sz="1800" i="1" kern="0" smtClean="0">
-                                      <a:latin typeface="Cambria Math" panose="02040503050406030204" pitchFamily="18" charset="0"/>
+                                      <a:latin typeface="Cambria Math"/>
                                       <a:ea typeface="Cambria Math" panose="02040503050406030204" pitchFamily="18" charset="0"/>
                                     </a:rPr>
                                   </m:ctrlPr>
@@ -22960,7 +24347,7 @@
                                       <m:sSupPr>
                                         <m:ctrlPr>
                                           <a:rPr lang="de-DE" sz="1800" i="1" kern="0" smtClean="0">
-                                            <a:latin typeface="Cambria Math" panose="02040503050406030204" pitchFamily="18" charset="0"/>
+                                            <a:latin typeface="Cambria Math"/>
                                             <a:ea typeface="Cambria Math" panose="02040503050406030204" pitchFamily="18" charset="0"/>
                                           </a:rPr>
                                         </m:ctrlPr>
@@ -22996,7 +24383,7 @@
                                       <m:sSupPr>
                                         <m:ctrlPr>
                                           <a:rPr lang="de-DE" sz="1800" i="1" kern="0" smtClean="0">
-                                            <a:latin typeface="Cambria Math" panose="02040503050406030204" pitchFamily="18" charset="0"/>
+                                            <a:latin typeface="Cambria Math"/>
                                             <a:ea typeface="Cambria Math" panose="02040503050406030204" pitchFamily="18" charset="0"/>
                                           </a:rPr>
                                         </m:ctrlPr>
@@ -23061,7 +24448,7 @@
             </p:txBody>
           </p:sp>
         </mc:Choice>
-        <mc:Fallback>
+        <mc:Fallback xmlns="">
           <p:sp>
             <p:nvSpPr>
               <p:cNvPr id="5" name="Inhaltsplatzhalter 2"/>
@@ -23100,8 +24487,8 @@
           </p:sp>
         </mc:Fallback>
       </mc:AlternateContent>
-      <mc:AlternateContent xmlns:mc="http://schemas.openxmlformats.org/markup-compatibility/2006">
-        <mc:Choice xmlns:a14="http://schemas.microsoft.com/office/drawing/2010/main" Requires="a14">
+      <mc:AlternateContent xmlns:mc="http://schemas.openxmlformats.org/markup-compatibility/2006" xmlns:a14="http://schemas.microsoft.com/office/drawing/2010/main">
+        <mc:Choice Requires="a14">
           <p:sp>
             <p:nvSpPr>
               <p:cNvPr id="6" name="Inhaltsplatzhalter 2"/>
@@ -23334,6 +24721,7 @@
                 </a:r>
               </a:p>
               <a:p>
+                <a:pPr/>
                 <a14:m>
                   <m:oMathPara xmlns:m="http://schemas.openxmlformats.org/officeDocument/2006/math">
                     <m:oMathParaPr>
@@ -23345,7 +24733,7 @@
                           <m:chr m:val="̇"/>
                           <m:ctrlPr>
                             <a:rPr lang="de-DE" i="1">
-                              <a:latin typeface="Cambria Math" panose="02040503050406030204" pitchFamily="18" charset="0"/>
+                              <a:latin typeface="Cambria Math"/>
                             </a:rPr>
                           </m:ctrlPr>
                         </m:accPr>
@@ -23355,7 +24743,7 @@
                               <m:chr m:val="̂"/>
                               <m:ctrlPr>
                                 <a:rPr lang="de-DE" i="1" smtClean="0">
-                                  <a:latin typeface="Cambria Math" panose="02040503050406030204" pitchFamily="18" charset="0"/>
+                                  <a:latin typeface="Cambria Math"/>
                                 </a:rPr>
                               </m:ctrlPr>
                             </m:accPr>
@@ -23382,7 +24770,7 @@
                           <m:endChr m:val="]"/>
                           <m:ctrlPr>
                             <a:rPr lang="de-DE" i="1">
-                              <a:latin typeface="Cambria Math" panose="02040503050406030204" pitchFamily="18" charset="0"/>
+                              <a:latin typeface="Cambria Math"/>
                             </a:rPr>
                           </m:ctrlPr>
                         </m:dPr>
@@ -23399,7 +24787,7 @@
                               </m:mcs>
                               <m:ctrlPr>
                                 <a:rPr lang="de-DE" i="1">
-                                  <a:latin typeface="Cambria Math" panose="02040503050406030204" pitchFamily="18" charset="0"/>
+                                  <a:latin typeface="Cambria Math"/>
                                 </a:rPr>
                               </m:ctrlPr>
                             </m:mPr>
@@ -23499,7 +24887,7 @@
                           <m:chr m:val="̂"/>
                           <m:ctrlPr>
                             <a:rPr lang="de-DE" i="1">
-                              <a:latin typeface="Cambria Math" panose="02040503050406030204" pitchFamily="18" charset="0"/>
+                              <a:latin typeface="Cambria Math"/>
                             </a:rPr>
                           </m:ctrlPr>
                         </m:accPr>
@@ -23524,7 +24912,7 @@
                           <m:endChr m:val="]"/>
                           <m:ctrlPr>
                             <a:rPr lang="de-DE" b="0" i="1" smtClean="0">
-                              <a:latin typeface="Cambria Math" panose="02040503050406030204" pitchFamily="18" charset="0"/>
+                              <a:latin typeface="Cambria Math"/>
                             </a:rPr>
                           </m:ctrlPr>
                         </m:dPr>
@@ -23541,7 +24929,7 @@
                               </m:mcs>
                               <m:ctrlPr>
                                 <a:rPr lang="de-DE" b="0" i="1" smtClean="0">
-                                  <a:latin typeface="Cambria Math" panose="02040503050406030204" pitchFamily="18" charset="0"/>
+                                  <a:latin typeface="Cambria Math"/>
                                 </a:rPr>
                               </m:ctrlPr>
                             </m:mPr>
@@ -23551,7 +24939,7 @@
                                   <m:sSubPr>
                                     <m:ctrlPr>
                                       <a:rPr lang="de-DE" b="0" i="1" smtClean="0">
-                                        <a:latin typeface="Cambria Math" panose="02040503050406030204" pitchFamily="18" charset="0"/>
+                                        <a:latin typeface="Cambria Math"/>
                                       </a:rPr>
                                     </m:ctrlPr>
                                   </m:sSubPr>
@@ -23586,7 +24974,7 @@
                                   <m:sSubPr>
                                     <m:ctrlPr>
                                       <a:rPr lang="de-DE" b="0" i="1" smtClean="0">
-                                        <a:latin typeface="Cambria Math" panose="02040503050406030204" pitchFamily="18" charset="0"/>
+                                        <a:latin typeface="Cambria Math"/>
                                       </a:rPr>
                                     </m:ctrlPr>
                                   </m:sSubPr>
@@ -23615,7 +25003,7 @@
                                   <m:sSubPr>
                                     <m:ctrlPr>
                                       <a:rPr lang="de-DE" b="0" i="1" smtClean="0">
-                                        <a:latin typeface="Cambria Math" panose="02040503050406030204" pitchFamily="18" charset="0"/>
+                                        <a:latin typeface="Cambria Math"/>
                                       </a:rPr>
                                     </m:ctrlPr>
                                   </m:sSubPr>
@@ -23671,7 +25059,7 @@
                           <m:chr m:val="̂"/>
                           <m:ctrlPr>
                             <a:rPr lang="de-DE" b="0" i="1" smtClean="0">
-                              <a:latin typeface="Cambria Math" panose="02040503050406030204" pitchFamily="18" charset="0"/>
+                              <a:latin typeface="Cambria Math"/>
                             </a:rPr>
                           </m:ctrlPr>
                         </m:accPr>
@@ -23703,7 +25091,7 @@
                           <m:endChr m:val="]"/>
                           <m:ctrlPr>
                             <a:rPr lang="de-DE" i="1">
-                              <a:latin typeface="Cambria Math" panose="02040503050406030204" pitchFamily="18" charset="0"/>
+                              <a:latin typeface="Cambria Math"/>
                               <a:ea typeface="Cambria Math" panose="02040503050406030204" pitchFamily="18" charset="0"/>
                             </a:rPr>
                           </m:ctrlPr>
@@ -23721,7 +25109,7 @@
                               </m:mcs>
                               <m:ctrlPr>
                                 <a:rPr lang="de-DE" i="1">
-                                  <a:latin typeface="Cambria Math" panose="02040503050406030204" pitchFamily="18" charset="0"/>
+                                  <a:latin typeface="Cambria Math"/>
                                   <a:ea typeface="Cambria Math" panose="02040503050406030204" pitchFamily="18" charset="0"/>
                                 </a:rPr>
                               </m:ctrlPr>
@@ -23786,7 +25174,7 @@
                           <m:chr m:val="̂"/>
                           <m:ctrlPr>
                             <a:rPr lang="de-DE" i="1" smtClean="0">
-                              <a:latin typeface="Cambria Math" panose="02040503050406030204" pitchFamily="18" charset="0"/>
+                              <a:latin typeface="Cambria Math"/>
                               <a:ea typeface="Cambria Math" panose="02040503050406030204" pitchFamily="18" charset="0"/>
                             </a:rPr>
                           </m:ctrlPr>
@@ -23814,7 +25202,7 @@
                           <m:endChr m:val="]"/>
                           <m:ctrlPr>
                             <a:rPr lang="de-DE" i="1">
-                              <a:latin typeface="Cambria Math" panose="02040503050406030204" pitchFamily="18" charset="0"/>
+                              <a:latin typeface="Cambria Math"/>
                               <a:ea typeface="Cambria Math" panose="02040503050406030204" pitchFamily="18" charset="0"/>
                             </a:rPr>
                           </m:ctrlPr>
@@ -23832,7 +25220,7 @@
                               </m:mcs>
                               <m:ctrlPr>
                                 <a:rPr lang="de-DE" i="1">
-                                  <a:latin typeface="Cambria Math" panose="02040503050406030204" pitchFamily="18" charset="0"/>
+                                  <a:latin typeface="Cambria Math"/>
                                   <a:ea typeface="Cambria Math" panose="02040503050406030204" pitchFamily="18" charset="0"/>
                                 </a:rPr>
                               </m:ctrlPr>
@@ -23884,7 +25272,7 @@
                           <m:chr m:val="̂"/>
                           <m:ctrlPr>
                             <a:rPr lang="de-DE" i="1">
-                              <a:latin typeface="Cambria Math" panose="02040503050406030204" pitchFamily="18" charset="0"/>
+                              <a:latin typeface="Cambria Math"/>
                             </a:rPr>
                           </m:ctrlPr>
                         </m:accPr>
@@ -23913,7 +25301,7 @@
                           <m:chr m:val="̂"/>
                           <m:ctrlPr>
                             <a:rPr lang="de-DE" i="1" smtClean="0">
-                              <a:latin typeface="Cambria Math" panose="02040503050406030204" pitchFamily="18" charset="0"/>
+                              <a:latin typeface="Cambria Math"/>
                               <a:ea typeface="Cambria Math" panose="02040503050406030204" pitchFamily="18" charset="0"/>
                             </a:rPr>
                           </m:ctrlPr>
@@ -23939,7 +25327,7 @@
                         <m:sSupPr>
                           <m:ctrlPr>
                             <a:rPr lang="de-DE" i="1">
-                              <a:latin typeface="Cambria Math" panose="02040503050406030204" pitchFamily="18" charset="0"/>
+                              <a:latin typeface="Cambria Math"/>
                               <a:ea typeface="Cambria Math" panose="02040503050406030204" pitchFamily="18" charset="0"/>
                             </a:rPr>
                           </m:ctrlPr>
@@ -23951,7 +25339,7 @@
                               <m:endChr m:val="]"/>
                               <m:ctrlPr>
                                 <a:rPr lang="de-DE" i="1">
-                                  <a:latin typeface="Cambria Math" panose="02040503050406030204" pitchFamily="18" charset="0"/>
+                                  <a:latin typeface="Cambria Math"/>
                                   <a:ea typeface="Cambria Math" panose="02040503050406030204" pitchFamily="18" charset="0"/>
                                 </a:rPr>
                               </m:ctrlPr>
@@ -23969,7 +25357,7 @@
                                   </m:mcs>
                                   <m:ctrlPr>
                                     <a:rPr lang="de-DE" i="1">
-                                      <a:latin typeface="Cambria Math" panose="02040503050406030204" pitchFamily="18" charset="0"/>
+                                      <a:latin typeface="Cambria Math"/>
                                       <a:ea typeface="Cambria Math" panose="02040503050406030204" pitchFamily="18" charset="0"/>
                                     </a:rPr>
                                   </m:ctrlPr>
@@ -23980,7 +25368,7 @@
                                       <m:sSupPr>
                                         <m:ctrlPr>
                                           <a:rPr lang="de-DE" i="1">
-                                            <a:latin typeface="Cambria Math" panose="02040503050406030204" pitchFamily="18" charset="0"/>
+                                            <a:latin typeface="Cambria Math"/>
                                             <a:ea typeface="Cambria Math" panose="02040503050406030204" pitchFamily="18" charset="0"/>
                                           </a:rPr>
                                         </m:ctrlPr>
@@ -23991,7 +25379,7 @@
                                             <m:chr m:val="̂"/>
                                             <m:ctrlPr>
                                               <a:rPr lang="de-DE" i="1" smtClean="0">
-                                                <a:latin typeface="Cambria Math" panose="02040503050406030204" pitchFamily="18" charset="0"/>
+                                                <a:latin typeface="Cambria Math"/>
                                                 <a:ea typeface="Cambria Math" panose="02040503050406030204" pitchFamily="18" charset="0"/>
                                               </a:rPr>
                                             </m:ctrlPr>
@@ -24026,7 +25414,7 @@
                                       <m:sSupPr>
                                         <m:ctrlPr>
                                           <a:rPr lang="de-DE" i="1">
-                                            <a:latin typeface="Cambria Math" panose="02040503050406030204" pitchFamily="18" charset="0"/>
+                                            <a:latin typeface="Cambria Math"/>
                                             <a:ea typeface="Cambria Math" panose="02040503050406030204" pitchFamily="18" charset="0"/>
                                           </a:rPr>
                                         </m:ctrlPr>
@@ -24037,7 +25425,7 @@
                                             <m:chr m:val="̂"/>
                                             <m:ctrlPr>
                                               <a:rPr lang="de-DE" i="1" smtClean="0">
-                                                <a:latin typeface="Cambria Math" panose="02040503050406030204" pitchFamily="18" charset="0"/>
+                                                <a:latin typeface="Cambria Math"/>
                                                 <a:ea typeface="Cambria Math" panose="02040503050406030204" pitchFamily="18" charset="0"/>
                                               </a:rPr>
                                             </m:ctrlPr>
@@ -24070,7 +25458,7 @@
                                         <m:chr m:val="̂"/>
                                         <m:ctrlPr>
                                           <a:rPr lang="de-DE" i="1" smtClean="0">
-                                            <a:latin typeface="Cambria Math" panose="02040503050406030204" pitchFamily="18" charset="0"/>
+                                            <a:latin typeface="Cambria Math"/>
                                             <a:ea typeface="Cambria Math" panose="02040503050406030204" pitchFamily="18" charset="0"/>
                                           </a:rPr>
                                         </m:ctrlPr>
@@ -24112,7 +25500,7 @@
             </p:txBody>
           </p:sp>
         </mc:Choice>
-        <mc:Fallback>
+        <mc:Fallback xmlns="">
           <p:sp>
             <p:nvSpPr>
               <p:cNvPr id="6" name="Inhaltsplatzhalter 2"/>
@@ -24157,8 +25545,8 @@
           </p:sp>
         </mc:Fallback>
       </mc:AlternateContent>
-      <mc:AlternateContent xmlns:mc="http://schemas.openxmlformats.org/markup-compatibility/2006">
-        <mc:Choice xmlns:a14="http://schemas.microsoft.com/office/drawing/2010/main" Requires="a14">
+      <mc:AlternateContent xmlns:mc="http://schemas.openxmlformats.org/markup-compatibility/2006" xmlns:a14="http://schemas.microsoft.com/office/drawing/2010/main">
+        <mc:Choice Requires="a14">
           <p:sp>
             <p:nvSpPr>
               <p:cNvPr id="7" name="Textfeld 6"/>
@@ -24207,6 +25595,7 @@
                 </a:r>
               </a:p>
               <a:p>
+                <a:pPr/>
                 <a14:m>
                   <m:oMathPara xmlns:m="http://schemas.openxmlformats.org/officeDocument/2006/math">
                     <m:oMathParaPr>
@@ -24218,7 +25607,7 @@
                           <m:chr m:val="̇"/>
                           <m:ctrlPr>
                             <a:rPr lang="de-DE" b="0" i="1" smtClean="0">
-                              <a:latin typeface="Cambria Math" panose="02040503050406030204" pitchFamily="18" charset="0"/>
+                              <a:latin typeface="Cambria Math"/>
                             </a:rPr>
                           </m:ctrlPr>
                         </m:accPr>
@@ -24228,7 +25617,7 @@
                               <m:chr m:val="̃"/>
                               <m:ctrlPr>
                                 <a:rPr lang="de-DE" b="0" i="1" smtClean="0">
-                                  <a:latin typeface="Cambria Math" panose="02040503050406030204" pitchFamily="18" charset="0"/>
+                                  <a:latin typeface="Cambria Math"/>
                                 </a:rPr>
                               </m:ctrlPr>
                             </m:accPr>
@@ -24254,7 +25643,7 @@
                           <m:chr m:val="̇"/>
                           <m:ctrlPr>
                             <a:rPr lang="de-DE" b="0" i="1" smtClean="0">
-                              <a:latin typeface="Cambria Math" panose="02040503050406030204" pitchFamily="18" charset="0"/>
+                              <a:latin typeface="Cambria Math"/>
                             </a:rPr>
                           </m:ctrlPr>
                         </m:accPr>
@@ -24278,7 +25667,7 @@
                           <m:chr m:val="̇"/>
                           <m:ctrlPr>
                             <a:rPr lang="de-DE" b="0" i="1" smtClean="0">
-                              <a:latin typeface="Cambria Math" panose="02040503050406030204" pitchFamily="18" charset="0"/>
+                              <a:latin typeface="Cambria Math"/>
                             </a:rPr>
                           </m:ctrlPr>
                         </m:accPr>
@@ -24288,7 +25677,7 @@
                               <m:chr m:val="̂"/>
                               <m:ctrlPr>
                                 <a:rPr lang="de-DE" b="0" i="1" smtClean="0">
-                                  <a:latin typeface="Cambria Math" panose="02040503050406030204" pitchFamily="18" charset="0"/>
+                                  <a:latin typeface="Cambria Math"/>
                                 </a:rPr>
                               </m:ctrlPr>
                             </m:accPr>
@@ -24313,7 +25702,7 @@
                         <m:dPr>
                           <m:ctrlPr>
                             <a:rPr lang="de-DE" b="0" i="1" smtClean="0">
-                              <a:latin typeface="Cambria Math" panose="02040503050406030204" pitchFamily="18" charset="0"/>
+                              <a:latin typeface="Cambria Math"/>
                             </a:rPr>
                           </m:ctrlPr>
                         </m:dPr>
@@ -24350,7 +25739,7 @@
                           <m:chr m:val="̃"/>
                           <m:ctrlPr>
                             <a:rPr lang="de-DE" b="0" i="1" smtClean="0">
-                              <a:latin typeface="Cambria Math" panose="02040503050406030204" pitchFamily="18" charset="0"/>
+                              <a:latin typeface="Cambria Math"/>
                               <a:ea typeface="Cambria Math" panose="02040503050406030204" pitchFamily="18" charset="0"/>
                             </a:rPr>
                           </m:ctrlPr>
@@ -24380,7 +25769,7 @@
             </p:txBody>
           </p:sp>
         </mc:Choice>
-        <mc:Fallback>
+        <mc:Fallback xmlns="">
           <p:sp>
             <p:nvSpPr>
               <p:cNvPr id="7" name="Textfeld 6"/>
@@ -24429,6 +25818,13 @@
   <p:clrMapOvr>
     <a:masterClrMapping/>
   </p:clrMapOvr>
+  <p:timing>
+    <p:tnLst>
+      <p:par>
+        <p:cTn id="1" dur="indefinite" restart="never" nodeType="tmRoot"/>
+      </p:par>
+    </p:tnLst>
+  </p:timing>
 </p:sld>
 </file>
 
@@ -24706,6 +26102,13 @@
   <p:clrMapOvr>
     <a:masterClrMapping/>
   </p:clrMapOvr>
+  <p:timing>
+    <p:tnLst>
+      <p:par>
+        <p:cTn id="1" dur="indefinite" restart="never" nodeType="tmRoot"/>
+      </p:par>
+    </p:tnLst>
+  </p:timing>
 </p:sld>
 </file>
 
@@ -24965,6 +26368,13 @@
   <p:clrMapOvr>
     <a:masterClrMapping/>
   </p:clrMapOvr>
+  <p:timing>
+    <p:tnLst>
+      <p:par>
+        <p:cTn id="1" dur="indefinite" restart="never" nodeType="tmRoot"/>
+      </p:par>
+    </p:tnLst>
+  </p:timing>
 </p:sld>
 </file>
 
@@ -25053,8 +26463,8 @@
           </a:p>
         </p:txBody>
       </p:sp>
-      <mc:AlternateContent xmlns:mc="http://schemas.openxmlformats.org/markup-compatibility/2006">
-        <mc:Choice xmlns:a14="http://schemas.microsoft.com/office/drawing/2010/main" Requires="a14">
+      <mc:AlternateContent xmlns:mc="http://schemas.openxmlformats.org/markup-compatibility/2006" xmlns:a14="http://schemas.microsoft.com/office/drawing/2010/main">
+        <mc:Choice Requires="a14">
           <p:sp>
             <p:nvSpPr>
               <p:cNvPr id="5" name="Inhaltsplatzhalter 2"/>
@@ -25222,6 +26632,7 @@
                 </a:lvl9pPr>
               </a:lstStyle>
               <a:p>
+                <a:pPr/>
                 <a14:m>
                   <m:oMathPara xmlns:m="http://schemas.openxmlformats.org/officeDocument/2006/math">
                     <m:oMathParaPr>
@@ -25232,7 +26643,7 @@
                         <m:sSubPr>
                           <m:ctrlPr>
                             <a:rPr lang="de-DE" i="1" kern="0" smtClean="0">
-                              <a:latin typeface="Cambria Math" panose="02040503050406030204" pitchFamily="18" charset="0"/>
+                              <a:latin typeface="Cambria Math"/>
                             </a:rPr>
                           </m:ctrlPr>
                         </m:sSubPr>
@@ -25263,7 +26674,7 @@
                         <m:sSubPr>
                           <m:ctrlPr>
                             <a:rPr lang="de-DE" i="1" kern="0" smtClean="0">
-                              <a:latin typeface="Cambria Math" panose="02040503050406030204" pitchFamily="18" charset="0"/>
+                              <a:latin typeface="Cambria Math"/>
                             </a:rPr>
                           </m:ctrlPr>
                         </m:sSubPr>
@@ -25302,7 +26713,7 @@
                         <m:sSubPr>
                           <m:ctrlPr>
                             <a:rPr lang="de-DE" i="1" kern="0" smtClean="0">
-                              <a:latin typeface="Cambria Math" panose="02040503050406030204" pitchFamily="18" charset="0"/>
+                              <a:latin typeface="Cambria Math"/>
                               <a:sym typeface="Symbol" panose="05050102010706020507" pitchFamily="18" charset="2"/>
                             </a:rPr>
                           </m:ctrlPr>
@@ -25337,7 +26748,7 @@
                         <m:sSubPr>
                           <m:ctrlPr>
                             <a:rPr lang="de-DE" i="1" kern="0" smtClean="0">
-                              <a:latin typeface="Cambria Math" panose="02040503050406030204" pitchFamily="18" charset="0"/>
+                              <a:latin typeface="Cambria Math"/>
                               <a:sym typeface="Symbol" panose="05050102010706020507" pitchFamily="18" charset="2"/>
                             </a:rPr>
                           </m:ctrlPr>
@@ -25387,7 +26798,7 @@
             </p:txBody>
           </p:sp>
         </mc:Choice>
-        <mc:Fallback>
+        <mc:Fallback xmlns="">
           <p:sp>
             <p:nvSpPr>
               <p:cNvPr id="5" name="Inhaltsplatzhalter 2"/>
@@ -25482,6 +26893,13 @@
   <p:clrMapOvr>
     <a:masterClrMapping/>
   </p:clrMapOvr>
+  <p:timing>
+    <p:tnLst>
+      <p:par>
+        <p:cTn id="1" dur="indefinite" restart="never" nodeType="tmRoot"/>
+      </p:par>
+    </p:tnLst>
+  </p:timing>
 </p:sld>
 </file>
 
@@ -25636,6 +27054,13 @@
   <p:clrMapOvr>
     <a:masterClrMapping/>
   </p:clrMapOvr>
+  <p:timing>
+    <p:tnLst>
+      <p:par>
+        <p:cTn id="1" dur="indefinite" restart="never" nodeType="tmRoot"/>
+      </p:par>
+    </p:tnLst>
+  </p:timing>
 </p:sld>
 </file>
 
@@ -25771,141 +27196,121 @@
           </a:extLst>
         </p:spPr>
       </p:pic>
-      <p:grpSp>
-        <p:nvGrpSpPr>
-          <p:cNvPr id="6" name="Gruppieren 5"/>
-          <p:cNvGrpSpPr/>
+      <p:sp>
+        <p:nvSpPr>
+          <p:cNvPr id="7" name="Rechteck 6"/>
+          <p:cNvSpPr/>
           <p:nvPr/>
-        </p:nvGrpSpPr>
-        <p:grpSpPr>
+        </p:nvSpPr>
+        <p:spPr bwMode="auto">
           <a:xfrm>
-            <a:off x="3491880" y="1941390"/>
-            <a:ext cx="1512168" cy="1191756"/>
-            <a:chOff x="6876256" y="703388"/>
-            <a:chExt cx="1440160" cy="4032026"/>
+            <a:off x="3491880" y="2309252"/>
+            <a:ext cx="1512168" cy="1047740"/>
           </a:xfrm>
-        </p:grpSpPr>
-        <p:sp>
-          <p:nvSpPr>
-            <p:cNvPr id="7" name="Rechteck 6"/>
-            <p:cNvSpPr/>
-            <p:nvPr/>
-          </p:nvSpPr>
-          <p:spPr bwMode="auto">
-            <a:xfrm>
-              <a:off x="6876256" y="703388"/>
-              <a:ext cx="1440160" cy="4032026"/>
-            </a:xfrm>
-            <a:prstGeom prst="rect">
+          <a:prstGeom prst="rect">
+            <a:avLst/>
+          </a:prstGeom>
+          <a:noFill/>
+          <a:ln w="38100" cap="flat" cmpd="sng" algn="ctr">
+            <a:solidFill>
+              <a:srgbClr val="FF0000"/>
+            </a:solidFill>
+            <a:prstDash val="solid"/>
+            <a:round/>
+            <a:headEnd type="none" w="med" len="med"/>
+            <a:tailEnd type="none" w="med" len="med"/>
+          </a:ln>
+          <a:effectLst/>
+          <a:extLst>
+            <a:ext uri="{909E8E84-426E-40DD-AFC4-6F175D3DCCD1}">
+              <a14:hiddenFill xmlns:a14="http://schemas.microsoft.com/office/drawing/2010/main">
+                <a:solidFill>
+                  <a:schemeClr val="accent1"/>
+                </a:solidFill>
+              </a14:hiddenFill>
+            </a:ext>
+            <a:ext uri="{AF507438-7753-43E0-B8FC-AC1667EBCBE1}">
+              <a14:hiddenEffects xmlns:a14="http://schemas.microsoft.com/office/drawing/2010/main">
+                <a:effectLst>
+                  <a:outerShdw dist="35921" dir="2700000" algn="ctr" rotWithShape="0">
+                    <a:schemeClr val="bg2"/>
+                  </a:outerShdw>
+                </a:effectLst>
+              </a14:hiddenEffects>
+            </a:ext>
+          </a:extLst>
+        </p:spPr>
+        <p:txBody>
+          <a:bodyPr vert="horz" wrap="square" lIns="0" tIns="0" rIns="0" bIns="0" numCol="1" rtlCol="0" anchor="t" anchorCtr="0" compatLnSpc="1">
+            <a:prstTxWarp prst="textNoShape">
               <a:avLst/>
-            </a:prstGeom>
-            <a:noFill/>
-            <a:ln w="38100" cap="flat" cmpd="sng" algn="ctr">
+            </a:prstTxWarp>
+          </a:bodyPr>
+          <a:lstStyle/>
+          <a:p>
+            <a:pPr marL="0" marR="0" indent="0" algn="l" defTabSz="914400" rtl="0" eaLnBrk="1" fontAlgn="base" latinLnBrk="0" hangingPunct="1">
+              <a:lnSpc>
+                <a:spcPct val="100000"/>
+              </a:lnSpc>
+              <a:spcBef>
+                <a:spcPct val="0"/>
+              </a:spcBef>
+              <a:spcAft>
+                <a:spcPct val="40000"/>
+              </a:spcAft>
+              <a:buClrTx/>
+              <a:buSzTx/>
+              <a:buFont typeface="Wingdings" pitchFamily="2" charset="2"/>
+              <a:buNone/>
+              <a:tabLst/>
+            </a:pPr>
+            <a:endParaRPr kumimoji="0" lang="de-DE" sz="1800" b="0" i="0" u="none" strike="noStrike" cap="none" normalizeH="0" baseline="0" smtClean="0">
+              <a:ln>
+                <a:noFill/>
+              </a:ln>
               <a:solidFill>
-                <a:srgbClr val="FF0000"/>
+                <a:schemeClr val="tx1"/>
               </a:solidFill>
-              <a:prstDash val="solid"/>
-              <a:round/>
-              <a:headEnd type="none" w="med" len="med"/>
-              <a:tailEnd type="none" w="med" len="med"/>
-            </a:ln>
-            <a:effectLst/>
-            <a:extLst>
-              <a:ext uri="{909E8E84-426E-40DD-AFC4-6F175D3DCCD1}">
-                <a14:hiddenFill xmlns:a14="http://schemas.microsoft.com/office/drawing/2010/main">
-                  <a:solidFill>
-                    <a:schemeClr val="accent1"/>
-                  </a:solidFill>
-                </a14:hiddenFill>
-              </a:ext>
-              <a:ext uri="{AF507438-7753-43E0-B8FC-AC1667EBCBE1}">
-                <a14:hiddenEffects xmlns:a14="http://schemas.microsoft.com/office/drawing/2010/main">
-                  <a:effectLst>
-                    <a:outerShdw dist="35921" dir="2700000" algn="ctr" rotWithShape="0">
-                      <a:schemeClr val="bg2"/>
-                    </a:outerShdw>
-                  </a:effectLst>
-                </a14:hiddenEffects>
-              </a:ext>
-            </a:extLst>
-          </p:spPr>
-          <p:txBody>
-            <a:bodyPr vert="horz" wrap="square" lIns="0" tIns="0" rIns="0" bIns="0" numCol="1" rtlCol="0" anchor="t" anchorCtr="0" compatLnSpc="1">
-              <a:prstTxWarp prst="textNoShape">
-                <a:avLst/>
-              </a:prstTxWarp>
-            </a:bodyPr>
-            <a:lstStyle/>
-            <a:p>
-              <a:pPr marL="0" marR="0" indent="0" algn="l" defTabSz="914400" rtl="0" eaLnBrk="1" fontAlgn="base" latinLnBrk="0" hangingPunct="1">
-                <a:lnSpc>
-                  <a:spcPct val="100000"/>
-                </a:lnSpc>
-                <a:spcBef>
-                  <a:spcPct val="0"/>
-                </a:spcBef>
-                <a:spcAft>
-                  <a:spcPct val="40000"/>
-                </a:spcAft>
-                <a:buClrTx/>
-                <a:buSzTx/>
-                <a:buFont typeface="Wingdings" pitchFamily="2" charset="2"/>
-                <a:buNone/>
-                <a:tabLst/>
-              </a:pPr>
-              <a:endParaRPr kumimoji="0" lang="de-DE" sz="1800" b="0" i="0" u="none" strike="noStrike" cap="none" normalizeH="0" baseline="0" smtClean="0">
-                <a:ln>
-                  <a:noFill/>
-                </a:ln>
-                <a:solidFill>
-                  <a:schemeClr val="tx1"/>
-                </a:solidFill>
-                <a:effectLst/>
-                <a:latin typeface="Frutiger LT Com 55 Roman" pitchFamily="34" charset="0"/>
-              </a:endParaRPr>
-            </a:p>
-          </p:txBody>
-        </p:sp>
-        <p:sp>
-          <p:nvSpPr>
-            <p:cNvPr id="8" name="Textfeld 7"/>
-            <p:cNvSpPr txBox="1"/>
-            <p:nvPr/>
-          </p:nvSpPr>
-          <p:spPr>
-            <a:xfrm>
-              <a:off x="7940952" y="724053"/>
-              <a:ext cx="373256" cy="1770192"/>
-            </a:xfrm>
-            <a:prstGeom prst="rect">
-              <a:avLst/>
-            </a:prstGeom>
-            <a:noFill/>
-          </p:spPr>
-          <p:txBody>
-            <a:bodyPr wrap="square" rtlCol="0">
-              <a:spAutoFit/>
-            </a:bodyPr>
-            <a:lstStyle/>
-            <a:p>
-              <a:pPr algn="r"/>
-              <a:r>
-                <a:rPr lang="de-DE" sz="2800" dirty="0">
-                  <a:solidFill>
-                    <a:srgbClr val="FF0000"/>
-                  </a:solidFill>
-                </a:rPr>
-                <a:t>3</a:t>
-              </a:r>
-              <a:endParaRPr lang="de-DE" sz="2800" dirty="0">
+              <a:effectLst/>
+              <a:latin typeface="Frutiger LT Com 55 Roman" pitchFamily="34" charset="0"/>
+            </a:endParaRPr>
+          </a:p>
+        </p:txBody>
+      </p:sp>
+      <p:sp>
+        <p:nvSpPr>
+          <p:cNvPr id="8" name="Textfeld 7"/>
+          <p:cNvSpPr txBox="1"/>
+          <p:nvPr/>
+        </p:nvSpPr>
+        <p:spPr>
+          <a:xfrm>
+            <a:off x="4609810" y="2852936"/>
+            <a:ext cx="391919" cy="523220"/>
+          </a:xfrm>
+          <a:prstGeom prst="rect">
+            <a:avLst/>
+          </a:prstGeom>
+          <a:noFill/>
+        </p:spPr>
+        <p:txBody>
+          <a:bodyPr wrap="square" rtlCol="0">
+            <a:spAutoFit/>
+          </a:bodyPr>
+          <a:lstStyle/>
+          <a:p>
+            <a:pPr algn="r"/>
+            <a:r>
+              <a:rPr lang="de-DE" sz="2800" dirty="0">
                 <a:solidFill>
                   <a:srgbClr val="FF0000"/>
                 </a:solidFill>
-              </a:endParaRPr>
-            </a:p>
-          </p:txBody>
-        </p:sp>
-      </p:grpSp>
+              </a:rPr>
+              <a:t>3</a:t>
+            </a:r>
+          </a:p>
+        </p:txBody>
+      </p:sp>
       <p:grpSp>
         <p:nvGrpSpPr>
           <p:cNvPr id="9" name="Gruppieren 8"/>
@@ -26321,6 +27726,13 @@
   <p:clrMapOvr>
     <a:masterClrMapping/>
   </p:clrMapOvr>
+  <p:timing>
+    <p:tnLst>
+      <p:par>
+        <p:cTn id="1" dur="indefinite" restart="never" nodeType="tmRoot"/>
+      </p:par>
+    </p:tnLst>
+  </p:timing>
 </p:sld>
 </file>
 
@@ -27410,7 +28822,7 @@
   <a:extraClrSchemeLst/>
   <a:extLst>
     <a:ext uri="{05A4C25C-085E-4340-85A3-A5531E510DB2}">
-      <thm15:themeFamily xmlns:thm15="http://schemas.microsoft.com/office/thememl/2012/main" name="Office Theme" id="{62F939B6-93AF-4DB8-9C6B-D6C7DFDC589F}" vid="{4A3C46E8-61CC-4603-A589-7422A47A8E4A}"/>
+      <thm15:themeFamily xmlns:thm15="http://schemas.microsoft.com/office/thememl/2012/main" xmlns="" name="Office Theme" id="{62F939B6-93AF-4DB8-9C6B-D6C7DFDC589F}" vid="{4A3C46E8-61CC-4603-A589-7422A47A8E4A}"/>
     </a:ext>
   </a:extLst>
 </a:theme>

--- a/Abschlusspräsentation_LIKE.pptx
+++ b/Abschlusspräsentation_LIKE.pptx
@@ -6970,7 +6970,11 @@
             </a:r>
             <a:r>
               <a:rPr lang="de-DE" dirty="0" smtClean="0"/>
-              <a:t>, basierend auf einem 2D-Laserscanner</a:t>
+              <a:t> </a:t>
+            </a:r>
+            <a:r>
+              <a:rPr lang="de-DE" dirty="0" smtClean="0"/>
+              <a:t>basierend auf einem 2D-Laserscanner</a:t>
             </a:r>
             <a:endParaRPr lang="de-DE" dirty="0"/>
           </a:p>
@@ -9779,32 +9783,6 @@
           </a:p>
         </p:txBody>
       </p:sp>
-      <p:pic>
-        <p:nvPicPr>
-          <p:cNvPr id="5" name="Inhaltsplatzhalter 4"/>
-          <p:cNvPicPr>
-            <a:picLocks noGrp="1" noChangeAspect="1"/>
-          </p:cNvPicPr>
-          <p:nvPr>
-            <p:ph sz="quarter" idx="10"/>
-          </p:nvPr>
-        </p:nvPicPr>
-        <p:blipFill>
-          <a:blip r:embed="rId3"/>
-          <a:stretch>
-            <a:fillRect/>
-          </a:stretch>
-        </p:blipFill>
-        <p:spPr>
-          <a:xfrm>
-            <a:off x="1115617" y="1340768"/>
-            <a:ext cx="6552728" cy="2440684"/>
-          </a:xfrm>
-          <a:prstGeom prst="rect">
-            <a:avLst/>
-          </a:prstGeom>
-        </p:spPr>
-      </p:pic>
       <p:sp>
         <p:nvSpPr>
           <p:cNvPr id="4" name="Textplatzhalter 3"/>
@@ -10819,7 +10797,7 @@
         </p:nvSpPr>
         <p:spPr>
           <a:xfrm>
-            <a:off x="5220072" y="3861047"/>
+            <a:off x="5220072" y="3933056"/>
             <a:ext cx="3709516" cy="2016224"/>
           </a:xfrm>
           <a:prstGeom prst="rect">
@@ -11069,6 +11047,79 @@
           </a:p>
         </p:txBody>
       </p:sp>
+      <p:sp>
+        <p:nvSpPr>
+          <p:cNvPr id="3" name="Inhaltsplatzhalter 2"/>
+          <p:cNvSpPr>
+            <a:spLocks noGrp="1"/>
+          </p:cNvSpPr>
+          <p:nvPr>
+            <p:ph sz="quarter" idx="10"/>
+          </p:nvPr>
+        </p:nvSpPr>
+        <p:spPr/>
+        <p:txBody>
+          <a:bodyPr/>
+          <a:lstStyle/>
+          <a:p>
+            <a:endParaRPr lang="de-DE"/>
+          </a:p>
+        </p:txBody>
+      </p:sp>
+      <p:pic>
+        <p:nvPicPr>
+          <p:cNvPr id="1026" name="Picture 2"/>
+          <p:cNvPicPr>
+            <a:picLocks noChangeAspect="1" noChangeArrowheads="1"/>
+          </p:cNvPicPr>
+          <p:nvPr/>
+        </p:nvPicPr>
+        <p:blipFill>
+          <a:blip r:embed="rId7">
+            <a:extLst>
+              <a:ext uri="{28A0092B-C50C-407E-A947-70E740481C1C}">
+                <a14:useLocalDpi xmlns:a14="http://schemas.microsoft.com/office/drawing/2010/main" val="0"/>
+              </a:ext>
+            </a:extLst>
+          </a:blip>
+          <a:srcRect/>
+          <a:stretch>
+            <a:fillRect/>
+          </a:stretch>
+        </p:blipFill>
+        <p:spPr bwMode="auto">
+          <a:xfrm>
+            <a:off x="1043608" y="1268760"/>
+            <a:ext cx="6905507" cy="2511702"/>
+          </a:xfrm>
+          <a:prstGeom prst="rect">
+            <a:avLst/>
+          </a:prstGeom>
+          <a:noFill/>
+          <a:ln>
+            <a:noFill/>
+          </a:ln>
+          <a:extLst>
+            <a:ext uri="{909E8E84-426E-40DD-AFC4-6F175D3DCCD1}">
+              <a14:hiddenFill xmlns:a14="http://schemas.microsoft.com/office/drawing/2010/main">
+                <a:solidFill>
+                  <a:schemeClr val="accent1"/>
+                </a:solidFill>
+              </a14:hiddenFill>
+            </a:ext>
+            <a:ext uri="{91240B29-F687-4F45-9708-019B960494DF}">
+              <a14:hiddenLine xmlns:a14="http://schemas.microsoft.com/office/drawing/2010/main" w="9525">
+                <a:solidFill>
+                  <a:schemeClr val="tx1"/>
+                </a:solidFill>
+                <a:miter lim="800000"/>
+                <a:headEnd/>
+                <a:tailEnd/>
+              </a14:hiddenLine>
+            </a:ext>
+          </a:extLst>
+        </p:spPr>
+      </p:pic>
     </p:spTree>
     <p:extLst>
       <p:ext uri="{BB962C8B-B14F-4D97-AF65-F5344CB8AC3E}">
@@ -18257,8 +18308,34 @@
             <a:pPr lvl="1"/>
             <a:r>
               <a:rPr lang="de-DE" dirty="0"/>
-              <a:t>Hohe Neigungswinkel können dazu führen das Position nicht bestimmt werden kann</a:t>
+              <a:t>Hohe Neigungswinkel können dazu </a:t>
             </a:r>
+            <a:r>
+              <a:rPr lang="de-DE" dirty="0" smtClean="0"/>
+              <a:t>führen, dass die </a:t>
+            </a:r>
+            <a:r>
+              <a:rPr lang="de-DE" dirty="0"/>
+              <a:t>Position nicht bestimmt werden </a:t>
+            </a:r>
+            <a:r>
+              <a:rPr lang="de-DE" dirty="0" smtClean="0"/>
+              <a:t>kann</a:t>
+            </a:r>
+          </a:p>
+          <a:p>
+            <a:pPr lvl="1"/>
+            <a:r>
+              <a:rPr lang="de-DE" dirty="0" smtClean="0"/>
+              <a:t>Auf ausbleibende Positionsdaten reagiert Regelung nicht optimal</a:t>
+            </a:r>
+            <a:endParaRPr lang="de-DE" dirty="0" smtClean="0"/>
+          </a:p>
+          <a:p>
+            <a:pPr marL="457200" lvl="1" indent="0">
+              <a:buNone/>
+            </a:pPr>
+            <a:endParaRPr lang="de-DE" dirty="0"/>
           </a:p>
           <a:p>
             <a:endParaRPr lang="de-DE" dirty="0"/>
@@ -18279,7 +18356,7 @@
           <a:p>
             <a:pPr lvl="1"/>
             <a:r>
-              <a:rPr lang="de-DE" smtClean="0"/>
+              <a:rPr lang="de-DE" dirty="0" smtClean="0"/>
               <a:t>Integration </a:t>
             </a:r>
             <a:r>
@@ -20116,8 +20193,9 @@
           <a:p>
             <a:r>
               <a:rPr lang="de-DE" dirty="0" smtClean="0"/>
-              <a:t>Gewichtungsgleichung  </a:t>
+              <a:t>Kostenfunktion  </a:t>
             </a:r>
+            <a:endParaRPr lang="de-DE" dirty="0" smtClean="0"/>
           </a:p>
           <a:p>
             <a:endParaRPr lang="de-DE" dirty="0"/>
@@ -20282,7 +20360,7 @@
         </p:blipFill>
         <p:spPr>
           <a:xfrm>
-            <a:off x="3832311" y="3449630"/>
+            <a:off x="3806787" y="3449630"/>
             <a:ext cx="2775522" cy="549700"/>
           </a:xfrm>
           <a:prstGeom prst="rect">

--- a/Abschlusspräsentation_LIKE.pptx
+++ b/Abschlusspräsentation_LIKE.pptx
@@ -176,7 +176,7 @@
   </p:defaultTextStyle>
   <p:extLst>
     <p:ext uri="{EFAFB233-063F-42B5-8137-9DF3F51BA10A}">
-      <p15:sldGuideLst xmlns:p15="http://schemas.microsoft.com/office/powerpoint/2012/main" xmlns="">
+      <p15:sldGuideLst xmlns:p15="http://schemas.microsoft.com/office/powerpoint/2012/main">
         <p15:guide id="1" orient="horz" pos="3294">
           <p15:clr>
             <a:srgbClr val="A4A3A4"/>
@@ -6970,11 +6970,7 @@
             </a:r>
             <a:r>
               <a:rPr lang="de-DE" dirty="0" smtClean="0"/>
-              <a:t> </a:t>
-            </a:r>
-            <a:r>
-              <a:rPr lang="de-DE" dirty="0" smtClean="0"/>
-              <a:t>basierend auf einem 2D-Laserscanner</a:t>
+              <a:t> basierend auf einem 2D-Laserscanner</a:t>
             </a:r>
             <a:endParaRPr lang="de-DE" dirty="0"/>
           </a:p>
@@ -8494,7 +8490,7 @@
                         <m:sSubPr>
                           <m:ctrlPr>
                             <a:rPr lang="de-DE" i="1">
-                              <a:latin typeface="Cambria Math"/>
+                              <a:latin typeface="Cambria Math" panose="02040503050406030204" pitchFamily="18" charset="0"/>
                             </a:rPr>
                           </m:ctrlPr>
                         </m:sSubPr>
@@ -8504,7 +8500,7 @@
                               <m:chr m:val="̇"/>
                               <m:ctrlPr>
                                 <a:rPr lang="de-DE" i="1">
-                                  <a:latin typeface="Cambria Math"/>
+                                  <a:latin typeface="Cambria Math" panose="02040503050406030204" pitchFamily="18" charset="0"/>
                                 </a:rPr>
                               </m:ctrlPr>
                             </m:accPr>
@@ -8537,7 +8533,7 @@
                         <m:fPr>
                           <m:ctrlPr>
                             <a:rPr lang="de-DE" i="1">
-                              <a:latin typeface="Cambria Math"/>
+                              <a:latin typeface="Cambria Math" panose="02040503050406030204" pitchFamily="18" charset="0"/>
                             </a:rPr>
                           </m:ctrlPr>
                         </m:fPr>
@@ -8687,7 +8683,7 @@
                         <m:sSubPr>
                           <m:ctrlPr>
                             <a:rPr lang="de-DE" i="1">
-                              <a:latin typeface="Cambria Math"/>
+                              <a:latin typeface="Cambria Math" panose="02040503050406030204" pitchFamily="18" charset="0"/>
                             </a:rPr>
                           </m:ctrlPr>
                         </m:sSubPr>
@@ -8697,7 +8693,7 @@
                               <m:chr m:val="̇"/>
                               <m:ctrlPr>
                                 <a:rPr lang="de-DE" i="1">
-                                  <a:latin typeface="Cambria Math"/>
+                                  <a:latin typeface="Cambria Math" panose="02040503050406030204" pitchFamily="18" charset="0"/>
                                 </a:rPr>
                               </m:ctrlPr>
                             </m:accPr>
@@ -8730,7 +8726,7 @@
                         <m:fPr>
                           <m:ctrlPr>
                             <a:rPr lang="de-DE" i="1">
-                              <a:latin typeface="Cambria Math"/>
+                              <a:latin typeface="Cambria Math" panose="02040503050406030204" pitchFamily="18" charset="0"/>
                             </a:rPr>
                           </m:ctrlPr>
                         </m:fPr>
@@ -8755,7 +8751,7 @@
                         <m:dPr>
                           <m:ctrlPr>
                             <a:rPr lang="de-DE" i="1">
-                              <a:latin typeface="Cambria Math"/>
+                              <a:latin typeface="Cambria Math" panose="02040503050406030204" pitchFamily="18" charset="0"/>
                             </a:rPr>
                           </m:ctrlPr>
                         </m:dPr>
@@ -8896,7 +8892,7 @@
                         <m:sSubPr>
                           <m:ctrlPr>
                             <a:rPr lang="de-DE" i="1">
-                              <a:latin typeface="Cambria Math"/>
+                              <a:latin typeface="Cambria Math" panose="02040503050406030204" pitchFamily="18" charset="0"/>
                             </a:rPr>
                           </m:ctrlPr>
                         </m:sSubPr>
@@ -8906,7 +8902,7 @@
                               <m:chr m:val="̇"/>
                               <m:ctrlPr>
                                 <a:rPr lang="de-DE" i="1">
-                                  <a:latin typeface="Cambria Math"/>
+                                  <a:latin typeface="Cambria Math" panose="02040503050406030204" pitchFamily="18" charset="0"/>
                                 </a:rPr>
                               </m:ctrlPr>
                             </m:accPr>
@@ -8939,7 +8935,7 @@
                         <m:fPr>
                           <m:ctrlPr>
                             <a:rPr lang="de-DE" i="1">
-                              <a:latin typeface="Cambria Math"/>
+                              <a:latin typeface="Cambria Math" panose="02040503050406030204" pitchFamily="18" charset="0"/>
                             </a:rPr>
                           </m:ctrlPr>
                         </m:fPr>
@@ -8964,7 +8960,7 @@
                         <m:dPr>
                           <m:ctrlPr>
                             <a:rPr lang="de-DE" i="1">
-                              <a:latin typeface="Cambria Math"/>
+                              <a:latin typeface="Cambria Math" panose="02040503050406030204" pitchFamily="18" charset="0"/>
                             </a:rPr>
                           </m:ctrlPr>
                         </m:dPr>
@@ -9059,7 +9055,7 @@
                         <m:sSubPr>
                           <m:ctrlPr>
                             <a:rPr lang="de-DE" i="1">
-                              <a:latin typeface="Cambria Math"/>
+                              <a:latin typeface="Cambria Math" panose="02040503050406030204" pitchFamily="18" charset="0"/>
                             </a:rPr>
                           </m:ctrlPr>
                         </m:sSubPr>
@@ -9069,7 +9065,7 @@
                               <m:chr m:val="̇"/>
                               <m:ctrlPr>
                                 <a:rPr lang="de-DE" i="1">
-                                  <a:latin typeface="Cambria Math"/>
+                                  <a:latin typeface="Cambria Math" panose="02040503050406030204" pitchFamily="18" charset="0"/>
                                 </a:rPr>
                               </m:ctrlPr>
                             </m:accPr>
@@ -9102,7 +9098,7 @@
                         <m:sSubPr>
                           <m:ctrlPr>
                             <a:rPr lang="de-DE" i="1">
-                              <a:latin typeface="Cambria Math"/>
+                              <a:latin typeface="Cambria Math" panose="02040503050406030204" pitchFamily="18" charset="0"/>
                             </a:rPr>
                           </m:ctrlPr>
                         </m:sSubPr>
@@ -9142,7 +9138,7 @@
                         <m:sSubPr>
                           <m:ctrlPr>
                             <a:rPr lang="de-DE" i="1">
-                              <a:latin typeface="Cambria Math"/>
+                              <a:latin typeface="Cambria Math" panose="02040503050406030204" pitchFamily="18" charset="0"/>
                             </a:rPr>
                           </m:ctrlPr>
                         </m:sSubPr>
@@ -9152,7 +9148,7 @@
                               <m:chr m:val="̇"/>
                               <m:ctrlPr>
                                 <a:rPr lang="de-DE" i="1">
-                                  <a:latin typeface="Cambria Math"/>
+                                  <a:latin typeface="Cambria Math" panose="02040503050406030204" pitchFamily="18" charset="0"/>
                                 </a:rPr>
                               </m:ctrlPr>
                             </m:accPr>
@@ -9185,7 +9181,7 @@
                         <m:sSubPr>
                           <m:ctrlPr>
                             <a:rPr lang="de-DE" i="1">
-                              <a:latin typeface="Cambria Math"/>
+                              <a:latin typeface="Cambria Math" panose="02040503050406030204" pitchFamily="18" charset="0"/>
                             </a:rPr>
                           </m:ctrlPr>
                         </m:sSubPr>
@@ -9225,7 +9221,7 @@
                         <m:sSubPr>
                           <m:ctrlPr>
                             <a:rPr lang="de-DE" i="1">
-                              <a:latin typeface="Cambria Math"/>
+                              <a:latin typeface="Cambria Math" panose="02040503050406030204" pitchFamily="18" charset="0"/>
                             </a:rPr>
                           </m:ctrlPr>
                         </m:sSubPr>
@@ -9235,7 +9231,7 @@
                               <m:chr m:val="̇"/>
                               <m:ctrlPr>
                                 <a:rPr lang="de-DE" i="1">
-                                  <a:latin typeface="Cambria Math"/>
+                                  <a:latin typeface="Cambria Math" panose="02040503050406030204" pitchFamily="18" charset="0"/>
                                 </a:rPr>
                               </m:ctrlPr>
                             </m:accPr>
@@ -9268,7 +9264,7 @@
                         <m:sSubPr>
                           <m:ctrlPr>
                             <a:rPr lang="de-DE" i="1">
-                              <a:latin typeface="Cambria Math"/>
+                              <a:latin typeface="Cambria Math" panose="02040503050406030204" pitchFamily="18" charset="0"/>
                             </a:rPr>
                           </m:ctrlPr>
                         </m:sSubPr>
@@ -9863,7 +9859,7 @@
                           <m:degHide m:val="on"/>
                           <m:ctrlPr>
                             <a:rPr lang="de-DE" b="0" i="1" smtClean="0">
-                              <a:latin typeface="Cambria Math"/>
+                              <a:latin typeface="Cambria Math" panose="02040503050406030204" pitchFamily="18" charset="0"/>
                               <a:ea typeface="Cambria Math" panose="02040503050406030204" pitchFamily="18" charset="0"/>
                             </a:rPr>
                           </m:ctrlPr>
@@ -9874,7 +9870,7 @@
                             <m:sSupPr>
                               <m:ctrlPr>
                                 <a:rPr lang="de-DE" b="0" i="1" smtClean="0">
-                                  <a:latin typeface="Cambria Math"/>
+                                  <a:latin typeface="Cambria Math" panose="02040503050406030204" pitchFamily="18" charset="0"/>
                                   <a:ea typeface="Cambria Math" panose="02040503050406030204" pitchFamily="18" charset="0"/>
                                 </a:rPr>
                               </m:ctrlPr>
@@ -9884,7 +9880,7 @@
                                 <m:sSubSupPr>
                                   <m:ctrlPr>
                                     <a:rPr lang="de-DE" b="0" i="1" smtClean="0">
-                                      <a:latin typeface="Cambria Math"/>
+                                      <a:latin typeface="Cambria Math" panose="02040503050406030204" pitchFamily="18" charset="0"/>
                                       <a:ea typeface="Cambria Math" panose="02040503050406030204" pitchFamily="18" charset="0"/>
                                     </a:rPr>
                                   </m:ctrlPr>
@@ -9939,7 +9935,7 @@
                             <m:sSupPr>
                               <m:ctrlPr>
                                 <a:rPr lang="de-DE" i="1">
-                                  <a:latin typeface="Cambria Math"/>
+                                  <a:latin typeface="Cambria Math" panose="02040503050406030204" pitchFamily="18" charset="0"/>
                                   <a:ea typeface="Cambria Math" panose="02040503050406030204" pitchFamily="18" charset="0"/>
                                 </a:rPr>
                               </m:ctrlPr>
@@ -9949,7 +9945,7 @@
                                 <m:sSubSupPr>
                                   <m:ctrlPr>
                                     <a:rPr lang="de-DE" i="1">
-                                      <a:latin typeface="Cambria Math"/>
+                                      <a:latin typeface="Cambria Math" panose="02040503050406030204" pitchFamily="18" charset="0"/>
                                       <a:ea typeface="Cambria Math" panose="02040503050406030204" pitchFamily="18" charset="0"/>
                                     </a:rPr>
                                   </m:ctrlPr>
@@ -10004,7 +10000,7 @@
                             <m:sSupPr>
                               <m:ctrlPr>
                                 <a:rPr lang="de-DE" b="0" i="1" smtClean="0">
-                                  <a:latin typeface="Cambria Math"/>
+                                  <a:latin typeface="Cambria Math" panose="02040503050406030204" pitchFamily="18" charset="0"/>
                                   <a:ea typeface="Cambria Math" panose="02040503050406030204" pitchFamily="18" charset="0"/>
                                 </a:rPr>
                               </m:ctrlPr>
@@ -10021,7 +10017,7 @@
                                 <m:sSubSupPr>
                                   <m:ctrlPr>
                                     <a:rPr lang="de-DE" b="0" i="1" smtClean="0">
-                                      <a:latin typeface="Cambria Math"/>
+                                      <a:latin typeface="Cambria Math" panose="02040503050406030204" pitchFamily="18" charset="0"/>
                                       <a:ea typeface="Cambria Math" panose="02040503050406030204" pitchFamily="18" charset="0"/>
                                     </a:rPr>
                                   </m:ctrlPr>
@@ -10184,7 +10180,7 @@
                         <m:funcPr>
                           <m:ctrlPr>
                             <a:rPr lang="de-DE" b="0" i="1" smtClean="0">
-                              <a:latin typeface="Cambria Math"/>
+                              <a:latin typeface="Cambria Math" panose="02040503050406030204" pitchFamily="18" charset="0"/>
                               <a:ea typeface="Cambria Math" panose="02040503050406030204" pitchFamily="18" charset="0"/>
                             </a:rPr>
                           </m:ctrlPr>
@@ -10194,7 +10190,7 @@
                             <m:sSupPr>
                               <m:ctrlPr>
                                 <a:rPr lang="de-DE" b="0" i="1" smtClean="0">
-                                  <a:latin typeface="Cambria Math"/>
+                                  <a:latin typeface="Cambria Math" panose="02040503050406030204" pitchFamily="18" charset="0"/>
                                   <a:ea typeface="Cambria Math" panose="02040503050406030204" pitchFamily="18" charset="0"/>
                                 </a:rPr>
                               </m:ctrlPr>
@@ -10227,7 +10223,7 @@
                             <m:dPr>
                               <m:ctrlPr>
                                 <a:rPr lang="de-DE" b="0" i="1" smtClean="0">
-                                  <a:latin typeface="Cambria Math"/>
+                                  <a:latin typeface="Cambria Math" panose="02040503050406030204" pitchFamily="18" charset="0"/>
                                   <a:ea typeface="Cambria Math" panose="02040503050406030204" pitchFamily="18" charset="0"/>
                                 </a:rPr>
                               </m:ctrlPr>
@@ -10237,7 +10233,7 @@
                                 <m:fPr>
                                   <m:ctrlPr>
                                     <a:rPr lang="de-DE" i="1">
-                                      <a:latin typeface="Cambria Math"/>
+                                      <a:latin typeface="Cambria Math" panose="02040503050406030204" pitchFamily="18" charset="0"/>
                                       <a:ea typeface="Cambria Math" panose="02040503050406030204" pitchFamily="18" charset="0"/>
                                     </a:rPr>
                                   </m:ctrlPr>
@@ -10247,7 +10243,7 @@
                                     <m:sSubSupPr>
                                       <m:ctrlPr>
                                         <a:rPr lang="de-DE" i="1">
-                                          <a:latin typeface="Cambria Math"/>
+                                          <a:latin typeface="Cambria Math" panose="02040503050406030204" pitchFamily="18" charset="0"/>
                                           <a:ea typeface="Cambria Math" panose="02040503050406030204" pitchFamily="18" charset="0"/>
                                         </a:rPr>
                                       </m:ctrlPr>
@@ -10405,7 +10401,7 @@
                         <m:funcPr>
                           <m:ctrlPr>
                             <a:rPr lang="de-DE" i="1">
-                              <a:latin typeface="Cambria Math"/>
+                              <a:latin typeface="Cambria Math" panose="02040503050406030204" pitchFamily="18" charset="0"/>
                               <a:ea typeface="Cambria Math" panose="02040503050406030204" pitchFamily="18" charset="0"/>
                             </a:rPr>
                           </m:ctrlPr>
@@ -10415,7 +10411,7 @@
                             <m:sSupPr>
                               <m:ctrlPr>
                                 <a:rPr lang="de-DE" i="1">
-                                  <a:latin typeface="Cambria Math"/>
+                                  <a:latin typeface="Cambria Math" panose="02040503050406030204" pitchFamily="18" charset="0"/>
                                   <a:ea typeface="Cambria Math" panose="02040503050406030204" pitchFamily="18" charset="0"/>
                                 </a:rPr>
                               </m:ctrlPr>
@@ -10448,7 +10444,7 @@
                             <m:dPr>
                               <m:ctrlPr>
                                 <a:rPr lang="de-DE" i="1">
-                                  <a:latin typeface="Cambria Math"/>
+                                  <a:latin typeface="Cambria Math" panose="02040503050406030204" pitchFamily="18" charset="0"/>
                                   <a:ea typeface="Cambria Math" panose="02040503050406030204" pitchFamily="18" charset="0"/>
                                 </a:rPr>
                               </m:ctrlPr>
@@ -10458,7 +10454,7 @@
                                 <m:fPr>
                                   <m:ctrlPr>
                                     <a:rPr lang="de-DE" i="1">
-                                      <a:latin typeface="Cambria Math"/>
+                                      <a:latin typeface="Cambria Math" panose="02040503050406030204" pitchFamily="18" charset="0"/>
                                       <a:ea typeface="Cambria Math" panose="02040503050406030204" pitchFamily="18" charset="0"/>
                                     </a:rPr>
                                   </m:ctrlPr>
@@ -10468,7 +10464,7 @@
                                     <m:sSubSupPr>
                                       <m:ctrlPr>
                                         <a:rPr lang="de-DE" i="1">
-                                          <a:latin typeface="Cambria Math"/>
+                                          <a:latin typeface="Cambria Math" panose="02040503050406030204" pitchFamily="18" charset="0"/>
                                           <a:ea typeface="Cambria Math" panose="02040503050406030204" pitchFamily="18" charset="0"/>
                                         </a:rPr>
                                       </m:ctrlPr>
@@ -10507,7 +10503,7 @@
                                     <m:sSubSupPr>
                                       <m:ctrlPr>
                                         <a:rPr lang="de-DE" i="1">
-                                          <a:latin typeface="Cambria Math"/>
+                                          <a:latin typeface="Cambria Math" panose="02040503050406030204" pitchFamily="18" charset="0"/>
                                           <a:ea typeface="Cambria Math" panose="02040503050406030204" pitchFamily="18" charset="0"/>
                                         </a:rPr>
                                       </m:ctrlPr>
@@ -12332,7 +12328,7 @@
                         <m:sSubPr>
                           <m:ctrlPr>
                             <a:rPr lang="de-DE" i="1">
-                              <a:latin typeface="Cambria Math"/>
+                              <a:latin typeface="Cambria Math" panose="02040503050406030204" pitchFamily="18" charset="0"/>
                             </a:rPr>
                           </m:ctrlPr>
                         </m:sSubPr>
@@ -12349,7 +12345,7 @@
                             <m:sSubPr>
                               <m:ctrlPr>
                                 <a:rPr lang="de-DE" i="1">
-                                  <a:latin typeface="Cambria Math"/>
+                                  <a:latin typeface="Cambria Math" panose="02040503050406030204" pitchFamily="18" charset="0"/>
                                 </a:rPr>
                               </m:ctrlPr>
                             </m:sSubPr>
@@ -12382,7 +12378,7 @@
                         <m:sSupPr>
                           <m:ctrlPr>
                             <a:rPr lang="de-DE" i="1">
-                              <a:latin typeface="Cambria Math"/>
+                              <a:latin typeface="Cambria Math" panose="02040503050406030204" pitchFamily="18" charset="0"/>
                             </a:rPr>
                           </m:ctrlPr>
                         </m:sSupPr>
@@ -12391,7 +12387,7 @@
                             <m:sSubPr>
                               <m:ctrlPr>
                                 <a:rPr lang="de-DE" i="1">
-                                  <a:latin typeface="Cambria Math"/>
+                                  <a:latin typeface="Cambria Math" panose="02040503050406030204" pitchFamily="18" charset="0"/>
                                 </a:rPr>
                               </m:ctrlPr>
                             </m:sSubPr>
@@ -12434,7 +12430,7 @@
                         <m:dPr>
                           <m:ctrlPr>
                             <a:rPr lang="de-DE" i="1">
-                              <a:latin typeface="Cambria Math"/>
+                              <a:latin typeface="Cambria Math" panose="02040503050406030204" pitchFamily="18" charset="0"/>
                               <a:ea typeface="Cambria Math" panose="02040503050406030204" pitchFamily="18" charset="0"/>
                             </a:rPr>
                           </m:ctrlPr>
@@ -12444,7 +12440,7 @@
                             <m:sSubSupPr>
                               <m:ctrlPr>
                                 <a:rPr lang="de-DE" i="1">
-                                  <a:latin typeface="Cambria Math"/>
+                                  <a:latin typeface="Cambria Math" panose="02040503050406030204" pitchFamily="18" charset="0"/>
                                   <a:ea typeface="Cambria Math" panose="02040503050406030204" pitchFamily="18" charset="0"/>
                                 </a:rPr>
                               </m:ctrlPr>
@@ -12488,7 +12484,7 @@
                             <m:sSubSupPr>
                               <m:ctrlPr>
                                 <a:rPr lang="de-DE" i="1">
-                                  <a:latin typeface="Cambria Math"/>
+                                  <a:latin typeface="Cambria Math" panose="02040503050406030204" pitchFamily="18" charset="0"/>
                                   <a:ea typeface="Cambria Math" panose="02040503050406030204" pitchFamily="18" charset="0"/>
                                 </a:rPr>
                               </m:ctrlPr>
@@ -12541,7 +12537,7 @@
                         <m:sSubPr>
                           <m:ctrlPr>
                             <a:rPr lang="de-DE" i="1">
-                              <a:latin typeface="Cambria Math"/>
+                              <a:latin typeface="Cambria Math" panose="02040503050406030204" pitchFamily="18" charset="0"/>
                               <a:ea typeface="Cambria Math" panose="02040503050406030204" pitchFamily="18" charset="0"/>
                             </a:rPr>
                           </m:ctrlPr>
@@ -12576,7 +12572,7 @@
                         <m:sSubSupPr>
                           <m:ctrlPr>
                             <a:rPr lang="de-DE" i="1">
-                              <a:latin typeface="Cambria Math"/>
+                              <a:latin typeface="Cambria Math" panose="02040503050406030204" pitchFamily="18" charset="0"/>
                               <a:ea typeface="Cambria Math" panose="02040503050406030204" pitchFamily="18" charset="0"/>
                             </a:rPr>
                           </m:ctrlPr>
@@ -12587,7 +12583,7 @@
                               <m:chr m:val="̇"/>
                               <m:ctrlPr>
                                 <a:rPr lang="de-DE" i="1">
-                                  <a:latin typeface="Cambria Math"/>
+                                  <a:latin typeface="Cambria Math" panose="02040503050406030204" pitchFamily="18" charset="0"/>
                                   <a:ea typeface="Cambria Math" panose="02040503050406030204" pitchFamily="18" charset="0"/>
                                 </a:rPr>
                               </m:ctrlPr>
@@ -12760,11 +12756,6 @@
                 </a:rPr>
                 <a:t>2</a:t>
               </a:r>
-              <a:endParaRPr lang="de-DE" sz="2800" dirty="0">
-                <a:solidFill>
-                  <a:srgbClr val="FF0000"/>
-                </a:solidFill>
-              </a:endParaRPr>
             </a:p>
           </p:txBody>
         </p:sp>
@@ -13555,7 +13546,7 @@
                           <m:chr m:val="̈"/>
                           <m:ctrlPr>
                             <a:rPr lang="de-DE" i="1" smtClean="0">
-                              <a:latin typeface="Cambria Math"/>
+                              <a:latin typeface="Cambria Math" panose="02040503050406030204" pitchFamily="18" charset="0"/>
                             </a:rPr>
                           </m:ctrlPr>
                         </m:accPr>
@@ -13578,7 +13569,7 @@
                         <m:sSubPr>
                           <m:ctrlPr>
                             <a:rPr lang="de-DE" i="1">
-                              <a:latin typeface="Cambria Math"/>
+                              <a:latin typeface="Cambria Math" panose="02040503050406030204" pitchFamily="18" charset="0"/>
                             </a:rPr>
                           </m:ctrlPr>
                         </m:sSubPr>
@@ -13588,7 +13579,7 @@
                               <m:chr m:val="̃"/>
                               <m:ctrlPr>
                                 <a:rPr lang="de-DE" i="1">
-                                  <a:latin typeface="Cambria Math"/>
+                                  <a:latin typeface="Cambria Math" panose="02040503050406030204" pitchFamily="18" charset="0"/>
                                 </a:rPr>
                               </m:ctrlPr>
                             </m:accPr>
@@ -13623,7 +13614,7 @@
                           <m:chr m:val="̇"/>
                           <m:ctrlPr>
                             <a:rPr lang="de-DE" i="1">
-                              <a:latin typeface="Cambria Math"/>
+                              <a:latin typeface="Cambria Math" panose="02040503050406030204" pitchFamily="18" charset="0"/>
                               <a:ea typeface="Cambria Math" panose="02040503050406030204" pitchFamily="18" charset="0"/>
                             </a:rPr>
                           </m:ctrlPr>
@@ -13648,7 +13639,7 @@
                         <m:sSubPr>
                           <m:ctrlPr>
                             <a:rPr lang="de-DE" i="1">
-                              <a:latin typeface="Cambria Math"/>
+                              <a:latin typeface="Cambria Math" panose="02040503050406030204" pitchFamily="18" charset="0"/>
                             </a:rPr>
                           </m:ctrlPr>
                         </m:sSubPr>
@@ -13658,7 +13649,7 @@
                               <m:chr m:val="̃"/>
                               <m:ctrlPr>
                                 <a:rPr lang="de-DE" i="1">
-                                  <a:latin typeface="Cambria Math"/>
+                                  <a:latin typeface="Cambria Math" panose="02040503050406030204" pitchFamily="18" charset="0"/>
                                 </a:rPr>
                               </m:ctrlPr>
                             </m:accPr>
@@ -13729,7 +13720,7 @@
                         <m:sSubSupPr>
                           <m:ctrlPr>
                             <a:rPr lang="de-DE" i="1" dirty="0">
-                              <a:latin typeface="Cambria Math"/>
+                              <a:latin typeface="Cambria Math" panose="02040503050406030204" pitchFamily="18" charset="0"/>
                             </a:rPr>
                           </m:ctrlPr>
                         </m:sSubSupPr>
@@ -13768,7 +13759,7 @@
                         <m:sSupPr>
                           <m:ctrlPr>
                             <a:rPr lang="de-DE" i="1">
-                              <a:latin typeface="Cambria Math"/>
+                              <a:latin typeface="Cambria Math" panose="02040503050406030204" pitchFamily="18" charset="0"/>
                             </a:rPr>
                           </m:ctrlPr>
                         </m:sSupPr>
@@ -13796,7 +13787,7 @@
                           <m:chr m:val="̇"/>
                           <m:ctrlPr>
                             <a:rPr lang="de-DE" i="1">
-                              <a:latin typeface="Cambria Math"/>
+                              <a:latin typeface="Cambria Math" panose="02040503050406030204" pitchFamily="18" charset="0"/>
                             </a:rPr>
                           </m:ctrlPr>
                         </m:accPr>
@@ -13826,7 +13817,7 @@
                         <m:sSubSupPr>
                           <m:ctrlPr>
                             <a:rPr lang="de-DE" i="1" dirty="0">
-                              <a:latin typeface="Cambria Math"/>
+                              <a:latin typeface="Cambria Math" panose="02040503050406030204" pitchFamily="18" charset="0"/>
                             </a:rPr>
                           </m:ctrlPr>
                         </m:sSubSupPr>
@@ -13836,7 +13827,7 @@
                               <m:chr m:val="̇"/>
                               <m:ctrlPr>
                                 <a:rPr lang="de-DE" i="1" dirty="0">
-                                  <a:latin typeface="Cambria Math"/>
+                                  <a:latin typeface="Cambria Math" panose="02040503050406030204" pitchFamily="18" charset="0"/>
                                 </a:rPr>
                               </m:ctrlPr>
                             </m:accPr>
@@ -13877,7 +13868,7 @@
                         <m:sSupPr>
                           <m:ctrlPr>
                             <a:rPr lang="de-DE" i="1">
-                              <a:latin typeface="Cambria Math"/>
+                              <a:latin typeface="Cambria Math" panose="02040503050406030204" pitchFamily="18" charset="0"/>
                             </a:rPr>
                           </m:ctrlPr>
                         </m:sSupPr>
@@ -13887,7 +13878,7 @@
                               <m:chr m:val="̇"/>
                               <m:ctrlPr>
                                 <a:rPr lang="de-DE" i="1" dirty="0">
-                                  <a:latin typeface="Cambria Math"/>
+                                  <a:latin typeface="Cambria Math" panose="02040503050406030204" pitchFamily="18" charset="0"/>
                                 </a:rPr>
                               </m:ctrlPr>
                             </m:accPr>
@@ -13917,7 +13908,7 @@
                           <m:chr m:val="̈"/>
                           <m:ctrlPr>
                             <a:rPr lang="de-DE" i="1">
-                              <a:latin typeface="Cambria Math"/>
+                              <a:latin typeface="Cambria Math" panose="02040503050406030204" pitchFamily="18" charset="0"/>
                             </a:rPr>
                           </m:ctrlPr>
                         </m:accPr>
@@ -13940,7 +13931,7 @@
                         <m:sSubSupPr>
                           <m:ctrlPr>
                             <a:rPr lang="de-DE" i="1" dirty="0">
-                              <a:latin typeface="Cambria Math"/>
+                              <a:latin typeface="Cambria Math" panose="02040503050406030204" pitchFamily="18" charset="0"/>
                             </a:rPr>
                           </m:ctrlPr>
                         </m:sSubSupPr>
@@ -13950,7 +13941,7 @@
                               <m:chr m:val="̈"/>
                               <m:ctrlPr>
                                 <a:rPr lang="de-DE" i="1" dirty="0">
-                                  <a:latin typeface="Cambria Math"/>
+                                  <a:latin typeface="Cambria Math" panose="02040503050406030204" pitchFamily="18" charset="0"/>
                                 </a:rPr>
                               </m:ctrlPr>
                             </m:accPr>
@@ -13991,7 +13982,7 @@
                         <m:sSupPr>
                           <m:ctrlPr>
                             <a:rPr lang="de-DE" i="1">
-                              <a:latin typeface="Cambria Math"/>
+                              <a:latin typeface="Cambria Math" panose="02040503050406030204" pitchFamily="18" charset="0"/>
                             </a:rPr>
                           </m:ctrlPr>
                         </m:sSupPr>
@@ -14001,7 +13992,7 @@
                               <m:chr m:val="̈"/>
                               <m:ctrlPr>
                                 <a:rPr lang="de-DE" i="1">
-                                  <a:latin typeface="Cambria Math"/>
+                                  <a:latin typeface="Cambria Math" panose="02040503050406030204" pitchFamily="18" charset="0"/>
                                 </a:rPr>
                               </m:ctrlPr>
                             </m:accPr>
@@ -14320,7 +14311,7 @@
                         <m:sSubPr>
                           <m:ctrlPr>
                             <a:rPr lang="de-DE" i="1" kern="0" smtClean="0">
-                              <a:latin typeface="Cambria Math"/>
+                              <a:latin typeface="Cambria Math" panose="02040503050406030204" pitchFamily="18" charset="0"/>
                             </a:rPr>
                           </m:ctrlPr>
                         </m:sSubPr>
@@ -14351,7 +14342,7 @@
                         <m:sSubPr>
                           <m:ctrlPr>
                             <a:rPr lang="de-DE" i="1" kern="0">
-                              <a:latin typeface="Cambria Math"/>
+                              <a:latin typeface="Cambria Math" panose="02040503050406030204" pitchFamily="18" charset="0"/>
                             </a:rPr>
                           </m:ctrlPr>
                         </m:sSubPr>
@@ -14374,7 +14365,7 @@
                             <m:sSubPr>
                               <m:ctrlPr>
                                 <a:rPr lang="de-DE" i="1" kern="0">
-                                  <a:latin typeface="Cambria Math"/>
+                                  <a:latin typeface="Cambria Math" panose="02040503050406030204" pitchFamily="18" charset="0"/>
                                 </a:rPr>
                               </m:ctrlPr>
                             </m:sSubPr>
@@ -14414,7 +14405,7 @@
                         <m:sSubPr>
                           <m:ctrlPr>
                             <a:rPr lang="de-DE" i="1" kern="0">
-                              <a:latin typeface="Cambria Math"/>
+                              <a:latin typeface="Cambria Math" panose="02040503050406030204" pitchFamily="18" charset="0"/>
                             </a:rPr>
                           </m:ctrlPr>
                         </m:sSubPr>
@@ -14424,7 +14415,7 @@
                               <m:chr m:val="̃"/>
                               <m:ctrlPr>
                                 <a:rPr lang="de-DE" i="1" kern="0">
-                                  <a:latin typeface="Cambria Math"/>
+                                  <a:latin typeface="Cambria Math" panose="02040503050406030204" pitchFamily="18" charset="0"/>
                                 </a:rPr>
                               </m:ctrlPr>
                             </m:accPr>
@@ -14458,7 +14449,7 @@
                         <m:dPr>
                           <m:ctrlPr>
                             <a:rPr lang="de-DE" i="1" kern="0">
-                              <a:latin typeface="Cambria Math"/>
+                              <a:latin typeface="Cambria Math" panose="02040503050406030204" pitchFamily="18" charset="0"/>
                               <a:ea typeface="Cambria Math" panose="02040503050406030204" pitchFamily="18" charset="0"/>
                             </a:rPr>
                           </m:ctrlPr>
@@ -14468,7 +14459,7 @@
                             <m:sSubSupPr>
                               <m:ctrlPr>
                                 <a:rPr lang="de-DE" i="1" kern="0">
-                                  <a:latin typeface="Cambria Math"/>
+                                  <a:latin typeface="Cambria Math" panose="02040503050406030204" pitchFamily="18" charset="0"/>
                                   <a:ea typeface="Cambria Math" panose="02040503050406030204" pitchFamily="18" charset="0"/>
                                 </a:rPr>
                               </m:ctrlPr>
@@ -14479,7 +14470,7 @@
                                   <m:chr m:val="̇"/>
                                   <m:ctrlPr>
                                     <a:rPr lang="de-DE" i="1" kern="0" dirty="0">
-                                      <a:latin typeface="Cambria Math"/>
+                                      <a:latin typeface="Cambria Math" panose="02040503050406030204" pitchFamily="18" charset="0"/>
                                       <a:ea typeface="Cambria Math" panose="02040503050406030204" pitchFamily="18" charset="0"/>
                                     </a:rPr>
                                   </m:ctrlPr>
@@ -14525,7 +14516,7 @@
                             <m:sSupPr>
                               <m:ctrlPr>
                                 <a:rPr lang="de-DE" i="1" kern="0">
-                                  <a:latin typeface="Cambria Math"/>
+                                  <a:latin typeface="Cambria Math" panose="02040503050406030204" pitchFamily="18" charset="0"/>
                                   <a:ea typeface="Cambria Math" panose="02040503050406030204" pitchFamily="18" charset="0"/>
                                 </a:rPr>
                               </m:ctrlPr>
@@ -14536,7 +14527,7 @@
                                   <m:chr m:val="̇"/>
                                   <m:ctrlPr>
                                     <a:rPr lang="de-DE" i="1" kern="0" dirty="0">
-                                      <a:latin typeface="Cambria Math"/>
+                                      <a:latin typeface="Cambria Math" panose="02040503050406030204" pitchFamily="18" charset="0"/>
                                       <a:ea typeface="Cambria Math" panose="02040503050406030204" pitchFamily="18" charset="0"/>
                                     </a:rPr>
                                   </m:ctrlPr>
@@ -14575,7 +14566,7 @@
                         <m:sSubPr>
                           <m:ctrlPr>
                             <a:rPr lang="de-DE" i="1" kern="0">
-                              <a:latin typeface="Cambria Math"/>
+                              <a:latin typeface="Cambria Math" panose="02040503050406030204" pitchFamily="18" charset="0"/>
                             </a:rPr>
                           </m:ctrlPr>
                         </m:sSubPr>
@@ -14585,7 +14576,7 @@
                               <m:chr m:val="̃"/>
                               <m:ctrlPr>
                                 <a:rPr lang="de-DE" i="1" kern="0">
-                                  <a:latin typeface="Cambria Math"/>
+                                  <a:latin typeface="Cambria Math" panose="02040503050406030204" pitchFamily="18" charset="0"/>
                                 </a:rPr>
                               </m:ctrlPr>
                             </m:accPr>
@@ -14619,7 +14610,7 @@
                         <m:sSubSupPr>
                           <m:ctrlPr>
                             <a:rPr lang="de-DE" i="1" kern="0">
-                              <a:latin typeface="Cambria Math"/>
+                              <a:latin typeface="Cambria Math" panose="02040503050406030204" pitchFamily="18" charset="0"/>
                               <a:ea typeface="Cambria Math" panose="02040503050406030204" pitchFamily="18" charset="0"/>
                             </a:rPr>
                           </m:ctrlPr>
@@ -14663,7 +14654,7 @@
                         <m:sSupPr>
                           <m:ctrlPr>
                             <a:rPr lang="de-DE" i="1" kern="0">
-                              <a:latin typeface="Cambria Math"/>
+                              <a:latin typeface="Cambria Math" panose="02040503050406030204" pitchFamily="18" charset="0"/>
                               <a:ea typeface="Cambria Math" panose="02040503050406030204" pitchFamily="18" charset="0"/>
                             </a:rPr>
                           </m:ctrlPr>
@@ -16481,8 +16472,8 @@
           </a:prstGeom>
         </p:spPr>
       </p:pic>
-      <mc:AlternateContent xmlns:mc="http://schemas.openxmlformats.org/markup-compatibility/2006">
-        <mc:Choice xmlns:a14="http://schemas.microsoft.com/office/drawing/2010/main" Requires="a14">
+      <mc:AlternateContent xmlns:mc="http://schemas.openxmlformats.org/markup-compatibility/2006" xmlns:a14="http://schemas.microsoft.com/office/drawing/2010/main">
+        <mc:Choice Requires="a14">
           <p:sp>
             <p:nvSpPr>
               <p:cNvPr id="3" name="Rechteck 2"/>
@@ -16516,7 +16507,7 @@
                           <m:chr m:val="̇"/>
                           <m:ctrlPr>
                             <a:rPr lang="de-DE" i="1" smtClean="0">
-                              <a:latin typeface="Cambria Math"/>
+                              <a:latin typeface="Cambria Math" panose="02040503050406030204" pitchFamily="18" charset="0"/>
                             </a:rPr>
                           </m:ctrlPr>
                         </m:accPr>
@@ -16526,7 +16517,7 @@
                               <m:chr m:val="̂"/>
                               <m:ctrlPr>
                                 <a:rPr lang="de-DE" i="1">
-                                  <a:latin typeface="Cambria Math"/>
+                                  <a:latin typeface="Cambria Math" panose="02040503050406030204" pitchFamily="18" charset="0"/>
                                 </a:rPr>
                               </m:ctrlPr>
                             </m:accPr>
@@ -16553,7 +16544,7 @@
                           <m:endChr m:val="]"/>
                           <m:ctrlPr>
                             <a:rPr lang="de-DE" i="1">
-                              <a:latin typeface="Cambria Math"/>
+                              <a:latin typeface="Cambria Math" panose="02040503050406030204" pitchFamily="18" charset="0"/>
                             </a:rPr>
                           </m:ctrlPr>
                         </m:dPr>
@@ -16570,7 +16561,7 @@
                               </m:mcs>
                               <m:ctrlPr>
                                 <a:rPr lang="de-DE" i="1">
-                                  <a:latin typeface="Cambria Math"/>
+                                  <a:latin typeface="Cambria Math" panose="02040503050406030204" pitchFamily="18" charset="0"/>
                                 </a:rPr>
                               </m:ctrlPr>
                             </m:mPr>
@@ -16670,7 +16661,7 @@
                           <m:chr m:val="̂"/>
                           <m:ctrlPr>
                             <a:rPr lang="de-DE" i="1">
-                              <a:latin typeface="Cambria Math"/>
+                              <a:latin typeface="Cambria Math" panose="02040503050406030204" pitchFamily="18" charset="0"/>
                             </a:rPr>
                           </m:ctrlPr>
                         </m:accPr>
@@ -16695,7 +16686,7 @@
                           <m:endChr m:val="]"/>
                           <m:ctrlPr>
                             <a:rPr lang="de-DE" i="1">
-                              <a:latin typeface="Cambria Math"/>
+                              <a:latin typeface="Cambria Math" panose="02040503050406030204" pitchFamily="18" charset="0"/>
                             </a:rPr>
                           </m:ctrlPr>
                         </m:dPr>
@@ -16712,7 +16703,7 @@
                               </m:mcs>
                               <m:ctrlPr>
                                 <a:rPr lang="de-DE" i="1">
-                                  <a:latin typeface="Cambria Math"/>
+                                  <a:latin typeface="Cambria Math" panose="02040503050406030204" pitchFamily="18" charset="0"/>
                                 </a:rPr>
                               </m:ctrlPr>
                             </m:mPr>
@@ -16722,7 +16713,7 @@
                                   <m:sSubPr>
                                     <m:ctrlPr>
                                       <a:rPr lang="de-DE" i="1">
-                                        <a:latin typeface="Cambria Math"/>
+                                        <a:latin typeface="Cambria Math" panose="02040503050406030204" pitchFamily="18" charset="0"/>
                                       </a:rPr>
                                     </m:ctrlPr>
                                   </m:sSubPr>
@@ -16757,7 +16748,7 @@
                                   <m:sSubPr>
                                     <m:ctrlPr>
                                       <a:rPr lang="de-DE" i="1">
-                                        <a:latin typeface="Cambria Math"/>
+                                        <a:latin typeface="Cambria Math" panose="02040503050406030204" pitchFamily="18" charset="0"/>
                                       </a:rPr>
                                     </m:ctrlPr>
                                   </m:sSubPr>
@@ -16786,7 +16777,7 @@
                                   <m:sSubPr>
                                     <m:ctrlPr>
                                       <a:rPr lang="de-DE" i="1">
-                                        <a:latin typeface="Cambria Math"/>
+                                        <a:latin typeface="Cambria Math" panose="02040503050406030204" pitchFamily="18" charset="0"/>
                                       </a:rPr>
                                     </m:ctrlPr>
                                   </m:sSubPr>
@@ -16829,7 +16820,7 @@
                         <m:sSupPr>
                           <m:ctrlPr>
                             <a:rPr lang="de-DE" b="0" i="1" smtClean="0">
-                              <a:latin typeface="Cambria Math"/>
+                              <a:latin typeface="Cambria Math" panose="02040503050406030204" pitchFamily="18" charset="0"/>
                             </a:rPr>
                           </m:ctrlPr>
                         </m:sSupPr>
@@ -16861,7 +16852,7 @@
                           <m:chr m:val="̂"/>
                           <m:ctrlPr>
                             <a:rPr lang="de-DE" i="1">
-                              <a:latin typeface="Cambria Math"/>
+                              <a:latin typeface="Cambria Math" panose="02040503050406030204" pitchFamily="18" charset="0"/>
                             </a:rPr>
                           </m:ctrlPr>
                         </m:accPr>
@@ -16893,7 +16884,7 @@
                           <m:endChr m:val="]"/>
                           <m:ctrlPr>
                             <a:rPr lang="de-DE" i="1">
-                              <a:latin typeface="Cambria Math"/>
+                              <a:latin typeface="Cambria Math" panose="02040503050406030204" pitchFamily="18" charset="0"/>
                               <a:ea typeface="Cambria Math" panose="02040503050406030204" pitchFamily="18" charset="0"/>
                             </a:rPr>
                           </m:ctrlPr>
@@ -16911,7 +16902,7 @@
                               </m:mcs>
                               <m:ctrlPr>
                                 <a:rPr lang="de-DE" i="1">
-                                  <a:latin typeface="Cambria Math"/>
+                                  <a:latin typeface="Cambria Math" panose="02040503050406030204" pitchFamily="18" charset="0"/>
                                   <a:ea typeface="Cambria Math" panose="02040503050406030204" pitchFamily="18" charset="0"/>
                                 </a:rPr>
                               </m:ctrlPr>
@@ -16976,7 +16967,7 @@
                           <m:chr m:val="̂"/>
                           <m:ctrlPr>
                             <a:rPr lang="de-DE" i="1">
-                              <a:latin typeface="Cambria Math"/>
+                              <a:latin typeface="Cambria Math" panose="02040503050406030204" pitchFamily="18" charset="0"/>
                               <a:ea typeface="Cambria Math" panose="02040503050406030204" pitchFamily="18" charset="0"/>
                             </a:rPr>
                           </m:ctrlPr>
@@ -17004,7 +16995,7 @@
                           <m:endChr m:val="]"/>
                           <m:ctrlPr>
                             <a:rPr lang="de-DE" i="1">
-                              <a:latin typeface="Cambria Math"/>
+                              <a:latin typeface="Cambria Math" panose="02040503050406030204" pitchFamily="18" charset="0"/>
                               <a:ea typeface="Cambria Math" panose="02040503050406030204" pitchFamily="18" charset="0"/>
                             </a:rPr>
                           </m:ctrlPr>
@@ -17022,7 +17013,7 @@
                               </m:mcs>
                               <m:ctrlPr>
                                 <a:rPr lang="de-DE" i="1">
-                                  <a:latin typeface="Cambria Math"/>
+                                  <a:latin typeface="Cambria Math" panose="02040503050406030204" pitchFamily="18" charset="0"/>
                                   <a:ea typeface="Cambria Math" panose="02040503050406030204" pitchFamily="18" charset="0"/>
                                 </a:rPr>
                               </m:ctrlPr>
@@ -17074,7 +17065,7 @@
                           <m:chr m:val="̂"/>
                           <m:ctrlPr>
                             <a:rPr lang="de-DE" i="1">
-                              <a:latin typeface="Cambria Math"/>
+                              <a:latin typeface="Cambria Math" panose="02040503050406030204" pitchFamily="18" charset="0"/>
                             </a:rPr>
                           </m:ctrlPr>
                         </m:accPr>
@@ -17103,7 +17094,7 @@
                           <m:chr m:val="̂"/>
                           <m:ctrlPr>
                             <a:rPr lang="de-DE" i="1">
-                              <a:latin typeface="Cambria Math"/>
+                              <a:latin typeface="Cambria Math" panose="02040503050406030204" pitchFamily="18" charset="0"/>
                               <a:ea typeface="Cambria Math" panose="02040503050406030204" pitchFamily="18" charset="0"/>
                             </a:rPr>
                           </m:ctrlPr>
@@ -17129,7 +17120,7 @@
                         <m:sSupPr>
                           <m:ctrlPr>
                             <a:rPr lang="de-DE" i="1">
-                              <a:latin typeface="Cambria Math"/>
+                              <a:latin typeface="Cambria Math" panose="02040503050406030204" pitchFamily="18" charset="0"/>
                               <a:ea typeface="Cambria Math" panose="02040503050406030204" pitchFamily="18" charset="0"/>
                             </a:rPr>
                           </m:ctrlPr>
@@ -17141,7 +17132,7 @@
                               <m:endChr m:val="]"/>
                               <m:ctrlPr>
                                 <a:rPr lang="de-DE" i="1">
-                                  <a:latin typeface="Cambria Math"/>
+                                  <a:latin typeface="Cambria Math" panose="02040503050406030204" pitchFamily="18" charset="0"/>
                                   <a:ea typeface="Cambria Math" panose="02040503050406030204" pitchFamily="18" charset="0"/>
                                 </a:rPr>
                               </m:ctrlPr>
@@ -17159,7 +17150,7 @@
                                   </m:mcs>
                                   <m:ctrlPr>
                                     <a:rPr lang="de-DE" i="1">
-                                      <a:latin typeface="Cambria Math"/>
+                                      <a:latin typeface="Cambria Math" panose="02040503050406030204" pitchFamily="18" charset="0"/>
                                       <a:ea typeface="Cambria Math" panose="02040503050406030204" pitchFamily="18" charset="0"/>
                                     </a:rPr>
                                   </m:ctrlPr>
@@ -17170,7 +17161,7 @@
                                       <m:sSupPr>
                                         <m:ctrlPr>
                                           <a:rPr lang="de-DE" i="1">
-                                            <a:latin typeface="Cambria Math"/>
+                                            <a:latin typeface="Cambria Math" panose="02040503050406030204" pitchFamily="18" charset="0"/>
                                             <a:ea typeface="Cambria Math" panose="02040503050406030204" pitchFamily="18" charset="0"/>
                                           </a:rPr>
                                         </m:ctrlPr>
@@ -17181,7 +17172,7 @@
                                             <m:chr m:val="̂"/>
                                             <m:ctrlPr>
                                               <a:rPr lang="de-DE" i="1">
-                                                <a:latin typeface="Cambria Math"/>
+                                                <a:latin typeface="Cambria Math" panose="02040503050406030204" pitchFamily="18" charset="0"/>
                                                 <a:ea typeface="Cambria Math" panose="02040503050406030204" pitchFamily="18" charset="0"/>
                                               </a:rPr>
                                             </m:ctrlPr>
@@ -17216,7 +17207,7 @@
                                       <m:sSupPr>
                                         <m:ctrlPr>
                                           <a:rPr lang="de-DE" i="1">
-                                            <a:latin typeface="Cambria Math"/>
+                                            <a:latin typeface="Cambria Math" panose="02040503050406030204" pitchFamily="18" charset="0"/>
                                             <a:ea typeface="Cambria Math" panose="02040503050406030204" pitchFamily="18" charset="0"/>
                                           </a:rPr>
                                         </m:ctrlPr>
@@ -17227,7 +17218,7 @@
                                             <m:chr m:val="̂"/>
                                             <m:ctrlPr>
                                               <a:rPr lang="de-DE" i="1">
-                                                <a:latin typeface="Cambria Math"/>
+                                                <a:latin typeface="Cambria Math" panose="02040503050406030204" pitchFamily="18" charset="0"/>
                                                 <a:ea typeface="Cambria Math" panose="02040503050406030204" pitchFamily="18" charset="0"/>
                                               </a:rPr>
                                             </m:ctrlPr>
@@ -17260,7 +17251,7 @@
                                         <m:chr m:val="̂"/>
                                         <m:ctrlPr>
                                           <a:rPr lang="de-DE" i="1">
-                                            <a:latin typeface="Cambria Math"/>
+                                            <a:latin typeface="Cambria Math" panose="02040503050406030204" pitchFamily="18" charset="0"/>
                                             <a:ea typeface="Cambria Math" panose="02040503050406030204" pitchFamily="18" charset="0"/>
                                           </a:rPr>
                                         </m:ctrlPr>
@@ -17302,7 +17293,7 @@
             </p:txBody>
           </p:sp>
         </mc:Choice>
-        <mc:Fallback>
+        <mc:Fallback xmlns="">
           <p:sp>
             <p:nvSpPr>
               <p:cNvPr id="3" name="Rechteck 2"/>
@@ -17432,11 +17423,6 @@
                 </a:rPr>
                 <a:t>4</a:t>
               </a:r>
-              <a:endParaRPr lang="de-DE" sz="2800" dirty="0">
-                <a:solidFill>
-                  <a:srgbClr val="FF0000"/>
-                </a:solidFill>
-              </a:endParaRPr>
             </a:p>
           </p:txBody>
         </p:sp>
@@ -18329,7 +18315,6 @@
               <a:rPr lang="de-DE" dirty="0" smtClean="0"/>
               <a:t>Auf ausbleibende Positionsdaten reagiert Regelung nicht optimal</a:t>
             </a:r>
-            <a:endParaRPr lang="de-DE" dirty="0" smtClean="0"/>
           </a:p>
           <a:p>
             <a:pPr marL="457200" lvl="1" indent="0">
@@ -18807,7 +18792,7 @@
                               <a:solidFill>
                                 <a:srgbClr val="002060"/>
                               </a:solidFill>
-                              <a:latin typeface="Cambria Math"/>
+                              <a:latin typeface="Cambria Math" panose="02040503050406030204" pitchFamily="18" charset="0"/>
                             </a:rPr>
                           </m:ctrlPr>
                         </m:sSubPr>
@@ -18851,7 +18836,7 @@
                               <a:solidFill>
                                 <a:srgbClr val="002060"/>
                               </a:solidFill>
-                              <a:latin typeface="Cambria Math"/>
+                              <a:latin typeface="Cambria Math" panose="02040503050406030204" pitchFamily="18" charset="0"/>
                               <a:ea typeface="Cambria Math" panose="02040503050406030204" pitchFamily="18" charset="0"/>
                             </a:rPr>
                           </m:ctrlPr>
@@ -18898,7 +18883,7 @@
                               <a:solidFill>
                                 <a:srgbClr val="002060"/>
                               </a:solidFill>
-                              <a:latin typeface="Cambria Math"/>
+                              <a:latin typeface="Cambria Math" panose="02040503050406030204" pitchFamily="18" charset="0"/>
                               <a:ea typeface="Cambria Math" panose="02040503050406030204" pitchFamily="18" charset="0"/>
                             </a:rPr>
                           </m:ctrlPr>
@@ -18959,7 +18944,7 @@
                               <a:solidFill>
                                 <a:srgbClr val="002060"/>
                               </a:solidFill>
-                              <a:latin typeface="Cambria Math"/>
+                              <a:latin typeface="Cambria Math" panose="02040503050406030204" pitchFamily="18" charset="0"/>
                               <a:ea typeface="Cambria Math" panose="02040503050406030204" pitchFamily="18" charset="0"/>
                             </a:rPr>
                           </m:ctrlPr>
@@ -18980,7 +18965,7 @@
                                   <a:solidFill>
                                     <a:srgbClr val="002060"/>
                                   </a:solidFill>
-                                  <a:latin typeface="Cambria Math"/>
+                                  <a:latin typeface="Cambria Math" panose="02040503050406030204" pitchFamily="18" charset="0"/>
                                   <a:ea typeface="Cambria Math" panose="02040503050406030204" pitchFamily="18" charset="0"/>
                                 </a:rPr>
                               </m:ctrlPr>
@@ -20195,7 +20180,6 @@
               <a:rPr lang="de-DE" dirty="0" smtClean="0"/>
               <a:t>Kostenfunktion  </a:t>
             </a:r>
-            <a:endParaRPr lang="de-DE" dirty="0" smtClean="0"/>
           </a:p>
           <a:p>
             <a:endParaRPr lang="de-DE" dirty="0"/>
@@ -20894,7 +20878,7 @@
                       <m:sSubPr>
                         <m:ctrlPr>
                           <a:rPr lang="de-DE" b="0" i="1" smtClean="0">
-                            <a:latin typeface="Cambria Math"/>
+                            <a:latin typeface="Cambria Math" panose="02040503050406030204" pitchFamily="18" charset="0"/>
                           </a:rPr>
                         </m:ctrlPr>
                       </m:sSubPr>
@@ -20925,7 +20909,7 @@
                       <m:sSubPr>
                         <m:ctrlPr>
                           <a:rPr lang="de-DE" b="0" i="1" smtClean="0">
-                            <a:latin typeface="Cambria Math"/>
+                            <a:latin typeface="Cambria Math" panose="02040503050406030204" pitchFamily="18" charset="0"/>
                           </a:rPr>
                         </m:ctrlPr>
                       </m:sSubPr>
@@ -20948,7 +20932,7 @@
                           <m:sSubPr>
                             <m:ctrlPr>
                               <a:rPr lang="de-DE" b="0" i="1" smtClean="0">
-                                <a:latin typeface="Cambria Math"/>
+                                <a:latin typeface="Cambria Math" panose="02040503050406030204" pitchFamily="18" charset="0"/>
                               </a:rPr>
                             </m:ctrlPr>
                           </m:sSubPr>
@@ -20989,7 +20973,7 @@
                       <m:sSubPr>
                         <m:ctrlPr>
                           <a:rPr lang="de-DE" i="1">
-                            <a:latin typeface="Cambria Math"/>
+                            <a:latin typeface="Cambria Math" panose="02040503050406030204" pitchFamily="18" charset="0"/>
                           </a:rPr>
                         </m:ctrlPr>
                       </m:sSubPr>
@@ -20999,7 +20983,7 @@
                             <m:chr m:val="̃"/>
                             <m:ctrlPr>
                               <a:rPr lang="de-DE" i="1">
-                                <a:latin typeface="Cambria Math"/>
+                                <a:latin typeface="Cambria Math" panose="02040503050406030204" pitchFamily="18" charset="0"/>
                               </a:rPr>
                             </m:ctrlPr>
                           </m:accPr>
@@ -21033,7 +21017,7 @@
                       <m:dPr>
                         <m:ctrlPr>
                           <a:rPr lang="de-DE" b="0" i="1" smtClean="0">
-                            <a:latin typeface="Cambria Math"/>
+                            <a:latin typeface="Cambria Math" panose="02040503050406030204" pitchFamily="18" charset="0"/>
                             <a:ea typeface="Cambria Math" panose="02040503050406030204" pitchFamily="18" charset="0"/>
                           </a:rPr>
                         </m:ctrlPr>
@@ -21043,7 +21027,7 @@
                           <m:sSubSupPr>
                             <m:ctrlPr>
                               <a:rPr lang="de-DE" b="0" i="1" smtClean="0">
-                                <a:latin typeface="Cambria Math"/>
+                                <a:latin typeface="Cambria Math" panose="02040503050406030204" pitchFamily="18" charset="0"/>
                                 <a:ea typeface="Cambria Math" panose="02040503050406030204" pitchFamily="18" charset="0"/>
                               </a:rPr>
                             </m:ctrlPr>
@@ -21054,7 +21038,7 @@
                                 <m:chr m:val="̇"/>
                                 <m:ctrlPr>
                                   <a:rPr lang="de-DE" b="0" i="1" dirty="0" smtClean="0">
-                                    <a:latin typeface="Cambria Math"/>
+                                    <a:latin typeface="Cambria Math" panose="02040503050406030204" pitchFamily="18" charset="0"/>
                                     <a:ea typeface="Cambria Math" panose="02040503050406030204" pitchFamily="18" charset="0"/>
                                   </a:rPr>
                                 </m:ctrlPr>
@@ -21100,7 +21084,7 @@
                           <m:sSupPr>
                             <m:ctrlPr>
                               <a:rPr lang="de-DE" b="0" i="1" smtClean="0">
-                                <a:latin typeface="Cambria Math"/>
+                                <a:latin typeface="Cambria Math" panose="02040503050406030204" pitchFamily="18" charset="0"/>
                                 <a:ea typeface="Cambria Math" panose="02040503050406030204" pitchFamily="18" charset="0"/>
                               </a:rPr>
                             </m:ctrlPr>
@@ -21111,7 +21095,7 @@
                                 <m:chr m:val="̇"/>
                                 <m:ctrlPr>
                                   <a:rPr lang="de-DE" b="0" i="1" dirty="0" smtClean="0">
-                                    <a:latin typeface="Cambria Math"/>
+                                    <a:latin typeface="Cambria Math" panose="02040503050406030204" pitchFamily="18" charset="0"/>
                                     <a:ea typeface="Cambria Math" panose="02040503050406030204" pitchFamily="18" charset="0"/>
                                   </a:rPr>
                                 </m:ctrlPr>
@@ -21150,7 +21134,7 @@
                       <m:sSubPr>
                         <m:ctrlPr>
                           <a:rPr lang="de-DE" i="1">
-                            <a:latin typeface="Cambria Math"/>
+                            <a:latin typeface="Cambria Math" panose="02040503050406030204" pitchFamily="18" charset="0"/>
                           </a:rPr>
                         </m:ctrlPr>
                       </m:sSubPr>
@@ -21160,7 +21144,7 @@
                             <m:chr m:val="̃"/>
                             <m:ctrlPr>
                               <a:rPr lang="de-DE" i="1">
-                                <a:latin typeface="Cambria Math"/>
+                                <a:latin typeface="Cambria Math" panose="02040503050406030204" pitchFamily="18" charset="0"/>
                               </a:rPr>
                             </m:ctrlPr>
                           </m:accPr>
@@ -21194,7 +21178,7 @@
                       <m:dPr>
                         <m:ctrlPr>
                           <a:rPr lang="de-DE" b="0" i="1" smtClean="0">
-                            <a:latin typeface="Cambria Math"/>
+                            <a:latin typeface="Cambria Math" panose="02040503050406030204" pitchFamily="18" charset="0"/>
                             <a:ea typeface="Cambria Math" panose="02040503050406030204" pitchFamily="18" charset="0"/>
                           </a:rPr>
                         </m:ctrlPr>
@@ -21204,7 +21188,7 @@
                           <m:sSubSupPr>
                             <m:ctrlPr>
                               <a:rPr lang="de-DE" b="0" i="1" smtClean="0">
-                                <a:latin typeface="Cambria Math"/>
+                                <a:latin typeface="Cambria Math" panose="02040503050406030204" pitchFamily="18" charset="0"/>
                                 <a:ea typeface="Cambria Math" panose="02040503050406030204" pitchFamily="18" charset="0"/>
                               </a:rPr>
                             </m:ctrlPr>
@@ -21248,7 +21232,7 @@
                           <m:sSupPr>
                             <m:ctrlPr>
                               <a:rPr lang="de-DE" b="0" i="1" smtClean="0">
-                                <a:latin typeface="Cambria Math"/>
+                                <a:latin typeface="Cambria Math" panose="02040503050406030204" pitchFamily="18" charset="0"/>
                                 <a:ea typeface="Cambria Math" panose="02040503050406030204" pitchFamily="18" charset="0"/>
                               </a:rPr>
                             </m:ctrlPr>
@@ -21285,7 +21269,7 @@
                       <m:sSubPr>
                         <m:ctrlPr>
                           <a:rPr lang="de-DE" i="1">
-                            <a:latin typeface="Cambria Math"/>
+                            <a:latin typeface="Cambria Math" panose="02040503050406030204" pitchFamily="18" charset="0"/>
                           </a:rPr>
                         </m:ctrlPr>
                       </m:sSubPr>
@@ -21295,7 +21279,7 @@
                             <m:chr m:val="̃"/>
                             <m:ctrlPr>
                               <a:rPr lang="de-DE" i="1">
-                                <a:latin typeface="Cambria Math"/>
+                                <a:latin typeface="Cambria Math" panose="02040503050406030204" pitchFamily="18" charset="0"/>
                               </a:rPr>
                             </m:ctrlPr>
                           </m:accPr>
@@ -21325,7 +21309,7 @@
                         <m:supHide m:val="on"/>
                         <m:ctrlPr>
                           <a:rPr lang="de-DE" i="1" smtClean="0">
-                            <a:latin typeface="Cambria Math"/>
+                            <a:latin typeface="Cambria Math" panose="02040503050406030204" pitchFamily="18" charset="0"/>
                           </a:rPr>
                         </m:ctrlPr>
                       </m:naryPr>
@@ -21342,7 +21326,7 @@
                           <m:dPr>
                             <m:ctrlPr>
                               <a:rPr lang="de-DE" b="0" i="1" smtClean="0">
-                                <a:latin typeface="Cambria Math"/>
+                                <a:latin typeface="Cambria Math" panose="02040503050406030204" pitchFamily="18" charset="0"/>
                               </a:rPr>
                             </m:ctrlPr>
                           </m:dPr>
@@ -21951,7 +21935,7 @@
                         <m:dPr>
                           <m:ctrlPr>
                             <a:rPr lang="de-DE" sz="1800" i="1" kern="0" smtClean="0">
-                              <a:latin typeface="Cambria Math"/>
+                              <a:latin typeface="Cambria Math" panose="02040503050406030204" pitchFamily="18" charset="0"/>
                             </a:rPr>
                           </m:ctrlPr>
                         </m:dPr>
@@ -21974,7 +21958,7 @@
                         <m:fPr>
                           <m:ctrlPr>
                             <a:rPr lang="de-DE" sz="1800" i="1" kern="0" smtClean="0">
-                              <a:latin typeface="Cambria Math"/>
+                              <a:latin typeface="Cambria Math" panose="02040503050406030204" pitchFamily="18" charset="0"/>
                             </a:rPr>
                           </m:ctrlPr>
                         </m:fPr>
@@ -22041,7 +22025,7 @@
                         <m:fPr>
                           <m:ctrlPr>
                             <a:rPr lang="de-DE" sz="1800" i="1" kern="0" smtClean="0">
-                              <a:latin typeface="Cambria Math"/>
+                              <a:latin typeface="Cambria Math" panose="02040503050406030204" pitchFamily="18" charset="0"/>
                             </a:rPr>
                           </m:ctrlPr>
                         </m:fPr>
@@ -22050,7 +22034,7 @@
                             <m:sSubPr>
                               <m:ctrlPr>
                                 <a:rPr lang="de-DE" sz="1800" i="1" kern="0" smtClean="0">
-                                  <a:latin typeface="Cambria Math"/>
+                                  <a:latin typeface="Cambria Math" panose="02040503050406030204" pitchFamily="18" charset="0"/>
                                 </a:rPr>
                               </m:ctrlPr>
                             </m:sSubPr>
@@ -22075,7 +22059,7 @@
                             <m:sSupPr>
                               <m:ctrlPr>
                                 <a:rPr lang="de-DE" sz="1800" i="1" kern="0" smtClean="0">
-                                  <a:latin typeface="Cambria Math"/>
+                                  <a:latin typeface="Cambria Math" panose="02040503050406030204" pitchFamily="18" charset="0"/>
                                 </a:rPr>
                               </m:ctrlPr>
                             </m:sSupPr>
@@ -22113,7 +22097,7 @@
                             <m:sSubPr>
                               <m:ctrlPr>
                                 <a:rPr lang="de-DE" sz="1800" i="1" kern="0" smtClean="0">
-                                  <a:latin typeface="Cambria Math"/>
+                                  <a:latin typeface="Cambria Math" panose="02040503050406030204" pitchFamily="18" charset="0"/>
                                   <a:ea typeface="Cambria Math" panose="02040503050406030204" pitchFamily="18" charset="0"/>
                                 </a:rPr>
                               </m:ctrlPr>
@@ -22171,7 +22155,7 @@
                             <m:sSubPr>
                               <m:ctrlPr>
                                 <a:rPr lang="de-DE" sz="1800" i="1" kern="0" smtClean="0">
-                                  <a:latin typeface="Cambria Math"/>
+                                  <a:latin typeface="Cambria Math" panose="02040503050406030204" pitchFamily="18" charset="0"/>
                                 </a:rPr>
                               </m:ctrlPr>
                             </m:sSubPr>
@@ -22196,7 +22180,7 @@
                             <m:sSupPr>
                               <m:ctrlPr>
                                 <a:rPr lang="de-DE" sz="1800" i="1" kern="0" smtClean="0">
-                                  <a:latin typeface="Cambria Math"/>
+                                  <a:latin typeface="Cambria Math" panose="02040503050406030204" pitchFamily="18" charset="0"/>
                                 </a:rPr>
                               </m:ctrlPr>
                             </m:sSupPr>
@@ -22234,7 +22218,7 @@
                             <m:sSubPr>
                               <m:ctrlPr>
                                 <a:rPr lang="de-DE" sz="1800" i="1" kern="0" smtClean="0">
-                                  <a:latin typeface="Cambria Math"/>
+                                  <a:latin typeface="Cambria Math" panose="02040503050406030204" pitchFamily="18" charset="0"/>
                                   <a:ea typeface="Cambria Math" panose="02040503050406030204" pitchFamily="18" charset="0"/>
                                 </a:rPr>
                               </m:ctrlPr>
@@ -22338,7 +22322,7 @@
                         <m:dPr>
                           <m:ctrlPr>
                             <a:rPr lang="de-DE" sz="1800" i="1" kern="0" smtClean="0">
-                              <a:latin typeface="Cambria Math"/>
+                              <a:latin typeface="Cambria Math" panose="02040503050406030204" pitchFamily="18" charset="0"/>
                             </a:rPr>
                           </m:ctrlPr>
                         </m:dPr>
@@ -22361,7 +22345,7 @@
                         <m:sSubPr>
                           <m:ctrlPr>
                             <a:rPr lang="de-DE" sz="1800" i="1" kern="0">
-                              <a:latin typeface="Cambria Math"/>
+                              <a:latin typeface="Cambria Math" panose="02040503050406030204" pitchFamily="18" charset="0"/>
                             </a:rPr>
                           </m:ctrlPr>
                         </m:sSubPr>
@@ -22386,7 +22370,7 @@
                         <m:sSupPr>
                           <m:ctrlPr>
                             <a:rPr lang="de-DE" sz="1800" i="1" kern="0">
-                              <a:latin typeface="Cambria Math"/>
+                              <a:latin typeface="Cambria Math" panose="02040503050406030204" pitchFamily="18" charset="0"/>
                             </a:rPr>
                           </m:ctrlPr>
                         </m:sSupPr>
@@ -22424,7 +22408,7 @@
                         <m:sSubPr>
                           <m:ctrlPr>
                             <a:rPr lang="de-DE" sz="1800" i="1" kern="0">
-                              <a:latin typeface="Cambria Math"/>
+                              <a:latin typeface="Cambria Math" panose="02040503050406030204" pitchFamily="18" charset="0"/>
                               <a:ea typeface="Cambria Math" panose="02040503050406030204" pitchFamily="18" charset="0"/>
                             </a:rPr>
                           </m:ctrlPr>
@@ -22466,7 +22450,7 @@
                         <m:sSubPr>
                           <m:ctrlPr>
                             <a:rPr lang="de-DE" sz="1800" i="1" kern="0">
-                              <a:latin typeface="Cambria Math"/>
+                              <a:latin typeface="Cambria Math" panose="02040503050406030204" pitchFamily="18" charset="0"/>
                               <a:ea typeface="Cambria Math" panose="02040503050406030204" pitchFamily="18" charset="0"/>
                             </a:rPr>
                           </m:ctrlPr>
@@ -22795,7 +22779,7 @@
                           <m:chr m:val="̇"/>
                           <m:ctrlPr>
                             <a:rPr lang="de-DE" i="1" kern="0" smtClean="0">
-                              <a:latin typeface="Cambria Math"/>
+                              <a:latin typeface="Cambria Math" panose="02040503050406030204" pitchFamily="18" charset="0"/>
                             </a:rPr>
                           </m:ctrlPr>
                         </m:accPr>
@@ -22978,7 +22962,7 @@
                         <m:funcPr>
                           <m:ctrlPr>
                             <a:rPr lang="de-DE" b="0" i="1" smtClean="0">
-                              <a:latin typeface="Cambria Math"/>
+                              <a:latin typeface="Cambria Math" panose="02040503050406030204" pitchFamily="18" charset="0"/>
                             </a:rPr>
                           </m:ctrlPr>
                         </m:funcPr>
@@ -22998,7 +22982,7 @@
                             <m:dPr>
                               <m:ctrlPr>
                                 <a:rPr lang="de-DE" b="0" i="1" smtClean="0">
-                                  <a:latin typeface="Cambria Math"/>
+                                  <a:latin typeface="Cambria Math" panose="02040503050406030204" pitchFamily="18" charset="0"/>
                                 </a:rPr>
                               </m:ctrlPr>
                             </m:dPr>
@@ -23051,7 +23035,7 @@
                             <m:sSubPr>
                               <m:ctrlPr>
                                 <a:rPr lang="de-DE" i="1">
-                                  <a:latin typeface="Cambria Math"/>
+                                  <a:latin typeface="Cambria Math" panose="02040503050406030204" pitchFamily="18" charset="0"/>
                                 </a:rPr>
                               </m:ctrlPr>
                             </m:sSubPr>
@@ -23076,7 +23060,7 @@
                             <m:sSupPr>
                               <m:ctrlPr>
                                 <a:rPr lang="de-DE" i="1">
-                                  <a:latin typeface="Cambria Math"/>
+                                  <a:latin typeface="Cambria Math" panose="02040503050406030204" pitchFamily="18" charset="0"/>
                                 </a:rPr>
                               </m:ctrlPr>
                             </m:sSupPr>
@@ -23114,7 +23098,7 @@
                             <m:sSubPr>
                               <m:ctrlPr>
                                 <a:rPr lang="de-DE" i="1">
-                                  <a:latin typeface="Cambria Math"/>
+                                  <a:latin typeface="Cambria Math" panose="02040503050406030204" pitchFamily="18" charset="0"/>
                                   <a:ea typeface="Cambria Math" panose="02040503050406030204" pitchFamily="18" charset="0"/>
                                 </a:rPr>
                               </m:ctrlPr>
@@ -23156,7 +23140,7 @@
                             <m:sSubPr>
                               <m:ctrlPr>
                                 <a:rPr lang="de-DE" i="1">
-                                  <a:latin typeface="Cambria Math"/>
+                                  <a:latin typeface="Cambria Math" panose="02040503050406030204" pitchFamily="18" charset="0"/>
                                   <a:ea typeface="Cambria Math" panose="02040503050406030204" pitchFamily="18" charset="0"/>
                                 </a:rPr>
                               </m:ctrlPr>
@@ -23295,7 +23279,7 @@
                         <m:sSubPr>
                           <m:ctrlPr>
                             <a:rPr lang="de-DE" i="1">
-                              <a:latin typeface="Cambria Math"/>
+                              <a:latin typeface="Cambria Math" panose="02040503050406030204" pitchFamily="18" charset="0"/>
                             </a:rPr>
                           </m:ctrlPr>
                         </m:sSubPr>
@@ -23320,7 +23304,7 @@
                         <m:sSupPr>
                           <m:ctrlPr>
                             <a:rPr lang="de-DE" i="1">
-                              <a:latin typeface="Cambria Math"/>
+                              <a:latin typeface="Cambria Math" panose="02040503050406030204" pitchFamily="18" charset="0"/>
                             </a:rPr>
                           </m:ctrlPr>
                         </m:sSupPr>
@@ -23358,7 +23342,7 @@
                         <m:sSubPr>
                           <m:ctrlPr>
                             <a:rPr lang="de-DE" i="1">
-                              <a:latin typeface="Cambria Math"/>
+                              <a:latin typeface="Cambria Math" panose="02040503050406030204" pitchFamily="18" charset="0"/>
                               <a:ea typeface="Cambria Math" panose="02040503050406030204" pitchFamily="18" charset="0"/>
                             </a:rPr>
                           </m:ctrlPr>
@@ -23400,7 +23384,7 @@
                         <m:sSubPr>
                           <m:ctrlPr>
                             <a:rPr lang="de-DE" i="1">
-                              <a:latin typeface="Cambria Math"/>
+                              <a:latin typeface="Cambria Math" panose="02040503050406030204" pitchFamily="18" charset="0"/>
                               <a:ea typeface="Cambria Math" panose="02040503050406030204" pitchFamily="18" charset="0"/>
                             </a:rPr>
                           </m:ctrlPr>
@@ -23435,7 +23419,7 @@
                           <m:chr m:val="∏"/>
                           <m:ctrlPr>
                             <a:rPr lang="de-DE" i="1">
-                              <a:latin typeface="Cambria Math"/>
+                              <a:latin typeface="Cambria Math" panose="02040503050406030204" pitchFamily="18" charset="0"/>
                             </a:rPr>
                           </m:ctrlPr>
                         </m:naryPr>
@@ -23487,7 +23471,7 @@
                             <m:sSubPr>
                               <m:ctrlPr>
                                 <a:rPr lang="de-DE" i="1">
-                                  <a:latin typeface="Cambria Math"/>
+                                  <a:latin typeface="Cambria Math" panose="02040503050406030204" pitchFamily="18" charset="0"/>
                                   <a:sym typeface="Symbol" panose="05050102010706020507" pitchFamily="18" charset="2"/>
                                 </a:rPr>
                               </m:ctrlPr>
@@ -24028,7 +24012,7 @@
                           <m:chr m:val="̇"/>
                           <m:ctrlPr>
                             <a:rPr lang="de-DE" sz="1800" i="1" kern="0" smtClean="0">
-                              <a:latin typeface="Cambria Math"/>
+                              <a:latin typeface="Cambria Math" panose="02040503050406030204" pitchFamily="18" charset="0"/>
                             </a:rPr>
                           </m:ctrlPr>
                         </m:accPr>
@@ -24053,7 +24037,7 @@
                           <m:endChr m:val="]"/>
                           <m:ctrlPr>
                             <a:rPr lang="de-DE" sz="1800" i="1" kern="0" smtClean="0">
-                              <a:latin typeface="Cambria Math"/>
+                              <a:latin typeface="Cambria Math" panose="02040503050406030204" pitchFamily="18" charset="0"/>
                             </a:rPr>
                           </m:ctrlPr>
                         </m:dPr>
@@ -24070,7 +24054,7 @@
                               </m:mcs>
                               <m:ctrlPr>
                                 <a:rPr lang="de-DE" sz="1800" i="1" kern="0" smtClean="0">
-                                  <a:latin typeface="Cambria Math"/>
+                                  <a:latin typeface="Cambria Math" panose="02040503050406030204" pitchFamily="18" charset="0"/>
                                 </a:rPr>
                               </m:ctrlPr>
                             </m:mPr>
@@ -24185,7 +24169,7 @@
                           <m:endChr m:val="]"/>
                           <m:ctrlPr>
                             <a:rPr lang="de-DE" sz="1800" i="1" kern="0" smtClean="0">
-                              <a:latin typeface="Cambria Math"/>
+                              <a:latin typeface="Cambria Math" panose="02040503050406030204" pitchFamily="18" charset="0"/>
                               <a:ea typeface="Cambria Math" panose="02040503050406030204" pitchFamily="18" charset="0"/>
                             </a:rPr>
                           </m:ctrlPr>
@@ -24203,7 +24187,7 @@
                               </m:mcs>
                               <m:ctrlPr>
                                 <a:rPr lang="de-DE" sz="1800" i="1" kern="0" smtClean="0">
-                                  <a:latin typeface="Cambria Math"/>
+                                  <a:latin typeface="Cambria Math" panose="02040503050406030204" pitchFamily="18" charset="0"/>
                                   <a:ea typeface="Cambria Math" panose="02040503050406030204" pitchFamily="18" charset="0"/>
                                 </a:rPr>
                               </m:ctrlPr>
@@ -24283,7 +24267,7 @@
                           <m:endChr m:val="]"/>
                           <m:ctrlPr>
                             <a:rPr lang="de-DE" sz="1800" i="1" kern="0" smtClean="0">
-                              <a:latin typeface="Cambria Math"/>
+                              <a:latin typeface="Cambria Math" panose="02040503050406030204" pitchFamily="18" charset="0"/>
                               <a:ea typeface="Cambria Math" panose="02040503050406030204" pitchFamily="18" charset="0"/>
                             </a:rPr>
                           </m:ctrlPr>
@@ -24301,7 +24285,7 @@
                               </m:mcs>
                               <m:ctrlPr>
                                 <a:rPr lang="de-DE" sz="1800" i="1" kern="0" smtClean="0">
-                                  <a:latin typeface="Cambria Math"/>
+                                  <a:latin typeface="Cambria Math" panose="02040503050406030204" pitchFamily="18" charset="0"/>
                                   <a:ea typeface="Cambria Math" panose="02040503050406030204" pitchFamily="18" charset="0"/>
                                 </a:rPr>
                               </m:ctrlPr>
@@ -24384,7 +24368,7 @@
                         <m:sSupPr>
                           <m:ctrlPr>
                             <a:rPr lang="de-DE" sz="1800" i="1" kern="0" smtClean="0">
-                              <a:latin typeface="Cambria Math"/>
+                              <a:latin typeface="Cambria Math" panose="02040503050406030204" pitchFamily="18" charset="0"/>
                               <a:ea typeface="Cambria Math" panose="02040503050406030204" pitchFamily="18" charset="0"/>
                             </a:rPr>
                           </m:ctrlPr>
@@ -24396,7 +24380,7 @@
                               <m:endChr m:val="]"/>
                               <m:ctrlPr>
                                 <a:rPr lang="de-DE" sz="1800" i="1" kern="0" smtClean="0">
-                                  <a:latin typeface="Cambria Math"/>
+                                  <a:latin typeface="Cambria Math" panose="02040503050406030204" pitchFamily="18" charset="0"/>
                                   <a:ea typeface="Cambria Math" panose="02040503050406030204" pitchFamily="18" charset="0"/>
                                 </a:rPr>
                               </m:ctrlPr>
@@ -24414,7 +24398,7 @@
                                   </m:mcs>
                                   <m:ctrlPr>
                                     <a:rPr lang="de-DE" sz="1800" i="1" kern="0" smtClean="0">
-                                      <a:latin typeface="Cambria Math"/>
+                                      <a:latin typeface="Cambria Math" panose="02040503050406030204" pitchFamily="18" charset="0"/>
                                       <a:ea typeface="Cambria Math" panose="02040503050406030204" pitchFamily="18" charset="0"/>
                                     </a:rPr>
                                   </m:ctrlPr>
@@ -24425,7 +24409,7 @@
                                       <m:sSupPr>
                                         <m:ctrlPr>
                                           <a:rPr lang="de-DE" sz="1800" i="1" kern="0" smtClean="0">
-                                            <a:latin typeface="Cambria Math"/>
+                                            <a:latin typeface="Cambria Math" panose="02040503050406030204" pitchFamily="18" charset="0"/>
                                             <a:ea typeface="Cambria Math" panose="02040503050406030204" pitchFamily="18" charset="0"/>
                                           </a:rPr>
                                         </m:ctrlPr>
@@ -24461,7 +24445,7 @@
                                       <m:sSupPr>
                                         <m:ctrlPr>
                                           <a:rPr lang="de-DE" sz="1800" i="1" kern="0" smtClean="0">
-                                            <a:latin typeface="Cambria Math"/>
+                                            <a:latin typeface="Cambria Math" panose="02040503050406030204" pitchFamily="18" charset="0"/>
                                             <a:ea typeface="Cambria Math" panose="02040503050406030204" pitchFamily="18" charset="0"/>
                                           </a:rPr>
                                         </m:ctrlPr>
@@ -24811,7 +24795,7 @@
                           <m:chr m:val="̇"/>
                           <m:ctrlPr>
                             <a:rPr lang="de-DE" i="1">
-                              <a:latin typeface="Cambria Math"/>
+                              <a:latin typeface="Cambria Math" panose="02040503050406030204" pitchFamily="18" charset="0"/>
                             </a:rPr>
                           </m:ctrlPr>
                         </m:accPr>
@@ -24821,7 +24805,7 @@
                               <m:chr m:val="̂"/>
                               <m:ctrlPr>
                                 <a:rPr lang="de-DE" i="1" smtClean="0">
-                                  <a:latin typeface="Cambria Math"/>
+                                  <a:latin typeface="Cambria Math" panose="02040503050406030204" pitchFamily="18" charset="0"/>
                                 </a:rPr>
                               </m:ctrlPr>
                             </m:accPr>
@@ -24848,7 +24832,7 @@
                           <m:endChr m:val="]"/>
                           <m:ctrlPr>
                             <a:rPr lang="de-DE" i="1">
-                              <a:latin typeface="Cambria Math"/>
+                              <a:latin typeface="Cambria Math" panose="02040503050406030204" pitchFamily="18" charset="0"/>
                             </a:rPr>
                           </m:ctrlPr>
                         </m:dPr>
@@ -24865,7 +24849,7 @@
                               </m:mcs>
                               <m:ctrlPr>
                                 <a:rPr lang="de-DE" i="1">
-                                  <a:latin typeface="Cambria Math"/>
+                                  <a:latin typeface="Cambria Math" panose="02040503050406030204" pitchFamily="18" charset="0"/>
                                 </a:rPr>
                               </m:ctrlPr>
                             </m:mPr>
@@ -24965,7 +24949,7 @@
                           <m:chr m:val="̂"/>
                           <m:ctrlPr>
                             <a:rPr lang="de-DE" i="1">
-                              <a:latin typeface="Cambria Math"/>
+                              <a:latin typeface="Cambria Math" panose="02040503050406030204" pitchFamily="18" charset="0"/>
                             </a:rPr>
                           </m:ctrlPr>
                         </m:accPr>
@@ -24990,7 +24974,7 @@
                           <m:endChr m:val="]"/>
                           <m:ctrlPr>
                             <a:rPr lang="de-DE" b="0" i="1" smtClean="0">
-                              <a:latin typeface="Cambria Math"/>
+                              <a:latin typeface="Cambria Math" panose="02040503050406030204" pitchFamily="18" charset="0"/>
                             </a:rPr>
                           </m:ctrlPr>
                         </m:dPr>
@@ -25007,7 +24991,7 @@
                               </m:mcs>
                               <m:ctrlPr>
                                 <a:rPr lang="de-DE" b="0" i="1" smtClean="0">
-                                  <a:latin typeface="Cambria Math"/>
+                                  <a:latin typeface="Cambria Math" panose="02040503050406030204" pitchFamily="18" charset="0"/>
                                 </a:rPr>
                               </m:ctrlPr>
                             </m:mPr>
@@ -25017,7 +25001,7 @@
                                   <m:sSubPr>
                                     <m:ctrlPr>
                                       <a:rPr lang="de-DE" b="0" i="1" smtClean="0">
-                                        <a:latin typeface="Cambria Math"/>
+                                        <a:latin typeface="Cambria Math" panose="02040503050406030204" pitchFamily="18" charset="0"/>
                                       </a:rPr>
                                     </m:ctrlPr>
                                   </m:sSubPr>
@@ -25052,7 +25036,7 @@
                                   <m:sSubPr>
                                     <m:ctrlPr>
                                       <a:rPr lang="de-DE" b="0" i="1" smtClean="0">
-                                        <a:latin typeface="Cambria Math"/>
+                                        <a:latin typeface="Cambria Math" panose="02040503050406030204" pitchFamily="18" charset="0"/>
                                       </a:rPr>
                                     </m:ctrlPr>
                                   </m:sSubPr>
@@ -25081,7 +25065,7 @@
                                   <m:sSubPr>
                                     <m:ctrlPr>
                                       <a:rPr lang="de-DE" b="0" i="1" smtClean="0">
-                                        <a:latin typeface="Cambria Math"/>
+                                        <a:latin typeface="Cambria Math" panose="02040503050406030204" pitchFamily="18" charset="0"/>
                                       </a:rPr>
                                     </m:ctrlPr>
                                   </m:sSubPr>
@@ -25137,7 +25121,7 @@
                           <m:chr m:val="̂"/>
                           <m:ctrlPr>
                             <a:rPr lang="de-DE" b="0" i="1" smtClean="0">
-                              <a:latin typeface="Cambria Math"/>
+                              <a:latin typeface="Cambria Math" panose="02040503050406030204" pitchFamily="18" charset="0"/>
                             </a:rPr>
                           </m:ctrlPr>
                         </m:accPr>
@@ -25169,7 +25153,7 @@
                           <m:endChr m:val="]"/>
                           <m:ctrlPr>
                             <a:rPr lang="de-DE" i="1">
-                              <a:latin typeface="Cambria Math"/>
+                              <a:latin typeface="Cambria Math" panose="02040503050406030204" pitchFamily="18" charset="0"/>
                               <a:ea typeface="Cambria Math" panose="02040503050406030204" pitchFamily="18" charset="0"/>
                             </a:rPr>
                           </m:ctrlPr>
@@ -25187,7 +25171,7 @@
                               </m:mcs>
                               <m:ctrlPr>
                                 <a:rPr lang="de-DE" i="1">
-                                  <a:latin typeface="Cambria Math"/>
+                                  <a:latin typeface="Cambria Math" panose="02040503050406030204" pitchFamily="18" charset="0"/>
                                   <a:ea typeface="Cambria Math" panose="02040503050406030204" pitchFamily="18" charset="0"/>
                                 </a:rPr>
                               </m:ctrlPr>
@@ -25252,7 +25236,7 @@
                           <m:chr m:val="̂"/>
                           <m:ctrlPr>
                             <a:rPr lang="de-DE" i="1" smtClean="0">
-                              <a:latin typeface="Cambria Math"/>
+                              <a:latin typeface="Cambria Math" panose="02040503050406030204" pitchFamily="18" charset="0"/>
                               <a:ea typeface="Cambria Math" panose="02040503050406030204" pitchFamily="18" charset="0"/>
                             </a:rPr>
                           </m:ctrlPr>
@@ -25280,7 +25264,7 @@
                           <m:endChr m:val="]"/>
                           <m:ctrlPr>
                             <a:rPr lang="de-DE" i="1">
-                              <a:latin typeface="Cambria Math"/>
+                              <a:latin typeface="Cambria Math" panose="02040503050406030204" pitchFamily="18" charset="0"/>
                               <a:ea typeface="Cambria Math" panose="02040503050406030204" pitchFamily="18" charset="0"/>
                             </a:rPr>
                           </m:ctrlPr>
@@ -25298,7 +25282,7 @@
                               </m:mcs>
                               <m:ctrlPr>
                                 <a:rPr lang="de-DE" i="1">
-                                  <a:latin typeface="Cambria Math"/>
+                                  <a:latin typeface="Cambria Math" panose="02040503050406030204" pitchFamily="18" charset="0"/>
                                   <a:ea typeface="Cambria Math" panose="02040503050406030204" pitchFamily="18" charset="0"/>
                                 </a:rPr>
                               </m:ctrlPr>
@@ -25350,7 +25334,7 @@
                           <m:chr m:val="̂"/>
                           <m:ctrlPr>
                             <a:rPr lang="de-DE" i="1">
-                              <a:latin typeface="Cambria Math"/>
+                              <a:latin typeface="Cambria Math" panose="02040503050406030204" pitchFamily="18" charset="0"/>
                             </a:rPr>
                           </m:ctrlPr>
                         </m:accPr>
@@ -25379,7 +25363,7 @@
                           <m:chr m:val="̂"/>
                           <m:ctrlPr>
                             <a:rPr lang="de-DE" i="1" smtClean="0">
-                              <a:latin typeface="Cambria Math"/>
+                              <a:latin typeface="Cambria Math" panose="02040503050406030204" pitchFamily="18" charset="0"/>
                               <a:ea typeface="Cambria Math" panose="02040503050406030204" pitchFamily="18" charset="0"/>
                             </a:rPr>
                           </m:ctrlPr>
@@ -25405,7 +25389,7 @@
                         <m:sSupPr>
                           <m:ctrlPr>
                             <a:rPr lang="de-DE" i="1">
-                              <a:latin typeface="Cambria Math"/>
+                              <a:latin typeface="Cambria Math" panose="02040503050406030204" pitchFamily="18" charset="0"/>
                               <a:ea typeface="Cambria Math" panose="02040503050406030204" pitchFamily="18" charset="0"/>
                             </a:rPr>
                           </m:ctrlPr>
@@ -25417,7 +25401,7 @@
                               <m:endChr m:val="]"/>
                               <m:ctrlPr>
                                 <a:rPr lang="de-DE" i="1">
-                                  <a:latin typeface="Cambria Math"/>
+                                  <a:latin typeface="Cambria Math" panose="02040503050406030204" pitchFamily="18" charset="0"/>
                                   <a:ea typeface="Cambria Math" panose="02040503050406030204" pitchFamily="18" charset="0"/>
                                 </a:rPr>
                               </m:ctrlPr>
@@ -25435,7 +25419,7 @@
                                   </m:mcs>
                                   <m:ctrlPr>
                                     <a:rPr lang="de-DE" i="1">
-                                      <a:latin typeface="Cambria Math"/>
+                                      <a:latin typeface="Cambria Math" panose="02040503050406030204" pitchFamily="18" charset="0"/>
                                       <a:ea typeface="Cambria Math" panose="02040503050406030204" pitchFamily="18" charset="0"/>
                                     </a:rPr>
                                   </m:ctrlPr>
@@ -25446,7 +25430,7 @@
                                       <m:sSupPr>
                                         <m:ctrlPr>
                                           <a:rPr lang="de-DE" i="1">
-                                            <a:latin typeface="Cambria Math"/>
+                                            <a:latin typeface="Cambria Math" panose="02040503050406030204" pitchFamily="18" charset="0"/>
                                             <a:ea typeface="Cambria Math" panose="02040503050406030204" pitchFamily="18" charset="0"/>
                                           </a:rPr>
                                         </m:ctrlPr>
@@ -25457,7 +25441,7 @@
                                             <m:chr m:val="̂"/>
                                             <m:ctrlPr>
                                               <a:rPr lang="de-DE" i="1" smtClean="0">
-                                                <a:latin typeface="Cambria Math"/>
+                                                <a:latin typeface="Cambria Math" panose="02040503050406030204" pitchFamily="18" charset="0"/>
                                                 <a:ea typeface="Cambria Math" panose="02040503050406030204" pitchFamily="18" charset="0"/>
                                               </a:rPr>
                                             </m:ctrlPr>
@@ -25492,7 +25476,7 @@
                                       <m:sSupPr>
                                         <m:ctrlPr>
                                           <a:rPr lang="de-DE" i="1">
-                                            <a:latin typeface="Cambria Math"/>
+                                            <a:latin typeface="Cambria Math" panose="02040503050406030204" pitchFamily="18" charset="0"/>
                                             <a:ea typeface="Cambria Math" panose="02040503050406030204" pitchFamily="18" charset="0"/>
                                           </a:rPr>
                                         </m:ctrlPr>
@@ -25503,7 +25487,7 @@
                                             <m:chr m:val="̂"/>
                                             <m:ctrlPr>
                                               <a:rPr lang="de-DE" i="1" smtClean="0">
-                                                <a:latin typeface="Cambria Math"/>
+                                                <a:latin typeface="Cambria Math" panose="02040503050406030204" pitchFamily="18" charset="0"/>
                                                 <a:ea typeface="Cambria Math" panose="02040503050406030204" pitchFamily="18" charset="0"/>
                                               </a:rPr>
                                             </m:ctrlPr>
@@ -25536,7 +25520,7 @@
                                         <m:chr m:val="̂"/>
                                         <m:ctrlPr>
                                           <a:rPr lang="de-DE" i="1" smtClean="0">
-                                            <a:latin typeface="Cambria Math"/>
+                                            <a:latin typeface="Cambria Math" panose="02040503050406030204" pitchFamily="18" charset="0"/>
                                             <a:ea typeface="Cambria Math" panose="02040503050406030204" pitchFamily="18" charset="0"/>
                                           </a:rPr>
                                         </m:ctrlPr>
@@ -25685,7 +25669,7 @@
                           <m:chr m:val="̇"/>
                           <m:ctrlPr>
                             <a:rPr lang="de-DE" b="0" i="1" smtClean="0">
-                              <a:latin typeface="Cambria Math"/>
+                              <a:latin typeface="Cambria Math" panose="02040503050406030204" pitchFamily="18" charset="0"/>
                             </a:rPr>
                           </m:ctrlPr>
                         </m:accPr>
@@ -25695,7 +25679,7 @@
                               <m:chr m:val="̃"/>
                               <m:ctrlPr>
                                 <a:rPr lang="de-DE" b="0" i="1" smtClean="0">
-                                  <a:latin typeface="Cambria Math"/>
+                                  <a:latin typeface="Cambria Math" panose="02040503050406030204" pitchFamily="18" charset="0"/>
                                 </a:rPr>
                               </m:ctrlPr>
                             </m:accPr>
@@ -25721,7 +25705,7 @@
                           <m:chr m:val="̇"/>
                           <m:ctrlPr>
                             <a:rPr lang="de-DE" b="0" i="1" smtClean="0">
-                              <a:latin typeface="Cambria Math"/>
+                              <a:latin typeface="Cambria Math" panose="02040503050406030204" pitchFamily="18" charset="0"/>
                             </a:rPr>
                           </m:ctrlPr>
                         </m:accPr>
@@ -25745,7 +25729,7 @@
                           <m:chr m:val="̇"/>
                           <m:ctrlPr>
                             <a:rPr lang="de-DE" b="0" i="1" smtClean="0">
-                              <a:latin typeface="Cambria Math"/>
+                              <a:latin typeface="Cambria Math" panose="02040503050406030204" pitchFamily="18" charset="0"/>
                             </a:rPr>
                           </m:ctrlPr>
                         </m:accPr>
@@ -25755,7 +25739,7 @@
                               <m:chr m:val="̂"/>
                               <m:ctrlPr>
                                 <a:rPr lang="de-DE" b="0" i="1" smtClean="0">
-                                  <a:latin typeface="Cambria Math"/>
+                                  <a:latin typeface="Cambria Math" panose="02040503050406030204" pitchFamily="18" charset="0"/>
                                 </a:rPr>
                               </m:ctrlPr>
                             </m:accPr>
@@ -25780,7 +25764,7 @@
                         <m:dPr>
                           <m:ctrlPr>
                             <a:rPr lang="de-DE" b="0" i="1" smtClean="0">
-                              <a:latin typeface="Cambria Math"/>
+                              <a:latin typeface="Cambria Math" panose="02040503050406030204" pitchFamily="18" charset="0"/>
                             </a:rPr>
                           </m:ctrlPr>
                         </m:dPr>
@@ -25817,7 +25801,7 @@
                           <m:chr m:val="̃"/>
                           <m:ctrlPr>
                             <a:rPr lang="de-DE" b="0" i="1" smtClean="0">
-                              <a:latin typeface="Cambria Math"/>
+                              <a:latin typeface="Cambria Math" panose="02040503050406030204" pitchFamily="18" charset="0"/>
                               <a:ea typeface="Cambria Math" panose="02040503050406030204" pitchFamily="18" charset="0"/>
                             </a:rPr>
                           </m:ctrlPr>
@@ -26721,7 +26705,7 @@
                         <m:sSubPr>
                           <m:ctrlPr>
                             <a:rPr lang="de-DE" i="1" kern="0" smtClean="0">
-                              <a:latin typeface="Cambria Math"/>
+                              <a:latin typeface="Cambria Math" panose="02040503050406030204" pitchFamily="18" charset="0"/>
                             </a:rPr>
                           </m:ctrlPr>
                         </m:sSubPr>
@@ -26752,7 +26736,7 @@
                         <m:sSubPr>
                           <m:ctrlPr>
                             <a:rPr lang="de-DE" i="1" kern="0" smtClean="0">
-                              <a:latin typeface="Cambria Math"/>
+                              <a:latin typeface="Cambria Math" panose="02040503050406030204" pitchFamily="18" charset="0"/>
                             </a:rPr>
                           </m:ctrlPr>
                         </m:sSubPr>
@@ -26791,7 +26775,7 @@
                         <m:sSubPr>
                           <m:ctrlPr>
                             <a:rPr lang="de-DE" i="1" kern="0" smtClean="0">
-                              <a:latin typeface="Cambria Math"/>
+                              <a:latin typeface="Cambria Math" panose="02040503050406030204" pitchFamily="18" charset="0"/>
                               <a:sym typeface="Symbol" panose="05050102010706020507" pitchFamily="18" charset="2"/>
                             </a:rPr>
                           </m:ctrlPr>
@@ -26826,7 +26810,7 @@
                         <m:sSubPr>
                           <m:ctrlPr>
                             <a:rPr lang="de-DE" i="1" kern="0" smtClean="0">
-                              <a:latin typeface="Cambria Math"/>
+                              <a:latin typeface="Cambria Math" panose="02040503050406030204" pitchFamily="18" charset="0"/>
                               <a:sym typeface="Symbol" panose="05050102010706020507" pitchFamily="18" charset="2"/>
                             </a:rPr>
                           </m:ctrlPr>
@@ -26940,7 +26924,7 @@
       </p:pic>
       <p:pic>
         <p:nvPicPr>
-          <p:cNvPr id="7" name="Grafik 6"/>
+          <p:cNvPr id="8" name="Grafik 7"/>
           <p:cNvPicPr>
             <a:picLocks noChangeAspect="1"/>
           </p:cNvPicPr>
@@ -26948,13 +26932,13 @@
         </p:nvPicPr>
         <p:blipFill rotWithShape="1">
           <a:blip r:embed="rId5"/>
-          <a:srcRect l="40560" t="20947"/>
+          <a:srcRect l="30869" t="22092" b="8095"/>
           <a:stretch/>
         </p:blipFill>
         <p:spPr>
           <a:xfrm>
-            <a:off x="5017222" y="1628800"/>
-            <a:ext cx="3657503" cy="3782179"/>
+            <a:off x="4283968" y="1595044"/>
+            <a:ext cx="4352968" cy="3418032"/>
           </a:xfrm>
           <a:prstGeom prst="rect">
             <a:avLst/>
@@ -28900,7 +28884,7 @@
   <a:extraClrSchemeLst/>
   <a:extLst>
     <a:ext uri="{05A4C25C-085E-4340-85A3-A5531E510DB2}">
-      <thm15:themeFamily xmlns:thm15="http://schemas.microsoft.com/office/thememl/2012/main" xmlns="" name="Office Theme" id="{62F939B6-93AF-4DB8-9C6B-D6C7DFDC589F}" vid="{4A3C46E8-61CC-4603-A589-7422A47A8E4A}"/>
+      <thm15:themeFamily xmlns:thm15="http://schemas.microsoft.com/office/thememl/2012/main" name="Office Theme" id="{62F939B6-93AF-4DB8-9C6B-D6C7DFDC589F}" vid="{4A3C46E8-61CC-4603-A589-7422A47A8E4A}"/>
     </a:ext>
   </a:extLst>
 </a:theme>
